--- a/slides/TFM.pptx
+++ b/slides/TFM.pptx
@@ -7,13 +7,20 @@
     <p:sldMasterId id="2147483674" r:id="rId3"/>
   </p:sldMasterIdLst>
   <p:notesMasterIdLst>
-    <p:notesMasterId r:id="rId8"/>
+    <p:notesMasterId r:id="rId15"/>
   </p:notesMasterIdLst>
   <p:sldIdLst>
     <p:sldId id="256" r:id="rId4"/>
     <p:sldId id="266" r:id="rId5"/>
     <p:sldId id="264" r:id="rId6"/>
-    <p:sldId id="267" r:id="rId7"/>
+    <p:sldId id="270" r:id="rId7"/>
+    <p:sldId id="267" r:id="rId8"/>
+    <p:sldId id="271" r:id="rId9"/>
+    <p:sldId id="268" r:id="rId10"/>
+    <p:sldId id="272" r:id="rId11"/>
+    <p:sldId id="273" r:id="rId12"/>
+    <p:sldId id="274" r:id="rId13"/>
+    <p:sldId id="275" r:id="rId14"/>
   </p:sldIdLst>
   <p:sldSz cx="12192000" cy="6858000"/>
   <p:notesSz cx="6858000" cy="9144000"/>
@@ -3147,788 +3154,6 @@
 </dgm:colorsDef>
 </file>
 
-<file path=ppt/diagrams/colors5.xml><?xml version="1.0" encoding="utf-8"?>
-<dgm:colorsDef xmlns:dgm="http://schemas.openxmlformats.org/drawingml/2006/diagram" xmlns:a="http://schemas.openxmlformats.org/drawingml/2006/main" uniqueId="urn:microsoft.com/office/officeart/2005/8/colors/colorful4">
-  <dgm:title val=""/>
-  <dgm:desc val=""/>
-  <dgm:catLst>
-    <dgm:cat type="colorful" pri="10400"/>
-  </dgm:catLst>
-  <dgm:styleLbl name="node0">
-    <dgm:fillClrLst meth="repeat">
-      <a:schemeClr val="accent3"/>
-    </dgm:fillClrLst>
-    <dgm:linClrLst meth="repeat">
-      <a:schemeClr val="lt1"/>
-    </dgm:linClrLst>
-    <dgm:effectClrLst/>
-    <dgm:txLinClrLst/>
-    <dgm:txFillClrLst/>
-    <dgm:txEffectClrLst/>
-  </dgm:styleLbl>
-  <dgm:styleLbl name="node1">
-    <dgm:fillClrLst>
-      <a:schemeClr val="accent4"/>
-      <a:schemeClr val="accent5"/>
-    </dgm:fillClrLst>
-    <dgm:linClrLst meth="repeat">
-      <a:schemeClr val="lt1"/>
-    </dgm:linClrLst>
-    <dgm:effectClrLst/>
-    <dgm:txLinClrLst/>
-    <dgm:txFillClrLst/>
-    <dgm:txEffectClrLst/>
-  </dgm:styleLbl>
-  <dgm:styleLbl name="alignNode1">
-    <dgm:fillClrLst>
-      <a:schemeClr val="accent4"/>
-      <a:schemeClr val="accent5"/>
-    </dgm:fillClrLst>
-    <dgm:linClrLst>
-      <a:schemeClr val="accent4"/>
-      <a:schemeClr val="accent5"/>
-    </dgm:linClrLst>
-    <dgm:effectClrLst/>
-    <dgm:txLinClrLst/>
-    <dgm:txFillClrLst/>
-    <dgm:txEffectClrLst/>
-  </dgm:styleLbl>
-  <dgm:styleLbl name="lnNode1">
-    <dgm:fillClrLst>
-      <a:schemeClr val="accent4"/>
-      <a:schemeClr val="accent5"/>
-    </dgm:fillClrLst>
-    <dgm:linClrLst meth="repeat">
-      <a:schemeClr val="lt1"/>
-    </dgm:linClrLst>
-    <dgm:effectClrLst/>
-    <dgm:txLinClrLst/>
-    <dgm:txFillClrLst/>
-    <dgm:txEffectClrLst/>
-  </dgm:styleLbl>
-  <dgm:styleLbl name="vennNode1">
-    <dgm:fillClrLst>
-      <a:schemeClr val="accent4">
-        <a:alpha val="50000"/>
-      </a:schemeClr>
-      <a:schemeClr val="accent5">
-        <a:alpha val="50000"/>
-      </a:schemeClr>
-    </dgm:fillClrLst>
-    <dgm:linClrLst meth="repeat">
-      <a:schemeClr val="lt1"/>
-    </dgm:linClrLst>
-    <dgm:effectClrLst/>
-    <dgm:txLinClrLst/>
-    <dgm:txFillClrLst/>
-    <dgm:txEffectClrLst/>
-  </dgm:styleLbl>
-  <dgm:styleLbl name="node2">
-    <dgm:fillClrLst>
-      <a:schemeClr val="accent5"/>
-    </dgm:fillClrLst>
-    <dgm:linClrLst meth="repeat">
-      <a:schemeClr val="lt1"/>
-    </dgm:linClrLst>
-    <dgm:effectClrLst/>
-    <dgm:txLinClrLst/>
-    <dgm:txFillClrLst/>
-    <dgm:txEffectClrLst/>
-  </dgm:styleLbl>
-  <dgm:styleLbl name="node3">
-    <dgm:fillClrLst>
-      <a:schemeClr val="accent6"/>
-    </dgm:fillClrLst>
-    <dgm:linClrLst meth="repeat">
-      <a:schemeClr val="lt1"/>
-    </dgm:linClrLst>
-    <dgm:effectClrLst/>
-    <dgm:txLinClrLst/>
-    <dgm:txFillClrLst/>
-    <dgm:txEffectClrLst/>
-  </dgm:styleLbl>
-  <dgm:styleLbl name="node4">
-    <dgm:fillClrLst>
-      <a:schemeClr val="accent1"/>
-    </dgm:fillClrLst>
-    <dgm:linClrLst meth="repeat">
-      <a:schemeClr val="lt1"/>
-    </dgm:linClrLst>
-    <dgm:effectClrLst/>
-    <dgm:txLinClrLst/>
-    <dgm:txFillClrLst/>
-    <dgm:txEffectClrLst/>
-  </dgm:styleLbl>
-  <dgm:styleLbl name="fgImgPlace1">
-    <dgm:fillClrLst>
-      <a:schemeClr val="accent4">
-        <a:tint val="50000"/>
-      </a:schemeClr>
-      <a:schemeClr val="accent5">
-        <a:tint val="50000"/>
-      </a:schemeClr>
-    </dgm:fillClrLst>
-    <dgm:linClrLst meth="repeat">
-      <a:schemeClr val="lt1"/>
-    </dgm:linClrLst>
-    <dgm:effectClrLst/>
-    <dgm:txLinClrLst/>
-    <dgm:txFillClrLst meth="repeat">
-      <a:schemeClr val="lt1"/>
-    </dgm:txFillClrLst>
-    <dgm:txEffectClrLst/>
-  </dgm:styleLbl>
-  <dgm:styleLbl name="alignImgPlace1">
-    <dgm:fillClrLst>
-      <a:schemeClr val="accent4">
-        <a:tint val="50000"/>
-      </a:schemeClr>
-      <a:schemeClr val="accent5">
-        <a:tint val="20000"/>
-      </a:schemeClr>
-    </dgm:fillClrLst>
-    <dgm:linClrLst meth="repeat">
-      <a:schemeClr val="lt1"/>
-    </dgm:linClrLst>
-    <dgm:effectClrLst/>
-    <dgm:txLinClrLst/>
-    <dgm:txFillClrLst meth="repeat">
-      <a:schemeClr val="lt1"/>
-    </dgm:txFillClrLst>
-    <dgm:txEffectClrLst/>
-  </dgm:styleLbl>
-  <dgm:styleLbl name="bgImgPlace1">
-    <dgm:fillClrLst>
-      <a:schemeClr val="accent4">
-        <a:tint val="50000"/>
-      </a:schemeClr>
-      <a:schemeClr val="accent5">
-        <a:tint val="20000"/>
-      </a:schemeClr>
-    </dgm:fillClrLst>
-    <dgm:linClrLst meth="repeat">
-      <a:schemeClr val="lt1"/>
-    </dgm:linClrLst>
-    <dgm:effectClrLst/>
-    <dgm:txLinClrLst/>
-    <dgm:txFillClrLst meth="repeat">
-      <a:schemeClr val="lt1"/>
-    </dgm:txFillClrLst>
-    <dgm:txEffectClrLst/>
-  </dgm:styleLbl>
-  <dgm:styleLbl name="sibTrans2D1">
-    <dgm:fillClrLst>
-      <a:schemeClr val="accent4"/>
-      <a:schemeClr val="accent5"/>
-    </dgm:fillClrLst>
-    <dgm:linClrLst meth="repeat">
-      <a:schemeClr val="lt1"/>
-    </dgm:linClrLst>
-    <dgm:effectClrLst/>
-    <dgm:txLinClrLst/>
-    <dgm:txFillClrLst/>
-    <dgm:txEffectClrLst/>
-  </dgm:styleLbl>
-  <dgm:styleLbl name="fgSibTrans2D1">
-    <dgm:fillClrLst>
-      <a:schemeClr val="accent4"/>
-      <a:schemeClr val="accent5"/>
-    </dgm:fillClrLst>
-    <dgm:linClrLst meth="repeat">
-      <a:schemeClr val="lt1"/>
-    </dgm:linClrLst>
-    <dgm:effectClrLst/>
-    <dgm:txLinClrLst/>
-    <dgm:txFillClrLst meth="repeat">
-      <a:schemeClr val="lt1"/>
-    </dgm:txFillClrLst>
-    <dgm:txEffectClrLst/>
-  </dgm:styleLbl>
-  <dgm:styleLbl name="bgSibTrans2D1">
-    <dgm:fillClrLst>
-      <a:schemeClr val="accent4"/>
-      <a:schemeClr val="accent5"/>
-    </dgm:fillClrLst>
-    <dgm:linClrLst meth="repeat">
-      <a:schemeClr val="lt1"/>
-    </dgm:linClrLst>
-    <dgm:effectClrLst/>
-    <dgm:txLinClrLst/>
-    <dgm:txFillClrLst meth="repeat">
-      <a:schemeClr val="lt1"/>
-    </dgm:txFillClrLst>
-    <dgm:txEffectClrLst/>
-  </dgm:styleLbl>
-  <dgm:styleLbl name="sibTrans1D1">
-    <dgm:fillClrLst/>
-    <dgm:linClrLst>
-      <a:schemeClr val="accent4"/>
-      <a:schemeClr val="accent5"/>
-    </dgm:linClrLst>
-    <dgm:effectClrLst/>
-    <dgm:txLinClrLst/>
-    <dgm:txFillClrLst meth="repeat">
-      <a:schemeClr val="tx1"/>
-    </dgm:txFillClrLst>
-    <dgm:txEffectClrLst/>
-  </dgm:styleLbl>
-  <dgm:styleLbl name="callout">
-    <dgm:fillClrLst meth="repeat">
-      <a:schemeClr val="accent4"/>
-    </dgm:fillClrLst>
-    <dgm:linClrLst meth="repeat">
-      <a:schemeClr val="accent4">
-        <a:tint val="50000"/>
-      </a:schemeClr>
-    </dgm:linClrLst>
-    <dgm:effectClrLst/>
-    <dgm:txLinClrLst/>
-    <dgm:txFillClrLst meth="repeat">
-      <a:schemeClr val="tx1"/>
-    </dgm:txFillClrLst>
-    <dgm:txEffectClrLst/>
-  </dgm:styleLbl>
-  <dgm:styleLbl name="asst0">
-    <dgm:fillClrLst meth="repeat">
-      <a:schemeClr val="accent4"/>
-    </dgm:fillClrLst>
-    <dgm:linClrLst meth="repeat">
-      <a:schemeClr val="lt1">
-        <a:shade val="80000"/>
-      </a:schemeClr>
-    </dgm:linClrLst>
-    <dgm:effectClrLst/>
-    <dgm:txLinClrLst/>
-    <dgm:txFillClrLst/>
-    <dgm:txEffectClrLst/>
-  </dgm:styleLbl>
-  <dgm:styleLbl name="asst1">
-    <dgm:fillClrLst meth="repeat">
-      <a:schemeClr val="accent5"/>
-    </dgm:fillClrLst>
-    <dgm:linClrLst meth="repeat">
-      <a:schemeClr val="lt1">
-        <a:shade val="80000"/>
-      </a:schemeClr>
-    </dgm:linClrLst>
-    <dgm:effectClrLst/>
-    <dgm:txLinClrLst/>
-    <dgm:txFillClrLst/>
-    <dgm:txEffectClrLst/>
-  </dgm:styleLbl>
-  <dgm:styleLbl name="asst2">
-    <dgm:fillClrLst>
-      <a:schemeClr val="accent6"/>
-    </dgm:fillClrLst>
-    <dgm:linClrLst meth="repeat">
-      <a:schemeClr val="lt1"/>
-    </dgm:linClrLst>
-    <dgm:effectClrLst/>
-    <dgm:txLinClrLst/>
-    <dgm:txFillClrLst/>
-    <dgm:txEffectClrLst/>
-  </dgm:styleLbl>
-  <dgm:styleLbl name="asst3">
-    <dgm:fillClrLst>
-      <a:schemeClr val="accent1"/>
-    </dgm:fillClrLst>
-    <dgm:linClrLst meth="repeat">
-      <a:schemeClr val="lt1"/>
-    </dgm:linClrLst>
-    <dgm:effectClrLst/>
-    <dgm:txLinClrLst/>
-    <dgm:txFillClrLst/>
-    <dgm:txEffectClrLst/>
-  </dgm:styleLbl>
-  <dgm:styleLbl name="asst4">
-    <dgm:fillClrLst>
-      <a:schemeClr val="accent2"/>
-    </dgm:fillClrLst>
-    <dgm:linClrLst meth="repeat">
-      <a:schemeClr val="lt1"/>
-    </dgm:linClrLst>
-    <dgm:effectClrLst/>
-    <dgm:txLinClrLst/>
-    <dgm:txFillClrLst/>
-    <dgm:txEffectClrLst/>
-  </dgm:styleLbl>
-  <dgm:styleLbl name="parChTrans2D1">
-    <dgm:fillClrLst meth="repeat">
-      <a:schemeClr val="accent4"/>
-    </dgm:fillClrLst>
-    <dgm:linClrLst meth="repeat">
-      <a:schemeClr val="lt1"/>
-    </dgm:linClrLst>
-    <dgm:effectClrLst/>
-    <dgm:txLinClrLst/>
-    <dgm:txFillClrLst meth="repeat">
-      <a:schemeClr val="lt1"/>
-    </dgm:txFillClrLst>
-    <dgm:txEffectClrLst/>
-  </dgm:styleLbl>
-  <dgm:styleLbl name="parChTrans2D2">
-    <dgm:fillClrLst meth="repeat">
-      <a:schemeClr val="accent5"/>
-    </dgm:fillClrLst>
-    <dgm:linClrLst meth="repeat">
-      <a:schemeClr val="lt1"/>
-    </dgm:linClrLst>
-    <dgm:effectClrLst/>
-    <dgm:txLinClrLst/>
-    <dgm:txFillClrLst/>
-    <dgm:txEffectClrLst/>
-  </dgm:styleLbl>
-  <dgm:styleLbl name="parChTrans2D3">
-    <dgm:fillClrLst meth="repeat">
-      <a:schemeClr val="accent5"/>
-    </dgm:fillClrLst>
-    <dgm:linClrLst meth="repeat">
-      <a:schemeClr val="lt1"/>
-    </dgm:linClrLst>
-    <dgm:effectClrLst/>
-    <dgm:txLinClrLst/>
-    <dgm:txFillClrLst/>
-    <dgm:txEffectClrLst/>
-  </dgm:styleLbl>
-  <dgm:styleLbl name="parChTrans2D4">
-    <dgm:fillClrLst meth="repeat">
-      <a:schemeClr val="accent6"/>
-    </dgm:fillClrLst>
-    <dgm:linClrLst meth="repeat">
-      <a:schemeClr val="lt1"/>
-    </dgm:linClrLst>
-    <dgm:effectClrLst/>
-    <dgm:txLinClrLst/>
-    <dgm:txFillClrLst meth="repeat">
-      <a:schemeClr val="lt1"/>
-    </dgm:txFillClrLst>
-    <dgm:txEffectClrLst/>
-  </dgm:styleLbl>
-  <dgm:styleLbl name="parChTrans1D1">
-    <dgm:fillClrLst meth="repeat">
-      <a:schemeClr val="accent4"/>
-    </dgm:fillClrLst>
-    <dgm:linClrLst meth="repeat">
-      <a:schemeClr val="accent4"/>
-    </dgm:linClrLst>
-    <dgm:effectClrLst/>
-    <dgm:txLinClrLst/>
-    <dgm:txFillClrLst meth="repeat">
-      <a:schemeClr val="tx1"/>
-    </dgm:txFillClrLst>
-    <dgm:txEffectClrLst/>
-  </dgm:styleLbl>
-  <dgm:styleLbl name="parChTrans1D2">
-    <dgm:fillClrLst meth="repeat">
-      <a:schemeClr val="accent4">
-        <a:tint val="90000"/>
-      </a:schemeClr>
-    </dgm:fillClrLst>
-    <dgm:linClrLst meth="repeat">
-      <a:schemeClr val="accent5"/>
-    </dgm:linClrLst>
-    <dgm:effectClrLst/>
-    <dgm:txLinClrLst/>
-    <dgm:txFillClrLst meth="repeat">
-      <a:schemeClr val="tx1"/>
-    </dgm:txFillClrLst>
-    <dgm:txEffectClrLst/>
-  </dgm:styleLbl>
-  <dgm:styleLbl name="parChTrans1D3">
-    <dgm:fillClrLst meth="repeat">
-      <a:schemeClr val="accent4">
-        <a:tint val="70000"/>
-      </a:schemeClr>
-    </dgm:fillClrLst>
-    <dgm:linClrLst meth="repeat">
-      <a:schemeClr val="accent6"/>
-    </dgm:linClrLst>
-    <dgm:effectClrLst/>
-    <dgm:txLinClrLst/>
-    <dgm:txFillClrLst meth="repeat">
-      <a:schemeClr val="tx1"/>
-    </dgm:txFillClrLst>
-    <dgm:txEffectClrLst/>
-  </dgm:styleLbl>
-  <dgm:styleLbl name="parChTrans1D4">
-    <dgm:fillClrLst meth="repeat">
-      <a:schemeClr val="accent4">
-        <a:tint val="50000"/>
-      </a:schemeClr>
-    </dgm:fillClrLst>
-    <dgm:linClrLst meth="repeat">
-      <a:schemeClr val="accent1"/>
-    </dgm:linClrLst>
-    <dgm:effectClrLst/>
-    <dgm:txLinClrLst/>
-    <dgm:txFillClrLst meth="repeat">
-      <a:schemeClr val="tx1"/>
-    </dgm:txFillClrLst>
-    <dgm:txEffectClrLst/>
-  </dgm:styleLbl>
-  <dgm:styleLbl name="fgAcc1">
-    <dgm:fillClrLst meth="repeat">
-      <a:schemeClr val="lt1">
-        <a:alpha val="90000"/>
-      </a:schemeClr>
-    </dgm:fillClrLst>
-    <dgm:linClrLst>
-      <a:schemeClr val="accent4"/>
-      <a:schemeClr val="accent5"/>
-    </dgm:linClrLst>
-    <dgm:effectClrLst/>
-    <dgm:txLinClrLst/>
-    <dgm:txFillClrLst meth="repeat">
-      <a:schemeClr val="dk1"/>
-    </dgm:txFillClrLst>
-    <dgm:txEffectClrLst/>
-  </dgm:styleLbl>
-  <dgm:styleLbl name="conFgAcc1">
-    <dgm:fillClrLst meth="repeat">
-      <a:schemeClr val="lt1">
-        <a:alpha val="90000"/>
-      </a:schemeClr>
-    </dgm:fillClrLst>
-    <dgm:linClrLst>
-      <a:schemeClr val="accent4"/>
-      <a:schemeClr val="accent5"/>
-    </dgm:linClrLst>
-    <dgm:effectClrLst/>
-    <dgm:txLinClrLst/>
-    <dgm:txFillClrLst meth="repeat">
-      <a:schemeClr val="dk1"/>
-    </dgm:txFillClrLst>
-    <dgm:txEffectClrLst/>
-  </dgm:styleLbl>
-  <dgm:styleLbl name="alignAcc1">
-    <dgm:fillClrLst meth="repeat">
-      <a:schemeClr val="lt1">
-        <a:alpha val="90000"/>
-      </a:schemeClr>
-    </dgm:fillClrLst>
-    <dgm:linClrLst>
-      <a:schemeClr val="accent4"/>
-      <a:schemeClr val="accent5"/>
-    </dgm:linClrLst>
-    <dgm:effectClrLst/>
-    <dgm:txLinClrLst/>
-    <dgm:txFillClrLst meth="repeat">
-      <a:schemeClr val="dk1"/>
-    </dgm:txFillClrLst>
-    <dgm:txEffectClrLst/>
-  </dgm:styleLbl>
-  <dgm:styleLbl name="trAlignAcc1">
-    <dgm:fillClrLst meth="repeat">
-      <a:schemeClr val="lt1">
-        <a:alpha val="40000"/>
-      </a:schemeClr>
-    </dgm:fillClrLst>
-    <dgm:linClrLst meth="repeat">
-      <a:schemeClr val="accent4"/>
-    </dgm:linClrLst>
-    <dgm:effectClrLst/>
-    <dgm:txLinClrLst/>
-    <dgm:txFillClrLst meth="repeat">
-      <a:schemeClr val="dk1"/>
-    </dgm:txFillClrLst>
-    <dgm:txEffectClrLst/>
-  </dgm:styleLbl>
-  <dgm:styleLbl name="bgAcc1">
-    <dgm:fillClrLst meth="repeat">
-      <a:schemeClr val="lt1">
-        <a:alpha val="90000"/>
-      </a:schemeClr>
-    </dgm:fillClrLst>
-    <dgm:linClrLst>
-      <a:schemeClr val="accent4"/>
-      <a:schemeClr val="accent5"/>
-    </dgm:linClrLst>
-    <dgm:effectClrLst/>
-    <dgm:txLinClrLst/>
-    <dgm:txFillClrLst meth="repeat">
-      <a:schemeClr val="dk1"/>
-    </dgm:txFillClrLst>
-    <dgm:txEffectClrLst/>
-  </dgm:styleLbl>
-  <dgm:styleLbl name="solidFgAcc1">
-    <dgm:fillClrLst meth="repeat">
-      <a:schemeClr val="lt1"/>
-    </dgm:fillClrLst>
-    <dgm:linClrLst>
-      <a:schemeClr val="accent4"/>
-      <a:schemeClr val="accent5"/>
-    </dgm:linClrLst>
-    <dgm:effectClrLst/>
-    <dgm:txLinClrLst/>
-    <dgm:txFillClrLst meth="repeat">
-      <a:schemeClr val="dk1"/>
-    </dgm:txFillClrLst>
-    <dgm:txEffectClrLst/>
-  </dgm:styleLbl>
-  <dgm:styleLbl name="solidAlignAcc1">
-    <dgm:fillClrLst meth="repeat">
-      <a:schemeClr val="lt1"/>
-    </dgm:fillClrLst>
-    <dgm:linClrLst>
-      <a:schemeClr val="accent4"/>
-      <a:schemeClr val="accent5"/>
-    </dgm:linClrLst>
-    <dgm:effectClrLst/>
-    <dgm:txLinClrLst/>
-    <dgm:txFillClrLst meth="repeat">
-      <a:schemeClr val="dk1"/>
-    </dgm:txFillClrLst>
-    <dgm:txEffectClrLst/>
-  </dgm:styleLbl>
-  <dgm:styleLbl name="solidBgAcc1">
-    <dgm:fillClrLst meth="repeat">
-      <a:schemeClr val="lt1"/>
-    </dgm:fillClrLst>
-    <dgm:linClrLst>
-      <a:schemeClr val="accent4"/>
-      <a:schemeClr val="accent5"/>
-    </dgm:linClrLst>
-    <dgm:effectClrLst/>
-    <dgm:txLinClrLst/>
-    <dgm:txFillClrLst meth="repeat">
-      <a:schemeClr val="dk1"/>
-    </dgm:txFillClrLst>
-    <dgm:txEffectClrLst/>
-  </dgm:styleLbl>
-  <dgm:styleLbl name="fgAccFollowNode1">
-    <dgm:fillClrLst>
-      <a:schemeClr val="accent4">
-        <a:tint val="40000"/>
-        <a:alpha val="90000"/>
-      </a:schemeClr>
-      <a:schemeClr val="accent5">
-        <a:tint val="40000"/>
-        <a:alpha val="90000"/>
-      </a:schemeClr>
-    </dgm:fillClrLst>
-    <dgm:linClrLst>
-      <a:schemeClr val="accent4">
-        <a:tint val="40000"/>
-        <a:alpha val="90000"/>
-      </a:schemeClr>
-      <a:schemeClr val="accent5">
-        <a:tint val="40000"/>
-        <a:alpha val="90000"/>
-      </a:schemeClr>
-    </dgm:linClrLst>
-    <dgm:effectClrLst/>
-    <dgm:txLinClrLst/>
-    <dgm:txFillClrLst meth="repeat">
-      <a:schemeClr val="dk1"/>
-    </dgm:txFillClrLst>
-    <dgm:txEffectClrLst/>
-  </dgm:styleLbl>
-  <dgm:styleLbl name="alignAccFollowNode1">
-    <dgm:fillClrLst>
-      <a:schemeClr val="accent4">
-        <a:tint val="40000"/>
-        <a:alpha val="90000"/>
-      </a:schemeClr>
-      <a:schemeClr val="accent5">
-        <a:tint val="40000"/>
-        <a:alpha val="90000"/>
-      </a:schemeClr>
-    </dgm:fillClrLst>
-    <dgm:linClrLst>
-      <a:schemeClr val="accent4">
-        <a:tint val="40000"/>
-        <a:alpha val="90000"/>
-      </a:schemeClr>
-      <a:schemeClr val="accent5">
-        <a:tint val="40000"/>
-        <a:alpha val="90000"/>
-      </a:schemeClr>
-    </dgm:linClrLst>
-    <dgm:effectClrLst/>
-    <dgm:txLinClrLst/>
-    <dgm:txFillClrLst meth="repeat">
-      <a:schemeClr val="dk1"/>
-    </dgm:txFillClrLst>
-    <dgm:txEffectClrLst/>
-  </dgm:styleLbl>
-  <dgm:styleLbl name="bgAccFollowNode1">
-    <dgm:fillClrLst>
-      <a:schemeClr val="accent4">
-        <a:tint val="40000"/>
-        <a:alpha val="90000"/>
-      </a:schemeClr>
-      <a:schemeClr val="accent5">
-        <a:tint val="40000"/>
-        <a:alpha val="90000"/>
-      </a:schemeClr>
-    </dgm:fillClrLst>
-    <dgm:linClrLst>
-      <a:schemeClr val="accent4">
-        <a:tint val="40000"/>
-        <a:alpha val="90000"/>
-      </a:schemeClr>
-      <a:schemeClr val="accent5">
-        <a:tint val="40000"/>
-        <a:alpha val="90000"/>
-      </a:schemeClr>
-    </dgm:linClrLst>
-    <dgm:effectClrLst/>
-    <dgm:txLinClrLst/>
-    <dgm:txFillClrLst meth="repeat">
-      <a:schemeClr val="dk1"/>
-    </dgm:txFillClrLst>
-    <dgm:txEffectClrLst/>
-  </dgm:styleLbl>
-  <dgm:styleLbl name="fgAcc0">
-    <dgm:fillClrLst meth="repeat">
-      <a:schemeClr val="lt1">
-        <a:alpha val="90000"/>
-      </a:schemeClr>
-    </dgm:fillClrLst>
-    <dgm:linClrLst>
-      <a:schemeClr val="accent3"/>
-    </dgm:linClrLst>
-    <dgm:effectClrLst/>
-    <dgm:txLinClrLst/>
-    <dgm:txFillClrLst meth="repeat">
-      <a:schemeClr val="dk1"/>
-    </dgm:txFillClrLst>
-    <dgm:txEffectClrLst/>
-  </dgm:styleLbl>
-  <dgm:styleLbl name="fgAcc2">
-    <dgm:fillClrLst meth="repeat">
-      <a:schemeClr val="lt1">
-        <a:alpha val="90000"/>
-      </a:schemeClr>
-    </dgm:fillClrLst>
-    <dgm:linClrLst>
-      <a:schemeClr val="accent5"/>
-    </dgm:linClrLst>
-    <dgm:effectClrLst/>
-    <dgm:txLinClrLst/>
-    <dgm:txFillClrLst meth="repeat">
-      <a:schemeClr val="dk1"/>
-    </dgm:txFillClrLst>
-    <dgm:txEffectClrLst/>
-  </dgm:styleLbl>
-  <dgm:styleLbl name="fgAcc3">
-    <dgm:fillClrLst meth="repeat">
-      <a:schemeClr val="lt1">
-        <a:alpha val="90000"/>
-      </a:schemeClr>
-    </dgm:fillClrLst>
-    <dgm:linClrLst>
-      <a:schemeClr val="accent6"/>
-    </dgm:linClrLst>
-    <dgm:effectClrLst/>
-    <dgm:txLinClrLst/>
-    <dgm:txFillClrLst meth="repeat">
-      <a:schemeClr val="dk1"/>
-    </dgm:txFillClrLst>
-    <dgm:txEffectClrLst/>
-  </dgm:styleLbl>
-  <dgm:styleLbl name="fgAcc4">
-    <dgm:fillClrLst meth="repeat">
-      <a:schemeClr val="lt1">
-        <a:alpha val="90000"/>
-      </a:schemeClr>
-    </dgm:fillClrLst>
-    <dgm:linClrLst>
-      <a:schemeClr val="accent1"/>
-    </dgm:linClrLst>
-    <dgm:effectClrLst/>
-    <dgm:txLinClrLst/>
-    <dgm:txFillClrLst meth="repeat">
-      <a:schemeClr val="dk1"/>
-    </dgm:txFillClrLst>
-    <dgm:txEffectClrLst/>
-  </dgm:styleLbl>
-  <dgm:styleLbl name="bgShp">
-    <dgm:fillClrLst meth="repeat">
-      <a:schemeClr val="accent4">
-        <a:tint val="40000"/>
-      </a:schemeClr>
-    </dgm:fillClrLst>
-    <dgm:linClrLst meth="repeat">
-      <a:schemeClr val="dk1"/>
-    </dgm:linClrLst>
-    <dgm:effectClrLst/>
-    <dgm:txLinClrLst/>
-    <dgm:txFillClrLst meth="repeat">
-      <a:schemeClr val="dk1"/>
-    </dgm:txFillClrLst>
-    <dgm:txEffectClrLst/>
-  </dgm:styleLbl>
-  <dgm:styleLbl name="dkBgShp">
-    <dgm:fillClrLst meth="repeat">
-      <a:schemeClr val="accent4">
-        <a:shade val="90000"/>
-      </a:schemeClr>
-    </dgm:fillClrLst>
-    <dgm:linClrLst meth="repeat">
-      <a:schemeClr val="dk1"/>
-    </dgm:linClrLst>
-    <dgm:effectClrLst/>
-    <dgm:txLinClrLst/>
-    <dgm:txFillClrLst meth="repeat">
-      <a:schemeClr val="lt1"/>
-    </dgm:txFillClrLst>
-    <dgm:txEffectClrLst/>
-  </dgm:styleLbl>
-  <dgm:styleLbl name="trBgShp">
-    <dgm:fillClrLst meth="repeat">
-      <a:schemeClr val="accent4">
-        <a:tint val="50000"/>
-        <a:alpha val="40000"/>
-      </a:schemeClr>
-    </dgm:fillClrLst>
-    <dgm:linClrLst meth="repeat">
-      <a:schemeClr val="accent4"/>
-    </dgm:linClrLst>
-    <dgm:effectClrLst/>
-    <dgm:txLinClrLst/>
-    <dgm:txFillClrLst meth="repeat">
-      <a:schemeClr val="lt1"/>
-    </dgm:txFillClrLst>
-    <dgm:txEffectClrLst/>
-  </dgm:styleLbl>
-  <dgm:styleLbl name="fgShp">
-    <dgm:fillClrLst meth="repeat">
-      <a:schemeClr val="accent4">
-        <a:tint val="40000"/>
-      </a:schemeClr>
-    </dgm:fillClrLst>
-    <dgm:linClrLst meth="repeat">
-      <a:schemeClr val="lt1"/>
-    </dgm:linClrLst>
-    <dgm:effectClrLst/>
-    <dgm:txLinClrLst/>
-    <dgm:txFillClrLst meth="repeat">
-      <a:schemeClr val="dk1"/>
-    </dgm:txFillClrLst>
-    <dgm:txEffectClrLst/>
-  </dgm:styleLbl>
-  <dgm:styleLbl name="revTx">
-    <dgm:fillClrLst meth="repeat">
-      <a:schemeClr val="lt1">
-        <a:alpha val="0"/>
-      </a:schemeClr>
-    </dgm:fillClrLst>
-    <dgm:linClrLst meth="repeat">
-      <a:schemeClr val="dk1">
-        <a:alpha val="0"/>
-      </a:schemeClr>
-    </dgm:linClrLst>
-    <dgm:effectClrLst/>
-    <dgm:txLinClrLst/>
-    <dgm:txFillClrLst meth="repeat">
-      <a:schemeClr val="tx1"/>
-    </dgm:txFillClrLst>
-    <dgm:txEffectClrLst/>
-  </dgm:styleLbl>
-</dgm:colorsDef>
-</file>
-
 <file path=ppt/diagrams/data1.xml><?xml version="1.0" encoding="utf-8"?>
 <dgm:dataModel xmlns:dgm="http://schemas.openxmlformats.org/drawingml/2006/diagram" xmlns:a="http://schemas.openxmlformats.org/drawingml/2006/main">
   <dgm:ptLst>
@@ -3959,7 +3184,7 @@
             <a:rPr lang="es-ES" sz="2500" b="1" dirty="0">
               <a:latin typeface="UTM Ericsson Capital" panose="02040603050506020204" pitchFamily="18" charset="0"/>
             </a:rPr>
-            <a:t>STREAMING VISUALIZATION</a:t>
+            <a:t>4. VISUALIZACIÓN STREAMING</a:t>
           </a:r>
           <a:endParaRPr lang="es-ES" sz="2500" dirty="0"/>
         </a:p>
@@ -4003,7 +3228,7 @@
             <a:rPr lang="es-ES" b="1" dirty="0">
               <a:latin typeface="UTM Ericsson Capital" panose="02040603050506020204" pitchFamily="18" charset="0"/>
             </a:rPr>
-            <a:t>DATA TRAFFIC MODELLING</a:t>
+            <a:t>1. ANÁLISIS DE TRÁFICO DE RED</a:t>
           </a:r>
         </a:p>
       </dgm:t>
@@ -4046,7 +3271,7 @@
             <a:rPr lang="es-ES" b="1" dirty="0">
               <a:latin typeface="UTM Ericsson Capital" panose="02040603050506020204" pitchFamily="18" charset="0"/>
             </a:rPr>
-            <a:t>SERVICE DETECTION</a:t>
+            <a:t>3. MONTAJE DE ESTRUCTURA DEL SISTEMA</a:t>
           </a:r>
           <a:endParaRPr lang="es-ES" b="1" dirty="0"/>
         </a:p>
@@ -4090,7 +3315,7 @@
             <a:rPr lang="es-ES" b="1" dirty="0">
               <a:latin typeface="UTM Ericsson Capital" panose="02040603050506020204" pitchFamily="18" charset="0"/>
             </a:rPr>
-            <a:t>DATA TRAFFIC WITH LABELS</a:t>
+            <a:t>2. CONSTRUCCIÓN DEL MODELO</a:t>
           </a:r>
         </a:p>
       </dgm:t>
@@ -4308,7 +3533,7 @@
             <a:rPr lang="es-ES" b="0" i="0" dirty="0">
               <a:latin typeface="UTM Ericsson Capital" panose="02040603050506020204" pitchFamily="18" charset="0"/>
             </a:rPr>
-            <a:t>TRAFFIC ANALYZER</a:t>
+            <a:t>ANALIZADOR DE TRÁFICO</a:t>
           </a:r>
         </a:p>
       </dgm:t>
@@ -4537,8 +3762,8 @@
 <file path=ppt/diagrams/data4.xml><?xml version="1.0" encoding="utf-8"?>
 <dgm:dataModel xmlns:dgm="http://schemas.openxmlformats.org/drawingml/2006/diagram" xmlns:a="http://schemas.openxmlformats.org/drawingml/2006/main">
   <dgm:ptLst>
-    <dgm:pt modelId="{CD74FAC2-BABF-4B52-8C38-F4699596A129}" type="doc">
-      <dgm:prSet loTypeId="urn:microsoft.com/office/officeart/2005/8/layout/vList6" loCatId="process" qsTypeId="urn:microsoft.com/office/officeart/2005/8/quickstyle/simple1" qsCatId="simple" csTypeId="urn:microsoft.com/office/officeart/2005/8/colors/accent1_2" csCatId="accent1" phldr="1"/>
+    <dgm:pt modelId="{6518CAAD-160B-4E69-96C7-31D57D452F8D}" type="doc">
+      <dgm:prSet loTypeId="urn:microsoft.com/office/officeart/2005/8/layout/vList2" loCatId="list" qsTypeId="urn:microsoft.com/office/officeart/2005/8/quickstyle/simple1" qsCatId="simple" csTypeId="urn:microsoft.com/office/officeart/2005/8/colors/accent1_2" csCatId="accent1" phldr="1"/>
       <dgm:spPr/>
       <dgm:t>
         <a:bodyPr/>
@@ -4548,61 +3773,28 @@
         </a:p>
       </dgm:t>
     </dgm:pt>
-    <dgm:pt modelId="{EC578BB1-CCEB-484E-92EA-AF1D7D9565D7}" type="pres">
-      <dgm:prSet presAssocID="{CD74FAC2-BABF-4B52-8C38-F4699596A129}" presName="Name0" presStyleCnt="0">
-        <dgm:presLayoutVars>
-          <dgm:dir/>
-          <dgm:animLvl val="lvl"/>
-          <dgm:resizeHandles/>
-        </dgm:presLayoutVars>
-      </dgm:prSet>
-      <dgm:spPr/>
-    </dgm:pt>
-  </dgm:ptLst>
-  <dgm:cxnLst>
-    <dgm:cxn modelId="{680F17A7-F86E-4B87-B835-6FD82C6889B8}" type="presOf" srcId="{CD74FAC2-BABF-4B52-8C38-F4699596A129}" destId="{EC578BB1-CCEB-484E-92EA-AF1D7D9565D7}" srcOrd="0" destOrd="0" presId="urn:microsoft.com/office/officeart/2005/8/layout/vList6"/>
-  </dgm:cxnLst>
-  <dgm:bg/>
-  <dgm:whole/>
-  <dgm:extLst>
-    <a:ext uri="http://schemas.microsoft.com/office/drawing/2008/diagram">
-      <dsp:dataModelExt xmlns:dsp="http://schemas.microsoft.com/office/drawing/2008/diagram" relId="rId6" minVer="http://schemas.openxmlformats.org/drawingml/2006/diagram"/>
-    </a:ext>
-  </dgm:extLst>
-</dgm:dataModel>
-</file>
-
-<file path=ppt/diagrams/data5.xml><?xml version="1.0" encoding="utf-8"?>
-<dgm:dataModel xmlns:dgm="http://schemas.openxmlformats.org/drawingml/2006/diagram" xmlns:a="http://schemas.openxmlformats.org/drawingml/2006/main">
-  <dgm:ptLst>
-    <dgm:pt modelId="{BCB234A5-1A90-482B-B09F-D30927AF0EAB}" type="doc">
-      <dgm:prSet loTypeId="urn:microsoft.com/office/officeart/2005/8/layout/equation2" loCatId="process" qsTypeId="urn:microsoft.com/office/officeart/2005/8/quickstyle/simple5" qsCatId="simple" csTypeId="urn:microsoft.com/office/officeart/2005/8/colors/colorful4" csCatId="colorful" phldr="1"/>
-      <dgm:spPr/>
-    </dgm:pt>
-    <dgm:pt modelId="{47DAA9C9-F8BC-44F4-9E15-9CFC8D2BBE2D}">
+    <dgm:pt modelId="{AAEEAF2E-D690-41F6-95A0-5153751BF49B}">
       <dgm:prSet phldrT="[Texto]"/>
       <dgm:spPr>
         <a:solidFill>
-          <a:schemeClr val="accent6"/>
+          <a:srgbClr val="002060"/>
         </a:solidFill>
       </dgm:spPr>
       <dgm:t>
         <a:bodyPr/>
         <a:lstStyle/>
         <a:p>
+          <a:pPr algn="ctr"/>
           <a:r>
-            <a:rPr lang="es-ES" b="0" i="0" dirty="0" err="1">
+            <a:rPr lang="es-ES" b="1" dirty="0">
               <a:latin typeface="UTM Ericsson Capital" panose="02040603050506020204" pitchFamily="18" charset="0"/>
             </a:rPr>
-            <a:t>Browsing</a:t>
+            <a:t>EJECUCIÓN DE LA DEMO</a:t>
           </a:r>
-          <a:endParaRPr lang="es-ES" b="0" i="0" dirty="0">
-            <a:latin typeface="UTM Ericsson Capital" panose="02040603050506020204" pitchFamily="18" charset="0"/>
-          </a:endParaRPr>
         </a:p>
       </dgm:t>
     </dgm:pt>
-    <dgm:pt modelId="{316A92B3-2DE5-4EF9-85CB-8EC83224A125}" type="parTrans" cxnId="{9EBD75F6-8542-4AA3-91A3-8FAB2BC493C9}">
+    <dgm:pt modelId="{28DA7A87-647C-495E-9E62-3D5D9978D7E5}" type="parTrans" cxnId="{A84DF5DD-50C8-465A-8B22-7E56CE865527}">
       <dgm:prSet/>
       <dgm:spPr/>
       <dgm:t>
@@ -4613,38 +3805,7 @@
         </a:p>
       </dgm:t>
     </dgm:pt>
-    <dgm:pt modelId="{C17AE711-83E3-4EB8-AA06-F410095A2F74}" type="sibTrans" cxnId="{9EBD75F6-8542-4AA3-91A3-8FAB2BC493C9}">
-      <dgm:prSet/>
-      <dgm:spPr>
-        <a:solidFill>
-          <a:schemeClr val="tx1"/>
-        </a:solidFill>
-      </dgm:spPr>
-      <dgm:t>
-        <a:bodyPr/>
-        <a:lstStyle/>
-        <a:p>
-          <a:endParaRPr lang="es-ES"/>
-        </a:p>
-      </dgm:t>
-    </dgm:pt>
-    <dgm:pt modelId="{59072C59-7335-4200-ACFA-AC63B373478A}">
-      <dgm:prSet phldrT="[Texto]"/>
-      <dgm:spPr/>
-      <dgm:t>
-        <a:bodyPr/>
-        <a:lstStyle/>
-        <a:p>
-          <a:r>
-            <a:rPr lang="es-ES" b="0" i="0" dirty="0">
-              <a:latin typeface="UTM Ericsson Capital" panose="02040603050506020204" pitchFamily="18" charset="0"/>
-            </a:rPr>
-            <a:t>TRAFFIC ANALYZER</a:t>
-          </a:r>
-        </a:p>
-      </dgm:t>
-    </dgm:pt>
-    <dgm:pt modelId="{C9CF7C33-C777-4388-B233-D9DD5683E309}" type="parTrans" cxnId="{4F24D521-9558-4DB0-8BC4-A0E3A7C71771}">
+    <dgm:pt modelId="{EC0278AA-D379-4CAD-99E3-155AC6B0B906}" type="sibTrans" cxnId="{A84DF5DD-50C8-465A-8B22-7E56CE865527}">
       <dgm:prSet/>
       <dgm:spPr/>
       <dgm:t>
@@ -4655,172 +3816,19 @@
         </a:p>
       </dgm:t>
     </dgm:pt>
-    <dgm:pt modelId="{2381139A-B4B9-4E3B-BF52-54DF299DFF14}" type="sibTrans" cxnId="{4F24D521-9558-4DB0-8BC4-A0E3A7C71771}">
-      <dgm:prSet/>
-      <dgm:spPr/>
-      <dgm:t>
-        <a:bodyPr/>
-        <a:lstStyle/>
-        <a:p>
-          <a:endParaRPr lang="es-ES"/>
-        </a:p>
-      </dgm:t>
-    </dgm:pt>
-    <dgm:pt modelId="{93114D09-422B-47A9-9C0F-58C315A43B07}">
-      <dgm:prSet phldrT="[Texto]"/>
-      <dgm:spPr/>
-      <dgm:t>
-        <a:bodyPr/>
-        <a:lstStyle/>
-        <a:p>
-          <a:r>
-            <a:rPr lang="es-ES" b="0" i="0" dirty="0">
-              <a:latin typeface="UTM Ericsson Capital" panose="02040603050506020204" pitchFamily="18" charset="0"/>
-            </a:rPr>
-            <a:t>video</a:t>
-          </a:r>
-        </a:p>
-      </dgm:t>
-    </dgm:pt>
-    <dgm:pt modelId="{C12CADC7-332A-487C-8DAA-9E9259D311B9}" type="parTrans" cxnId="{7AB72AF5-7ACE-4812-9A86-8D6DA3B0423D}">
-      <dgm:prSet/>
-      <dgm:spPr/>
-      <dgm:t>
-        <a:bodyPr/>
-        <a:lstStyle/>
-        <a:p>
-          <a:endParaRPr lang="es-ES"/>
-        </a:p>
-      </dgm:t>
-    </dgm:pt>
-    <dgm:pt modelId="{700A53E6-8174-423B-AAC3-5C1D8AB42034}" type="sibTrans" cxnId="{7AB72AF5-7ACE-4812-9A86-8D6DA3B0423D}">
-      <dgm:prSet/>
-      <dgm:spPr>
-        <a:solidFill>
-          <a:schemeClr val="tx1"/>
-        </a:solidFill>
-      </dgm:spPr>
-      <dgm:t>
-        <a:bodyPr/>
-        <a:lstStyle/>
-        <a:p>
-          <a:endParaRPr lang="es-ES"/>
-        </a:p>
-      </dgm:t>
-    </dgm:pt>
-    <dgm:pt modelId="{F5B20609-A740-4AEF-ACD6-BD91FC8CBDE0}">
-      <dgm:prSet phldrT="[Texto]"/>
-      <dgm:spPr/>
-      <dgm:t>
-        <a:bodyPr/>
-        <a:lstStyle/>
-        <a:p>
-          <a:r>
-            <a:rPr lang="es-ES" b="0" i="0" dirty="0" err="1">
-              <a:latin typeface="UTM Ericsson Capital" panose="02040603050506020204" pitchFamily="18" charset="0"/>
-            </a:rPr>
-            <a:t>voip</a:t>
-          </a:r>
-          <a:endParaRPr lang="es-ES" b="0" i="0" dirty="0">
-            <a:latin typeface="UTM Ericsson Capital" panose="02040603050506020204" pitchFamily="18" charset="0"/>
-          </a:endParaRPr>
-        </a:p>
-      </dgm:t>
-    </dgm:pt>
-    <dgm:pt modelId="{52174040-9076-4E4F-8DC2-623205E7D860}" type="parTrans" cxnId="{564D540D-6130-43FC-AD6A-2A9216669CEC}">
-      <dgm:prSet/>
-      <dgm:spPr/>
-      <dgm:t>
-        <a:bodyPr/>
-        <a:lstStyle/>
-        <a:p>
-          <a:endParaRPr lang="es-ES"/>
-        </a:p>
-      </dgm:t>
-    </dgm:pt>
-    <dgm:pt modelId="{D14685E6-E363-411D-8AE8-3FE8BE353604}" type="sibTrans" cxnId="{564D540D-6130-43FC-AD6A-2A9216669CEC}">
-      <dgm:prSet/>
-      <dgm:spPr/>
-      <dgm:t>
-        <a:bodyPr/>
-        <a:lstStyle/>
-        <a:p>
-          <a:endParaRPr lang="es-ES"/>
-        </a:p>
-      </dgm:t>
-    </dgm:pt>
-    <dgm:pt modelId="{D6118F9F-8F6E-44CE-B1AD-AA9D857C850A}" type="pres">
-      <dgm:prSet presAssocID="{BCB234A5-1A90-482B-B09F-D30927AF0EAB}" presName="Name0" presStyleCnt="0">
+    <dgm:pt modelId="{46726E8A-E034-48D8-810E-5931EE197BDA}" type="pres">
+      <dgm:prSet presAssocID="{6518CAAD-160B-4E69-96C7-31D57D452F8D}" presName="linear" presStyleCnt="0">
         <dgm:presLayoutVars>
-          <dgm:dir/>
+          <dgm:animLvl val="lvl"/>
           <dgm:resizeHandles val="exact"/>
         </dgm:presLayoutVars>
       </dgm:prSet>
       <dgm:spPr/>
     </dgm:pt>
-    <dgm:pt modelId="{6919465B-C4C7-4DEB-A6A1-B20626782851}" type="pres">
-      <dgm:prSet presAssocID="{BCB234A5-1A90-482B-B09F-D30927AF0EAB}" presName="vNodes" presStyleCnt="0"/>
-      <dgm:spPr/>
-    </dgm:pt>
-    <dgm:pt modelId="{C5D81DD4-FF1E-4C09-BEED-29FEA2ED22C5}" type="pres">
-      <dgm:prSet presAssocID="{47DAA9C9-F8BC-44F4-9E15-9CFC8D2BBE2D}" presName="node" presStyleLbl="node1" presStyleIdx="0" presStyleCnt="4" custScaleX="143021" custScaleY="131688">
+    <dgm:pt modelId="{F00FFAE7-BCC9-4A6A-95FE-6662C50222AE}" type="pres">
+      <dgm:prSet presAssocID="{AAEEAF2E-D690-41F6-95A0-5153751BF49B}" presName="parentText" presStyleLbl="node1" presStyleIdx="0" presStyleCnt="1" custScaleX="74732" custScaleY="60787">
         <dgm:presLayoutVars>
-          <dgm:bulletEnabled val="1"/>
-        </dgm:presLayoutVars>
-      </dgm:prSet>
-      <dgm:spPr/>
-    </dgm:pt>
-    <dgm:pt modelId="{86ED8393-647F-4D84-B280-5A51EAFC12E3}" type="pres">
-      <dgm:prSet presAssocID="{C17AE711-83E3-4EB8-AA06-F410095A2F74}" presName="spacerT" presStyleCnt="0"/>
-      <dgm:spPr/>
-    </dgm:pt>
-    <dgm:pt modelId="{FE69E07C-7AB1-43E0-BF20-43CD4AA3C7DE}" type="pres">
-      <dgm:prSet presAssocID="{C17AE711-83E3-4EB8-AA06-F410095A2F74}" presName="sibTrans" presStyleLbl="sibTrans2D1" presStyleIdx="0" presStyleCnt="3"/>
-      <dgm:spPr/>
-    </dgm:pt>
-    <dgm:pt modelId="{D5399EF1-CFB3-4D31-AC8D-2497F1A98B99}" type="pres">
-      <dgm:prSet presAssocID="{C17AE711-83E3-4EB8-AA06-F410095A2F74}" presName="spacerB" presStyleCnt="0"/>
-      <dgm:spPr/>
-    </dgm:pt>
-    <dgm:pt modelId="{477798D4-2D39-41E0-8CA7-C3250BE5B3DC}" type="pres">
-      <dgm:prSet presAssocID="{93114D09-422B-47A9-9C0F-58C315A43B07}" presName="node" presStyleLbl="node1" presStyleIdx="1" presStyleCnt="4" custScaleX="143021" custScaleY="131688">
-        <dgm:presLayoutVars>
-          <dgm:bulletEnabled val="1"/>
-        </dgm:presLayoutVars>
-      </dgm:prSet>
-      <dgm:spPr/>
-    </dgm:pt>
-    <dgm:pt modelId="{D774BB7E-9437-426C-84CA-36E2A49D7806}" type="pres">
-      <dgm:prSet presAssocID="{700A53E6-8174-423B-AAC3-5C1D8AB42034}" presName="spacerT" presStyleCnt="0"/>
-      <dgm:spPr/>
-    </dgm:pt>
-    <dgm:pt modelId="{55F5FE3A-456F-4F01-978B-AAA5853012FC}" type="pres">
-      <dgm:prSet presAssocID="{700A53E6-8174-423B-AAC3-5C1D8AB42034}" presName="sibTrans" presStyleLbl="sibTrans2D1" presStyleIdx="1" presStyleCnt="3"/>
-      <dgm:spPr/>
-    </dgm:pt>
-    <dgm:pt modelId="{5F25D308-DC8A-42DB-9BD4-80B6A2ABC6CC}" type="pres">
-      <dgm:prSet presAssocID="{700A53E6-8174-423B-AAC3-5C1D8AB42034}" presName="spacerB" presStyleCnt="0"/>
-      <dgm:spPr/>
-    </dgm:pt>
-    <dgm:pt modelId="{E8DDB3DE-BFA5-42A1-9ACE-40DC1834B3D1}" type="pres">
-      <dgm:prSet presAssocID="{F5B20609-A740-4AEF-ACD6-BD91FC8CBDE0}" presName="node" presStyleLbl="node1" presStyleIdx="2" presStyleCnt="4" custScaleX="143021" custScaleY="131688">
-        <dgm:presLayoutVars>
-          <dgm:bulletEnabled val="1"/>
-        </dgm:presLayoutVars>
-      </dgm:prSet>
-      <dgm:spPr/>
-    </dgm:pt>
-    <dgm:pt modelId="{3088EA6E-737E-40D8-A660-AB3E4197EA70}" type="pres">
-      <dgm:prSet presAssocID="{BCB234A5-1A90-482B-B09F-D30927AF0EAB}" presName="sibTransLast" presStyleLbl="sibTrans2D1" presStyleIdx="2" presStyleCnt="3"/>
-      <dgm:spPr/>
-    </dgm:pt>
-    <dgm:pt modelId="{3F1D9FC1-0376-439D-9FCA-A2BC8423F20C}" type="pres">
-      <dgm:prSet presAssocID="{BCB234A5-1A90-482B-B09F-D30927AF0EAB}" presName="connectorText" presStyleLbl="sibTrans2D1" presStyleIdx="2" presStyleCnt="3"/>
-      <dgm:spPr/>
-    </dgm:pt>
-    <dgm:pt modelId="{6DC66EDD-816C-4DF8-9B4F-088D4CC2E986}" type="pres">
-      <dgm:prSet presAssocID="{BCB234A5-1A90-482B-B09F-D30927AF0EAB}" presName="lastNode" presStyleLbl="node1" presStyleIdx="3" presStyleCnt="4">
-        <dgm:presLayoutVars>
+          <dgm:chMax val="0"/>
           <dgm:bulletEnabled val="1"/>
         </dgm:presLayoutVars>
       </dgm:prSet>
@@ -4828,38 +3836,16 @@
     </dgm:pt>
   </dgm:ptLst>
   <dgm:cxnLst>
-    <dgm:cxn modelId="{9FC75F05-F3E6-4805-9BE9-033C2583BD94}" type="presOf" srcId="{59072C59-7335-4200-ACFA-AC63B373478A}" destId="{6DC66EDD-816C-4DF8-9B4F-088D4CC2E986}" srcOrd="0" destOrd="0" presId="urn:microsoft.com/office/officeart/2005/8/layout/equation2"/>
-    <dgm:cxn modelId="{564D540D-6130-43FC-AD6A-2A9216669CEC}" srcId="{BCB234A5-1A90-482B-B09F-D30927AF0EAB}" destId="{F5B20609-A740-4AEF-ACD6-BD91FC8CBDE0}" srcOrd="2" destOrd="0" parTransId="{52174040-9076-4E4F-8DC2-623205E7D860}" sibTransId="{D14685E6-E363-411D-8AE8-3FE8BE353604}"/>
-    <dgm:cxn modelId="{4F24D521-9558-4DB0-8BC4-A0E3A7C71771}" srcId="{BCB234A5-1A90-482B-B09F-D30927AF0EAB}" destId="{59072C59-7335-4200-ACFA-AC63B373478A}" srcOrd="3" destOrd="0" parTransId="{C9CF7C33-C777-4388-B233-D9DD5683E309}" sibTransId="{2381139A-B4B9-4E3B-BF52-54DF299DFF14}"/>
-    <dgm:cxn modelId="{9A6FA623-155A-4C5F-9E93-831CBAF51084}" type="presOf" srcId="{93114D09-422B-47A9-9C0F-58C315A43B07}" destId="{477798D4-2D39-41E0-8CA7-C3250BE5B3DC}" srcOrd="0" destOrd="0" presId="urn:microsoft.com/office/officeart/2005/8/layout/equation2"/>
-    <dgm:cxn modelId="{B26C7D63-0508-400D-935E-EB183EE7875A}" type="presOf" srcId="{C17AE711-83E3-4EB8-AA06-F410095A2F74}" destId="{FE69E07C-7AB1-43E0-BF20-43CD4AA3C7DE}" srcOrd="0" destOrd="0" presId="urn:microsoft.com/office/officeart/2005/8/layout/equation2"/>
-    <dgm:cxn modelId="{DC339294-A2BD-478D-82D6-28E831262387}" type="presOf" srcId="{700A53E6-8174-423B-AAC3-5C1D8AB42034}" destId="{55F5FE3A-456F-4F01-978B-AAA5853012FC}" srcOrd="0" destOrd="0" presId="urn:microsoft.com/office/officeart/2005/8/layout/equation2"/>
-    <dgm:cxn modelId="{773BF2AA-02C4-401E-A9F6-591459388348}" type="presOf" srcId="{D14685E6-E363-411D-8AE8-3FE8BE353604}" destId="{3F1D9FC1-0376-439D-9FCA-A2BC8423F20C}" srcOrd="1" destOrd="0" presId="urn:microsoft.com/office/officeart/2005/8/layout/equation2"/>
-    <dgm:cxn modelId="{298525DD-3365-4D4C-BD0B-FDEA7E1FC4AC}" type="presOf" srcId="{D14685E6-E363-411D-8AE8-3FE8BE353604}" destId="{3088EA6E-737E-40D8-A660-AB3E4197EA70}" srcOrd="0" destOrd="0" presId="urn:microsoft.com/office/officeart/2005/8/layout/equation2"/>
-    <dgm:cxn modelId="{995CD8F2-93F9-4FF2-9640-3EC18789834A}" type="presOf" srcId="{F5B20609-A740-4AEF-ACD6-BD91FC8CBDE0}" destId="{E8DDB3DE-BFA5-42A1-9ACE-40DC1834B3D1}" srcOrd="0" destOrd="0" presId="urn:microsoft.com/office/officeart/2005/8/layout/equation2"/>
-    <dgm:cxn modelId="{0734F8F4-EDE3-4E90-928D-A9A37F0CDF48}" type="presOf" srcId="{BCB234A5-1A90-482B-B09F-D30927AF0EAB}" destId="{D6118F9F-8F6E-44CE-B1AD-AA9D857C850A}" srcOrd="0" destOrd="0" presId="urn:microsoft.com/office/officeart/2005/8/layout/equation2"/>
-    <dgm:cxn modelId="{7AB72AF5-7ACE-4812-9A86-8D6DA3B0423D}" srcId="{BCB234A5-1A90-482B-B09F-D30927AF0EAB}" destId="{93114D09-422B-47A9-9C0F-58C315A43B07}" srcOrd="1" destOrd="0" parTransId="{C12CADC7-332A-487C-8DAA-9E9259D311B9}" sibTransId="{700A53E6-8174-423B-AAC3-5C1D8AB42034}"/>
-    <dgm:cxn modelId="{9EBD75F6-8542-4AA3-91A3-8FAB2BC493C9}" srcId="{BCB234A5-1A90-482B-B09F-D30927AF0EAB}" destId="{47DAA9C9-F8BC-44F4-9E15-9CFC8D2BBE2D}" srcOrd="0" destOrd="0" parTransId="{316A92B3-2DE5-4EF9-85CB-8EC83224A125}" sibTransId="{C17AE711-83E3-4EB8-AA06-F410095A2F74}"/>
-    <dgm:cxn modelId="{B47577F7-305C-4A3F-A161-1AA208822851}" type="presOf" srcId="{47DAA9C9-F8BC-44F4-9E15-9CFC8D2BBE2D}" destId="{C5D81DD4-FF1E-4C09-BEED-29FEA2ED22C5}" srcOrd="0" destOrd="0" presId="urn:microsoft.com/office/officeart/2005/8/layout/equation2"/>
-    <dgm:cxn modelId="{BF27EE76-C5D9-41F1-8F34-0DB1BE85188E}" type="presParOf" srcId="{D6118F9F-8F6E-44CE-B1AD-AA9D857C850A}" destId="{6919465B-C4C7-4DEB-A6A1-B20626782851}" srcOrd="0" destOrd="0" presId="urn:microsoft.com/office/officeart/2005/8/layout/equation2"/>
-    <dgm:cxn modelId="{C80817DB-45D9-4E22-BA93-47E7607D3587}" type="presParOf" srcId="{6919465B-C4C7-4DEB-A6A1-B20626782851}" destId="{C5D81DD4-FF1E-4C09-BEED-29FEA2ED22C5}" srcOrd="0" destOrd="0" presId="urn:microsoft.com/office/officeart/2005/8/layout/equation2"/>
-    <dgm:cxn modelId="{6F66F808-3AF7-4FD5-9B1F-5D5FD746BCCB}" type="presParOf" srcId="{6919465B-C4C7-4DEB-A6A1-B20626782851}" destId="{86ED8393-647F-4D84-B280-5A51EAFC12E3}" srcOrd="1" destOrd="0" presId="urn:microsoft.com/office/officeart/2005/8/layout/equation2"/>
-    <dgm:cxn modelId="{914ACF30-0C03-4404-8E36-4E0F43C8FE61}" type="presParOf" srcId="{6919465B-C4C7-4DEB-A6A1-B20626782851}" destId="{FE69E07C-7AB1-43E0-BF20-43CD4AA3C7DE}" srcOrd="2" destOrd="0" presId="urn:microsoft.com/office/officeart/2005/8/layout/equation2"/>
-    <dgm:cxn modelId="{FE21D5E7-2CD3-4012-8149-DD33C4D845A9}" type="presParOf" srcId="{6919465B-C4C7-4DEB-A6A1-B20626782851}" destId="{D5399EF1-CFB3-4D31-AC8D-2497F1A98B99}" srcOrd="3" destOrd="0" presId="urn:microsoft.com/office/officeart/2005/8/layout/equation2"/>
-    <dgm:cxn modelId="{E9BE2FD7-58FE-4993-991A-8CC09D1F81BC}" type="presParOf" srcId="{6919465B-C4C7-4DEB-A6A1-B20626782851}" destId="{477798D4-2D39-41E0-8CA7-C3250BE5B3DC}" srcOrd="4" destOrd="0" presId="urn:microsoft.com/office/officeart/2005/8/layout/equation2"/>
-    <dgm:cxn modelId="{5B0BF749-0D2A-4078-B0C1-EB9D450D9710}" type="presParOf" srcId="{6919465B-C4C7-4DEB-A6A1-B20626782851}" destId="{D774BB7E-9437-426C-84CA-36E2A49D7806}" srcOrd="5" destOrd="0" presId="urn:microsoft.com/office/officeart/2005/8/layout/equation2"/>
-    <dgm:cxn modelId="{6F41908B-6BD8-4B4C-BE3E-183D82552332}" type="presParOf" srcId="{6919465B-C4C7-4DEB-A6A1-B20626782851}" destId="{55F5FE3A-456F-4F01-978B-AAA5853012FC}" srcOrd="6" destOrd="0" presId="urn:microsoft.com/office/officeart/2005/8/layout/equation2"/>
-    <dgm:cxn modelId="{BE2CAD35-F177-4643-9DA1-CD8A88AB63C8}" type="presParOf" srcId="{6919465B-C4C7-4DEB-A6A1-B20626782851}" destId="{5F25D308-DC8A-42DB-9BD4-80B6A2ABC6CC}" srcOrd="7" destOrd="0" presId="urn:microsoft.com/office/officeart/2005/8/layout/equation2"/>
-    <dgm:cxn modelId="{0442A171-538D-4269-8027-B4E7443AC2FF}" type="presParOf" srcId="{6919465B-C4C7-4DEB-A6A1-B20626782851}" destId="{E8DDB3DE-BFA5-42A1-9ACE-40DC1834B3D1}" srcOrd="8" destOrd="0" presId="urn:microsoft.com/office/officeart/2005/8/layout/equation2"/>
-    <dgm:cxn modelId="{1B41C570-1E01-47A5-897D-9F3E07F7AEAD}" type="presParOf" srcId="{D6118F9F-8F6E-44CE-B1AD-AA9D857C850A}" destId="{3088EA6E-737E-40D8-A660-AB3E4197EA70}" srcOrd="1" destOrd="0" presId="urn:microsoft.com/office/officeart/2005/8/layout/equation2"/>
-    <dgm:cxn modelId="{64C2DB9A-6A94-4A20-BD24-FE07B9928145}" type="presParOf" srcId="{3088EA6E-737E-40D8-A660-AB3E4197EA70}" destId="{3F1D9FC1-0376-439D-9FCA-A2BC8423F20C}" srcOrd="0" destOrd="0" presId="urn:microsoft.com/office/officeart/2005/8/layout/equation2"/>
-    <dgm:cxn modelId="{C612D4B3-DC86-4FCA-AACA-D9E9515530D8}" type="presParOf" srcId="{D6118F9F-8F6E-44CE-B1AD-AA9D857C850A}" destId="{6DC66EDD-816C-4DF8-9B4F-088D4CC2E986}" srcOrd="2" destOrd="0" presId="urn:microsoft.com/office/officeart/2005/8/layout/equation2"/>
+    <dgm:cxn modelId="{DA4C4110-E5E7-413B-BB8A-08C2B4CF6A25}" type="presOf" srcId="{6518CAAD-160B-4E69-96C7-31D57D452F8D}" destId="{46726E8A-E034-48D8-810E-5931EE197BDA}" srcOrd="0" destOrd="0" presId="urn:microsoft.com/office/officeart/2005/8/layout/vList2"/>
+    <dgm:cxn modelId="{10FA20B7-8A16-4893-82CD-959497E50903}" type="presOf" srcId="{AAEEAF2E-D690-41F6-95A0-5153751BF49B}" destId="{F00FFAE7-BCC9-4A6A-95FE-6662C50222AE}" srcOrd="0" destOrd="0" presId="urn:microsoft.com/office/officeart/2005/8/layout/vList2"/>
+    <dgm:cxn modelId="{A84DF5DD-50C8-465A-8B22-7E56CE865527}" srcId="{6518CAAD-160B-4E69-96C7-31D57D452F8D}" destId="{AAEEAF2E-D690-41F6-95A0-5153751BF49B}" srcOrd="0" destOrd="0" parTransId="{28DA7A87-647C-495E-9E62-3D5D9978D7E5}" sibTransId="{EC0278AA-D379-4CAD-99E3-155AC6B0B906}"/>
+    <dgm:cxn modelId="{F7A94ED7-94FA-4834-A221-E8FB43B769D5}" type="presParOf" srcId="{46726E8A-E034-48D8-810E-5931EE197BDA}" destId="{F00FFAE7-BCC9-4A6A-95FE-6662C50222AE}" srcOrd="0" destOrd="0" presId="urn:microsoft.com/office/officeart/2005/8/layout/vList2"/>
   </dgm:cxnLst>
   <dgm:bg/>
   <dgm:whole/>
   <dgm:extLst>
     <a:ext uri="http://schemas.microsoft.com/office/drawing/2008/diagram">
-      <dsp:dataModelExt xmlns:dsp="http://schemas.microsoft.com/office/drawing/2008/diagram" relId="rId11" minVer="http://schemas.openxmlformats.org/drawingml/2006/diagram"/>
+      <dsp:dataModelExt xmlns:dsp="http://schemas.microsoft.com/office/drawing/2008/diagram" relId="rId6" minVer="http://schemas.openxmlformats.org/drawingml/2006/diagram"/>
     </a:ext>
   </dgm:extLst>
 </dgm:dataModel>
@@ -4880,8 +3866,8 @@
       </dsp:nvSpPr>
       <dsp:spPr>
         <a:xfrm>
-          <a:off x="1026891" y="472721"/>
-          <a:ext cx="6074216" cy="646888"/>
+          <a:off x="1026891" y="1165"/>
+          <a:ext cx="6074216" cy="893466"/>
         </a:xfrm>
         <a:prstGeom prst="roundRect">
           <a:avLst/>
@@ -4939,13 +3925,13 @@
             <a:rPr lang="es-ES" sz="2500" b="1" kern="1200" dirty="0">
               <a:latin typeface="UTM Ericsson Capital" panose="02040603050506020204" pitchFamily="18" charset="0"/>
             </a:rPr>
-            <a:t>DATA TRAFFIC MODELLING</a:t>
+            <a:t>1. ANÁLISIS DE TRÁFICO DE RED</a:t>
           </a:r>
         </a:p>
       </dsp:txBody>
       <dsp:txXfrm>
-        <a:off x="1058469" y="504299"/>
-        <a:ext cx="6011060" cy="583732"/>
+        <a:off x="1070506" y="44780"/>
+        <a:ext cx="5986986" cy="806236"/>
       </dsp:txXfrm>
     </dsp:sp>
     <dsp:sp modelId="{2DCB237B-A3FC-4A40-8F6F-DE958BD54A47}">
@@ -4955,8 +3941,8 @@
       </dsp:nvSpPr>
       <dsp:spPr>
         <a:xfrm>
-          <a:off x="1026891" y="1240569"/>
-          <a:ext cx="6074216" cy="646888"/>
+          <a:off x="1026891" y="1001191"/>
+          <a:ext cx="6074216" cy="893466"/>
         </a:xfrm>
         <a:prstGeom prst="roundRect">
           <a:avLst/>
@@ -5014,13 +4000,13 @@
             <a:rPr lang="es-ES" sz="2500" b="1" kern="1200" dirty="0">
               <a:latin typeface="UTM Ericsson Capital" panose="02040603050506020204" pitchFamily="18" charset="0"/>
             </a:rPr>
-            <a:t>DATA TRAFFIC WITH LABELS</a:t>
+            <a:t>2. CONSTRUCCIÓN DEL MODELO</a:t>
           </a:r>
         </a:p>
       </dsp:txBody>
       <dsp:txXfrm>
-        <a:off x="1058469" y="1272147"/>
-        <a:ext cx="6011060" cy="583732"/>
+        <a:off x="1070506" y="1044806"/>
+        <a:ext cx="5986986" cy="806236"/>
       </dsp:txXfrm>
     </dsp:sp>
     <dsp:sp modelId="{1CD55DBF-0006-47CB-A738-485FBBFB8D68}">
@@ -5030,8 +4016,8 @@
       </dsp:nvSpPr>
       <dsp:spPr>
         <a:xfrm>
-          <a:off x="1026891" y="2008418"/>
-          <a:ext cx="6074216" cy="646888"/>
+          <a:off x="1026891" y="2001218"/>
+          <a:ext cx="6074216" cy="893466"/>
         </a:xfrm>
         <a:prstGeom prst="roundRect">
           <a:avLst/>
@@ -5089,14 +4075,14 @@
             <a:rPr lang="es-ES" sz="2500" b="1" kern="1200" dirty="0">
               <a:latin typeface="UTM Ericsson Capital" panose="02040603050506020204" pitchFamily="18" charset="0"/>
             </a:rPr>
-            <a:t>SERVICE DETECTION</a:t>
+            <a:t>3. MONTAJE DE ESTRUCTURA DEL SISTEMA</a:t>
           </a:r>
           <a:endParaRPr lang="es-ES" sz="2500" b="1" kern="1200" dirty="0"/>
         </a:p>
       </dsp:txBody>
       <dsp:txXfrm>
-        <a:off x="1058469" y="2039996"/>
-        <a:ext cx="6011060" cy="583732"/>
+        <a:off x="1070506" y="2044833"/>
+        <a:ext cx="5986986" cy="806236"/>
       </dsp:txXfrm>
     </dsp:sp>
     <dsp:sp modelId="{9B45D006-CFB7-42EE-9E70-54B64282571D}">
@@ -5106,8 +4092,8 @@
       </dsp:nvSpPr>
       <dsp:spPr>
         <a:xfrm>
-          <a:off x="1026891" y="2776266"/>
-          <a:ext cx="6074216" cy="646888"/>
+          <a:off x="1026891" y="3001244"/>
+          <a:ext cx="6074216" cy="893466"/>
         </a:xfrm>
         <a:prstGeom prst="roundRect">
           <a:avLst/>
@@ -5165,14 +4151,14 @@
             <a:rPr lang="es-ES" sz="2500" b="1" kern="1200" dirty="0">
               <a:latin typeface="UTM Ericsson Capital" panose="02040603050506020204" pitchFamily="18" charset="0"/>
             </a:rPr>
-            <a:t>STREAMING VISUALIZATION</a:t>
+            <a:t>4. VISUALIZACIÓN STREAMING</a:t>
           </a:r>
           <a:endParaRPr lang="es-ES" sz="2500" kern="1200" dirty="0"/>
         </a:p>
       </dsp:txBody>
       <dsp:txXfrm>
-        <a:off x="1058469" y="2807844"/>
-        <a:ext cx="6011060" cy="583732"/>
+        <a:off x="1070506" y="3044859"/>
+        <a:ext cx="5986986" cy="806236"/>
       </dsp:txXfrm>
     </dsp:sp>
   </dsp:spTree>
@@ -5241,12 +4227,12 @@
         </a:fontRef>
       </dsp:style>
       <dsp:txBody>
-        <a:bodyPr spcFirstLastPara="0" vert="horz" wrap="square" lIns="12700" tIns="12700" rIns="12700" bIns="12700" numCol="1" spcCol="1270" anchor="ctr" anchorCtr="0">
+        <a:bodyPr spcFirstLastPara="0" vert="horz" wrap="square" lIns="17780" tIns="17780" rIns="17780" bIns="17780" numCol="1" spcCol="1270" anchor="ctr" anchorCtr="0">
           <a:noAutofit/>
         </a:bodyPr>
         <a:lstStyle/>
         <a:p>
-          <a:pPr marL="0" lvl="0" indent="0" algn="ctr" defTabSz="444500">
+          <a:pPr marL="0" lvl="0" indent="0" algn="ctr" defTabSz="622300">
             <a:lnSpc>
               <a:spcPct val="90000"/>
             </a:lnSpc>
@@ -5259,12 +4245,12 @@
             <a:buNone/>
           </a:pPr>
           <a:r>
-            <a:rPr lang="es-ES" sz="1000" b="0" i="0" kern="1200" dirty="0" err="1">
+            <a:rPr lang="es-ES" sz="1400" b="0" i="0" kern="1200" dirty="0" err="1">
               <a:latin typeface="UTM Ericsson Capital" panose="02040603050506020204" pitchFamily="18" charset="0"/>
             </a:rPr>
             <a:t>Browsing</a:t>
           </a:r>
-          <a:endParaRPr lang="es-ES" sz="1000" b="0" i="0" kern="1200" dirty="0">
+          <a:endParaRPr lang="es-ES" sz="1400" b="0" i="0" kern="1200" dirty="0">
             <a:latin typeface="UTM Ericsson Capital" panose="02040603050506020204" pitchFamily="18" charset="0"/>
           </a:endParaRPr>
         </a:p>
@@ -5418,12 +4404,12 @@
         </a:fontRef>
       </dsp:style>
       <dsp:txBody>
-        <a:bodyPr spcFirstLastPara="0" vert="horz" wrap="square" lIns="12700" tIns="12700" rIns="12700" bIns="12700" numCol="1" spcCol="1270" anchor="ctr" anchorCtr="0">
+        <a:bodyPr spcFirstLastPara="0" vert="horz" wrap="square" lIns="17780" tIns="17780" rIns="17780" bIns="17780" numCol="1" spcCol="1270" anchor="ctr" anchorCtr="0">
           <a:noAutofit/>
         </a:bodyPr>
         <a:lstStyle/>
         <a:p>
-          <a:pPr marL="0" lvl="0" indent="0" algn="ctr" defTabSz="444500">
+          <a:pPr marL="0" lvl="0" indent="0" algn="ctr" defTabSz="622300">
             <a:lnSpc>
               <a:spcPct val="90000"/>
             </a:lnSpc>
@@ -5436,7 +4422,7 @@
             <a:buNone/>
           </a:pPr>
           <a:r>
-            <a:rPr lang="es-ES" sz="1000" b="0" i="0" kern="1200" dirty="0">
+            <a:rPr lang="es-ES" sz="1400" b="0" i="0" kern="1200" dirty="0">
               <a:latin typeface="UTM Ericsson Capital" panose="02040603050506020204" pitchFamily="18" charset="0"/>
             </a:rPr>
             <a:t>video</a:t>
@@ -5592,12 +4578,12 @@
         </a:fontRef>
       </dsp:style>
       <dsp:txBody>
-        <a:bodyPr spcFirstLastPara="0" vert="horz" wrap="square" lIns="12700" tIns="12700" rIns="12700" bIns="12700" numCol="1" spcCol="1270" anchor="ctr" anchorCtr="0">
+        <a:bodyPr spcFirstLastPara="0" vert="horz" wrap="square" lIns="17780" tIns="17780" rIns="17780" bIns="17780" numCol="1" spcCol="1270" anchor="ctr" anchorCtr="0">
           <a:noAutofit/>
         </a:bodyPr>
         <a:lstStyle/>
         <a:p>
-          <a:pPr marL="0" lvl="0" indent="0" algn="ctr" defTabSz="444500">
+          <a:pPr marL="0" lvl="0" indent="0" algn="ctr" defTabSz="622300">
             <a:lnSpc>
               <a:spcPct val="90000"/>
             </a:lnSpc>
@@ -5610,12 +4596,12 @@
             <a:buNone/>
           </a:pPr>
           <a:r>
-            <a:rPr lang="es-ES" sz="1000" b="0" i="0" kern="1200" dirty="0" err="1">
+            <a:rPr lang="es-ES" sz="1400" b="0" i="0" kern="1200" dirty="0" err="1">
               <a:latin typeface="UTM Ericsson Capital" panose="02040603050506020204" pitchFamily="18" charset="0"/>
             </a:rPr>
             <a:t>voip</a:t>
           </a:r>
-          <a:endParaRPr lang="es-ES" sz="1000" b="0" i="0" kern="1200" dirty="0">
+          <a:endParaRPr lang="es-ES" sz="1400" b="0" i="0" kern="1200" dirty="0">
             <a:latin typeface="UTM Ericsson Capital" panose="02040603050506020204" pitchFamily="18" charset="0"/>
           </a:endParaRPr>
         </a:p>
@@ -5710,7 +4696,7 @@
         </a:bodyPr>
         <a:lstStyle/>
         <a:p>
-          <a:pPr marL="0" lvl="0" indent="0" algn="ctr" defTabSz="355600">
+          <a:pPr marL="0" lvl="0" indent="0" algn="ctr" defTabSz="488950">
             <a:lnSpc>
               <a:spcPct val="90000"/>
             </a:lnSpc>
@@ -5722,7 +4708,7 @@
             </a:spcAft>
             <a:buNone/>
           </a:pPr>
-          <a:endParaRPr lang="es-ES" sz="800" kern="1200"/>
+          <a:endParaRPr lang="es-ES" sz="1100" kern="1200"/>
         </a:p>
       </dsp:txBody>
       <dsp:txXfrm>
@@ -5828,7 +4814,7 @@
             <a:rPr lang="es-ES" sz="1400" b="0" i="0" kern="1200" dirty="0">
               <a:latin typeface="UTM Ericsson Capital" panose="02040603050506020204" pitchFamily="18" charset="0"/>
             </a:rPr>
-            <a:t>TRAFFIC ANALYZER</a:t>
+            <a:t>ANALIZADOR DE TRÁFICO</a:t>
           </a:r>
         </a:p>
       </dsp:txBody>
@@ -5849,53 +4835,44 @@
       <dsp:cNvGrpSpPr/>
     </dsp:nvGrpSpPr>
     <dsp:grpSpPr/>
-  </dsp:spTree>
-</dsp:drawing>
-</file>
-
-<file path=ppt/diagrams/drawing5.xml><?xml version="1.0" encoding="utf-8"?>
-<dsp:drawing xmlns:dgm="http://schemas.openxmlformats.org/drawingml/2006/diagram" xmlns:dsp="http://schemas.microsoft.com/office/drawing/2008/diagram" xmlns:a="http://schemas.openxmlformats.org/drawingml/2006/main">
-  <dsp:spTree>
-    <dsp:nvGrpSpPr>
-      <dsp:cNvPr id="0" name=""/>
-      <dsp:cNvGrpSpPr/>
-    </dsp:nvGrpSpPr>
-    <dsp:grpSpPr/>
-    <dsp:sp modelId="{C5D81DD4-FF1E-4C09-BEED-29FEA2ED22C5}">
+    <dsp:sp modelId="{F00FFAE7-BCC9-4A6A-95FE-6662C50222AE}">
       <dsp:nvSpPr>
         <dsp:cNvPr id="0" name=""/>
         <dsp:cNvSpPr/>
       </dsp:nvSpPr>
       <dsp:spPr>
         <a:xfrm>
-          <a:off x="937796" y="1418"/>
-          <a:ext cx="1019976" cy="939153"/>
+          <a:off x="1026891" y="1481385"/>
+          <a:ext cx="6074216" cy="933104"/>
         </a:xfrm>
-        <a:prstGeom prst="ellipse">
+        <a:prstGeom prst="roundRect">
           <a:avLst/>
         </a:prstGeom>
         <a:solidFill>
-          <a:schemeClr val="accent6"/>
+          <a:srgbClr val="002060"/>
         </a:solidFill>
-        <a:ln>
-          <a:noFill/>
+        <a:ln w="12700" cap="flat" cmpd="sng" algn="ctr">
+          <a:solidFill>
+            <a:schemeClr val="lt1">
+              <a:hueOff val="0"/>
+              <a:satOff val="0"/>
+              <a:lumOff val="0"/>
+              <a:alphaOff val="0"/>
+            </a:schemeClr>
+          </a:solidFill>
+          <a:prstDash val="solid"/>
+          <a:miter lim="800000"/>
         </a:ln>
-        <a:effectLst>
-          <a:outerShdw blurRad="57150" dist="19050" dir="5400000" algn="ctr" rotWithShape="0">
-            <a:srgbClr val="000000">
-              <a:alpha val="63000"/>
-            </a:srgbClr>
-          </a:outerShdw>
-        </a:effectLst>
+        <a:effectLst/>
       </dsp:spPr>
       <dsp:style>
-        <a:lnRef idx="0">
+        <a:lnRef idx="2">
           <a:scrgbClr r="0" g="0" b="0"/>
         </a:lnRef>
-        <a:fillRef idx="3">
+        <a:fillRef idx="1">
           <a:scrgbClr r="0" g="0" b="0"/>
         </a:fillRef>
-        <a:effectRef idx="3">
+        <a:effectRef idx="0">
           <a:scrgbClr r="0" g="0" b="0"/>
         </a:effectRef>
         <a:fontRef idx="minor">
@@ -5903,12 +4880,12 @@
         </a:fontRef>
       </dsp:style>
       <dsp:txBody>
-        <a:bodyPr spcFirstLastPara="0" vert="horz" wrap="square" lIns="12700" tIns="12700" rIns="12700" bIns="12700" numCol="1" spcCol="1270" anchor="ctr" anchorCtr="0">
+        <a:bodyPr spcFirstLastPara="0" vert="horz" wrap="square" lIns="148590" tIns="148590" rIns="148590" bIns="148590" numCol="1" spcCol="1270" anchor="ctr" anchorCtr="0">
           <a:noAutofit/>
         </a:bodyPr>
         <a:lstStyle/>
         <a:p>
-          <a:pPr marL="0" lvl="0" indent="0" algn="ctr" defTabSz="444500">
+          <a:pPr marL="0" lvl="0" indent="0" algn="ctr" defTabSz="1733550">
             <a:lnSpc>
               <a:spcPct val="90000"/>
             </a:lnSpc>
@@ -5921,582 +4898,16 @@
             <a:buNone/>
           </a:pPr>
           <a:r>
-            <a:rPr lang="es-ES" sz="1000" b="0" i="0" kern="1200" dirty="0" err="1">
+            <a:rPr lang="es-ES" sz="3900" b="1" kern="1200" dirty="0">
               <a:latin typeface="UTM Ericsson Capital" panose="02040603050506020204" pitchFamily="18" charset="0"/>
             </a:rPr>
-            <a:t>Browsing</a:t>
-          </a:r>
-          <a:endParaRPr lang="es-ES" sz="1000" b="0" i="0" kern="1200" dirty="0">
-            <a:latin typeface="UTM Ericsson Capital" panose="02040603050506020204" pitchFamily="18" charset="0"/>
-          </a:endParaRPr>
-        </a:p>
-      </dsp:txBody>
-      <dsp:txXfrm>
-        <a:off x="1087168" y="138954"/>
-        <a:ext cx="721232" cy="664081"/>
-      </dsp:txXfrm>
-    </dsp:sp>
-    <dsp:sp modelId="{FE69E07C-7AB1-43E0-BF20-43CD4AA3C7DE}">
-      <dsp:nvSpPr>
-        <dsp:cNvPr id="0" name=""/>
-        <dsp:cNvSpPr/>
-      </dsp:nvSpPr>
-      <dsp:spPr>
-        <a:xfrm>
-          <a:off x="1240966" y="998481"/>
-          <a:ext cx="413636" cy="413636"/>
-        </a:xfrm>
-        <a:prstGeom prst="mathPlus">
-          <a:avLst/>
-        </a:prstGeom>
-        <a:solidFill>
-          <a:schemeClr val="tx1"/>
-        </a:solidFill>
-        <a:ln>
-          <a:noFill/>
-        </a:ln>
-        <a:effectLst>
-          <a:outerShdw blurRad="57150" dist="19050" dir="5400000" algn="ctr" rotWithShape="0">
-            <a:srgbClr val="000000">
-              <a:alpha val="63000"/>
-            </a:srgbClr>
-          </a:outerShdw>
-        </a:effectLst>
-      </dsp:spPr>
-      <dsp:style>
-        <a:lnRef idx="0">
-          <a:scrgbClr r="0" g="0" b="0"/>
-        </a:lnRef>
-        <a:fillRef idx="3">
-          <a:scrgbClr r="0" g="0" b="0"/>
-        </a:fillRef>
-        <a:effectRef idx="3">
-          <a:scrgbClr r="0" g="0" b="0"/>
-        </a:effectRef>
-        <a:fontRef idx="minor">
-          <a:schemeClr val="lt1"/>
-        </a:fontRef>
-      </dsp:style>
-      <dsp:txBody>
-        <a:bodyPr spcFirstLastPara="0" vert="horz" wrap="square" lIns="0" tIns="0" rIns="0" bIns="0" numCol="1" spcCol="1270" anchor="ctr" anchorCtr="0">
-          <a:noAutofit/>
-        </a:bodyPr>
-        <a:lstStyle/>
-        <a:p>
-          <a:pPr marL="0" lvl="0" indent="0" algn="ctr" defTabSz="266700">
-            <a:lnSpc>
-              <a:spcPct val="90000"/>
-            </a:lnSpc>
-            <a:spcBef>
-              <a:spcPct val="0"/>
-            </a:spcBef>
-            <a:spcAft>
-              <a:spcPct val="35000"/>
-            </a:spcAft>
-            <a:buNone/>
-          </a:pPr>
-          <a:endParaRPr lang="es-ES" sz="600" kern="1200"/>
-        </a:p>
-      </dsp:txBody>
-      <dsp:txXfrm>
-        <a:off x="1295793" y="1156655"/>
-        <a:ext cx="303982" cy="97288"/>
-      </dsp:txXfrm>
-    </dsp:sp>
-    <dsp:sp modelId="{477798D4-2D39-41E0-8CA7-C3250BE5B3DC}">
-      <dsp:nvSpPr>
-        <dsp:cNvPr id="0" name=""/>
-        <dsp:cNvSpPr/>
-      </dsp:nvSpPr>
-      <dsp:spPr>
-        <a:xfrm>
-          <a:off x="937796" y="1470026"/>
-          <a:ext cx="1019976" cy="939153"/>
-        </a:xfrm>
-        <a:prstGeom prst="ellipse">
-          <a:avLst/>
-        </a:prstGeom>
-        <a:gradFill rotWithShape="0">
-          <a:gsLst>
-            <a:gs pos="0">
-              <a:schemeClr val="accent4">
-                <a:hueOff val="3266964"/>
-                <a:satOff val="-13592"/>
-                <a:lumOff val="3203"/>
-                <a:alphaOff val="0"/>
-                <a:satMod val="103000"/>
-                <a:lumMod val="102000"/>
-                <a:tint val="94000"/>
-              </a:schemeClr>
-            </a:gs>
-            <a:gs pos="50000">
-              <a:schemeClr val="accent4">
-                <a:hueOff val="3266964"/>
-                <a:satOff val="-13592"/>
-                <a:lumOff val="3203"/>
-                <a:alphaOff val="0"/>
-                <a:satMod val="110000"/>
-                <a:lumMod val="100000"/>
-                <a:shade val="100000"/>
-              </a:schemeClr>
-            </a:gs>
-            <a:gs pos="100000">
-              <a:schemeClr val="accent4">
-                <a:hueOff val="3266964"/>
-                <a:satOff val="-13592"/>
-                <a:lumOff val="3203"/>
-                <a:alphaOff val="0"/>
-                <a:lumMod val="99000"/>
-                <a:satMod val="120000"/>
-                <a:shade val="78000"/>
-              </a:schemeClr>
-            </a:gs>
-          </a:gsLst>
-          <a:lin ang="5400000" scaled="0"/>
-        </a:gradFill>
-        <a:ln>
-          <a:noFill/>
-        </a:ln>
-        <a:effectLst>
-          <a:outerShdw blurRad="57150" dist="19050" dir="5400000" algn="ctr" rotWithShape="0">
-            <a:srgbClr val="000000">
-              <a:alpha val="63000"/>
-            </a:srgbClr>
-          </a:outerShdw>
-        </a:effectLst>
-      </dsp:spPr>
-      <dsp:style>
-        <a:lnRef idx="0">
-          <a:scrgbClr r="0" g="0" b="0"/>
-        </a:lnRef>
-        <a:fillRef idx="3">
-          <a:scrgbClr r="0" g="0" b="0"/>
-        </a:fillRef>
-        <a:effectRef idx="3">
-          <a:scrgbClr r="0" g="0" b="0"/>
-        </a:effectRef>
-        <a:fontRef idx="minor">
-          <a:schemeClr val="lt1"/>
-        </a:fontRef>
-      </dsp:style>
-      <dsp:txBody>
-        <a:bodyPr spcFirstLastPara="0" vert="horz" wrap="square" lIns="12700" tIns="12700" rIns="12700" bIns="12700" numCol="1" spcCol="1270" anchor="ctr" anchorCtr="0">
-          <a:noAutofit/>
-        </a:bodyPr>
-        <a:lstStyle/>
-        <a:p>
-          <a:pPr marL="0" lvl="0" indent="0" algn="ctr" defTabSz="444500">
-            <a:lnSpc>
-              <a:spcPct val="90000"/>
-            </a:lnSpc>
-            <a:spcBef>
-              <a:spcPct val="0"/>
-            </a:spcBef>
-            <a:spcAft>
-              <a:spcPct val="35000"/>
-            </a:spcAft>
-            <a:buNone/>
-          </a:pPr>
-          <a:r>
-            <a:rPr lang="es-ES" sz="1000" b="0" i="0" kern="1200" dirty="0">
-              <a:latin typeface="UTM Ericsson Capital" panose="02040603050506020204" pitchFamily="18" charset="0"/>
-            </a:rPr>
-            <a:t>video</a:t>
+            <a:t>EJECUCIÓN DE LA DEMO</a:t>
           </a:r>
         </a:p>
       </dsp:txBody>
       <dsp:txXfrm>
-        <a:off x="1087168" y="1607562"/>
-        <a:ext cx="721232" cy="664081"/>
-      </dsp:txXfrm>
-    </dsp:sp>
-    <dsp:sp modelId="{55F5FE3A-456F-4F01-978B-AAA5853012FC}">
-      <dsp:nvSpPr>
-        <dsp:cNvPr id="0" name=""/>
-        <dsp:cNvSpPr/>
-      </dsp:nvSpPr>
-      <dsp:spPr>
-        <a:xfrm>
-          <a:off x="1240966" y="2467089"/>
-          <a:ext cx="413636" cy="413636"/>
-        </a:xfrm>
-        <a:prstGeom prst="mathPlus">
-          <a:avLst/>
-        </a:prstGeom>
-        <a:solidFill>
-          <a:schemeClr val="tx1"/>
-        </a:solidFill>
-        <a:ln>
-          <a:noFill/>
-        </a:ln>
-        <a:effectLst>
-          <a:outerShdw blurRad="57150" dist="19050" dir="5400000" algn="ctr" rotWithShape="0">
-            <a:srgbClr val="000000">
-              <a:alpha val="63000"/>
-            </a:srgbClr>
-          </a:outerShdw>
-        </a:effectLst>
-      </dsp:spPr>
-      <dsp:style>
-        <a:lnRef idx="0">
-          <a:scrgbClr r="0" g="0" b="0"/>
-        </a:lnRef>
-        <a:fillRef idx="3">
-          <a:scrgbClr r="0" g="0" b="0"/>
-        </a:fillRef>
-        <a:effectRef idx="3">
-          <a:scrgbClr r="0" g="0" b="0"/>
-        </a:effectRef>
-        <a:fontRef idx="minor">
-          <a:schemeClr val="lt1"/>
-        </a:fontRef>
-      </dsp:style>
-      <dsp:txBody>
-        <a:bodyPr spcFirstLastPara="0" vert="horz" wrap="square" lIns="0" tIns="0" rIns="0" bIns="0" numCol="1" spcCol="1270" anchor="ctr" anchorCtr="0">
-          <a:noAutofit/>
-        </a:bodyPr>
-        <a:lstStyle/>
-        <a:p>
-          <a:pPr marL="0" lvl="0" indent="0" algn="ctr" defTabSz="266700">
-            <a:lnSpc>
-              <a:spcPct val="90000"/>
-            </a:lnSpc>
-            <a:spcBef>
-              <a:spcPct val="0"/>
-            </a:spcBef>
-            <a:spcAft>
-              <a:spcPct val="35000"/>
-            </a:spcAft>
-            <a:buNone/>
-          </a:pPr>
-          <a:endParaRPr lang="es-ES" sz="600" kern="1200"/>
-        </a:p>
-      </dsp:txBody>
-      <dsp:txXfrm>
-        <a:off x="1295793" y="2625263"/>
-        <a:ext cx="303982" cy="97288"/>
-      </dsp:txXfrm>
-    </dsp:sp>
-    <dsp:sp modelId="{E8DDB3DE-BFA5-42A1-9ACE-40DC1834B3D1}">
-      <dsp:nvSpPr>
-        <dsp:cNvPr id="0" name=""/>
-        <dsp:cNvSpPr/>
-      </dsp:nvSpPr>
-      <dsp:spPr>
-        <a:xfrm>
-          <a:off x="937796" y="2938634"/>
-          <a:ext cx="1019976" cy="939153"/>
-        </a:xfrm>
-        <a:prstGeom prst="ellipse">
-          <a:avLst/>
-        </a:prstGeom>
-        <a:gradFill rotWithShape="0">
-          <a:gsLst>
-            <a:gs pos="0">
-              <a:schemeClr val="accent4">
-                <a:hueOff val="6533927"/>
-                <a:satOff val="-27185"/>
-                <a:lumOff val="6405"/>
-                <a:alphaOff val="0"/>
-                <a:satMod val="103000"/>
-                <a:lumMod val="102000"/>
-                <a:tint val="94000"/>
-              </a:schemeClr>
-            </a:gs>
-            <a:gs pos="50000">
-              <a:schemeClr val="accent4">
-                <a:hueOff val="6533927"/>
-                <a:satOff val="-27185"/>
-                <a:lumOff val="6405"/>
-                <a:alphaOff val="0"/>
-                <a:satMod val="110000"/>
-                <a:lumMod val="100000"/>
-                <a:shade val="100000"/>
-              </a:schemeClr>
-            </a:gs>
-            <a:gs pos="100000">
-              <a:schemeClr val="accent4">
-                <a:hueOff val="6533927"/>
-                <a:satOff val="-27185"/>
-                <a:lumOff val="6405"/>
-                <a:alphaOff val="0"/>
-                <a:lumMod val="99000"/>
-                <a:satMod val="120000"/>
-                <a:shade val="78000"/>
-              </a:schemeClr>
-            </a:gs>
-          </a:gsLst>
-          <a:lin ang="5400000" scaled="0"/>
-        </a:gradFill>
-        <a:ln>
-          <a:noFill/>
-        </a:ln>
-        <a:effectLst>
-          <a:outerShdw blurRad="57150" dist="19050" dir="5400000" algn="ctr" rotWithShape="0">
-            <a:srgbClr val="000000">
-              <a:alpha val="63000"/>
-            </a:srgbClr>
-          </a:outerShdw>
-        </a:effectLst>
-      </dsp:spPr>
-      <dsp:style>
-        <a:lnRef idx="0">
-          <a:scrgbClr r="0" g="0" b="0"/>
-        </a:lnRef>
-        <a:fillRef idx="3">
-          <a:scrgbClr r="0" g="0" b="0"/>
-        </a:fillRef>
-        <a:effectRef idx="3">
-          <a:scrgbClr r="0" g="0" b="0"/>
-        </a:effectRef>
-        <a:fontRef idx="minor">
-          <a:schemeClr val="lt1"/>
-        </a:fontRef>
-      </dsp:style>
-      <dsp:txBody>
-        <a:bodyPr spcFirstLastPara="0" vert="horz" wrap="square" lIns="12700" tIns="12700" rIns="12700" bIns="12700" numCol="1" spcCol="1270" anchor="ctr" anchorCtr="0">
-          <a:noAutofit/>
-        </a:bodyPr>
-        <a:lstStyle/>
-        <a:p>
-          <a:pPr marL="0" lvl="0" indent="0" algn="ctr" defTabSz="444500">
-            <a:lnSpc>
-              <a:spcPct val="90000"/>
-            </a:lnSpc>
-            <a:spcBef>
-              <a:spcPct val="0"/>
-            </a:spcBef>
-            <a:spcAft>
-              <a:spcPct val="35000"/>
-            </a:spcAft>
-            <a:buNone/>
-          </a:pPr>
-          <a:r>
-            <a:rPr lang="es-ES" sz="1000" b="0" i="0" kern="1200" dirty="0" err="1">
-              <a:latin typeface="UTM Ericsson Capital" panose="02040603050506020204" pitchFamily="18" charset="0"/>
-            </a:rPr>
-            <a:t>voip</a:t>
-          </a:r>
-          <a:endParaRPr lang="es-ES" sz="1000" b="0" i="0" kern="1200" dirty="0">
-            <a:latin typeface="UTM Ericsson Capital" panose="02040603050506020204" pitchFamily="18" charset="0"/>
-          </a:endParaRPr>
-        </a:p>
-      </dsp:txBody>
-      <dsp:txXfrm>
-        <a:off x="1087168" y="3076170"/>
-        <a:ext cx="721232" cy="664081"/>
-      </dsp:txXfrm>
-    </dsp:sp>
-    <dsp:sp modelId="{3088EA6E-737E-40D8-A660-AB3E4197EA70}">
-      <dsp:nvSpPr>
-        <dsp:cNvPr id="0" name=""/>
-        <dsp:cNvSpPr/>
-      </dsp:nvSpPr>
-      <dsp:spPr>
-        <a:xfrm>
-          <a:off x="2064747" y="1806954"/>
-          <a:ext cx="226786" cy="265297"/>
-        </a:xfrm>
-        <a:prstGeom prst="rightArrow">
-          <a:avLst>
-            <a:gd name="adj1" fmla="val 60000"/>
-            <a:gd name="adj2" fmla="val 50000"/>
-          </a:avLst>
-        </a:prstGeom>
-        <a:gradFill rotWithShape="0">
-          <a:gsLst>
-            <a:gs pos="0">
-              <a:schemeClr val="accent4">
-                <a:hueOff val="9800891"/>
-                <a:satOff val="-40777"/>
-                <a:lumOff val="9608"/>
-                <a:alphaOff val="0"/>
-                <a:satMod val="103000"/>
-                <a:lumMod val="102000"/>
-                <a:tint val="94000"/>
-              </a:schemeClr>
-            </a:gs>
-            <a:gs pos="50000">
-              <a:schemeClr val="accent4">
-                <a:hueOff val="9800891"/>
-                <a:satOff val="-40777"/>
-                <a:lumOff val="9608"/>
-                <a:alphaOff val="0"/>
-                <a:satMod val="110000"/>
-                <a:lumMod val="100000"/>
-                <a:shade val="100000"/>
-              </a:schemeClr>
-            </a:gs>
-            <a:gs pos="100000">
-              <a:schemeClr val="accent4">
-                <a:hueOff val="9800891"/>
-                <a:satOff val="-40777"/>
-                <a:lumOff val="9608"/>
-                <a:alphaOff val="0"/>
-                <a:lumMod val="99000"/>
-                <a:satMod val="120000"/>
-                <a:shade val="78000"/>
-              </a:schemeClr>
-            </a:gs>
-          </a:gsLst>
-          <a:lin ang="5400000" scaled="0"/>
-        </a:gradFill>
-        <a:ln>
-          <a:noFill/>
-        </a:ln>
-        <a:effectLst>
-          <a:outerShdw blurRad="57150" dist="19050" dir="5400000" algn="ctr" rotWithShape="0">
-            <a:srgbClr val="000000">
-              <a:alpha val="63000"/>
-            </a:srgbClr>
-          </a:outerShdw>
-        </a:effectLst>
-      </dsp:spPr>
-      <dsp:style>
-        <a:lnRef idx="0">
-          <a:scrgbClr r="0" g="0" b="0"/>
-        </a:lnRef>
-        <a:fillRef idx="3">
-          <a:scrgbClr r="0" g="0" b="0"/>
-        </a:fillRef>
-        <a:effectRef idx="3">
-          <a:scrgbClr r="0" g="0" b="0"/>
-        </a:effectRef>
-        <a:fontRef idx="minor">
-          <a:schemeClr val="lt1"/>
-        </a:fontRef>
-      </dsp:style>
-      <dsp:txBody>
-        <a:bodyPr spcFirstLastPara="0" vert="horz" wrap="square" lIns="0" tIns="0" rIns="0" bIns="0" numCol="1" spcCol="1270" anchor="ctr" anchorCtr="0">
-          <a:noAutofit/>
-        </a:bodyPr>
-        <a:lstStyle/>
-        <a:p>
-          <a:pPr marL="0" lvl="0" indent="0" algn="ctr" defTabSz="355600">
-            <a:lnSpc>
-              <a:spcPct val="90000"/>
-            </a:lnSpc>
-            <a:spcBef>
-              <a:spcPct val="0"/>
-            </a:spcBef>
-            <a:spcAft>
-              <a:spcPct val="35000"/>
-            </a:spcAft>
-            <a:buNone/>
-          </a:pPr>
-          <a:endParaRPr lang="es-ES" sz="800" kern="1200"/>
-        </a:p>
-      </dsp:txBody>
-      <dsp:txXfrm>
-        <a:off x="2064747" y="1860013"/>
-        <a:ext cx="158750" cy="159179"/>
-      </dsp:txXfrm>
-    </dsp:sp>
-    <dsp:sp modelId="{6DC66EDD-816C-4DF8-9B4F-088D4CC2E986}">
-      <dsp:nvSpPr>
-        <dsp:cNvPr id="0" name=""/>
-        <dsp:cNvSpPr/>
-      </dsp:nvSpPr>
-      <dsp:spPr>
-        <a:xfrm>
-          <a:off x="2385672" y="1226437"/>
-          <a:ext cx="1426331" cy="1426331"/>
-        </a:xfrm>
-        <a:prstGeom prst="ellipse">
-          <a:avLst/>
-        </a:prstGeom>
-        <a:gradFill rotWithShape="0">
-          <a:gsLst>
-            <a:gs pos="0">
-              <a:schemeClr val="accent4">
-                <a:hueOff val="9800891"/>
-                <a:satOff val="-40777"/>
-                <a:lumOff val="9608"/>
-                <a:alphaOff val="0"/>
-                <a:satMod val="103000"/>
-                <a:lumMod val="102000"/>
-                <a:tint val="94000"/>
-              </a:schemeClr>
-            </a:gs>
-            <a:gs pos="50000">
-              <a:schemeClr val="accent4">
-                <a:hueOff val="9800891"/>
-                <a:satOff val="-40777"/>
-                <a:lumOff val="9608"/>
-                <a:alphaOff val="0"/>
-                <a:satMod val="110000"/>
-                <a:lumMod val="100000"/>
-                <a:shade val="100000"/>
-              </a:schemeClr>
-            </a:gs>
-            <a:gs pos="100000">
-              <a:schemeClr val="accent4">
-                <a:hueOff val="9800891"/>
-                <a:satOff val="-40777"/>
-                <a:lumOff val="9608"/>
-                <a:alphaOff val="0"/>
-                <a:lumMod val="99000"/>
-                <a:satMod val="120000"/>
-                <a:shade val="78000"/>
-              </a:schemeClr>
-            </a:gs>
-          </a:gsLst>
-          <a:lin ang="5400000" scaled="0"/>
-        </a:gradFill>
-        <a:ln>
-          <a:noFill/>
-        </a:ln>
-        <a:effectLst>
-          <a:outerShdw blurRad="57150" dist="19050" dir="5400000" algn="ctr" rotWithShape="0">
-            <a:srgbClr val="000000">
-              <a:alpha val="63000"/>
-            </a:srgbClr>
-          </a:outerShdw>
-        </a:effectLst>
-      </dsp:spPr>
-      <dsp:style>
-        <a:lnRef idx="0">
-          <a:scrgbClr r="0" g="0" b="0"/>
-        </a:lnRef>
-        <a:fillRef idx="3">
-          <a:scrgbClr r="0" g="0" b="0"/>
-        </a:fillRef>
-        <a:effectRef idx="3">
-          <a:scrgbClr r="0" g="0" b="0"/>
-        </a:effectRef>
-        <a:fontRef idx="minor">
-          <a:schemeClr val="lt1"/>
-        </a:fontRef>
-      </dsp:style>
-      <dsp:txBody>
-        <a:bodyPr spcFirstLastPara="0" vert="horz" wrap="square" lIns="17780" tIns="17780" rIns="17780" bIns="17780" numCol="1" spcCol="1270" anchor="ctr" anchorCtr="0">
-          <a:noAutofit/>
-        </a:bodyPr>
-        <a:lstStyle/>
-        <a:p>
-          <a:pPr marL="0" lvl="0" indent="0" algn="ctr" defTabSz="622300">
-            <a:lnSpc>
-              <a:spcPct val="90000"/>
-            </a:lnSpc>
-            <a:spcBef>
-              <a:spcPct val="0"/>
-            </a:spcBef>
-            <a:spcAft>
-              <a:spcPct val="35000"/>
-            </a:spcAft>
-            <a:buNone/>
-          </a:pPr>
-          <a:r>
-            <a:rPr lang="es-ES" sz="1400" b="0" i="0" kern="1200" dirty="0">
-              <a:latin typeface="UTM Ericsson Capital" panose="02040603050506020204" pitchFamily="18" charset="0"/>
-            </a:rPr>
-            <a:t>TRAFFIC ANALYZER</a:t>
-          </a:r>
-        </a:p>
-      </dsp:txBody>
-      <dsp:txXfrm>
-        <a:off x="2594553" y="1435318"/>
-        <a:ext cx="1008569" cy="1008569"/>
+        <a:off x="1072441" y="1526935"/>
+        <a:ext cx="5983116" cy="842004"/>
       </dsp:txXfrm>
     </dsp:sp>
   </dsp:spTree>
@@ -7142,12 +5553,12 @@
 </file>
 
 <file path=ppt/diagrams/layout4.xml><?xml version="1.0" encoding="utf-8"?>
-<dgm:layoutDef xmlns:dgm="http://schemas.openxmlformats.org/drawingml/2006/diagram" xmlns:a="http://schemas.openxmlformats.org/drawingml/2006/main" uniqueId="urn:microsoft.com/office/officeart/2005/8/layout/vList6">
+<dgm:layoutDef xmlns:dgm="http://schemas.openxmlformats.org/drawingml/2006/diagram" xmlns:a="http://schemas.openxmlformats.org/drawingml/2006/main" uniqueId="urn:microsoft.com/office/officeart/2005/8/layout/vList2">
   <dgm:title val=""/>
   <dgm:desc val=""/>
   <dgm:catLst>
-    <dgm:cat type="process" pri="22000"/>
-    <dgm:cat type="list" pri="17000"/>
+    <dgm:cat type="list" pri="3000"/>
+    <dgm:cat type="convert" pri="1000"/>
   </dgm:catLst>
   <dgm:sampData>
     <dgm:dataModel>
@@ -7159,26 +5570,18 @@
         <dgm:pt modelId="11">
           <dgm:prSet phldr="1"/>
         </dgm:pt>
-        <dgm:pt modelId="12">
-          <dgm:prSet phldr="1"/>
-        </dgm:pt>
         <dgm:pt modelId="2">
           <dgm:prSet phldr="1"/>
         </dgm:pt>
         <dgm:pt modelId="21">
           <dgm:prSet phldr="1"/>
         </dgm:pt>
-        <dgm:pt modelId="22">
-          <dgm:prSet phldr="1"/>
-        </dgm:pt>
       </dgm:ptLst>
       <dgm:cxnLst>
         <dgm:cxn modelId="4" srcId="0" destId="1" srcOrd="0" destOrd="0"/>
         <dgm:cxn modelId="5" srcId="0" destId="2" srcOrd="1" destOrd="0"/>
-        <dgm:cxn modelId="13" srcId="1" destId="11" srcOrd="0" destOrd="0"/>
-        <dgm:cxn modelId="14" srcId="1" destId="12" srcOrd="0" destOrd="0"/>
+        <dgm:cxn modelId="12" srcId="1" destId="11" srcOrd="0" destOrd="0"/>
         <dgm:cxn modelId="23" srcId="2" destId="21" srcOrd="0" destOrd="0"/>
-        <dgm:cxn modelId="24" srcId="2" destId="22" srcOrd="0" destOrd="0"/>
       </dgm:cxnLst>
       <dgm:bg/>
       <dgm:whole/>
@@ -7218,396 +5621,100 @@
       <dgm:whole/>
     </dgm:dataModel>
   </dgm:clrData>
-  <dgm:layoutNode name="Name0">
+  <dgm:layoutNode name="linear">
     <dgm:varLst>
-      <dgm:dir/>
       <dgm:animLvl val="lvl"/>
-      <dgm:resizeHandles/>
+      <dgm:resizeHandles val="exact"/>
     </dgm:varLst>
     <dgm:alg type="lin">
       <dgm:param type="linDir" val="fromT"/>
+      <dgm:param type="vertAlign" val="mid"/>
     </dgm:alg>
     <dgm:shape xmlns:r="http://schemas.openxmlformats.org/officeDocument/2006/relationships" r:blip="">
       <dgm:adjLst/>
     </dgm:shape>
     <dgm:presOf/>
     <dgm:constrLst>
-      <dgm:constr type="w" for="ch" forName="linNode" refType="w"/>
-      <dgm:constr type="h" for="ch" forName="linNode" refType="h"/>
-      <dgm:constr type="h" for="ch" forName="spacing" refType="h" refFor="ch" refForName="linNode" fact="0.1"/>
-      <dgm:constr type="primFontSz" for="des" forName="parentShp" op="equ" val="65"/>
-      <dgm:constr type="primFontSz" for="des" forName="childShp" op="equ" val="65"/>
+      <dgm:constr type="w" for="ch" forName="parentText" refType="w"/>
+      <dgm:constr type="h" for="ch" forName="parentText" refType="primFontSz" refFor="ch" refForName="parentText" fact="0.52"/>
+      <dgm:constr type="w" for="ch" forName="childText" refType="w"/>
+      <dgm:constr type="h" for="ch" forName="childText" refType="primFontSz" refFor="ch" refForName="parentText" fact="0.46"/>
+      <dgm:constr type="h" for="ch" forName="parentText" op="equ"/>
+      <dgm:constr type="primFontSz" for="ch" forName="parentText" op="equ" val="65"/>
+      <dgm:constr type="primFontSz" for="ch" forName="childText" refType="primFontSz" refFor="ch" refForName="parentText" op="equ"/>
+      <dgm:constr type="h" for="ch" forName="spacer" refType="primFontSz" refFor="ch" refForName="parentText" fact="0.08"/>
     </dgm:constrLst>
-    <dgm:ruleLst/>
-    <dgm:forEach name="Name1" axis="ch" ptType="node">
-      <dgm:layoutNode name="linNode">
-        <dgm:choose name="Name2">
-          <dgm:if name="Name3" func="var" arg="dir" op="equ" val="norm">
-            <dgm:alg type="lin">
-              <dgm:param type="linDir" val="fromL"/>
-            </dgm:alg>
-          </dgm:if>
-          <dgm:else name="Name4">
-            <dgm:alg type="lin">
-              <dgm:param type="linDir" val="fromR"/>
-            </dgm:alg>
-          </dgm:else>
-        </dgm:choose>
-        <dgm:shape xmlns:r="http://schemas.openxmlformats.org/officeDocument/2006/relationships" r:blip="">
+    <dgm:ruleLst>
+      <dgm:rule type="primFontSz" for="ch" forName="parentText" val="5" fact="NaN" max="NaN"/>
+    </dgm:ruleLst>
+    <dgm:forEach name="Name0" axis="ch" ptType="node">
+      <dgm:layoutNode name="parentText" styleLbl="node1">
+        <dgm:varLst>
+          <dgm:chMax val="0"/>
+          <dgm:bulletEnabled val="1"/>
+        </dgm:varLst>
+        <dgm:alg type="tx">
+          <dgm:param type="parTxLTRAlign" val="l"/>
+          <dgm:param type="parTxRTLAlign" val="r"/>
+        </dgm:alg>
+        <dgm:shape xmlns:r="http://schemas.openxmlformats.org/officeDocument/2006/relationships" type="roundRect" r:blip="">
           <dgm:adjLst/>
         </dgm:shape>
-        <dgm:presOf/>
-        <dgm:choose name="Name5">
-          <dgm:if name="Name6" func="var" arg="dir" op="equ" val="norm">
+        <dgm:presOf axis="self"/>
+        <dgm:constrLst>
+          <dgm:constr type="tMarg" refType="primFontSz" fact="0.3"/>
+          <dgm:constr type="bMarg" refType="primFontSz" fact="0.3"/>
+          <dgm:constr type="lMarg" refType="primFontSz" fact="0.3"/>
+          <dgm:constr type="rMarg" refType="primFontSz" fact="0.3"/>
+        </dgm:constrLst>
+        <dgm:ruleLst>
+          <dgm:rule type="h" val="INF" fact="NaN" max="NaN"/>
+        </dgm:ruleLst>
+      </dgm:layoutNode>
+      <dgm:choose name="Name1">
+        <dgm:if name="Name2" axis="ch" ptType="node" func="cnt" op="gte" val="1">
+          <dgm:layoutNode name="childText" styleLbl="revTx">
+            <dgm:varLst>
+              <dgm:bulletEnabled val="1"/>
+            </dgm:varLst>
+            <dgm:alg type="tx">
+              <dgm:param type="stBulletLvl" val="1"/>
+              <dgm:param type="lnSpAfChP" val="20"/>
+            </dgm:alg>
+            <dgm:shape xmlns:r="http://schemas.openxmlformats.org/officeDocument/2006/relationships" type="rect" r:blip="">
+              <dgm:adjLst/>
+            </dgm:shape>
+            <dgm:presOf axis="des" ptType="node"/>
             <dgm:constrLst>
-              <dgm:constr type="w" for="ch" forName="parentShp" refType="w" fact="0.4"/>
-              <dgm:constr type="h" for="ch" forName="parentShp" refType="h"/>
-              <dgm:constr type="w" for="ch" forName="childShp" refType="w" fact="0.6"/>
-              <dgm:constr type="h" for="ch" forName="childShp" refType="h" refFor="ch" refForName="parentShp"/>
+              <dgm:constr type="tMarg" refType="primFontSz" fact="0.1"/>
+              <dgm:constr type="bMarg" refType="primFontSz" fact="0.1"/>
+              <dgm:constr type="lMarg" refType="w" fact="0.09"/>
             </dgm:constrLst>
-          </dgm:if>
-          <dgm:else name="Name7">
-            <dgm:constrLst>
-              <dgm:constr type="w" for="ch" forName="parentShp" refType="w" fact="0.4"/>
-              <dgm:constr type="h" for="ch" forName="parentShp" refType="h"/>
-              <dgm:constr type="w" for="ch" forName="childShp" refType="w" fact="0.6"/>
-              <dgm:constr type="h" for="ch" forName="childShp" refType="h" refFor="ch" refForName="parentShp"/>
-            </dgm:constrLst>
-          </dgm:else>
-        </dgm:choose>
-        <dgm:ruleLst/>
-        <dgm:layoutNode name="parentShp" styleLbl="node1">
-          <dgm:varLst>
-            <dgm:bulletEnabled val="1"/>
-          </dgm:varLst>
-          <dgm:alg type="tx"/>
-          <dgm:shape xmlns:r="http://schemas.openxmlformats.org/officeDocument/2006/relationships" type="roundRect" r:blip="">
-            <dgm:adjLst/>
-          </dgm:shape>
-          <dgm:presOf axis="self" ptType="node"/>
-          <dgm:constrLst>
-            <dgm:constr type="tMarg" refType="primFontSz" fact="0.15"/>
-            <dgm:constr type="bMarg" refType="primFontSz" fact="0.15"/>
-            <dgm:constr type="lMarg" refType="primFontSz" fact="0.3"/>
-            <dgm:constr type="rMarg" refType="primFontSz" fact="0.3"/>
-          </dgm:constrLst>
-          <dgm:ruleLst>
-            <dgm:rule type="primFontSz" val="5" fact="NaN" max="NaN"/>
-          </dgm:ruleLst>
-        </dgm:layoutNode>
-        <dgm:layoutNode name="childShp" styleLbl="bgAccFollowNode1">
-          <dgm:varLst>
-            <dgm:bulletEnabled val="1"/>
-          </dgm:varLst>
-          <dgm:alg type="tx">
-            <dgm:param type="stBulletLvl" val="1"/>
-          </dgm:alg>
-          <dgm:choose name="Name8">
-            <dgm:if name="Name9" func="var" arg="dir" op="equ" val="norm">
-              <dgm:shape xmlns:r="http://schemas.openxmlformats.org/officeDocument/2006/relationships" type="rightArrow" r:blip="" zOrderOff="-2">
-                <dgm:adjLst>
-                  <dgm:adj idx="1" val="0.75"/>
-                </dgm:adjLst>
-              </dgm:shape>
-            </dgm:if>
-            <dgm:else name="Name10">
-              <dgm:shape xmlns:r="http://schemas.openxmlformats.org/officeDocument/2006/relationships" rot="180" type="rightArrow" r:blip="" zOrderOff="-2">
-                <dgm:adjLst>
-                  <dgm:adj idx="1" val="0.75"/>
-                </dgm:adjLst>
-              </dgm:shape>
-            </dgm:else>
-          </dgm:choose>
-          <dgm:presOf axis="des" ptType="node"/>
-          <dgm:constrLst>
-            <dgm:constr type="secFontSz" refType="primFontSz"/>
-            <dgm:constr type="tMarg" refType="primFontSz" fact="0.05"/>
-            <dgm:constr type="bMarg" refType="primFontSz" fact="0.05"/>
-            <dgm:constr type="lMarg" refType="primFontSz" fact="0.05"/>
-            <dgm:constr type="rMarg" refType="primFontSz" fact="0.05"/>
-          </dgm:constrLst>
-          <dgm:ruleLst>
-            <dgm:rule type="primFontSz" val="5" fact="NaN" max="NaN"/>
-          </dgm:ruleLst>
-        </dgm:layoutNode>
-      </dgm:layoutNode>
-      <dgm:forEach name="Name11" axis="followSib" ptType="sibTrans" cnt="1">
-        <dgm:layoutNode name="spacing">
-          <dgm:alg type="sp"/>
-          <dgm:shape xmlns:r="http://schemas.openxmlformats.org/officeDocument/2006/relationships" r:blip="">
-            <dgm:adjLst/>
-          </dgm:shape>
-          <dgm:presOf/>
-          <dgm:constrLst/>
-          <dgm:ruleLst/>
-        </dgm:layoutNode>
-      </dgm:forEach>
-    </dgm:forEach>
-  </dgm:layoutNode>
-</dgm:layoutDef>
-</file>
-
-<file path=ppt/diagrams/layout5.xml><?xml version="1.0" encoding="utf-8"?>
-<dgm:layoutDef xmlns:dgm="http://schemas.openxmlformats.org/drawingml/2006/diagram" xmlns:a="http://schemas.openxmlformats.org/drawingml/2006/main" uniqueId="urn:microsoft.com/office/officeart/2005/8/layout/equation2">
-  <dgm:title val=""/>
-  <dgm:desc val=""/>
-  <dgm:catLst>
-    <dgm:cat type="relationship" pri="18000"/>
-    <dgm:cat type="process" pri="26000"/>
-  </dgm:catLst>
-  <dgm:sampData useDef="1">
-    <dgm:dataModel>
-      <dgm:ptLst/>
-      <dgm:bg/>
-      <dgm:whole/>
-    </dgm:dataModel>
-  </dgm:sampData>
-  <dgm:styleData>
-    <dgm:dataModel>
-      <dgm:ptLst>
-        <dgm:pt modelId="0" type="doc"/>
-        <dgm:pt modelId="1"/>
-        <dgm:pt modelId="2"/>
-      </dgm:ptLst>
-      <dgm:cxnLst>
-        <dgm:cxn modelId="3" srcId="0" destId="1" srcOrd="0" destOrd="0"/>
-        <dgm:cxn modelId="4" srcId="0" destId="2" srcOrd="1" destOrd="0"/>
-      </dgm:cxnLst>
-      <dgm:bg/>
-      <dgm:whole/>
-    </dgm:dataModel>
-  </dgm:styleData>
-  <dgm:clrData>
-    <dgm:dataModel>
-      <dgm:ptLst>
-        <dgm:pt modelId="0" type="doc"/>
-        <dgm:pt modelId="1"/>
-        <dgm:pt modelId="2"/>
-        <dgm:pt modelId="3"/>
-        <dgm:pt modelId="4"/>
-      </dgm:ptLst>
-      <dgm:cxnLst>
-        <dgm:cxn modelId="5" srcId="0" destId="1" srcOrd="0" destOrd="0"/>
-        <dgm:cxn modelId="6" srcId="0" destId="2" srcOrd="1" destOrd="0"/>
-        <dgm:cxn modelId="7" srcId="0" destId="3" srcOrd="2" destOrd="0"/>
-        <dgm:cxn modelId="8" srcId="0" destId="4" srcOrd="3" destOrd="0"/>
-      </dgm:cxnLst>
-      <dgm:bg/>
-      <dgm:whole/>
-    </dgm:dataModel>
-  </dgm:clrData>
-  <dgm:layoutNode name="Name0">
-    <dgm:varLst>
-      <dgm:dir/>
-      <dgm:resizeHandles val="exact"/>
-    </dgm:varLst>
-    <dgm:choose name="Name1">
-      <dgm:if name="Name2" func="var" arg="dir" op="equ" val="norm">
-        <dgm:alg type="lin">
-          <dgm:param type="linDir" val="fromL"/>
-          <dgm:param type="fallback" val="2D"/>
-        </dgm:alg>
-      </dgm:if>
-      <dgm:else name="Name3">
-        <dgm:alg type="lin">
-          <dgm:param type="linDir" val="fromR"/>
-          <dgm:param type="fallback" val="2D"/>
-        </dgm:alg>
-      </dgm:else>
-    </dgm:choose>
-    <dgm:shape xmlns:r="http://schemas.openxmlformats.org/officeDocument/2006/relationships" r:blip="">
-      <dgm:adjLst/>
-    </dgm:shape>
-    <dgm:presOf/>
-    <dgm:choose name="Name4">
-      <dgm:if name="Name5" axis="ch" ptType="node" func="cnt" op="gte" val="3">
-        <dgm:constrLst>
-          <dgm:constr type="h" for="des" forName="node" refType="w" fact="0.5"/>
-          <dgm:constr type="w" for="ch" forName="lastNode" refType="w"/>
-          <dgm:constr type="w" for="des" forName="node" refType="h" refFor="des" refForName="node"/>
-          <dgm:constr type="w" for="ch" forName="sibTransLast" refType="h" refFor="des" refForName="node" fact="0.6"/>
-          <dgm:constr type="h" for="des" forName="sibTrans" refType="h" refFor="des" refForName="node" op="equ" fact="0.58"/>
-          <dgm:constr type="w" for="des" forName="sibTrans" refType="h" refFor="des" refForName="sibTrans" op="equ"/>
-          <dgm:constr type="primFontSz" for="ch" forName="lastNode" op="equ" val="65"/>
-          <dgm:constr type="primFontSz" for="des" forName="node" op="equ" val="65"/>
-          <dgm:constr type="primFontSz" for="des" forName="sibTrans" val="55"/>
-          <dgm:constr type="primFontSz" for="des" forName="sibTrans" refType="primFontSz" refFor="des" refForName="node" op="lte" fact="0.8"/>
-          <dgm:constr type="primFontSz" for="des" forName="connectorText" refType="primFontSz" refFor="des" refForName="node" op="lte" fact="0.8"/>
-          <dgm:constr type="primFontSz" for="des" forName="connectorText" refType="primFontSz" refFor="des" refForName="sibTrans" op="equ"/>
-          <dgm:constr type="h" for="des" forName="spacerT" refType="h" refFor="des" refForName="sibTrans" fact="0.14"/>
-          <dgm:constr type="h" for="des" forName="spacerB" refType="h" refFor="des" refForName="sibTrans" fact="0.14"/>
-        </dgm:constrLst>
-      </dgm:if>
-      <dgm:else name="Name6">
-        <dgm:constrLst>
-          <dgm:constr type="h" for="des" forName="node" refType="w"/>
-          <dgm:constr type="w" for="ch" forName="lastNode" refType="w"/>
-          <dgm:constr type="w" for="des" forName="node" refType="h" refFor="des" refForName="node"/>
-          <dgm:constr type="w" for="ch" forName="sibTransLast" refType="h" refFor="des" refForName="node" fact="0.6"/>
-          <dgm:constr type="h" for="des" forName="sibTrans" refType="h" refFor="des" refForName="node" op="equ" fact="0.58"/>
-          <dgm:constr type="w" for="des" forName="sibTrans" refType="h" refFor="des" refForName="sibTrans" op="equ"/>
-          <dgm:constr type="primFontSz" for="des" forName="node" val="65"/>
-          <dgm:constr type="primFontSz" for="ch" forName="lastNode" refType="primFontSz" refFor="des" refForName="node" op="equ"/>
-          <dgm:constr type="primFontSz" for="des" forName="sibTrans" val="55"/>
-          <dgm:constr type="primFontSz" for="des" forName="connectorText" refType="primFontSz" refFor="des" refForName="node" op="lte" fact="0.8"/>
-          <dgm:constr type="primFontSz" for="des" forName="connectorText" refType="primFontSz" refFor="des" refForName="sibTrans" op="equ"/>
-          <dgm:constr type="h" for="des" forName="spacerT" refType="h" refFor="des" refForName="sibTrans" fact="0.14"/>
-          <dgm:constr type="h" for="des" forName="spacerB" refType="h" refFor="des" refForName="sibTrans" fact="0.14"/>
-        </dgm:constrLst>
-      </dgm:else>
-    </dgm:choose>
-    <dgm:ruleLst/>
-    <dgm:choose name="Name7">
-      <dgm:if name="Name8" axis="ch" ptType="node" func="cnt" op="gte" val="1">
-        <dgm:layoutNode name="vNodes">
-          <dgm:alg type="lin">
-            <dgm:param type="linDir" val="fromT"/>
-            <dgm:param type="fallback" val="2D"/>
-          </dgm:alg>
-          <dgm:shape xmlns:r="http://schemas.openxmlformats.org/officeDocument/2006/relationships" r:blip="">
-            <dgm:adjLst/>
-          </dgm:shape>
-          <dgm:presOf/>
-          <dgm:constrLst/>
-          <dgm:ruleLst/>
-          <dgm:forEach name="Name9" axis="ch" ptType="node">
-            <dgm:choose name="Name10">
-              <dgm:if name="Name11" axis="self" func="revPos" op="neq" val="1">
-                <dgm:layoutNode name="node">
-                  <dgm:varLst>
-                    <dgm:bulletEnabled val="1"/>
-                  </dgm:varLst>
-                  <dgm:alg type="tx">
-                    <dgm:param type="txAnchorVertCh" val="mid"/>
-                  </dgm:alg>
-                  <dgm:shape xmlns:r="http://schemas.openxmlformats.org/officeDocument/2006/relationships" type="ellipse" r:blip="">
+            <dgm:ruleLst>
+              <dgm:rule type="h" val="INF" fact="NaN" max="NaN"/>
+            </dgm:ruleLst>
+          </dgm:layoutNode>
+        </dgm:if>
+        <dgm:else name="Name3">
+          <dgm:choose name="Name4">
+            <dgm:if name="Name5" axis="par ch" ptType="doc node" func="cnt" op="gte" val="2">
+              <dgm:forEach name="Name6" axis="followSib" ptType="sibTrans" cnt="1">
+                <dgm:layoutNode name="spacer">
+                  <dgm:alg type="sp"/>
+                  <dgm:shape xmlns:r="http://schemas.openxmlformats.org/officeDocument/2006/relationships" r:blip="">
                     <dgm:adjLst/>
                   </dgm:shape>
-                  <dgm:presOf axis="desOrSelf" ptType="node"/>
-                  <dgm:constrLst>
-                    <dgm:constr type="tMarg" refType="primFontSz" fact="0.1"/>
-                    <dgm:constr type="bMarg" refType="primFontSz" fact="0.1"/>
-                    <dgm:constr type="lMarg" refType="primFontSz" fact="0.1"/>
-                    <dgm:constr type="rMarg" refType="primFontSz" fact="0.1"/>
-                  </dgm:constrLst>
-                  <dgm:ruleLst>
-                    <dgm:rule type="primFontSz" val="5" fact="NaN" max="NaN"/>
-                  </dgm:ruleLst>
+                  <dgm:presOf/>
+                  <dgm:constrLst/>
+                  <dgm:ruleLst/>
                 </dgm:layoutNode>
-                <dgm:choose name="Name12">
-                  <dgm:if name="Name13" axis="self" ptType="node" func="revPos" op="gt" val="2">
-                    <dgm:forEach name="sibTransForEach" axis="followSib" ptType="sibTrans" cnt="1">
-                      <dgm:layoutNode name="spacerT">
-                        <dgm:alg type="sp"/>
-                        <dgm:shape xmlns:r="http://schemas.openxmlformats.org/officeDocument/2006/relationships" r:blip="">
-                          <dgm:adjLst/>
-                        </dgm:shape>
-                        <dgm:presOf axis="self"/>
-                        <dgm:constrLst/>
-                        <dgm:ruleLst/>
-                      </dgm:layoutNode>
-                      <dgm:layoutNode name="sibTrans">
-                        <dgm:alg type="tx"/>
-                        <dgm:shape xmlns:r="http://schemas.openxmlformats.org/officeDocument/2006/relationships" type="mathPlus" r:blip="">
-                          <dgm:adjLst/>
-                        </dgm:shape>
-                        <dgm:presOf axis="self"/>
-                        <dgm:constrLst>
-                          <dgm:constr type="h" refType="w"/>
-                          <dgm:constr type="lMarg"/>
-                          <dgm:constr type="rMarg"/>
-                          <dgm:constr type="tMarg"/>
-                          <dgm:constr type="bMarg"/>
-                        </dgm:constrLst>
-                        <dgm:ruleLst>
-                          <dgm:rule type="primFontSz" val="5" fact="NaN" max="NaN"/>
-                        </dgm:ruleLst>
-                      </dgm:layoutNode>
-                      <dgm:layoutNode name="spacerB">
-                        <dgm:alg type="sp"/>
-                        <dgm:shape xmlns:r="http://schemas.openxmlformats.org/officeDocument/2006/relationships" r:blip="">
-                          <dgm:adjLst/>
-                        </dgm:shape>
-                        <dgm:presOf axis="self"/>
-                        <dgm:constrLst/>
-                        <dgm:ruleLst/>
-                      </dgm:layoutNode>
-                    </dgm:forEach>
-                  </dgm:if>
-                  <dgm:else name="Name14"/>
-                </dgm:choose>
-              </dgm:if>
-              <dgm:else name="Name15"/>
-            </dgm:choose>
-          </dgm:forEach>
-        </dgm:layoutNode>
-        <dgm:choose name="Name16">
-          <dgm:if name="Name17" axis="ch" ptType="node" func="cnt" op="gt" val="1">
-            <dgm:layoutNode name="sibTransLast">
-              <dgm:alg type="conn">
-                <dgm:param type="begPts" val="auto"/>
-                <dgm:param type="endPts" val="auto"/>
-                <dgm:param type="srcNode" val="vNodes"/>
-                <dgm:param type="dstNode" val="lastNode"/>
-              </dgm:alg>
-              <dgm:shape xmlns:r="http://schemas.openxmlformats.org/officeDocument/2006/relationships" type="conn" r:blip="">
-                <dgm:adjLst/>
-              </dgm:shape>
-              <dgm:presOf axis="ch" ptType="sibTrans" st="-1" cnt="1"/>
-              <dgm:constrLst>
-                <dgm:constr type="h" refType="w" fact="0.62"/>
-                <dgm:constr type="connDist"/>
-                <dgm:constr type="begPad" refType="connDist" fact="0.25"/>
-                <dgm:constr type="endPad" refType="connDist" fact="0.22"/>
-              </dgm:constrLst>
-              <dgm:ruleLst/>
-              <dgm:layoutNode name="connectorText">
-                <dgm:alg type="tx">
-                  <dgm:param type="autoTxRot" val="grav"/>
-                </dgm:alg>
-                <dgm:shape xmlns:r="http://schemas.openxmlformats.org/officeDocument/2006/relationships" type="conn" r:blip="" hideGeom="1">
-                  <dgm:adjLst/>
-                </dgm:shape>
-                <dgm:presOf axis="ch desOrSelf" ptType="sibTrans sibTrans" st="-1 1" cnt="1 0"/>
-                <dgm:constrLst>
-                  <dgm:constr type="lMarg"/>
-                  <dgm:constr type="rMarg"/>
-                  <dgm:constr type="tMarg"/>
-                  <dgm:constr type="bMarg"/>
-                </dgm:constrLst>
-                <dgm:ruleLst>
-                  <dgm:rule type="primFontSz" val="5" fact="NaN" max="NaN"/>
-                </dgm:ruleLst>
-              </dgm:layoutNode>
-            </dgm:layoutNode>
-          </dgm:if>
-          <dgm:else name="Name18"/>
-        </dgm:choose>
-        <dgm:layoutNode name="lastNode">
-          <dgm:varLst>
-            <dgm:bulletEnabled val="1"/>
-          </dgm:varLst>
-          <dgm:alg type="tx">
-            <dgm:param type="txAnchorVertCh" val="mid"/>
-          </dgm:alg>
-          <dgm:shape xmlns:r="http://schemas.openxmlformats.org/officeDocument/2006/relationships" type="ellipse" r:blip="">
-            <dgm:adjLst/>
-          </dgm:shape>
-          <dgm:presOf axis="ch desOrSelf" ptType="node node" st="-1 1" cnt="1 0"/>
-          <dgm:constrLst>
-            <dgm:constr type="h" refType="w"/>
-            <dgm:constr type="tMarg" refType="primFontSz" fact="0.1"/>
-            <dgm:constr type="bMarg" refType="primFontSz" fact="0.1"/>
-            <dgm:constr type="lMarg" refType="primFontSz" fact="0.1"/>
-            <dgm:constr type="rMarg" refType="primFontSz" fact="0.1"/>
-          </dgm:constrLst>
-          <dgm:ruleLst>
-            <dgm:rule type="primFontSz" val="5" fact="NaN" max="NaN"/>
-          </dgm:ruleLst>
-        </dgm:layoutNode>
-      </dgm:if>
-      <dgm:else name="Name19"/>
-    </dgm:choose>
+              </dgm:forEach>
+            </dgm:if>
+            <dgm:else name="Name7"/>
+          </dgm:choose>
+        </dgm:else>
+      </dgm:choose>
+    </dgm:forEach>
   </dgm:layoutNode>
 </dgm:layoutDef>
 </file>
@@ -11720,1040 +9827,6 @@
         <a:scrgbClr r="0" g="0" b="0"/>
       </a:fillRef>
       <a:effectRef idx="0">
-        <a:scrgbClr r="0" g="0" b="0"/>
-      </a:effectRef>
-      <a:fontRef idx="minor"/>
-    </dgm:style>
-  </dgm:styleLbl>
-  <dgm:styleLbl name="revTx">
-    <dgm:scene3d>
-      <a:camera prst="orthographicFront"/>
-      <a:lightRig rig="threePt" dir="t"/>
-    </dgm:scene3d>
-    <dgm:sp3d/>
-    <dgm:txPr/>
-    <dgm:style>
-      <a:lnRef idx="0">
-        <a:scrgbClr r="0" g="0" b="0"/>
-      </a:lnRef>
-      <a:fillRef idx="0">
-        <a:scrgbClr r="0" g="0" b="0"/>
-      </a:fillRef>
-      <a:effectRef idx="0">
-        <a:scrgbClr r="0" g="0" b="0"/>
-      </a:effectRef>
-      <a:fontRef idx="minor"/>
-    </dgm:style>
-  </dgm:styleLbl>
-</dgm:styleDef>
-</file>
-
-<file path=ppt/diagrams/quickStyle5.xml><?xml version="1.0" encoding="utf-8"?>
-<dgm:styleDef xmlns:dgm="http://schemas.openxmlformats.org/drawingml/2006/diagram" xmlns:a="http://schemas.openxmlformats.org/drawingml/2006/main" uniqueId="urn:microsoft.com/office/officeart/2005/8/quickstyle/simple5">
-  <dgm:title val=""/>
-  <dgm:desc val=""/>
-  <dgm:catLst>
-    <dgm:cat type="simple" pri="10500"/>
-  </dgm:catLst>
-  <dgm:scene3d>
-    <a:camera prst="orthographicFront"/>
-    <a:lightRig rig="threePt" dir="t"/>
-  </dgm:scene3d>
-  <dgm:styleLbl name="node0">
-    <dgm:scene3d>
-      <a:camera prst="orthographicFront"/>
-      <a:lightRig rig="threePt" dir="t"/>
-    </dgm:scene3d>
-    <dgm:sp3d/>
-    <dgm:txPr/>
-    <dgm:style>
-      <a:lnRef idx="0">
-        <a:scrgbClr r="0" g="0" b="0"/>
-      </a:lnRef>
-      <a:fillRef idx="3">
-        <a:scrgbClr r="0" g="0" b="0"/>
-      </a:fillRef>
-      <a:effectRef idx="3">
-        <a:scrgbClr r="0" g="0" b="0"/>
-      </a:effectRef>
-      <a:fontRef idx="minor">
-        <a:schemeClr val="lt1"/>
-      </a:fontRef>
-    </dgm:style>
-  </dgm:styleLbl>
-  <dgm:styleLbl name="lnNode1">
-    <dgm:scene3d>
-      <a:camera prst="orthographicFront"/>
-      <a:lightRig rig="threePt" dir="t"/>
-    </dgm:scene3d>
-    <dgm:sp3d/>
-    <dgm:txPr/>
-    <dgm:style>
-      <a:lnRef idx="0">
-        <a:scrgbClr r="0" g="0" b="0"/>
-      </a:lnRef>
-      <a:fillRef idx="3">
-        <a:scrgbClr r="0" g="0" b="0"/>
-      </a:fillRef>
-      <a:effectRef idx="3">
-        <a:scrgbClr r="0" g="0" b="0"/>
-      </a:effectRef>
-      <a:fontRef idx="minor">
-        <a:schemeClr val="lt1"/>
-      </a:fontRef>
-    </dgm:style>
-  </dgm:styleLbl>
-  <dgm:styleLbl name="vennNode1">
-    <dgm:scene3d>
-      <a:camera prst="orthographicFront"/>
-      <a:lightRig rig="threePt" dir="t"/>
-    </dgm:scene3d>
-    <dgm:sp3d/>
-    <dgm:txPr/>
-    <dgm:style>
-      <a:lnRef idx="0">
-        <a:scrgbClr r="0" g="0" b="0"/>
-      </a:lnRef>
-      <a:fillRef idx="3">
-        <a:scrgbClr r="0" g="0" b="0"/>
-      </a:fillRef>
-      <a:effectRef idx="3">
-        <a:scrgbClr r="0" g="0" b="0"/>
-      </a:effectRef>
-      <a:fontRef idx="minor">
-        <a:schemeClr val="tx1"/>
-      </a:fontRef>
-    </dgm:style>
-  </dgm:styleLbl>
-  <dgm:styleLbl name="alignNode1">
-    <dgm:scene3d>
-      <a:camera prst="orthographicFront"/>
-      <a:lightRig rig="threePt" dir="t"/>
-    </dgm:scene3d>
-    <dgm:sp3d/>
-    <dgm:txPr/>
-    <dgm:style>
-      <a:lnRef idx="1">
-        <a:scrgbClr r="0" g="0" b="0"/>
-      </a:lnRef>
-      <a:fillRef idx="3">
-        <a:scrgbClr r="0" g="0" b="0"/>
-      </a:fillRef>
-      <a:effectRef idx="3">
-        <a:scrgbClr r="0" g="0" b="0"/>
-      </a:effectRef>
-      <a:fontRef idx="minor">
-        <a:schemeClr val="lt1"/>
-      </a:fontRef>
-    </dgm:style>
-  </dgm:styleLbl>
-  <dgm:styleLbl name="node1">
-    <dgm:scene3d>
-      <a:camera prst="orthographicFront"/>
-      <a:lightRig rig="threePt" dir="t"/>
-    </dgm:scene3d>
-    <dgm:sp3d/>
-    <dgm:txPr/>
-    <dgm:style>
-      <a:lnRef idx="0">
-        <a:scrgbClr r="0" g="0" b="0"/>
-      </a:lnRef>
-      <a:fillRef idx="3">
-        <a:scrgbClr r="0" g="0" b="0"/>
-      </a:fillRef>
-      <a:effectRef idx="3">
-        <a:scrgbClr r="0" g="0" b="0"/>
-      </a:effectRef>
-      <a:fontRef idx="minor">
-        <a:schemeClr val="lt1"/>
-      </a:fontRef>
-    </dgm:style>
-  </dgm:styleLbl>
-  <dgm:styleLbl name="node2">
-    <dgm:scene3d>
-      <a:camera prst="orthographicFront"/>
-      <a:lightRig rig="threePt" dir="t"/>
-    </dgm:scene3d>
-    <dgm:sp3d/>
-    <dgm:txPr/>
-    <dgm:style>
-      <a:lnRef idx="0">
-        <a:scrgbClr r="0" g="0" b="0"/>
-      </a:lnRef>
-      <a:fillRef idx="3">
-        <a:scrgbClr r="0" g="0" b="0"/>
-      </a:fillRef>
-      <a:effectRef idx="3">
-        <a:scrgbClr r="0" g="0" b="0"/>
-      </a:effectRef>
-      <a:fontRef idx="minor">
-        <a:schemeClr val="lt1"/>
-      </a:fontRef>
-    </dgm:style>
-  </dgm:styleLbl>
-  <dgm:styleLbl name="node3">
-    <dgm:scene3d>
-      <a:camera prst="orthographicFront"/>
-      <a:lightRig rig="threePt" dir="t"/>
-    </dgm:scene3d>
-    <dgm:sp3d/>
-    <dgm:txPr/>
-    <dgm:style>
-      <a:lnRef idx="0">
-        <a:scrgbClr r="0" g="0" b="0"/>
-      </a:lnRef>
-      <a:fillRef idx="3">
-        <a:scrgbClr r="0" g="0" b="0"/>
-      </a:fillRef>
-      <a:effectRef idx="3">
-        <a:scrgbClr r="0" g="0" b="0"/>
-      </a:effectRef>
-      <a:fontRef idx="minor">
-        <a:schemeClr val="lt1"/>
-      </a:fontRef>
-    </dgm:style>
-  </dgm:styleLbl>
-  <dgm:styleLbl name="node4">
-    <dgm:scene3d>
-      <a:camera prst="orthographicFront"/>
-      <a:lightRig rig="threePt" dir="t"/>
-    </dgm:scene3d>
-    <dgm:sp3d/>
-    <dgm:txPr/>
-    <dgm:style>
-      <a:lnRef idx="0">
-        <a:scrgbClr r="0" g="0" b="0"/>
-      </a:lnRef>
-      <a:fillRef idx="3">
-        <a:scrgbClr r="0" g="0" b="0"/>
-      </a:fillRef>
-      <a:effectRef idx="3">
-        <a:scrgbClr r="0" g="0" b="0"/>
-      </a:effectRef>
-      <a:fontRef idx="minor">
-        <a:schemeClr val="lt1"/>
-      </a:fontRef>
-    </dgm:style>
-  </dgm:styleLbl>
-  <dgm:styleLbl name="fgImgPlace1">
-    <dgm:scene3d>
-      <a:camera prst="orthographicFront"/>
-      <a:lightRig rig="threePt" dir="t"/>
-    </dgm:scene3d>
-    <dgm:sp3d/>
-    <dgm:txPr/>
-    <dgm:style>
-      <a:lnRef idx="0">
-        <a:scrgbClr r="0" g="0" b="0"/>
-      </a:lnRef>
-      <a:fillRef idx="1">
-        <a:scrgbClr r="0" g="0" b="0"/>
-      </a:fillRef>
-      <a:effectRef idx="3">
-        <a:scrgbClr r="0" g="0" b="0"/>
-      </a:effectRef>
-      <a:fontRef idx="minor"/>
-    </dgm:style>
-  </dgm:styleLbl>
-  <dgm:styleLbl name="alignImgPlace1">
-    <dgm:scene3d>
-      <a:camera prst="orthographicFront"/>
-      <a:lightRig rig="threePt" dir="t"/>
-    </dgm:scene3d>
-    <dgm:sp3d/>
-    <dgm:txPr/>
-    <dgm:style>
-      <a:lnRef idx="0">
-        <a:scrgbClr r="0" g="0" b="0"/>
-      </a:lnRef>
-      <a:fillRef idx="1">
-        <a:scrgbClr r="0" g="0" b="0"/>
-      </a:fillRef>
-      <a:effectRef idx="3">
-        <a:scrgbClr r="0" g="0" b="0"/>
-      </a:effectRef>
-      <a:fontRef idx="minor"/>
-    </dgm:style>
-  </dgm:styleLbl>
-  <dgm:styleLbl name="bgImgPlace1">
-    <dgm:scene3d>
-      <a:camera prst="orthographicFront"/>
-      <a:lightRig rig="threePt" dir="t"/>
-    </dgm:scene3d>
-    <dgm:sp3d/>
-    <dgm:txPr/>
-    <dgm:style>
-      <a:lnRef idx="0">
-        <a:scrgbClr r="0" g="0" b="0"/>
-      </a:lnRef>
-      <a:fillRef idx="1">
-        <a:scrgbClr r="0" g="0" b="0"/>
-      </a:fillRef>
-      <a:effectRef idx="3">
-        <a:scrgbClr r="0" g="0" b="0"/>
-      </a:effectRef>
-      <a:fontRef idx="minor"/>
-    </dgm:style>
-  </dgm:styleLbl>
-  <dgm:styleLbl name="sibTrans2D1">
-    <dgm:scene3d>
-      <a:camera prst="orthographicFront"/>
-      <a:lightRig rig="threePt" dir="t"/>
-    </dgm:scene3d>
-    <dgm:sp3d/>
-    <dgm:txPr/>
-    <dgm:style>
-      <a:lnRef idx="0">
-        <a:scrgbClr r="0" g="0" b="0"/>
-      </a:lnRef>
-      <a:fillRef idx="3">
-        <a:scrgbClr r="0" g="0" b="0"/>
-      </a:fillRef>
-      <a:effectRef idx="3">
-        <a:scrgbClr r="0" g="0" b="0"/>
-      </a:effectRef>
-      <a:fontRef idx="minor">
-        <a:schemeClr val="lt1"/>
-      </a:fontRef>
-    </dgm:style>
-  </dgm:styleLbl>
-  <dgm:styleLbl name="fgSibTrans2D1">
-    <dgm:scene3d>
-      <a:camera prst="orthographicFront"/>
-      <a:lightRig rig="threePt" dir="t"/>
-    </dgm:scene3d>
-    <dgm:sp3d/>
-    <dgm:txPr/>
-    <dgm:style>
-      <a:lnRef idx="0">
-        <a:scrgbClr r="0" g="0" b="0"/>
-      </a:lnRef>
-      <a:fillRef idx="3">
-        <a:scrgbClr r="0" g="0" b="0"/>
-      </a:fillRef>
-      <a:effectRef idx="3">
-        <a:scrgbClr r="0" g="0" b="0"/>
-      </a:effectRef>
-      <a:fontRef idx="minor">
-        <a:schemeClr val="lt1"/>
-      </a:fontRef>
-    </dgm:style>
-  </dgm:styleLbl>
-  <dgm:styleLbl name="bgSibTrans2D1">
-    <dgm:scene3d>
-      <a:camera prst="orthographicFront"/>
-      <a:lightRig rig="threePt" dir="t"/>
-    </dgm:scene3d>
-    <dgm:sp3d/>
-    <dgm:txPr/>
-    <dgm:style>
-      <a:lnRef idx="0">
-        <a:scrgbClr r="0" g="0" b="0"/>
-      </a:lnRef>
-      <a:fillRef idx="3">
-        <a:scrgbClr r="0" g="0" b="0"/>
-      </a:fillRef>
-      <a:effectRef idx="3">
-        <a:scrgbClr r="0" g="0" b="0"/>
-      </a:effectRef>
-      <a:fontRef idx="minor">
-        <a:schemeClr val="lt1"/>
-      </a:fontRef>
-    </dgm:style>
-  </dgm:styleLbl>
-  <dgm:styleLbl name="sibTrans1D1">
-    <dgm:scene3d>
-      <a:camera prst="orthographicFront"/>
-      <a:lightRig rig="threePt" dir="t"/>
-    </dgm:scene3d>
-    <dgm:sp3d/>
-    <dgm:txPr/>
-    <dgm:style>
-      <a:lnRef idx="1">
-        <a:scrgbClr r="0" g="0" b="0"/>
-      </a:lnRef>
-      <a:fillRef idx="0">
-        <a:scrgbClr r="0" g="0" b="0"/>
-      </a:fillRef>
-      <a:effectRef idx="0">
-        <a:scrgbClr r="0" g="0" b="0"/>
-      </a:effectRef>
-      <a:fontRef idx="minor"/>
-    </dgm:style>
-  </dgm:styleLbl>
-  <dgm:styleLbl name="callout">
-    <dgm:scene3d>
-      <a:camera prst="orthographicFront"/>
-      <a:lightRig rig="threePt" dir="t"/>
-    </dgm:scene3d>
-    <dgm:sp3d/>
-    <dgm:txPr/>
-    <dgm:style>
-      <a:lnRef idx="1">
-        <a:scrgbClr r="0" g="0" b="0"/>
-      </a:lnRef>
-      <a:fillRef idx="0">
-        <a:scrgbClr r="0" g="0" b="0"/>
-      </a:fillRef>
-      <a:effectRef idx="1">
-        <a:scrgbClr r="0" g="0" b="0"/>
-      </a:effectRef>
-      <a:fontRef idx="minor"/>
-    </dgm:style>
-  </dgm:styleLbl>
-  <dgm:styleLbl name="asst0">
-    <dgm:scene3d>
-      <a:camera prst="orthographicFront"/>
-      <a:lightRig rig="threePt" dir="t"/>
-    </dgm:scene3d>
-    <dgm:sp3d/>
-    <dgm:txPr/>
-    <dgm:style>
-      <a:lnRef idx="0">
-        <a:scrgbClr r="0" g="0" b="0"/>
-      </a:lnRef>
-      <a:fillRef idx="3">
-        <a:scrgbClr r="0" g="0" b="0"/>
-      </a:fillRef>
-      <a:effectRef idx="3">
-        <a:scrgbClr r="0" g="0" b="0"/>
-      </a:effectRef>
-      <a:fontRef idx="minor">
-        <a:schemeClr val="lt1"/>
-      </a:fontRef>
-    </dgm:style>
-  </dgm:styleLbl>
-  <dgm:styleLbl name="asst1">
-    <dgm:scene3d>
-      <a:camera prst="orthographicFront"/>
-      <a:lightRig rig="threePt" dir="t"/>
-    </dgm:scene3d>
-    <dgm:sp3d/>
-    <dgm:txPr/>
-    <dgm:style>
-      <a:lnRef idx="0">
-        <a:scrgbClr r="0" g="0" b="0"/>
-      </a:lnRef>
-      <a:fillRef idx="3">
-        <a:scrgbClr r="0" g="0" b="0"/>
-      </a:fillRef>
-      <a:effectRef idx="3">
-        <a:scrgbClr r="0" g="0" b="0"/>
-      </a:effectRef>
-      <a:fontRef idx="minor">
-        <a:schemeClr val="lt1"/>
-      </a:fontRef>
-    </dgm:style>
-  </dgm:styleLbl>
-  <dgm:styleLbl name="asst2">
-    <dgm:scene3d>
-      <a:camera prst="orthographicFront"/>
-      <a:lightRig rig="threePt" dir="t"/>
-    </dgm:scene3d>
-    <dgm:sp3d/>
-    <dgm:txPr/>
-    <dgm:style>
-      <a:lnRef idx="0">
-        <a:scrgbClr r="0" g="0" b="0"/>
-      </a:lnRef>
-      <a:fillRef idx="3">
-        <a:scrgbClr r="0" g="0" b="0"/>
-      </a:fillRef>
-      <a:effectRef idx="3">
-        <a:scrgbClr r="0" g="0" b="0"/>
-      </a:effectRef>
-      <a:fontRef idx="minor">
-        <a:schemeClr val="lt1"/>
-      </a:fontRef>
-    </dgm:style>
-  </dgm:styleLbl>
-  <dgm:styleLbl name="asst3">
-    <dgm:scene3d>
-      <a:camera prst="orthographicFront"/>
-      <a:lightRig rig="threePt" dir="t"/>
-    </dgm:scene3d>
-    <dgm:sp3d/>
-    <dgm:txPr/>
-    <dgm:style>
-      <a:lnRef idx="0">
-        <a:scrgbClr r="0" g="0" b="0"/>
-      </a:lnRef>
-      <a:fillRef idx="3">
-        <a:scrgbClr r="0" g="0" b="0"/>
-      </a:fillRef>
-      <a:effectRef idx="3">
-        <a:scrgbClr r="0" g="0" b="0"/>
-      </a:effectRef>
-      <a:fontRef idx="minor">
-        <a:schemeClr val="lt1"/>
-      </a:fontRef>
-    </dgm:style>
-  </dgm:styleLbl>
-  <dgm:styleLbl name="asst4">
-    <dgm:scene3d>
-      <a:camera prst="orthographicFront"/>
-      <a:lightRig rig="threePt" dir="t"/>
-    </dgm:scene3d>
-    <dgm:sp3d/>
-    <dgm:txPr/>
-    <dgm:style>
-      <a:lnRef idx="0">
-        <a:scrgbClr r="0" g="0" b="0"/>
-      </a:lnRef>
-      <a:fillRef idx="3">
-        <a:scrgbClr r="0" g="0" b="0"/>
-      </a:fillRef>
-      <a:effectRef idx="3">
-        <a:scrgbClr r="0" g="0" b="0"/>
-      </a:effectRef>
-      <a:fontRef idx="minor">
-        <a:schemeClr val="lt1"/>
-      </a:fontRef>
-    </dgm:style>
-  </dgm:styleLbl>
-  <dgm:styleLbl name="parChTrans2D1">
-    <dgm:scene3d>
-      <a:camera prst="orthographicFront"/>
-      <a:lightRig rig="threePt" dir="t"/>
-    </dgm:scene3d>
-    <dgm:sp3d/>
-    <dgm:txPr/>
-    <dgm:style>
-      <a:lnRef idx="0">
-        <a:scrgbClr r="0" g="0" b="0"/>
-      </a:lnRef>
-      <a:fillRef idx="3">
-        <a:scrgbClr r="0" g="0" b="0"/>
-      </a:fillRef>
-      <a:effectRef idx="3">
-        <a:scrgbClr r="0" g="0" b="0"/>
-      </a:effectRef>
-      <a:fontRef idx="minor">
-        <a:schemeClr val="lt1"/>
-      </a:fontRef>
-    </dgm:style>
-  </dgm:styleLbl>
-  <dgm:styleLbl name="parChTrans2D2">
-    <dgm:scene3d>
-      <a:camera prst="orthographicFront"/>
-      <a:lightRig rig="threePt" dir="t"/>
-    </dgm:scene3d>
-    <dgm:sp3d/>
-    <dgm:txPr/>
-    <dgm:style>
-      <a:lnRef idx="0">
-        <a:scrgbClr r="0" g="0" b="0"/>
-      </a:lnRef>
-      <a:fillRef idx="3">
-        <a:scrgbClr r="0" g="0" b="0"/>
-      </a:fillRef>
-      <a:effectRef idx="3">
-        <a:scrgbClr r="0" g="0" b="0"/>
-      </a:effectRef>
-      <a:fontRef idx="minor">
-        <a:schemeClr val="lt1"/>
-      </a:fontRef>
-    </dgm:style>
-  </dgm:styleLbl>
-  <dgm:styleLbl name="parChTrans2D3">
-    <dgm:scene3d>
-      <a:camera prst="orthographicFront"/>
-      <a:lightRig rig="threePt" dir="t"/>
-    </dgm:scene3d>
-    <dgm:sp3d/>
-    <dgm:txPr/>
-    <dgm:style>
-      <a:lnRef idx="0">
-        <a:scrgbClr r="0" g="0" b="0"/>
-      </a:lnRef>
-      <a:fillRef idx="3">
-        <a:scrgbClr r="0" g="0" b="0"/>
-      </a:fillRef>
-      <a:effectRef idx="3">
-        <a:scrgbClr r="0" g="0" b="0"/>
-      </a:effectRef>
-      <a:fontRef idx="minor">
-        <a:schemeClr val="lt1"/>
-      </a:fontRef>
-    </dgm:style>
-  </dgm:styleLbl>
-  <dgm:styleLbl name="parChTrans2D4">
-    <dgm:scene3d>
-      <a:camera prst="orthographicFront"/>
-      <a:lightRig rig="threePt" dir="t"/>
-    </dgm:scene3d>
-    <dgm:sp3d/>
-    <dgm:txPr/>
-    <dgm:style>
-      <a:lnRef idx="0">
-        <a:scrgbClr r="0" g="0" b="0"/>
-      </a:lnRef>
-      <a:fillRef idx="3">
-        <a:scrgbClr r="0" g="0" b="0"/>
-      </a:fillRef>
-      <a:effectRef idx="3">
-        <a:scrgbClr r="0" g="0" b="0"/>
-      </a:effectRef>
-      <a:fontRef idx="minor">
-        <a:schemeClr val="lt1"/>
-      </a:fontRef>
-    </dgm:style>
-  </dgm:styleLbl>
-  <dgm:styleLbl name="parChTrans1D1">
-    <dgm:scene3d>
-      <a:camera prst="orthographicFront"/>
-      <a:lightRig rig="threePt" dir="t"/>
-    </dgm:scene3d>
-    <dgm:sp3d/>
-    <dgm:txPr/>
-    <dgm:style>
-      <a:lnRef idx="2">
-        <a:scrgbClr r="0" g="0" b="0"/>
-      </a:lnRef>
-      <a:fillRef idx="0">
-        <a:scrgbClr r="0" g="0" b="0"/>
-      </a:fillRef>
-      <a:effectRef idx="0">
-        <a:scrgbClr r="0" g="0" b="0"/>
-      </a:effectRef>
-      <a:fontRef idx="minor"/>
-    </dgm:style>
-  </dgm:styleLbl>
-  <dgm:styleLbl name="parChTrans1D2">
-    <dgm:scene3d>
-      <a:camera prst="orthographicFront"/>
-      <a:lightRig rig="threePt" dir="t"/>
-    </dgm:scene3d>
-    <dgm:sp3d/>
-    <dgm:txPr/>
-    <dgm:style>
-      <a:lnRef idx="2">
-        <a:scrgbClr r="0" g="0" b="0"/>
-      </a:lnRef>
-      <a:fillRef idx="0">
-        <a:scrgbClr r="0" g="0" b="0"/>
-      </a:fillRef>
-      <a:effectRef idx="0">
-        <a:scrgbClr r="0" g="0" b="0"/>
-      </a:effectRef>
-      <a:fontRef idx="minor"/>
-    </dgm:style>
-  </dgm:styleLbl>
-  <dgm:styleLbl name="parChTrans1D3">
-    <dgm:scene3d>
-      <a:camera prst="orthographicFront"/>
-      <a:lightRig rig="threePt" dir="t"/>
-    </dgm:scene3d>
-    <dgm:sp3d/>
-    <dgm:txPr/>
-    <dgm:style>
-      <a:lnRef idx="2">
-        <a:scrgbClr r="0" g="0" b="0"/>
-      </a:lnRef>
-      <a:fillRef idx="0">
-        <a:scrgbClr r="0" g="0" b="0"/>
-      </a:fillRef>
-      <a:effectRef idx="0">
-        <a:scrgbClr r="0" g="0" b="0"/>
-      </a:effectRef>
-      <a:fontRef idx="minor"/>
-    </dgm:style>
-  </dgm:styleLbl>
-  <dgm:styleLbl name="parChTrans1D4">
-    <dgm:scene3d>
-      <a:camera prst="orthographicFront"/>
-      <a:lightRig rig="threePt" dir="t"/>
-    </dgm:scene3d>
-    <dgm:sp3d/>
-    <dgm:txPr/>
-    <dgm:style>
-      <a:lnRef idx="2">
-        <a:scrgbClr r="0" g="0" b="0"/>
-      </a:lnRef>
-      <a:fillRef idx="0">
-        <a:scrgbClr r="0" g="0" b="0"/>
-      </a:fillRef>
-      <a:effectRef idx="0">
-        <a:scrgbClr r="0" g="0" b="0"/>
-      </a:effectRef>
-      <a:fontRef idx="minor"/>
-    </dgm:style>
-  </dgm:styleLbl>
-  <dgm:styleLbl name="fgAcc1">
-    <dgm:scene3d>
-      <a:camera prst="orthographicFront"/>
-      <a:lightRig rig="threePt" dir="t"/>
-    </dgm:scene3d>
-    <dgm:sp3d/>
-    <dgm:txPr/>
-    <dgm:style>
-      <a:lnRef idx="1">
-        <a:scrgbClr r="0" g="0" b="0"/>
-      </a:lnRef>
-      <a:fillRef idx="1">
-        <a:scrgbClr r="0" g="0" b="0"/>
-      </a:fillRef>
-      <a:effectRef idx="2">
-        <a:scrgbClr r="0" g="0" b="0"/>
-      </a:effectRef>
-      <a:fontRef idx="minor"/>
-    </dgm:style>
-  </dgm:styleLbl>
-  <dgm:styleLbl name="conFgAcc1">
-    <dgm:scene3d>
-      <a:camera prst="orthographicFront"/>
-      <a:lightRig rig="threePt" dir="t"/>
-    </dgm:scene3d>
-    <dgm:sp3d/>
-    <dgm:txPr/>
-    <dgm:style>
-      <a:lnRef idx="1">
-        <a:scrgbClr r="0" g="0" b="0"/>
-      </a:lnRef>
-      <a:fillRef idx="1">
-        <a:scrgbClr r="0" g="0" b="0"/>
-      </a:fillRef>
-      <a:effectRef idx="2">
-        <a:scrgbClr r="0" g="0" b="0"/>
-      </a:effectRef>
-      <a:fontRef idx="minor"/>
-    </dgm:style>
-  </dgm:styleLbl>
-  <dgm:styleLbl name="alignAcc1">
-    <dgm:scene3d>
-      <a:camera prst="orthographicFront"/>
-      <a:lightRig rig="threePt" dir="t"/>
-    </dgm:scene3d>
-    <dgm:sp3d/>
-    <dgm:txPr/>
-    <dgm:style>
-      <a:lnRef idx="1">
-        <a:scrgbClr r="0" g="0" b="0"/>
-      </a:lnRef>
-      <a:fillRef idx="1">
-        <a:scrgbClr r="0" g="0" b="0"/>
-      </a:fillRef>
-      <a:effectRef idx="2">
-        <a:scrgbClr r="0" g="0" b="0"/>
-      </a:effectRef>
-      <a:fontRef idx="minor"/>
-    </dgm:style>
-  </dgm:styleLbl>
-  <dgm:styleLbl name="trAlignAcc1">
-    <dgm:scene3d>
-      <a:camera prst="orthographicFront"/>
-      <a:lightRig rig="threePt" dir="t"/>
-    </dgm:scene3d>
-    <dgm:sp3d/>
-    <dgm:txPr/>
-    <dgm:style>
-      <a:lnRef idx="1">
-        <a:scrgbClr r="0" g="0" b="0"/>
-      </a:lnRef>
-      <a:fillRef idx="1">
-        <a:scrgbClr r="0" g="0" b="0"/>
-      </a:fillRef>
-      <a:effectRef idx="0">
-        <a:scrgbClr r="0" g="0" b="0"/>
-      </a:effectRef>
-      <a:fontRef idx="minor"/>
-    </dgm:style>
-  </dgm:styleLbl>
-  <dgm:styleLbl name="bgAcc1">
-    <dgm:scene3d>
-      <a:camera prst="orthographicFront"/>
-      <a:lightRig rig="threePt" dir="t"/>
-    </dgm:scene3d>
-    <dgm:sp3d/>
-    <dgm:txPr/>
-    <dgm:style>
-      <a:lnRef idx="1">
-        <a:scrgbClr r="0" g="0" b="0"/>
-      </a:lnRef>
-      <a:fillRef idx="1">
-        <a:scrgbClr r="0" g="0" b="0"/>
-      </a:fillRef>
-      <a:effectRef idx="2">
-        <a:scrgbClr r="0" g="0" b="0"/>
-      </a:effectRef>
-      <a:fontRef idx="minor"/>
-    </dgm:style>
-  </dgm:styleLbl>
-  <dgm:styleLbl name="solidFgAcc1">
-    <dgm:scene3d>
-      <a:camera prst="orthographicFront"/>
-      <a:lightRig rig="threePt" dir="t"/>
-    </dgm:scene3d>
-    <dgm:sp3d/>
-    <dgm:txPr/>
-    <dgm:style>
-      <a:lnRef idx="1">
-        <a:scrgbClr r="0" g="0" b="0"/>
-      </a:lnRef>
-      <a:fillRef idx="1">
-        <a:scrgbClr r="0" g="0" b="0"/>
-      </a:fillRef>
-      <a:effectRef idx="2">
-        <a:scrgbClr r="0" g="0" b="0"/>
-      </a:effectRef>
-      <a:fontRef idx="minor"/>
-    </dgm:style>
-  </dgm:styleLbl>
-  <dgm:styleLbl name="solidAlignAcc1">
-    <dgm:scene3d>
-      <a:camera prst="orthographicFront"/>
-      <a:lightRig rig="threePt" dir="t"/>
-    </dgm:scene3d>
-    <dgm:sp3d/>
-    <dgm:txPr/>
-    <dgm:style>
-      <a:lnRef idx="1">
-        <a:scrgbClr r="0" g="0" b="0"/>
-      </a:lnRef>
-      <a:fillRef idx="1">
-        <a:scrgbClr r="0" g="0" b="0"/>
-      </a:fillRef>
-      <a:effectRef idx="3">
-        <a:scrgbClr r="0" g="0" b="0"/>
-      </a:effectRef>
-      <a:fontRef idx="minor"/>
-    </dgm:style>
-  </dgm:styleLbl>
-  <dgm:styleLbl name="solidBgAcc1">
-    <dgm:scene3d>
-      <a:camera prst="orthographicFront"/>
-      <a:lightRig rig="threePt" dir="t"/>
-    </dgm:scene3d>
-    <dgm:sp3d/>
-    <dgm:txPr/>
-    <dgm:style>
-      <a:lnRef idx="1">
-        <a:scrgbClr r="0" g="0" b="0"/>
-      </a:lnRef>
-      <a:fillRef idx="1">
-        <a:scrgbClr r="0" g="0" b="0"/>
-      </a:fillRef>
-      <a:effectRef idx="3">
-        <a:scrgbClr r="0" g="0" b="0"/>
-      </a:effectRef>
-      <a:fontRef idx="minor"/>
-    </dgm:style>
-  </dgm:styleLbl>
-  <dgm:styleLbl name="fgAccFollowNode1">
-    <dgm:scene3d>
-      <a:camera prst="orthographicFront"/>
-      <a:lightRig rig="threePt" dir="t"/>
-    </dgm:scene3d>
-    <dgm:sp3d/>
-    <dgm:txPr/>
-    <dgm:style>
-      <a:lnRef idx="1">
-        <a:scrgbClr r="0" g="0" b="0"/>
-      </a:lnRef>
-      <a:fillRef idx="1">
-        <a:scrgbClr r="0" g="0" b="0"/>
-      </a:fillRef>
-      <a:effectRef idx="2">
-        <a:scrgbClr r="0" g="0" b="0"/>
-      </a:effectRef>
-      <a:fontRef idx="minor"/>
-    </dgm:style>
-  </dgm:styleLbl>
-  <dgm:styleLbl name="alignAccFollowNode1">
-    <dgm:scene3d>
-      <a:camera prst="orthographicFront"/>
-      <a:lightRig rig="threePt" dir="t"/>
-    </dgm:scene3d>
-    <dgm:sp3d/>
-    <dgm:txPr/>
-    <dgm:style>
-      <a:lnRef idx="1">
-        <a:scrgbClr r="0" g="0" b="0"/>
-      </a:lnRef>
-      <a:fillRef idx="1">
-        <a:scrgbClr r="0" g="0" b="0"/>
-      </a:fillRef>
-      <a:effectRef idx="2">
-        <a:scrgbClr r="0" g="0" b="0"/>
-      </a:effectRef>
-      <a:fontRef idx="minor"/>
-    </dgm:style>
-  </dgm:styleLbl>
-  <dgm:styleLbl name="bgAccFollowNode1">
-    <dgm:scene3d>
-      <a:camera prst="orthographicFront"/>
-      <a:lightRig rig="threePt" dir="t"/>
-    </dgm:scene3d>
-    <dgm:sp3d/>
-    <dgm:txPr/>
-    <dgm:style>
-      <a:lnRef idx="1">
-        <a:scrgbClr r="0" g="0" b="0"/>
-      </a:lnRef>
-      <a:fillRef idx="1">
-        <a:scrgbClr r="0" g="0" b="0"/>
-      </a:fillRef>
-      <a:effectRef idx="2">
-        <a:scrgbClr r="0" g="0" b="0"/>
-      </a:effectRef>
-      <a:fontRef idx="minor"/>
-    </dgm:style>
-  </dgm:styleLbl>
-  <dgm:styleLbl name="fgAcc0">
-    <dgm:scene3d>
-      <a:camera prst="orthographicFront"/>
-      <a:lightRig rig="threePt" dir="t"/>
-    </dgm:scene3d>
-    <dgm:sp3d/>
-    <dgm:txPr/>
-    <dgm:style>
-      <a:lnRef idx="1">
-        <a:scrgbClr r="0" g="0" b="0"/>
-      </a:lnRef>
-      <a:fillRef idx="1">
-        <a:scrgbClr r="0" g="0" b="0"/>
-      </a:fillRef>
-      <a:effectRef idx="2">
-        <a:scrgbClr r="0" g="0" b="0"/>
-      </a:effectRef>
-      <a:fontRef idx="minor"/>
-    </dgm:style>
-  </dgm:styleLbl>
-  <dgm:styleLbl name="fgAcc2">
-    <dgm:scene3d>
-      <a:camera prst="orthographicFront"/>
-      <a:lightRig rig="threePt" dir="t"/>
-    </dgm:scene3d>
-    <dgm:sp3d/>
-    <dgm:txPr/>
-    <dgm:style>
-      <a:lnRef idx="1">
-        <a:scrgbClr r="0" g="0" b="0"/>
-      </a:lnRef>
-      <a:fillRef idx="1">
-        <a:scrgbClr r="0" g="0" b="0"/>
-      </a:fillRef>
-      <a:effectRef idx="2">
-        <a:scrgbClr r="0" g="0" b="0"/>
-      </a:effectRef>
-      <a:fontRef idx="minor"/>
-    </dgm:style>
-  </dgm:styleLbl>
-  <dgm:styleLbl name="fgAcc3">
-    <dgm:scene3d>
-      <a:camera prst="orthographicFront"/>
-      <a:lightRig rig="threePt" dir="t"/>
-    </dgm:scene3d>
-    <dgm:sp3d/>
-    <dgm:txPr/>
-    <dgm:style>
-      <a:lnRef idx="1">
-        <a:scrgbClr r="0" g="0" b="0"/>
-      </a:lnRef>
-      <a:fillRef idx="1">
-        <a:scrgbClr r="0" g="0" b="0"/>
-      </a:fillRef>
-      <a:effectRef idx="2">
-        <a:scrgbClr r="0" g="0" b="0"/>
-      </a:effectRef>
-      <a:fontRef idx="minor"/>
-    </dgm:style>
-  </dgm:styleLbl>
-  <dgm:styleLbl name="fgAcc4">
-    <dgm:scene3d>
-      <a:camera prst="orthographicFront"/>
-      <a:lightRig rig="threePt" dir="t"/>
-    </dgm:scene3d>
-    <dgm:sp3d/>
-    <dgm:txPr/>
-    <dgm:style>
-      <a:lnRef idx="1">
-        <a:scrgbClr r="0" g="0" b="0"/>
-      </a:lnRef>
-      <a:fillRef idx="1">
-        <a:scrgbClr r="0" g="0" b="0"/>
-      </a:fillRef>
-      <a:effectRef idx="2">
-        <a:scrgbClr r="0" g="0" b="0"/>
-      </a:effectRef>
-      <a:fontRef idx="minor"/>
-    </dgm:style>
-  </dgm:styleLbl>
-  <dgm:styleLbl name="bgShp">
-    <dgm:scene3d>
-      <a:camera prst="orthographicFront"/>
-      <a:lightRig rig="threePt" dir="t"/>
-    </dgm:scene3d>
-    <dgm:sp3d/>
-    <dgm:txPr/>
-    <dgm:style>
-      <a:lnRef idx="0">
-        <a:scrgbClr r="0" g="0" b="0"/>
-      </a:lnRef>
-      <a:fillRef idx="1">
-        <a:scrgbClr r="0" g="0" b="0"/>
-      </a:fillRef>
-      <a:effectRef idx="2">
-        <a:scrgbClr r="0" g="0" b="0"/>
-      </a:effectRef>
-      <a:fontRef idx="minor"/>
-    </dgm:style>
-  </dgm:styleLbl>
-  <dgm:styleLbl name="dkBgShp">
-    <dgm:scene3d>
-      <a:camera prst="orthographicFront"/>
-      <a:lightRig rig="threePt" dir="t"/>
-    </dgm:scene3d>
-    <dgm:sp3d/>
-    <dgm:txPr/>
-    <dgm:style>
-      <a:lnRef idx="0">
-        <a:scrgbClr r="0" g="0" b="0"/>
-      </a:lnRef>
-      <a:fillRef idx="1">
-        <a:scrgbClr r="0" g="0" b="0"/>
-      </a:fillRef>
-      <a:effectRef idx="3">
-        <a:scrgbClr r="0" g="0" b="0"/>
-      </a:effectRef>
-      <a:fontRef idx="minor"/>
-    </dgm:style>
-  </dgm:styleLbl>
-  <dgm:styleLbl name="trBgShp">
-    <dgm:scene3d>
-      <a:camera prst="orthographicFront"/>
-      <a:lightRig rig="threePt" dir="t"/>
-    </dgm:scene3d>
-    <dgm:sp3d/>
-    <dgm:txPr/>
-    <dgm:style>
-      <a:lnRef idx="0">
-        <a:scrgbClr r="0" g="0" b="0"/>
-      </a:lnRef>
-      <a:fillRef idx="1">
-        <a:scrgbClr r="0" g="0" b="0"/>
-      </a:fillRef>
-      <a:effectRef idx="0">
-        <a:scrgbClr r="0" g="0" b="0"/>
-      </a:effectRef>
-      <a:fontRef idx="minor"/>
-    </dgm:style>
-  </dgm:styleLbl>
-  <dgm:styleLbl name="fgShp">
-    <dgm:scene3d>
-      <a:camera prst="orthographicFront"/>
-      <a:lightRig rig="threePt" dir="t"/>
-    </dgm:scene3d>
-    <dgm:sp3d/>
-    <dgm:txPr/>
-    <dgm:style>
-      <a:lnRef idx="0">
-        <a:scrgbClr r="0" g="0" b="0"/>
-      </a:lnRef>
-      <a:fillRef idx="3">
-        <a:scrgbClr r="0" g="0" b="0"/>
-      </a:fillRef>
-      <a:effectRef idx="3">
         <a:scrgbClr r="0" g="0" b="0"/>
       </a:effectRef>
       <a:fontRef idx="minor"/>
@@ -12864,7 +9937,7 @@
           <a:p>
             <a:fld id="{9B26D589-5E3F-47E8-97BD-BBFA6DDCE7C9}" type="datetimeFigureOut">
               <a:rPr lang="es-ES" smtClean="0"/>
-              <a:t>20/06/2017</a:t>
+              <a:t>01/09/2017</a:t>
             </a:fld>
             <a:endParaRPr lang="es-ES"/>
           </a:p>
@@ -19121,19 +16194,19 @@
               <a:rPr lang="es-ES" b="1" dirty="0">
                 <a:latin typeface="UTM Ericsson Capital" panose="02040603050506020204" pitchFamily="18" charset="0"/>
               </a:rPr>
-              <a:t>TFM: real time </a:t>
+              <a:t>TFM: Visualización </a:t>
             </a:r>
             <a:r>
               <a:rPr lang="es-ES" b="1" dirty="0" err="1">
                 <a:latin typeface="UTM Ericsson Capital" panose="02040603050506020204" pitchFamily="18" charset="0"/>
               </a:rPr>
-              <a:t>Analytics</a:t>
+              <a:t>streaming</a:t>
             </a:r>
             <a:r>
               <a:rPr lang="es-ES" b="1" dirty="0">
                 <a:latin typeface="UTM Ericsson Capital" panose="02040603050506020204" pitchFamily="18" charset="0"/>
               </a:rPr>
-              <a:t> VISUALIZATION</a:t>
+              <a:t> de evaluación de modelo</a:t>
             </a:r>
           </a:p>
         </p:txBody>
@@ -19159,63 +16232,19 @@
           <a:lstStyle/>
           <a:p>
             <a:r>
-              <a:rPr lang="es-ES" dirty="0" err="1">
-                <a:latin typeface="UTM Ericsson Capital" panose="02040603050506020204" pitchFamily="18" charset="0"/>
-              </a:rPr>
-              <a:t>AutHor</a:t>
-            </a:r>
-            <a:r>
               <a:rPr lang="es-ES" dirty="0">
                 <a:latin typeface="UTM Ericsson Capital" panose="02040603050506020204" pitchFamily="18" charset="0"/>
               </a:rPr>
-              <a:t>: Ignacio Arias Barra</a:t>
-            </a:r>
-          </a:p>
-        </p:txBody>
-      </p:sp>
-      <p:sp>
-        <p:nvSpPr>
-          <p:cNvPr id="7" name="Marcador de fecha 6"/>
-          <p:cNvSpPr>
-            <a:spLocks noGrp="1"/>
-          </p:cNvSpPr>
-          <p:nvPr>
-            <p:ph type="dt" sz="half" idx="10"/>
-          </p:nvPr>
-        </p:nvSpPr>
-        <p:spPr/>
-        <p:txBody>
-          <a:bodyPr/>
-          <a:lstStyle/>
-          <a:p>
-            <a:r>
-              <a:rPr lang="es-ES"/>
-              <a:t>24/03/2017</a:t>
-            </a:r>
-            <a:endParaRPr lang="es-ES" dirty="0"/>
-          </a:p>
-        </p:txBody>
-      </p:sp>
-      <p:sp>
-        <p:nvSpPr>
-          <p:cNvPr id="8" name="Marcador de pie de página 7"/>
-          <p:cNvSpPr>
-            <a:spLocks noGrp="1"/>
-          </p:cNvSpPr>
-          <p:nvPr>
-            <p:ph type="ftr" sz="quarter" idx="11"/>
-          </p:nvPr>
-        </p:nvSpPr>
-        <p:spPr/>
-        <p:txBody>
-          <a:bodyPr/>
-          <a:lstStyle/>
-          <a:p>
-            <a:r>
-              <a:rPr lang="en-US"/>
-              <a:t>TFM: Real Time Analytics in 5G Network</a:t>
-            </a:r>
-            <a:endParaRPr lang="es-ES" dirty="0"/>
+              <a:t>Autor: Ignacio Arias Barra</a:t>
+            </a:r>
+          </a:p>
+          <a:p>
+            <a:r>
+              <a:rPr lang="es-ES" dirty="0">
+                <a:latin typeface="UTM Ericsson Capital" panose="02040603050506020204" pitchFamily="18" charset="0"/>
+              </a:rPr>
+              <a:t>Tutor: José Felipe Ortega Soto</a:t>
+            </a:r>
           </a:p>
         </p:txBody>
       </p:sp>
@@ -19242,10 +16271,542 @@
           </a:p>
         </p:txBody>
       </p:sp>
+      <p:sp>
+        <p:nvSpPr>
+          <p:cNvPr id="9" name="Marcador de pie de página 4">
+            <a:extLst>
+              <a:ext uri="{FF2B5EF4-FFF2-40B4-BE49-F238E27FC236}">
+                <a16:creationId xmlns:a16="http://schemas.microsoft.com/office/drawing/2014/main" id="{7263B8A5-366D-4338-A46F-9F08CF4F8B01}"/>
+              </a:ext>
+            </a:extLst>
+          </p:cNvPr>
+          <p:cNvSpPr>
+            <a:spLocks noGrp="1"/>
+          </p:cNvSpPr>
+          <p:nvPr>
+            <p:ph type="ftr" sz="quarter" idx="11"/>
+          </p:nvPr>
+        </p:nvSpPr>
+        <p:spPr>
+          <a:xfrm>
+            <a:off x="4038600" y="6356350"/>
+            <a:ext cx="4114800" cy="365125"/>
+          </a:xfrm>
+        </p:spPr>
+        <p:txBody>
+          <a:bodyPr/>
+          <a:lstStyle/>
+          <a:p>
+            <a:r>
+              <a:rPr lang="en-US" dirty="0"/>
+              <a:t>TFM: </a:t>
+            </a:r>
+            <a:r>
+              <a:rPr lang="en-US" dirty="0" err="1"/>
+              <a:t>Visualización</a:t>
+            </a:r>
+            <a:r>
+              <a:rPr lang="en-US" dirty="0"/>
+              <a:t> streaming de </a:t>
+            </a:r>
+            <a:r>
+              <a:rPr lang="en-US" dirty="0" err="1"/>
+              <a:t>evaluación</a:t>
+            </a:r>
+            <a:r>
+              <a:rPr lang="en-US" dirty="0"/>
+              <a:t> de </a:t>
+            </a:r>
+            <a:r>
+              <a:rPr lang="en-US" dirty="0" err="1"/>
+              <a:t>modelo</a:t>
+            </a:r>
+            <a:endParaRPr lang="es-ES" dirty="0"/>
+          </a:p>
+        </p:txBody>
+      </p:sp>
+      <p:sp>
+        <p:nvSpPr>
+          <p:cNvPr id="11" name="Marcador de fecha 3">
+            <a:extLst>
+              <a:ext uri="{FF2B5EF4-FFF2-40B4-BE49-F238E27FC236}">
+                <a16:creationId xmlns:a16="http://schemas.microsoft.com/office/drawing/2014/main" id="{4F8E6A30-2FEE-4679-86EE-1BD2F78413C6}"/>
+              </a:ext>
+            </a:extLst>
+          </p:cNvPr>
+          <p:cNvSpPr>
+            <a:spLocks noGrp="1"/>
+          </p:cNvSpPr>
+          <p:nvPr>
+            <p:ph type="dt" sz="half" idx="10"/>
+          </p:nvPr>
+        </p:nvSpPr>
+        <p:spPr>
+          <a:xfrm>
+            <a:off x="838200" y="6356350"/>
+            <a:ext cx="2743200" cy="365125"/>
+          </a:xfrm>
+        </p:spPr>
+        <p:txBody>
+          <a:bodyPr/>
+          <a:lstStyle/>
+          <a:p>
+            <a:r>
+              <a:rPr lang="es-ES" dirty="0"/>
+              <a:t>15/09/2017</a:t>
+            </a:r>
+          </a:p>
+        </p:txBody>
+      </p:sp>
     </p:spTree>
     <p:extLst>
       <p:ext uri="{BB962C8B-B14F-4D97-AF65-F5344CB8AC3E}">
         <p14:creationId xmlns:p14="http://schemas.microsoft.com/office/powerpoint/2010/main" val="3551386710"/>
+      </p:ext>
+    </p:extLst>
+  </p:cSld>
+  <p:clrMapOvr>
+    <a:masterClrMapping/>
+  </p:clrMapOvr>
+</p:sld>
+</file>
+
+<file path=ppt/slides/slide10.xml><?xml version="1.0" encoding="utf-8"?>
+<p:sld xmlns:a="http://schemas.openxmlformats.org/drawingml/2006/main" xmlns:r="http://schemas.openxmlformats.org/officeDocument/2006/relationships" xmlns:p="http://schemas.openxmlformats.org/presentationml/2006/main">
+  <p:cSld>
+    <p:spTree>
+      <p:nvGrpSpPr>
+        <p:cNvPr id="1" name=""/>
+        <p:cNvGrpSpPr/>
+        <p:nvPr/>
+      </p:nvGrpSpPr>
+      <p:grpSpPr>
+        <a:xfrm>
+          <a:off x="0" y="0"/>
+          <a:ext cx="0" cy="0"/>
+          <a:chOff x="0" y="0"/>
+          <a:chExt cx="0" cy="0"/>
+        </a:xfrm>
+      </p:grpSpPr>
+      <p:sp>
+        <p:nvSpPr>
+          <p:cNvPr id="2" name="Título 1"/>
+          <p:cNvSpPr>
+            <a:spLocks noGrp="1"/>
+          </p:cNvSpPr>
+          <p:nvPr>
+            <p:ph type="title"/>
+          </p:nvPr>
+        </p:nvSpPr>
+        <p:spPr/>
+        <p:txBody>
+          <a:bodyPr>
+            <a:normAutofit fontScale="90000"/>
+          </a:bodyPr>
+          <a:lstStyle/>
+          <a:p>
+            <a:pPr algn="ctr"/>
+            <a:r>
+              <a:rPr lang="es-ES" b="1" dirty="0">
+                <a:latin typeface="UTM Ericsson Capital" panose="02040603050506020204" pitchFamily="18" charset="0"/>
+              </a:rPr>
+              <a:t>4. VISUALIZACIÓN</a:t>
+            </a:r>
+            <a:br>
+              <a:rPr lang="es-ES" b="1" dirty="0">
+                <a:latin typeface="UTM Ericsson Capital" panose="02040603050506020204" pitchFamily="18" charset="0"/>
+              </a:rPr>
+            </a:br>
+            <a:r>
+              <a:rPr lang="es-ES" sz="3300" dirty="0">
+                <a:latin typeface="UTM Ericsson Capital" panose="02040603050506020204" pitchFamily="18" charset="0"/>
+              </a:rPr>
+              <a:t>Modelo</a:t>
+            </a:r>
+            <a:br>
+              <a:rPr lang="es-ES" b="1" dirty="0">
+                <a:latin typeface="UTM Ericsson Capital" panose="02040603050506020204" pitchFamily="18" charset="0"/>
+              </a:rPr>
+            </a:br>
+            <a:endParaRPr lang="es-ES" sz="2000" b="1" dirty="0">
+              <a:latin typeface="UTM Ericsson Capital" panose="02040603050506020204" pitchFamily="18" charset="0"/>
+            </a:endParaRPr>
+          </a:p>
+        </p:txBody>
+      </p:sp>
+      <p:sp>
+        <p:nvSpPr>
+          <p:cNvPr id="3" name="Marcador de número de diapositiva 2"/>
+          <p:cNvSpPr>
+            <a:spLocks noGrp="1"/>
+          </p:cNvSpPr>
+          <p:nvPr>
+            <p:ph type="sldNum" sz="quarter" idx="12"/>
+          </p:nvPr>
+        </p:nvSpPr>
+        <p:spPr/>
+        <p:txBody>
+          <a:bodyPr/>
+          <a:lstStyle/>
+          <a:p>
+            <a:fld id="{25DA8D8B-2BFC-4181-B8DB-6BD765AAE0D7}" type="slidenum">
+              <a:rPr lang="es-ES" smtClean="0"/>
+              <a:t>10</a:t>
+            </a:fld>
+            <a:endParaRPr lang="es-ES"/>
+          </a:p>
+        </p:txBody>
+      </p:sp>
+      <p:sp>
+        <p:nvSpPr>
+          <p:cNvPr id="23" name="Marcador de fecha 3">
+            <a:extLst>
+              <a:ext uri="{FF2B5EF4-FFF2-40B4-BE49-F238E27FC236}">
+                <a16:creationId xmlns:a16="http://schemas.microsoft.com/office/drawing/2014/main" id="{E51FF9E2-0149-4619-9464-B6460754077F}"/>
+              </a:ext>
+            </a:extLst>
+          </p:cNvPr>
+          <p:cNvSpPr>
+            <a:spLocks noGrp="1"/>
+          </p:cNvSpPr>
+          <p:nvPr>
+            <p:ph type="dt" sz="half" idx="10"/>
+          </p:nvPr>
+        </p:nvSpPr>
+        <p:spPr>
+          <a:xfrm>
+            <a:off x="838200" y="6356350"/>
+            <a:ext cx="2743200" cy="365125"/>
+          </a:xfrm>
+        </p:spPr>
+        <p:txBody>
+          <a:bodyPr/>
+          <a:lstStyle/>
+          <a:p>
+            <a:r>
+              <a:rPr lang="es-ES" dirty="0"/>
+              <a:t>15/09/2017</a:t>
+            </a:r>
+          </a:p>
+        </p:txBody>
+      </p:sp>
+      <p:sp>
+        <p:nvSpPr>
+          <p:cNvPr id="32" name="Marcador de pie de página 4">
+            <a:extLst>
+              <a:ext uri="{FF2B5EF4-FFF2-40B4-BE49-F238E27FC236}">
+                <a16:creationId xmlns:a16="http://schemas.microsoft.com/office/drawing/2014/main" id="{9359AB87-8024-4447-A9A1-506360FB0FAA}"/>
+              </a:ext>
+            </a:extLst>
+          </p:cNvPr>
+          <p:cNvSpPr>
+            <a:spLocks noGrp="1"/>
+          </p:cNvSpPr>
+          <p:nvPr>
+            <p:ph type="ftr" sz="quarter" idx="11"/>
+          </p:nvPr>
+        </p:nvSpPr>
+        <p:spPr>
+          <a:xfrm>
+            <a:off x="4038600" y="6356350"/>
+            <a:ext cx="4114800" cy="365125"/>
+          </a:xfrm>
+        </p:spPr>
+        <p:txBody>
+          <a:bodyPr/>
+          <a:lstStyle/>
+          <a:p>
+            <a:r>
+              <a:rPr lang="en-US" dirty="0"/>
+              <a:t>TFM: </a:t>
+            </a:r>
+            <a:r>
+              <a:rPr lang="en-US" dirty="0" err="1"/>
+              <a:t>Visualización</a:t>
+            </a:r>
+            <a:r>
+              <a:rPr lang="en-US" dirty="0"/>
+              <a:t> streaming de </a:t>
+            </a:r>
+            <a:r>
+              <a:rPr lang="en-US" dirty="0" err="1"/>
+              <a:t>evaluación</a:t>
+            </a:r>
+            <a:r>
+              <a:rPr lang="en-US" dirty="0"/>
+              <a:t> de </a:t>
+            </a:r>
+            <a:r>
+              <a:rPr lang="en-US" dirty="0" err="1"/>
+              <a:t>modelo</a:t>
+            </a:r>
+            <a:endParaRPr lang="es-ES" dirty="0"/>
+          </a:p>
+        </p:txBody>
+      </p:sp>
+      <p:sp>
+        <p:nvSpPr>
+          <p:cNvPr id="9" name="Marcador de contenido 8">
+            <a:extLst>
+              <a:ext uri="{FF2B5EF4-FFF2-40B4-BE49-F238E27FC236}">
+                <a16:creationId xmlns:a16="http://schemas.microsoft.com/office/drawing/2014/main" id="{A6094CD9-60CB-411D-BFFA-1B42D3020879}"/>
+              </a:ext>
+            </a:extLst>
+          </p:cNvPr>
+          <p:cNvSpPr>
+            <a:spLocks noGrp="1"/>
+          </p:cNvSpPr>
+          <p:nvPr>
+            <p:ph idx="1"/>
+          </p:nvPr>
+        </p:nvSpPr>
+        <p:spPr/>
+        <p:txBody>
+          <a:bodyPr/>
+          <a:lstStyle/>
+          <a:p>
+            <a:endParaRPr lang="es-ES" dirty="0">
+              <a:latin typeface="UTM Ericsson Capital" panose="02040603050506020204"/>
+            </a:endParaRPr>
+          </a:p>
+          <a:p>
+            <a:endParaRPr lang="es-ES" dirty="0">
+              <a:latin typeface="UTM Ericsson Capital" panose="02040603050506020204"/>
+            </a:endParaRPr>
+          </a:p>
+          <a:p>
+            <a:r>
+              <a:rPr lang="es-ES" dirty="0">
+                <a:latin typeface="UTM Ericsson Capital" panose="02040603050506020204"/>
+              </a:rPr>
+              <a:t>Porcentaje medio de acierto</a:t>
+            </a:r>
+          </a:p>
+          <a:p>
+            <a:r>
+              <a:rPr lang="es-ES" dirty="0">
+                <a:latin typeface="UTM Ericsson Capital" panose="02040603050506020204"/>
+              </a:rPr>
+              <a:t>Número de aciertos</a:t>
+            </a:r>
+          </a:p>
+        </p:txBody>
+      </p:sp>
+      <p:pic>
+        <p:nvPicPr>
+          <p:cNvPr id="33" name="Gráfico 32" descr="Tendencia al alza">
+            <a:extLst>
+              <a:ext uri="{FF2B5EF4-FFF2-40B4-BE49-F238E27FC236}">
+                <a16:creationId xmlns:a16="http://schemas.microsoft.com/office/drawing/2014/main" id="{ECBD3EB7-530B-4716-83BA-9BFABFD61BED}"/>
+              </a:ext>
+            </a:extLst>
+          </p:cNvPr>
+          <p:cNvPicPr>
+            <a:picLocks noChangeAspect="1"/>
+          </p:cNvPicPr>
+          <p:nvPr/>
+        </p:nvPicPr>
+        <p:blipFill>
+          <a:blip r:embed="rId2">
+            <a:extLst>
+              <a:ext uri="{28A0092B-C50C-407E-A947-70E740481C1C}">
+                <a14:useLocalDpi xmlns:a14="http://schemas.microsoft.com/office/drawing/2010/main" val="0"/>
+              </a:ext>
+              <a:ext uri="{96DAC541-7B7A-43D3-8B79-37D633B846F1}">
+                <asvg:svgBlip xmlns:asvg="http://schemas.microsoft.com/office/drawing/2016/SVG/main" r:embed="rId3"/>
+              </a:ext>
+            </a:extLst>
+          </a:blip>
+          <a:stretch>
+            <a:fillRect/>
+          </a:stretch>
+        </p:blipFill>
+        <p:spPr>
+          <a:xfrm>
+            <a:off x="7239000" y="2283145"/>
+            <a:ext cx="2743200" cy="2743200"/>
+          </a:xfrm>
+          <a:prstGeom prst="rect">
+            <a:avLst/>
+          </a:prstGeom>
+        </p:spPr>
+      </p:pic>
+    </p:spTree>
+    <p:extLst>
+      <p:ext uri="{BB962C8B-B14F-4D97-AF65-F5344CB8AC3E}">
+        <p14:creationId xmlns:p14="http://schemas.microsoft.com/office/powerpoint/2010/main" val="1760744968"/>
+      </p:ext>
+    </p:extLst>
+  </p:cSld>
+  <p:clrMapOvr>
+    <a:masterClrMapping/>
+  </p:clrMapOvr>
+</p:sld>
+</file>
+
+<file path=ppt/slides/slide11.xml><?xml version="1.0" encoding="utf-8"?>
+<p:sld xmlns:a="http://schemas.openxmlformats.org/drawingml/2006/main" xmlns:r="http://schemas.openxmlformats.org/officeDocument/2006/relationships" xmlns:p="http://schemas.openxmlformats.org/presentationml/2006/main">
+  <p:cSld>
+    <p:spTree>
+      <p:nvGrpSpPr>
+        <p:cNvPr id="1" name=""/>
+        <p:cNvGrpSpPr/>
+        <p:nvPr/>
+      </p:nvGrpSpPr>
+      <p:grpSpPr>
+        <a:xfrm>
+          <a:off x="0" y="0"/>
+          <a:ext cx="0" cy="0"/>
+          <a:chOff x="0" y="0"/>
+          <a:chExt cx="0" cy="0"/>
+        </a:xfrm>
+      </p:grpSpPr>
+      <p:sp>
+        <p:nvSpPr>
+          <p:cNvPr id="4" name="Marcador de fecha 3"/>
+          <p:cNvSpPr>
+            <a:spLocks noGrp="1"/>
+          </p:cNvSpPr>
+          <p:nvPr>
+            <p:ph type="dt" sz="half" idx="10"/>
+          </p:nvPr>
+        </p:nvSpPr>
+        <p:spPr/>
+        <p:txBody>
+          <a:bodyPr/>
+          <a:lstStyle/>
+          <a:p>
+            <a:r>
+              <a:rPr lang="es-ES" dirty="0"/>
+              <a:t>15/09/2017</a:t>
+            </a:r>
+          </a:p>
+        </p:txBody>
+      </p:sp>
+      <p:sp>
+        <p:nvSpPr>
+          <p:cNvPr id="5" name="Marcador de pie de página 4"/>
+          <p:cNvSpPr>
+            <a:spLocks noGrp="1"/>
+          </p:cNvSpPr>
+          <p:nvPr>
+            <p:ph type="ftr" sz="quarter" idx="11"/>
+          </p:nvPr>
+        </p:nvSpPr>
+        <p:spPr/>
+        <p:txBody>
+          <a:bodyPr/>
+          <a:lstStyle/>
+          <a:p>
+            <a:r>
+              <a:rPr lang="en-US" dirty="0"/>
+              <a:t>TFM: </a:t>
+            </a:r>
+            <a:r>
+              <a:rPr lang="en-US" dirty="0" err="1"/>
+              <a:t>Visualización</a:t>
+            </a:r>
+            <a:r>
+              <a:rPr lang="en-US" dirty="0"/>
+              <a:t> streaming de </a:t>
+            </a:r>
+            <a:r>
+              <a:rPr lang="en-US" dirty="0" err="1"/>
+              <a:t>evaluación</a:t>
+            </a:r>
+            <a:r>
+              <a:rPr lang="en-US" dirty="0"/>
+              <a:t> de </a:t>
+            </a:r>
+            <a:r>
+              <a:rPr lang="en-US" dirty="0" err="1"/>
+              <a:t>modelo</a:t>
+            </a:r>
+            <a:endParaRPr lang="es-ES" dirty="0"/>
+          </a:p>
+        </p:txBody>
+      </p:sp>
+      <p:sp>
+        <p:nvSpPr>
+          <p:cNvPr id="7" name="Marcador de número de diapositiva 6"/>
+          <p:cNvSpPr>
+            <a:spLocks noGrp="1"/>
+          </p:cNvSpPr>
+          <p:nvPr>
+            <p:ph type="sldNum" sz="quarter" idx="12"/>
+          </p:nvPr>
+        </p:nvSpPr>
+        <p:spPr/>
+        <p:txBody>
+          <a:bodyPr/>
+          <a:lstStyle/>
+          <a:p>
+            <a:fld id="{25DA8D8B-2BFC-4181-B8DB-6BD765AAE0D7}" type="slidenum">
+              <a:rPr lang="es-ES" smtClean="0"/>
+              <a:t>11</a:t>
+            </a:fld>
+            <a:endParaRPr lang="es-ES"/>
+          </a:p>
+        </p:txBody>
+      </p:sp>
+      <p:sp>
+        <p:nvSpPr>
+          <p:cNvPr id="11" name="Título 1"/>
+          <p:cNvSpPr>
+            <a:spLocks noGrp="1"/>
+          </p:cNvSpPr>
+          <p:nvPr>
+            <p:ph type="title"/>
+          </p:nvPr>
+        </p:nvSpPr>
+        <p:spPr>
+          <a:xfrm>
+            <a:off x="1578428" y="410368"/>
+            <a:ext cx="8882743" cy="1325563"/>
+          </a:xfrm>
+        </p:spPr>
+        <p:txBody>
+          <a:bodyPr/>
+          <a:lstStyle/>
+          <a:p>
+            <a:pPr algn="ctr"/>
+            <a:br>
+              <a:rPr lang="es-ES" b="1" dirty="0">
+                <a:latin typeface="UTM Ericsson Capital" panose="02040603050506020204" pitchFamily="18" charset="0"/>
+              </a:rPr>
+            </a:br>
+            <a:endParaRPr lang="es-ES" sz="2000" b="1" dirty="0">
+              <a:latin typeface="UTM Ericsson Capital" panose="02040603050506020204" pitchFamily="18" charset="0"/>
+            </a:endParaRPr>
+          </a:p>
+        </p:txBody>
+      </p:sp>
+      <p:graphicFrame>
+        <p:nvGraphicFramePr>
+          <p:cNvPr id="13" name="Diagrama 12"/>
+          <p:cNvGraphicFramePr/>
+          <p:nvPr>
+            <p:extLst>
+              <p:ext uri="{D42A27DB-BD31-4B8C-83A1-F6EECF244321}">
+                <p14:modId xmlns:p14="http://schemas.microsoft.com/office/powerpoint/2010/main" val="1699168459"/>
+              </p:ext>
+            </p:extLst>
+          </p:nvPr>
+        </p:nvGraphicFramePr>
+        <p:xfrm>
+          <a:off x="2032000" y="1517630"/>
+          <a:ext cx="8128000" cy="3895876"/>
+        </p:xfrm>
+        <a:graphic>
+          <a:graphicData uri="http://schemas.openxmlformats.org/drawingml/2006/diagram">
+            <dgm:relIds xmlns:dgm="http://schemas.openxmlformats.org/drawingml/2006/diagram" xmlns:r="http://schemas.openxmlformats.org/officeDocument/2006/relationships" r:dm="rId2" r:lo="rId3" r:qs="rId4" r:cs="rId5"/>
+          </a:graphicData>
+        </a:graphic>
+      </p:graphicFrame>
+    </p:spTree>
+    <p:extLst>
+      <p:ext uri="{BB962C8B-B14F-4D97-AF65-F5344CB8AC3E}">
+        <p14:creationId xmlns:p14="http://schemas.microsoft.com/office/powerpoint/2010/main" val="1325861072"/>
       </p:ext>
     </p:extLst>
   </p:cSld>
@@ -19288,10 +16849,9 @@
           <a:lstStyle/>
           <a:p>
             <a:r>
-              <a:rPr lang="es-ES"/>
-              <a:t>24/03/2017</a:t>
-            </a:r>
-            <a:endParaRPr lang="es-ES" dirty="0"/>
+              <a:rPr lang="es-ES" dirty="0"/>
+              <a:t>15/09/2017</a:t>
+            </a:r>
           </a:p>
         </p:txBody>
       </p:sp>
@@ -19311,8 +16871,28 @@
           <a:lstStyle/>
           <a:p>
             <a:r>
-              <a:rPr lang="en-US"/>
-              <a:t>TFM: Real Time Analytics in 5G Network</a:t>
+              <a:rPr lang="en-US" dirty="0"/>
+              <a:t>TFM: </a:t>
+            </a:r>
+            <a:r>
+              <a:rPr lang="en-US" dirty="0" err="1"/>
+              <a:t>Visualización</a:t>
+            </a:r>
+            <a:r>
+              <a:rPr lang="en-US" dirty="0"/>
+              <a:t> streaming de </a:t>
+            </a:r>
+            <a:r>
+              <a:rPr lang="en-US" dirty="0" err="1"/>
+              <a:t>evaluación</a:t>
+            </a:r>
+            <a:r>
+              <a:rPr lang="en-US" dirty="0"/>
+              <a:t> de </a:t>
+            </a:r>
+            <a:r>
+              <a:rPr lang="en-US" dirty="0" err="1"/>
+              <a:t>modelo</a:t>
             </a:r>
             <a:endParaRPr lang="es-ES" dirty="0"/>
           </a:p>
@@ -19366,7 +16946,7 @@
               <a:rPr lang="es-ES" b="1" dirty="0">
                 <a:latin typeface="UTM Ericsson Capital" panose="02040603050506020204" pitchFamily="18" charset="0"/>
               </a:rPr>
-              <a:t>targets</a:t>
+              <a:t>OBJETIVOS</a:t>
             </a:r>
             <a:br>
               <a:rPr lang="es-ES" b="1" dirty="0">
@@ -19386,7 +16966,7 @@
           <p:nvPr>
             <p:extLst>
               <p:ext uri="{D42A27DB-BD31-4B8C-83A1-F6EECF244321}">
-                <p14:modId xmlns:p14="http://schemas.microsoft.com/office/powerpoint/2010/main" val="3480424932"/>
+                <p14:modId xmlns:p14="http://schemas.microsoft.com/office/powerpoint/2010/main" val="3339547603"/>
               </p:ext>
             </p:extLst>
           </p:nvPr>
@@ -19443,33 +17023,17 @@
         </p:nvSpPr>
         <p:spPr/>
         <p:txBody>
-          <a:bodyPr/>
+          <a:bodyPr>
+            <a:normAutofit fontScale="90000"/>
+          </a:bodyPr>
           <a:lstStyle/>
           <a:p>
             <a:pPr algn="ctr"/>
-            <a:r>
-              <a:rPr lang="es-ES" b="1" dirty="0" err="1">
-                <a:latin typeface="UTM Ericsson Capital" panose="02040603050506020204" pitchFamily="18" charset="0"/>
-              </a:rPr>
-              <a:t>Service</a:t>
-            </a:r>
             <a:r>
               <a:rPr lang="es-ES" b="1" dirty="0">
                 <a:latin typeface="UTM Ericsson Capital" panose="02040603050506020204" pitchFamily="18" charset="0"/>
               </a:rPr>
-              <a:t> </a:t>
-            </a:r>
-            <a:r>
-              <a:rPr lang="es-ES" b="1" dirty="0" err="1">
-                <a:latin typeface="UTM Ericsson Capital" panose="02040603050506020204" pitchFamily="18" charset="0"/>
-              </a:rPr>
-              <a:t>detection</a:t>
-            </a:r>
-            <a:r>
-              <a:rPr lang="es-ES" b="1" dirty="0">
-                <a:latin typeface="UTM Ericsson Capital" panose="02040603050506020204" pitchFamily="18" charset="0"/>
-              </a:rPr>
-              <a:t> - vis</a:t>
+              <a:t>1. ANÁLISIS DE TRÁFICO DE RED</a:t>
             </a:r>
             <a:br>
               <a:rPr lang="es-ES" b="1" dirty="0">
@@ -19477,537 +17041,19 @@
               </a:rPr>
             </a:br>
             <a:r>
-              <a:rPr lang="es-ES" sz="2000" b="1" dirty="0">
+              <a:rPr lang="es-ES" sz="3300" dirty="0">
                 <a:latin typeface="UTM Ericsson Capital" panose="02040603050506020204" pitchFamily="18" charset="0"/>
               </a:rPr>
-              <a:t>FINAL STAGE</a:t>
-            </a:r>
-          </a:p>
-        </p:txBody>
-      </p:sp>
-      <p:graphicFrame>
-        <p:nvGraphicFramePr>
-          <p:cNvPr id="7" name="Marcador de contenido 6"/>
-          <p:cNvGraphicFramePr>
-            <a:graphicFrameLocks noGrp="1"/>
-          </p:cNvGraphicFramePr>
-          <p:nvPr>
-            <p:ph idx="1"/>
-            <p:extLst>
-              <p:ext uri="{D42A27DB-BD31-4B8C-83A1-F6EECF244321}">
-                <p14:modId xmlns:p14="http://schemas.microsoft.com/office/powerpoint/2010/main" val="3614274262"/>
-              </p:ext>
-            </p:extLst>
-          </p:nvPr>
-        </p:nvGraphicFramePr>
-        <p:xfrm>
-          <a:off x="700313" y="3450771"/>
-          <a:ext cx="1651002" cy="858049"/>
-        </p:xfrm>
-        <a:graphic>
-          <a:graphicData uri="http://schemas.openxmlformats.org/drawingml/2006/diagram">
-            <dgm:relIds xmlns:dgm="http://schemas.openxmlformats.org/drawingml/2006/diagram" xmlns:r="http://schemas.openxmlformats.org/officeDocument/2006/relationships" r:dm="rId2" r:lo="rId3" r:qs="rId4" r:cs="rId5"/>
-          </a:graphicData>
-        </a:graphic>
-      </p:graphicFrame>
-      <p:sp>
-        <p:nvSpPr>
-          <p:cNvPr id="4" name="Marcador de fecha 3"/>
-          <p:cNvSpPr>
-            <a:spLocks noGrp="1"/>
-          </p:cNvSpPr>
-          <p:nvPr>
-            <p:ph type="dt" sz="half" idx="10"/>
-          </p:nvPr>
-        </p:nvSpPr>
-        <p:spPr/>
-        <p:txBody>
-          <a:bodyPr/>
-          <a:lstStyle/>
-          <a:p>
-            <a:r>
-              <a:rPr lang="es-ES"/>
-              <a:t>24/03/2017</a:t>
-            </a:r>
-            <a:endParaRPr lang="es-ES" dirty="0"/>
-          </a:p>
-        </p:txBody>
-      </p:sp>
-      <p:sp>
-        <p:nvSpPr>
-          <p:cNvPr id="5" name="Marcador de pie de página 4"/>
-          <p:cNvSpPr>
-            <a:spLocks noGrp="1"/>
-          </p:cNvSpPr>
-          <p:nvPr>
-            <p:ph type="ftr" sz="quarter" idx="11"/>
-          </p:nvPr>
-        </p:nvSpPr>
-        <p:spPr/>
-        <p:txBody>
-          <a:bodyPr/>
-          <a:lstStyle/>
-          <a:p>
-            <a:r>
-              <a:rPr lang="en-US"/>
-              <a:t>TFM: Real Time Analytics in 5G Network</a:t>
-            </a:r>
-            <a:endParaRPr lang="es-ES" dirty="0"/>
-          </a:p>
-        </p:txBody>
-      </p:sp>
-      <p:sp>
-        <p:nvSpPr>
-          <p:cNvPr id="19" name="Rectángulo: esquinas redondeadas 18"/>
-          <p:cNvSpPr/>
-          <p:nvPr/>
-        </p:nvSpPr>
-        <p:spPr>
-          <a:xfrm>
-            <a:off x="328920" y="3370757"/>
-            <a:ext cx="1855213" cy="1106303"/>
-          </a:xfrm>
-          <a:prstGeom prst="roundRect">
-            <a:avLst/>
-          </a:prstGeom>
-        </p:spPr>
-        <p:style>
-          <a:lnRef idx="2">
-            <a:schemeClr val="accent4">
-              <a:shade val="50000"/>
-            </a:schemeClr>
-          </a:lnRef>
-          <a:fillRef idx="1">
-            <a:schemeClr val="accent4"/>
-          </a:fillRef>
-          <a:effectRef idx="0">
-            <a:schemeClr val="accent4"/>
-          </a:effectRef>
-          <a:fontRef idx="minor">
-            <a:schemeClr val="lt1"/>
-          </a:fontRef>
-        </p:style>
-        <p:txBody>
-          <a:bodyPr anchor="ctr"/>
-          <a:lstStyle/>
-          <a:p>
-            <a:pPr algn="ctr"/>
-            <a:r>
-              <a:rPr lang="es-ES" dirty="0">
+              <a:t>Fuentes de datos</a:t>
+            </a:r>
+            <a:br>
+              <a:rPr lang="es-ES" b="1" dirty="0">
                 <a:latin typeface="UTM Ericsson Capital" panose="02040603050506020204" pitchFamily="18" charset="0"/>
               </a:rPr>
-              <a:t>USER</a:t>
-            </a:r>
-          </a:p>
-        </p:txBody>
-      </p:sp>
-      <p:graphicFrame>
-        <p:nvGraphicFramePr>
-          <p:cNvPr id="21" name="Diagrama 20"/>
-          <p:cNvGraphicFramePr/>
-          <p:nvPr>
-            <p:extLst>
-              <p:ext uri="{D42A27DB-BD31-4B8C-83A1-F6EECF244321}">
-                <p14:modId xmlns:p14="http://schemas.microsoft.com/office/powerpoint/2010/main" val="4226327335"/>
-              </p:ext>
-            </p:extLst>
-          </p:nvPr>
-        </p:nvGraphicFramePr>
-        <p:xfrm>
-          <a:off x="2624843" y="1984306"/>
-          <a:ext cx="4749800" cy="3879207"/>
-        </p:xfrm>
-        <a:graphic>
-          <a:graphicData uri="http://schemas.openxmlformats.org/drawingml/2006/diagram">
-            <dgm:relIds xmlns:dgm="http://schemas.openxmlformats.org/drawingml/2006/diagram" xmlns:r="http://schemas.openxmlformats.org/officeDocument/2006/relationships" r:dm="rId7" r:lo="rId8" r:qs="rId9" r:cs="rId10"/>
-          </a:graphicData>
-        </a:graphic>
-      </p:graphicFrame>
-      <p:sp>
-        <p:nvSpPr>
-          <p:cNvPr id="22" name="Flecha: a la derecha con bandas 21"/>
-          <p:cNvSpPr/>
-          <p:nvPr/>
-        </p:nvSpPr>
-        <p:spPr>
-          <a:xfrm rot="19387236">
-            <a:off x="2333847" y="3234010"/>
-            <a:ext cx="681599" cy="327329"/>
-          </a:xfrm>
-          <a:prstGeom prst="stripedRightArrow">
-            <a:avLst/>
-          </a:prstGeom>
-          <a:solidFill>
-            <a:schemeClr val="tx1"/>
-          </a:solidFill>
-        </p:spPr>
-        <p:style>
-          <a:lnRef idx="2">
-            <a:schemeClr val="accent6">
-              <a:shade val="50000"/>
-            </a:schemeClr>
-          </a:lnRef>
-          <a:fillRef idx="1">
-            <a:schemeClr val="accent6"/>
-          </a:fillRef>
-          <a:effectRef idx="0">
-            <a:schemeClr val="accent6"/>
-          </a:effectRef>
-          <a:fontRef idx="minor">
-            <a:schemeClr val="lt1"/>
-          </a:fontRef>
-        </p:style>
-        <p:txBody>
-          <a:bodyPr rtlCol="0" anchor="ctr"/>
-          <a:lstStyle/>
-          <a:p>
-            <a:pPr algn="ctr"/>
-            <a:endParaRPr lang="es-ES"/>
-          </a:p>
-        </p:txBody>
-      </p:sp>
-      <p:sp>
-        <p:nvSpPr>
-          <p:cNvPr id="24" name="Flecha: a la derecha con bandas 23"/>
-          <p:cNvSpPr/>
-          <p:nvPr/>
-        </p:nvSpPr>
-        <p:spPr>
-          <a:xfrm rot="1978922">
-            <a:off x="2325955" y="4310663"/>
-            <a:ext cx="681599" cy="327329"/>
-          </a:xfrm>
-          <a:prstGeom prst="stripedRightArrow">
-            <a:avLst/>
-          </a:prstGeom>
-          <a:solidFill>
-            <a:schemeClr val="tx1"/>
-          </a:solidFill>
-        </p:spPr>
-        <p:style>
-          <a:lnRef idx="2">
-            <a:schemeClr val="accent6">
-              <a:shade val="50000"/>
-            </a:schemeClr>
-          </a:lnRef>
-          <a:fillRef idx="1">
-            <a:schemeClr val="accent6"/>
-          </a:fillRef>
-          <a:effectRef idx="0">
-            <a:schemeClr val="accent6"/>
-          </a:effectRef>
-          <a:fontRef idx="minor">
-            <a:schemeClr val="lt1"/>
-          </a:fontRef>
-        </p:style>
-        <p:txBody>
-          <a:bodyPr rtlCol="0" anchor="ctr"/>
-          <a:lstStyle/>
-          <a:p>
-            <a:pPr algn="ctr"/>
-            <a:endParaRPr lang="es-ES"/>
-          </a:p>
-        </p:txBody>
-      </p:sp>
-      <p:sp>
-        <p:nvSpPr>
-          <p:cNvPr id="28" name="Rectángulo: esquinas redondeadas 27"/>
-          <p:cNvSpPr/>
-          <p:nvPr/>
-        </p:nvSpPr>
-        <p:spPr>
-          <a:xfrm>
-            <a:off x="5176105" y="1788154"/>
-            <a:ext cx="1574801" cy="584016"/>
-          </a:xfrm>
-          <a:prstGeom prst="roundRect">
-            <a:avLst/>
-          </a:prstGeom>
-          <a:solidFill>
-            <a:schemeClr val="tx2">
-              <a:lumMod val="50000"/>
-            </a:schemeClr>
-          </a:solidFill>
-        </p:spPr>
-        <p:style>
-          <a:lnRef idx="2">
-            <a:schemeClr val="accent4">
-              <a:shade val="50000"/>
-            </a:schemeClr>
-          </a:lnRef>
-          <a:fillRef idx="1">
-            <a:schemeClr val="accent4"/>
-          </a:fillRef>
-          <a:effectRef idx="0">
-            <a:schemeClr val="accent4"/>
-          </a:effectRef>
-          <a:fontRef idx="minor">
-            <a:schemeClr val="lt1"/>
-          </a:fontRef>
-        </p:style>
-        <p:txBody>
-          <a:bodyPr anchor="ctr"/>
-          <a:lstStyle/>
-          <a:p>
-            <a:pPr algn="ctr"/>
-            <a:r>
-              <a:rPr lang="es-ES" dirty="0">
-                <a:latin typeface="UTM Ericsson Capital" panose="02040603050506020204" pitchFamily="18" charset="0"/>
-              </a:rPr>
-              <a:t>INFO. PER PACKET</a:t>
-            </a:r>
-          </a:p>
-        </p:txBody>
-      </p:sp>
-      <p:sp>
-        <p:nvSpPr>
-          <p:cNvPr id="15" name="Flecha: a la derecha con bandas 14"/>
-          <p:cNvSpPr/>
-          <p:nvPr/>
-        </p:nvSpPr>
-        <p:spPr>
-          <a:xfrm>
-            <a:off x="2409546" y="3767497"/>
-            <a:ext cx="681599" cy="327329"/>
-          </a:xfrm>
-          <a:prstGeom prst="stripedRightArrow">
-            <a:avLst/>
-          </a:prstGeom>
-          <a:solidFill>
-            <a:schemeClr val="tx1"/>
-          </a:solidFill>
-        </p:spPr>
-        <p:style>
-          <a:lnRef idx="2">
-            <a:schemeClr val="accent6">
-              <a:shade val="50000"/>
-            </a:schemeClr>
-          </a:lnRef>
-          <a:fillRef idx="1">
-            <a:schemeClr val="accent6"/>
-          </a:fillRef>
-          <a:effectRef idx="0">
-            <a:schemeClr val="accent6"/>
-          </a:effectRef>
-          <a:fontRef idx="minor">
-            <a:schemeClr val="lt1"/>
-          </a:fontRef>
-        </p:style>
-        <p:txBody>
-          <a:bodyPr rtlCol="0" anchor="ctr"/>
-          <a:lstStyle/>
-          <a:p>
-            <a:pPr algn="ctr"/>
-            <a:endParaRPr lang="es-ES"/>
-          </a:p>
-        </p:txBody>
-      </p:sp>
-      <p:sp>
-        <p:nvSpPr>
-          <p:cNvPr id="16" name="Rectángulo: esquinas redondeadas 15"/>
-          <p:cNvSpPr/>
-          <p:nvPr/>
-        </p:nvSpPr>
-        <p:spPr>
-          <a:xfrm>
-            <a:off x="9268295" y="2206595"/>
-            <a:ext cx="1889562" cy="3901242"/>
-          </a:xfrm>
-          <a:prstGeom prst="roundRect">
-            <a:avLst/>
-          </a:prstGeom>
-          <a:solidFill>
-            <a:srgbClr val="FF0000"/>
-          </a:solidFill>
-        </p:spPr>
-        <p:style>
-          <a:lnRef idx="2">
-            <a:schemeClr val="accent4">
-              <a:shade val="50000"/>
-            </a:schemeClr>
-          </a:lnRef>
-          <a:fillRef idx="1">
-            <a:schemeClr val="accent4"/>
-          </a:fillRef>
-          <a:effectRef idx="0">
-            <a:schemeClr val="accent4"/>
-          </a:effectRef>
-          <a:fontRef idx="minor">
-            <a:schemeClr val="lt1"/>
-          </a:fontRef>
-        </p:style>
-        <p:txBody>
-          <a:bodyPr anchor="ctr"/>
-          <a:lstStyle/>
-          <a:p>
-            <a:pPr algn="ctr"/>
-            <a:r>
-              <a:rPr lang="es-ES" dirty="0">
-                <a:latin typeface="UTM Ericsson Capital" panose="02040603050506020204" pitchFamily="18" charset="0"/>
-              </a:rPr>
-              <a:t>SPARK STREAMING </a:t>
-            </a:r>
-            <a:r>
-              <a:rPr lang="es-ES" dirty="0" err="1">
-                <a:latin typeface="UTM Ericsson Capital" panose="02040603050506020204" pitchFamily="18" charset="0"/>
-              </a:rPr>
-              <a:t>modelling</a:t>
-            </a:r>
-            <a:endParaRPr lang="es-ES" dirty="0">
+            </a:br>
+            <a:endParaRPr lang="es-ES" sz="2000" b="1" dirty="0">
               <a:latin typeface="UTM Ericsson Capital" panose="02040603050506020204" pitchFamily="18" charset="0"/>
             </a:endParaRPr>
-          </a:p>
-        </p:txBody>
-      </p:sp>
-      <p:sp>
-        <p:nvSpPr>
-          <p:cNvPr id="34" name="Rectángulo: esquinas redondeadas 33"/>
-          <p:cNvSpPr/>
-          <p:nvPr/>
-        </p:nvSpPr>
-        <p:spPr>
-          <a:xfrm rot="16200000">
-            <a:off x="5797795" y="3676728"/>
-            <a:ext cx="4408460" cy="631312"/>
-          </a:xfrm>
-          <a:prstGeom prst="roundRect">
-            <a:avLst/>
-          </a:prstGeom>
-          <a:solidFill>
-            <a:schemeClr val="accent4">
-              <a:lumMod val="50000"/>
-            </a:schemeClr>
-          </a:solidFill>
-        </p:spPr>
-        <p:style>
-          <a:lnRef idx="2">
-            <a:schemeClr val="accent4">
-              <a:shade val="50000"/>
-            </a:schemeClr>
-          </a:lnRef>
-          <a:fillRef idx="1">
-            <a:schemeClr val="accent4"/>
-          </a:fillRef>
-          <a:effectRef idx="0">
-            <a:schemeClr val="accent4"/>
-          </a:effectRef>
-          <a:fontRef idx="minor">
-            <a:schemeClr val="lt1"/>
-          </a:fontRef>
-        </p:style>
-        <p:txBody>
-          <a:bodyPr anchor="ctr"/>
-          <a:lstStyle/>
-          <a:p>
-            <a:pPr algn="ctr"/>
-            <a:r>
-              <a:rPr lang="es-ES" dirty="0" err="1">
-                <a:latin typeface="UTM Ericsson Capital" panose="02040603050506020204" pitchFamily="18" charset="0"/>
-              </a:rPr>
-              <a:t>kafka</a:t>
-            </a:r>
-            <a:endParaRPr lang="es-ES" dirty="0">
-              <a:latin typeface="UTM Ericsson Capital" panose="02040603050506020204" pitchFamily="18" charset="0"/>
-            </a:endParaRPr>
-          </a:p>
-        </p:txBody>
-      </p:sp>
-      <p:sp>
-        <p:nvSpPr>
-          <p:cNvPr id="36" name="Flecha: a la derecha con bandas 35"/>
-          <p:cNvSpPr/>
-          <p:nvPr/>
-        </p:nvSpPr>
-        <p:spPr>
-          <a:xfrm>
-            <a:off x="8629407" y="3287106"/>
-            <a:ext cx="376677" cy="327329"/>
-          </a:xfrm>
-          <a:prstGeom prst="stripedRightArrow">
-            <a:avLst/>
-          </a:prstGeom>
-          <a:solidFill>
-            <a:schemeClr val="tx1"/>
-          </a:solidFill>
-        </p:spPr>
-        <p:style>
-          <a:lnRef idx="2">
-            <a:schemeClr val="accent6">
-              <a:shade val="50000"/>
-            </a:schemeClr>
-          </a:lnRef>
-          <a:fillRef idx="1">
-            <a:schemeClr val="accent6"/>
-          </a:fillRef>
-          <a:effectRef idx="0">
-            <a:schemeClr val="accent6"/>
-          </a:effectRef>
-          <a:fontRef idx="minor">
-            <a:schemeClr val="lt1"/>
-          </a:fontRef>
-        </p:style>
-        <p:txBody>
-          <a:bodyPr rtlCol="0" anchor="ctr"/>
-          <a:lstStyle/>
-          <a:p>
-            <a:pPr algn="ctr"/>
-            <a:endParaRPr lang="es-ES"/>
-          </a:p>
-        </p:txBody>
-      </p:sp>
-      <p:sp>
-        <p:nvSpPr>
-          <p:cNvPr id="38" name="Rectángulo: esquinas redondeadas 37"/>
-          <p:cNvSpPr/>
-          <p:nvPr/>
-        </p:nvSpPr>
-        <p:spPr>
-          <a:xfrm>
-            <a:off x="5235233" y="5144844"/>
-            <a:ext cx="1569131" cy="900502"/>
-          </a:xfrm>
-          <a:prstGeom prst="roundRect">
-            <a:avLst/>
-          </a:prstGeom>
-          <a:solidFill>
-            <a:schemeClr val="accent2">
-              <a:lumMod val="75000"/>
-            </a:schemeClr>
-          </a:solidFill>
-        </p:spPr>
-        <p:style>
-          <a:lnRef idx="2">
-            <a:schemeClr val="accent4">
-              <a:shade val="50000"/>
-            </a:schemeClr>
-          </a:lnRef>
-          <a:fillRef idx="1">
-            <a:schemeClr val="accent4"/>
-          </a:fillRef>
-          <a:effectRef idx="0">
-            <a:schemeClr val="accent4"/>
-          </a:effectRef>
-          <a:fontRef idx="minor">
-            <a:schemeClr val="lt1"/>
-          </a:fontRef>
-        </p:style>
-        <p:txBody>
-          <a:bodyPr anchor="ctr"/>
-          <a:lstStyle/>
-          <a:p>
-            <a:pPr algn="ctr"/>
-            <a:r>
-              <a:rPr lang="es-ES" dirty="0" err="1">
-                <a:latin typeface="UTM Ericsson Capital" panose="02040603050506020204" pitchFamily="18" charset="0"/>
-              </a:rPr>
-              <a:t>Kibana</a:t>
-            </a:r>
-            <a:r>
-              <a:rPr lang="es-ES" dirty="0">
-                <a:latin typeface="UTM Ericsson Capital" panose="02040603050506020204" pitchFamily="18" charset="0"/>
-              </a:rPr>
-              <a:t> vis.</a:t>
-            </a:r>
           </a:p>
         </p:txBody>
       </p:sp>
@@ -20036,306 +17082,249 @@
       </p:sp>
       <p:sp>
         <p:nvSpPr>
-          <p:cNvPr id="25" name="Rectángulo: esquinas redondeadas 24">
+          <p:cNvPr id="23" name="Marcador de fecha 3">
             <a:extLst>
               <a:ext uri="{FF2B5EF4-FFF2-40B4-BE49-F238E27FC236}">
-                <a16:creationId xmlns:a16="http://schemas.microsoft.com/office/drawing/2014/main" id="{82050753-D835-443E-90C8-053F5329A05D}"/>
+                <a16:creationId xmlns:a16="http://schemas.microsoft.com/office/drawing/2014/main" id="{E51FF9E2-0149-4619-9464-B6460754077F}"/>
               </a:ext>
             </a:extLst>
           </p:cNvPr>
-          <p:cNvSpPr/>
-          <p:nvPr/>
+          <p:cNvSpPr>
+            <a:spLocks noGrp="1"/>
+          </p:cNvSpPr>
+          <p:nvPr>
+            <p:ph type="dt" sz="half" idx="10"/>
+          </p:nvPr>
         </p:nvSpPr>
         <p:spPr>
           <a:xfrm>
-            <a:off x="9268295" y="1419515"/>
-            <a:ext cx="1967828" cy="413771"/>
+            <a:off x="838200" y="6356350"/>
+            <a:ext cx="2743200" cy="365125"/>
           </a:xfrm>
-          <a:prstGeom prst="roundRect">
-            <a:avLst/>
-          </a:prstGeom>
-          <a:solidFill>
-            <a:schemeClr val="accent4">
-              <a:lumMod val="60000"/>
-              <a:lumOff val="40000"/>
-            </a:schemeClr>
-          </a:solidFill>
         </p:spPr>
-        <p:style>
-          <a:lnRef idx="2">
-            <a:schemeClr val="accent4">
-              <a:shade val="50000"/>
-            </a:schemeClr>
-          </a:lnRef>
-          <a:fillRef idx="1">
-            <a:schemeClr val="accent4"/>
-          </a:fillRef>
-          <a:effectRef idx="0">
-            <a:schemeClr val="accent4"/>
-          </a:effectRef>
-          <a:fontRef idx="minor">
-            <a:schemeClr val="lt1"/>
-          </a:fontRef>
-        </p:style>
         <p:txBody>
-          <a:bodyPr anchor="ctr"/>
+          <a:bodyPr/>
           <a:lstStyle/>
           <a:p>
-            <a:pPr algn="ctr"/>
-            <a:r>
-              <a:rPr lang="es-ES" dirty="0">
-                <a:latin typeface="UTM Ericsson Capital" panose="02040603050506020204" pitchFamily="18" charset="0"/>
-              </a:rPr>
-              <a:t>MODEL</a:t>
+            <a:r>
+              <a:rPr lang="es-ES" dirty="0"/>
+              <a:t>15/09/2017</a:t>
             </a:r>
           </a:p>
         </p:txBody>
       </p:sp>
       <p:sp>
         <p:nvSpPr>
-          <p:cNvPr id="26" name="Flecha: a la derecha con bandas 25">
+          <p:cNvPr id="32" name="Marcador de pie de página 4">
             <a:extLst>
               <a:ext uri="{FF2B5EF4-FFF2-40B4-BE49-F238E27FC236}">
-                <a16:creationId xmlns:a16="http://schemas.microsoft.com/office/drawing/2014/main" id="{DFD34224-0DA7-44E6-8289-08C9D1D4256A}"/>
+                <a16:creationId xmlns:a16="http://schemas.microsoft.com/office/drawing/2014/main" id="{9359AB87-8024-4447-A9A1-506360FB0FAA}"/>
               </a:ext>
             </a:extLst>
           </p:cNvPr>
-          <p:cNvSpPr/>
-          <p:nvPr/>
+          <p:cNvSpPr>
+            <a:spLocks noGrp="1"/>
+          </p:cNvSpPr>
+          <p:nvPr>
+            <p:ph type="ftr" sz="quarter" idx="11"/>
+          </p:nvPr>
         </p:nvSpPr>
         <p:spPr>
-          <a:xfrm rot="5400000">
-            <a:off x="10019564" y="1877783"/>
-            <a:ext cx="285693" cy="311073"/>
+          <a:xfrm>
+            <a:off x="4038600" y="6356350"/>
+            <a:ext cx="4114800" cy="365125"/>
           </a:xfrm>
-          <a:prstGeom prst="stripedRightArrow">
-            <a:avLst/>
-          </a:prstGeom>
-          <a:solidFill>
-            <a:schemeClr val="tx1"/>
-          </a:solidFill>
         </p:spPr>
-        <p:style>
-          <a:lnRef idx="2">
-            <a:schemeClr val="accent6">
-              <a:shade val="50000"/>
-            </a:schemeClr>
-          </a:lnRef>
-          <a:fillRef idx="1">
-            <a:schemeClr val="accent6"/>
-          </a:fillRef>
-          <a:effectRef idx="0">
-            <a:schemeClr val="accent6"/>
-          </a:effectRef>
-          <a:fontRef idx="minor">
-            <a:schemeClr val="lt1"/>
-          </a:fontRef>
-        </p:style>
         <p:txBody>
-          <a:bodyPr rtlCol="0" anchor="ctr"/>
+          <a:bodyPr/>
           <a:lstStyle/>
           <a:p>
-            <a:pPr algn="ctr"/>
-            <a:endParaRPr lang="es-ES"/>
+            <a:r>
+              <a:rPr lang="en-US" dirty="0"/>
+              <a:t>TFM: </a:t>
+            </a:r>
+            <a:r>
+              <a:rPr lang="en-US" dirty="0" err="1"/>
+              <a:t>Visualización</a:t>
+            </a:r>
+            <a:r>
+              <a:rPr lang="en-US" dirty="0"/>
+              <a:t> streaming de </a:t>
+            </a:r>
+            <a:r>
+              <a:rPr lang="en-US" dirty="0" err="1"/>
+              <a:t>evaluación</a:t>
+            </a:r>
+            <a:r>
+              <a:rPr lang="en-US" dirty="0"/>
+              <a:t> de </a:t>
+            </a:r>
+            <a:r>
+              <a:rPr lang="en-US" dirty="0" err="1"/>
+              <a:t>modelo</a:t>
+            </a:r>
+            <a:endParaRPr lang="es-ES" dirty="0"/>
           </a:p>
         </p:txBody>
       </p:sp>
       <p:sp>
         <p:nvSpPr>
-          <p:cNvPr id="27" name="Flecha: a la derecha con bandas 26">
+          <p:cNvPr id="6" name="Marcador de contenido 5">
             <a:extLst>
               <a:ext uri="{FF2B5EF4-FFF2-40B4-BE49-F238E27FC236}">
-                <a16:creationId xmlns:a16="http://schemas.microsoft.com/office/drawing/2014/main" id="{CE514966-0495-4221-867D-E641228372AE}"/>
+                <a16:creationId xmlns:a16="http://schemas.microsoft.com/office/drawing/2014/main" id="{DFA39B3C-60BC-4E53-BA0B-16182260F0BF}"/>
               </a:ext>
             </a:extLst>
           </p:cNvPr>
-          <p:cNvSpPr/>
-          <p:nvPr/>
+          <p:cNvSpPr>
+            <a:spLocks noGrp="1"/>
+          </p:cNvSpPr>
+          <p:nvPr>
+            <p:ph idx="1"/>
+          </p:nvPr>
         </p:nvSpPr>
         <p:spPr>
-          <a:xfrm rot="5400000" flipH="1">
-            <a:off x="5623613" y="2674831"/>
-            <a:ext cx="352457" cy="327329"/>
+          <a:xfrm>
+            <a:off x="838200" y="2429738"/>
+            <a:ext cx="10515600" cy="4351338"/>
           </a:xfrm>
-          <a:prstGeom prst="stripedRightArrow">
-            <a:avLst/>
-          </a:prstGeom>
-          <a:solidFill>
-            <a:schemeClr val="tx1"/>
-          </a:solidFill>
         </p:spPr>
-        <p:style>
-          <a:lnRef idx="2">
-            <a:schemeClr val="accent6">
-              <a:shade val="50000"/>
-            </a:schemeClr>
-          </a:lnRef>
-          <a:fillRef idx="1">
-            <a:schemeClr val="accent6"/>
-          </a:fillRef>
-          <a:effectRef idx="0">
-            <a:schemeClr val="accent6"/>
-          </a:effectRef>
-          <a:fontRef idx="minor">
-            <a:schemeClr val="lt1"/>
-          </a:fontRef>
-        </p:style>
         <p:txBody>
-          <a:bodyPr rtlCol="0" anchor="ctr"/>
+          <a:bodyPr/>
           <a:lstStyle/>
           <a:p>
-            <a:pPr algn="ctr"/>
-            <a:endParaRPr lang="es-ES"/>
+            <a:r>
+              <a:rPr lang="es-ES" dirty="0">
+                <a:latin typeface="UTM Ericsson Capital" panose="02040603050506020204"/>
+              </a:rPr>
+              <a:t>Periódico deportivo AS</a:t>
+            </a:r>
+          </a:p>
+          <a:p>
+            <a:r>
+              <a:rPr lang="es-ES" dirty="0">
+                <a:latin typeface="UTM Ericsson Capital" panose="02040603050506020204"/>
+              </a:rPr>
+              <a:t>Plataforma de videos YOUTUBE</a:t>
+            </a:r>
+          </a:p>
+          <a:p>
+            <a:r>
+              <a:rPr lang="es-ES" dirty="0">
+                <a:latin typeface="UTM Ericsson Capital" panose="02040603050506020204"/>
+              </a:rPr>
+              <a:t>Simulación VOIP</a:t>
+            </a:r>
           </a:p>
         </p:txBody>
       </p:sp>
-      <p:sp>
-        <p:nvSpPr>
-          <p:cNvPr id="29" name="Flecha: a la derecha con bandas 28">
+      <p:pic>
+        <p:nvPicPr>
+          <p:cNvPr id="9" name="Imagen 8">
             <a:extLst>
               <a:ext uri="{FF2B5EF4-FFF2-40B4-BE49-F238E27FC236}">
-                <a16:creationId xmlns:a16="http://schemas.microsoft.com/office/drawing/2014/main" id="{A3E0069C-3D16-4AA6-BA99-FA6FD256BF96}"/>
+                <a16:creationId xmlns:a16="http://schemas.microsoft.com/office/drawing/2014/main" id="{1278C80F-36B4-4656-8BF2-D8AC373604C9}"/>
               </a:ext>
             </a:extLst>
           </p:cNvPr>
-          <p:cNvSpPr/>
+          <p:cNvPicPr>
+            <a:picLocks noChangeAspect="1"/>
+          </p:cNvPicPr>
           <p:nvPr/>
-        </p:nvSpPr>
+        </p:nvPicPr>
+        <p:blipFill>
+          <a:blip r:embed="rId2">
+            <a:extLst>
+              <a:ext uri="{28A0092B-C50C-407E-A947-70E740481C1C}">
+                <a14:useLocalDpi xmlns:a14="http://schemas.microsoft.com/office/drawing/2010/main" val="0"/>
+              </a:ext>
+            </a:extLst>
+          </a:blip>
+          <a:stretch>
+            <a:fillRect/>
+          </a:stretch>
+        </p:blipFill>
         <p:spPr>
           <a:xfrm>
-            <a:off x="7064023" y="1869654"/>
-            <a:ext cx="376677" cy="327329"/>
+            <a:off x="6096000" y="4001294"/>
+            <a:ext cx="2201779" cy="1208226"/>
           </a:xfrm>
-          <a:prstGeom prst="stripedRightArrow">
+          <a:prstGeom prst="rect">
             <a:avLst/>
           </a:prstGeom>
-          <a:solidFill>
-            <a:schemeClr val="tx1"/>
-          </a:solidFill>
         </p:spPr>
-        <p:style>
-          <a:lnRef idx="2">
-            <a:schemeClr val="accent6">
-              <a:shade val="50000"/>
-            </a:schemeClr>
-          </a:lnRef>
-          <a:fillRef idx="1">
-            <a:schemeClr val="accent6"/>
-          </a:fillRef>
-          <a:effectRef idx="0">
-            <a:schemeClr val="accent6"/>
-          </a:effectRef>
-          <a:fontRef idx="minor">
-            <a:schemeClr val="lt1"/>
-          </a:fontRef>
-        </p:style>
-        <p:txBody>
-          <a:bodyPr rtlCol="0" anchor="ctr"/>
-          <a:lstStyle/>
-          <a:p>
-            <a:pPr algn="ctr"/>
-            <a:endParaRPr lang="es-ES"/>
-          </a:p>
-        </p:txBody>
-      </p:sp>
-      <p:sp>
-        <p:nvSpPr>
-          <p:cNvPr id="30" name="Flecha: a la derecha con bandas 29">
+      </p:pic>
+      <p:pic>
+        <p:nvPicPr>
+          <p:cNvPr id="11" name="Imagen 10">
             <a:extLst>
               <a:ext uri="{FF2B5EF4-FFF2-40B4-BE49-F238E27FC236}">
-                <a16:creationId xmlns:a16="http://schemas.microsoft.com/office/drawing/2014/main" id="{BE44832C-85AA-4D1B-84A3-1405CEFF4DCB}"/>
+                <a16:creationId xmlns:a16="http://schemas.microsoft.com/office/drawing/2014/main" id="{BA341C2D-CF21-4612-B425-BBF12D96E03D}"/>
               </a:ext>
             </a:extLst>
           </p:cNvPr>
-          <p:cNvSpPr/>
+          <p:cNvPicPr>
+            <a:picLocks noChangeAspect="1"/>
+          </p:cNvPicPr>
           <p:nvPr/>
-        </p:nvSpPr>
+        </p:nvPicPr>
+        <p:blipFill rotWithShape="1">
+          <a:blip r:embed="rId3">
+            <a:extLst>
+              <a:ext uri="{28A0092B-C50C-407E-A947-70E740481C1C}">
+                <a14:useLocalDpi xmlns:a14="http://schemas.microsoft.com/office/drawing/2010/main" val="0"/>
+              </a:ext>
+            </a:extLst>
+          </a:blip>
+          <a:srcRect l="14141" t="32297" r="14394" b="32097"/>
+          <a:stretch/>
+        </p:blipFill>
         <p:spPr>
-          <a:xfrm rot="10800000">
-            <a:off x="8620689" y="4658063"/>
-            <a:ext cx="376677" cy="327329"/>
+          <a:xfrm>
+            <a:off x="8702077" y="2085732"/>
+            <a:ext cx="2651723" cy="1321177"/>
           </a:xfrm>
-          <a:prstGeom prst="stripedRightArrow">
+          <a:prstGeom prst="rect">
             <a:avLst/>
           </a:prstGeom>
-          <a:solidFill>
-            <a:schemeClr val="tx1"/>
-          </a:solidFill>
         </p:spPr>
-        <p:style>
-          <a:lnRef idx="2">
-            <a:schemeClr val="accent6">
-              <a:shade val="50000"/>
-            </a:schemeClr>
-          </a:lnRef>
-          <a:fillRef idx="1">
-            <a:schemeClr val="accent6"/>
-          </a:fillRef>
-          <a:effectRef idx="0">
-            <a:schemeClr val="accent6"/>
-          </a:effectRef>
-          <a:fontRef idx="minor">
-            <a:schemeClr val="lt1"/>
-          </a:fontRef>
-        </p:style>
-        <p:txBody>
-          <a:bodyPr rtlCol="0" anchor="ctr"/>
-          <a:lstStyle/>
-          <a:p>
-            <a:pPr algn="ctr"/>
-            <a:endParaRPr lang="es-ES"/>
-          </a:p>
-        </p:txBody>
-      </p:sp>
-      <p:sp>
-        <p:nvSpPr>
-          <p:cNvPr id="31" name="Flecha: a la derecha con bandas 30">
+      </p:pic>
+      <p:pic>
+        <p:nvPicPr>
+          <p:cNvPr id="13" name="Imagen 12">
             <a:extLst>
               <a:ext uri="{FF2B5EF4-FFF2-40B4-BE49-F238E27FC236}">
-                <a16:creationId xmlns:a16="http://schemas.microsoft.com/office/drawing/2014/main" id="{C6786220-9976-4C83-B5D8-F53A815A729A}"/>
+                <a16:creationId xmlns:a16="http://schemas.microsoft.com/office/drawing/2014/main" id="{4F97DA3D-665D-487F-AE85-423FDDC0EE75}"/>
               </a:ext>
             </a:extLst>
           </p:cNvPr>
-          <p:cNvSpPr/>
+          <p:cNvPicPr>
+            <a:picLocks noChangeAspect="1"/>
+          </p:cNvPicPr>
           <p:nvPr/>
-        </p:nvSpPr>
+        </p:nvPicPr>
+        <p:blipFill>
+          <a:blip r:embed="rId4">
+            <a:extLst>
+              <a:ext uri="{28A0092B-C50C-407E-A947-70E740481C1C}">
+                <a14:useLocalDpi xmlns:a14="http://schemas.microsoft.com/office/drawing/2010/main" val="0"/>
+              </a:ext>
+            </a:extLst>
+          </a:blip>
+          <a:stretch>
+            <a:fillRect/>
+          </a:stretch>
+        </p:blipFill>
         <p:spPr>
-          <a:xfrm rot="10800000">
-            <a:off x="7068309" y="5431430"/>
-            <a:ext cx="376677" cy="327329"/>
+          <a:xfrm>
+            <a:off x="1598481" y="4335570"/>
+            <a:ext cx="2937789" cy="2203342"/>
           </a:xfrm>
-          <a:prstGeom prst="stripedRightArrow">
+          <a:prstGeom prst="rect">
             <a:avLst/>
           </a:prstGeom>
-          <a:solidFill>
-            <a:schemeClr val="tx1"/>
-          </a:solidFill>
         </p:spPr>
-        <p:style>
-          <a:lnRef idx="2">
-            <a:schemeClr val="accent6">
-              <a:shade val="50000"/>
-            </a:schemeClr>
-          </a:lnRef>
-          <a:fillRef idx="1">
-            <a:schemeClr val="accent6"/>
-          </a:fillRef>
-          <a:effectRef idx="0">
-            <a:schemeClr val="accent6"/>
-          </a:effectRef>
-          <a:fontRef idx="minor">
-            <a:schemeClr val="lt1"/>
-          </a:fontRef>
-        </p:style>
-        <p:txBody>
-          <a:bodyPr rtlCol="0" anchor="ctr"/>
-          <a:lstStyle/>
-          <a:p>
-            <a:pPr algn="ctr"/>
-            <a:endParaRPr lang="es-ES"/>
-          </a:p>
-        </p:txBody>
-      </p:sp>
+      </p:pic>
     </p:spTree>
     <p:extLst>
       <p:ext uri="{BB962C8B-B14F-4D97-AF65-F5344CB8AC3E}">
@@ -20378,51 +17367,1439 @@
         </p:nvSpPr>
         <p:spPr/>
         <p:txBody>
-          <a:bodyPr/>
+          <a:bodyPr>
+            <a:normAutofit fontScale="90000"/>
+          </a:bodyPr>
           <a:lstStyle/>
           <a:p>
             <a:pPr algn="ctr"/>
-            <a:r>
-              <a:rPr lang="es-ES" b="1" dirty="0" err="1">
-                <a:latin typeface="UTM Ericsson Capital" panose="02040603050506020204" pitchFamily="18" charset="0"/>
-              </a:rPr>
-              <a:t>Service</a:t>
-            </a:r>
             <a:r>
               <a:rPr lang="es-ES" b="1" dirty="0">
                 <a:latin typeface="UTM Ericsson Capital" panose="02040603050506020204" pitchFamily="18" charset="0"/>
               </a:rPr>
-              <a:t> </a:t>
-            </a:r>
-            <a:r>
-              <a:rPr lang="es-ES" b="1" dirty="0" err="1">
-                <a:latin typeface="UTM Ericsson Capital" panose="02040603050506020204" pitchFamily="18" charset="0"/>
-              </a:rPr>
-              <a:t>detection</a:t>
-            </a:r>
-            <a:r>
-              <a:rPr lang="es-ES" b="1">
-                <a:latin typeface="UTM Ericsson Capital" panose="02040603050506020204" pitchFamily="18" charset="0"/>
-              </a:rPr>
-              <a:t> - vis </a:t>
+              <a:t>1. ANÁLISIS DE TRÁFICO DE RED</a:t>
             </a:r>
             <a:br>
-              <a:rPr lang="es-ES" b="1">
+              <a:rPr lang="es-ES" b="1" dirty="0">
                 <a:latin typeface="UTM Ericsson Capital" panose="02040603050506020204" pitchFamily="18" charset="0"/>
               </a:rPr>
             </a:br>
             <a:r>
-              <a:rPr lang="es-ES" sz="2000" b="1">
+              <a:rPr lang="es-ES" sz="3300" dirty="0" err="1">
                 <a:latin typeface="UTM Ericsson Capital" panose="02040603050506020204" pitchFamily="18" charset="0"/>
               </a:rPr>
-              <a:t>current</a:t>
-            </a:r>
-            <a:r>
-              <a:rPr lang="es-ES" sz="2000" b="1" dirty="0">
+              <a:t>Dataset</a:t>
+            </a:r>
+            <a:br>
+              <a:rPr lang="es-ES" b="1" dirty="0">
                 <a:latin typeface="UTM Ericsson Capital" panose="02040603050506020204" pitchFamily="18" charset="0"/>
               </a:rPr>
-              <a:t> STAGE</a:t>
-            </a:r>
+            </a:br>
+            <a:endParaRPr lang="es-ES" sz="2000" b="1" dirty="0">
+              <a:latin typeface="UTM Ericsson Capital" panose="02040603050506020204" pitchFamily="18" charset="0"/>
+            </a:endParaRPr>
+          </a:p>
+        </p:txBody>
+      </p:sp>
+      <p:sp>
+        <p:nvSpPr>
+          <p:cNvPr id="3" name="Marcador de número de diapositiva 2"/>
+          <p:cNvSpPr>
+            <a:spLocks noGrp="1"/>
+          </p:cNvSpPr>
+          <p:nvPr>
+            <p:ph type="sldNum" sz="quarter" idx="12"/>
+          </p:nvPr>
+        </p:nvSpPr>
+        <p:spPr/>
+        <p:txBody>
+          <a:bodyPr/>
+          <a:lstStyle/>
+          <a:p>
+            <a:fld id="{25DA8D8B-2BFC-4181-B8DB-6BD765AAE0D7}" type="slidenum">
+              <a:rPr lang="es-ES" smtClean="0"/>
+              <a:t>4</a:t>
+            </a:fld>
+            <a:endParaRPr lang="es-ES"/>
+          </a:p>
+        </p:txBody>
+      </p:sp>
+      <p:sp>
+        <p:nvSpPr>
+          <p:cNvPr id="23" name="Marcador de fecha 3">
+            <a:extLst>
+              <a:ext uri="{FF2B5EF4-FFF2-40B4-BE49-F238E27FC236}">
+                <a16:creationId xmlns:a16="http://schemas.microsoft.com/office/drawing/2014/main" id="{E51FF9E2-0149-4619-9464-B6460754077F}"/>
+              </a:ext>
+            </a:extLst>
+          </p:cNvPr>
+          <p:cNvSpPr>
+            <a:spLocks noGrp="1"/>
+          </p:cNvSpPr>
+          <p:nvPr>
+            <p:ph type="dt" sz="half" idx="10"/>
+          </p:nvPr>
+        </p:nvSpPr>
+        <p:spPr>
+          <a:xfrm>
+            <a:off x="838200" y="6356350"/>
+            <a:ext cx="2743200" cy="365125"/>
+          </a:xfrm>
+        </p:spPr>
+        <p:txBody>
+          <a:bodyPr/>
+          <a:lstStyle/>
+          <a:p>
+            <a:r>
+              <a:rPr lang="es-ES" dirty="0"/>
+              <a:t>15/09/2017</a:t>
+            </a:r>
+          </a:p>
+        </p:txBody>
+      </p:sp>
+      <p:sp>
+        <p:nvSpPr>
+          <p:cNvPr id="32" name="Marcador de pie de página 4">
+            <a:extLst>
+              <a:ext uri="{FF2B5EF4-FFF2-40B4-BE49-F238E27FC236}">
+                <a16:creationId xmlns:a16="http://schemas.microsoft.com/office/drawing/2014/main" id="{9359AB87-8024-4447-A9A1-506360FB0FAA}"/>
+              </a:ext>
+            </a:extLst>
+          </p:cNvPr>
+          <p:cNvSpPr>
+            <a:spLocks noGrp="1"/>
+          </p:cNvSpPr>
+          <p:nvPr>
+            <p:ph type="ftr" sz="quarter" idx="11"/>
+          </p:nvPr>
+        </p:nvSpPr>
+        <p:spPr>
+          <a:xfrm>
+            <a:off x="4038600" y="6356350"/>
+            <a:ext cx="4114800" cy="365125"/>
+          </a:xfrm>
+        </p:spPr>
+        <p:txBody>
+          <a:bodyPr/>
+          <a:lstStyle/>
+          <a:p>
+            <a:r>
+              <a:rPr lang="en-US" dirty="0"/>
+              <a:t>TFM: </a:t>
+            </a:r>
+            <a:r>
+              <a:rPr lang="en-US" dirty="0" err="1"/>
+              <a:t>Visualización</a:t>
+            </a:r>
+            <a:r>
+              <a:rPr lang="en-US" dirty="0"/>
+              <a:t> streaming de </a:t>
+            </a:r>
+            <a:r>
+              <a:rPr lang="en-US" dirty="0" err="1"/>
+              <a:t>evaluación</a:t>
+            </a:r>
+            <a:r>
+              <a:rPr lang="en-US" dirty="0"/>
+              <a:t> de </a:t>
+            </a:r>
+            <a:r>
+              <a:rPr lang="en-US" dirty="0" err="1"/>
+              <a:t>modelo</a:t>
+            </a:r>
+            <a:endParaRPr lang="es-ES" dirty="0"/>
+          </a:p>
+        </p:txBody>
+      </p:sp>
+      <p:graphicFrame>
+        <p:nvGraphicFramePr>
+          <p:cNvPr id="5" name="Tabla 4">
+            <a:extLst>
+              <a:ext uri="{FF2B5EF4-FFF2-40B4-BE49-F238E27FC236}">
+                <a16:creationId xmlns:a16="http://schemas.microsoft.com/office/drawing/2014/main" id="{D8CF741D-BC7C-49CE-BC5E-AB245B46FDDA}"/>
+              </a:ext>
+            </a:extLst>
+          </p:cNvPr>
+          <p:cNvGraphicFramePr>
+            <a:graphicFrameLocks noGrp="1"/>
+          </p:cNvGraphicFramePr>
+          <p:nvPr>
+            <p:extLst>
+              <p:ext uri="{D42A27DB-BD31-4B8C-83A1-F6EECF244321}">
+                <p14:modId xmlns:p14="http://schemas.microsoft.com/office/powerpoint/2010/main" val="1931645143"/>
+              </p:ext>
+            </p:extLst>
+          </p:nvPr>
+        </p:nvGraphicFramePr>
+        <p:xfrm>
+          <a:off x="874295" y="1979288"/>
+          <a:ext cx="10507579" cy="1280160"/>
+        </p:xfrm>
+        <a:graphic>
+          <a:graphicData uri="http://schemas.openxmlformats.org/drawingml/2006/table">
+            <a:tbl>
+              <a:tblPr firstRow="1" bandRow="1">
+                <a:tableStyleId>{5C22544A-7EE6-4342-B048-85BDC9FD1C3A}</a:tableStyleId>
+              </a:tblPr>
+              <a:tblGrid>
+                <a:gridCol w="1002632">
+                  <a:extLst>
+                    <a:ext uri="{9D8B030D-6E8A-4147-A177-3AD203B41FA5}">
+                      <a16:colId xmlns:a16="http://schemas.microsoft.com/office/drawing/2014/main" val="1274973284"/>
+                    </a:ext>
+                  </a:extLst>
+                </a:gridCol>
+                <a:gridCol w="1299410">
+                  <a:extLst>
+                    <a:ext uri="{9D8B030D-6E8A-4147-A177-3AD203B41FA5}">
+                      <a16:colId xmlns:a16="http://schemas.microsoft.com/office/drawing/2014/main" val="94500407"/>
+                    </a:ext>
+                  </a:extLst>
+                </a:gridCol>
+                <a:gridCol w="1383632">
+                  <a:extLst>
+                    <a:ext uri="{9D8B030D-6E8A-4147-A177-3AD203B41FA5}">
+                      <a16:colId xmlns:a16="http://schemas.microsoft.com/office/drawing/2014/main" val="555663665"/>
+                    </a:ext>
+                  </a:extLst>
+                </a:gridCol>
+                <a:gridCol w="1239252">
+                  <a:extLst>
+                    <a:ext uri="{9D8B030D-6E8A-4147-A177-3AD203B41FA5}">
+                      <a16:colId xmlns:a16="http://schemas.microsoft.com/office/drawing/2014/main" val="1943331662"/>
+                    </a:ext>
+                  </a:extLst>
+                </a:gridCol>
+                <a:gridCol w="1130969">
+                  <a:extLst>
+                    <a:ext uri="{9D8B030D-6E8A-4147-A177-3AD203B41FA5}">
+                      <a16:colId xmlns:a16="http://schemas.microsoft.com/office/drawing/2014/main" val="458405666"/>
+                    </a:ext>
+                  </a:extLst>
+                </a:gridCol>
+                <a:gridCol w="1660358">
+                  <a:extLst>
+                    <a:ext uri="{9D8B030D-6E8A-4147-A177-3AD203B41FA5}">
+                      <a16:colId xmlns:a16="http://schemas.microsoft.com/office/drawing/2014/main" val="3931498653"/>
+                    </a:ext>
+                  </a:extLst>
+                </a:gridCol>
+                <a:gridCol w="1648326">
+                  <a:extLst>
+                    <a:ext uri="{9D8B030D-6E8A-4147-A177-3AD203B41FA5}">
+                      <a16:colId xmlns:a16="http://schemas.microsoft.com/office/drawing/2014/main" val="1471385609"/>
+                    </a:ext>
+                  </a:extLst>
+                </a:gridCol>
+                <a:gridCol w="1143000">
+                  <a:extLst>
+                    <a:ext uri="{9D8B030D-6E8A-4147-A177-3AD203B41FA5}">
+                      <a16:colId xmlns:a16="http://schemas.microsoft.com/office/drawing/2014/main" val="1039654828"/>
+                    </a:ext>
+                  </a:extLst>
+                </a:gridCol>
+              </a:tblGrid>
+              <a:tr h="482458">
+                <a:tc>
+                  <a:txBody>
+                    <a:bodyPr/>
+                    <a:lstStyle/>
+                    <a:p>
+                      <a:pPr algn="ctr"/>
+                      <a:r>
+                        <a:rPr lang="es-ES" dirty="0"/>
+                        <a:t> Variable</a:t>
+                      </a:r>
+                    </a:p>
+                  </a:txBody>
+                  <a:tcPr anchor="ctr"/>
+                </a:tc>
+                <a:tc>
+                  <a:txBody>
+                    <a:bodyPr/>
+                    <a:lstStyle/>
+                    <a:p>
+                      <a:pPr algn="ctr"/>
+                      <a:r>
+                        <a:rPr lang="es-ES" dirty="0" err="1"/>
+                        <a:t>Is_youtube</a:t>
+                      </a:r>
+                      <a:endParaRPr lang="es-ES" dirty="0"/>
+                    </a:p>
+                  </a:txBody>
+                  <a:tcPr anchor="ctr"/>
+                </a:tc>
+                <a:tc>
+                  <a:txBody>
+                    <a:bodyPr/>
+                    <a:lstStyle/>
+                    <a:p>
+                      <a:pPr algn="ctr"/>
+                      <a:r>
+                        <a:rPr lang="es-ES" dirty="0"/>
+                        <a:t>VoIP</a:t>
+                      </a:r>
+                    </a:p>
+                  </a:txBody>
+                  <a:tcPr anchor="ctr"/>
+                </a:tc>
+                <a:tc>
+                  <a:txBody>
+                    <a:bodyPr/>
+                    <a:lstStyle/>
+                    <a:p>
+                      <a:pPr algn="ctr"/>
+                      <a:r>
+                        <a:rPr lang="es-ES" dirty="0" err="1"/>
+                        <a:t>Browsing</a:t>
+                      </a:r>
+                      <a:endParaRPr lang="es-ES" dirty="0"/>
+                    </a:p>
+                  </a:txBody>
+                  <a:tcPr anchor="ctr"/>
+                </a:tc>
+                <a:tc>
+                  <a:txBody>
+                    <a:bodyPr/>
+                    <a:lstStyle/>
+                    <a:p>
+                      <a:pPr algn="ctr"/>
+                      <a:r>
+                        <a:rPr lang="es-ES" dirty="0"/>
+                        <a:t>Proto</a:t>
+                      </a:r>
+                    </a:p>
+                  </a:txBody>
+                  <a:tcPr anchor="ctr"/>
+                </a:tc>
+                <a:tc>
+                  <a:txBody>
+                    <a:bodyPr/>
+                    <a:lstStyle/>
+                    <a:p>
+                      <a:pPr algn="ctr"/>
+                      <a:r>
+                        <a:rPr lang="es-ES" dirty="0" err="1"/>
+                        <a:t>IP_SrcIP</a:t>
+                      </a:r>
+                      <a:endParaRPr lang="es-ES" dirty="0"/>
+                    </a:p>
+                  </a:txBody>
+                  <a:tcPr anchor="ctr"/>
+                </a:tc>
+                <a:tc>
+                  <a:txBody>
+                    <a:bodyPr/>
+                    <a:lstStyle/>
+                    <a:p>
+                      <a:pPr algn="ctr"/>
+                      <a:r>
+                        <a:rPr lang="es-ES" dirty="0" err="1"/>
+                        <a:t>IP_DstIP</a:t>
+                      </a:r>
+                      <a:endParaRPr lang="es-ES" dirty="0"/>
+                    </a:p>
+                  </a:txBody>
+                  <a:tcPr anchor="ctr"/>
+                </a:tc>
+                <a:tc>
+                  <a:txBody>
+                    <a:bodyPr/>
+                    <a:lstStyle/>
+                    <a:p>
+                      <a:pPr algn="ctr"/>
+                      <a:r>
+                        <a:rPr lang="es-ES" dirty="0" err="1"/>
+                        <a:t>IP_TotLen</a:t>
+                      </a:r>
+                      <a:endParaRPr lang="es-ES" dirty="0"/>
+                    </a:p>
+                  </a:txBody>
+                  <a:tcPr anchor="ctr"/>
+                </a:tc>
+                <a:extLst>
+                  <a:ext uri="{0D108BD9-81ED-4DB2-BD59-A6C34878D82A}">
+                    <a16:rowId xmlns:a16="http://schemas.microsoft.com/office/drawing/2014/main" val="1224149937"/>
+                  </a:ext>
+                </a:extLst>
+              </a:tr>
+              <a:tr h="370840">
+                <a:tc>
+                  <a:txBody>
+                    <a:bodyPr/>
+                    <a:lstStyle/>
+                    <a:p>
+                      <a:pPr algn="ctr"/>
+                      <a:r>
+                        <a:rPr lang="es-ES" dirty="0"/>
+                        <a:t>Valores</a:t>
+                      </a:r>
+                    </a:p>
+                  </a:txBody>
+                  <a:tcPr anchor="ctr"/>
+                </a:tc>
+                <a:tc>
+                  <a:txBody>
+                    <a:bodyPr/>
+                    <a:lstStyle/>
+                    <a:p>
+                      <a:pPr algn="ctr"/>
+                      <a:r>
+                        <a:rPr lang="es-ES" i="1" dirty="0"/>
+                        <a:t>0,1 </a:t>
+                      </a:r>
+                      <a:endParaRPr lang="es-ES" dirty="0"/>
+                    </a:p>
+                  </a:txBody>
+                  <a:tcPr anchor="ctr"/>
+                </a:tc>
+                <a:tc>
+                  <a:txBody>
+                    <a:bodyPr/>
+                    <a:lstStyle/>
+                    <a:p>
+                      <a:pPr algn="ctr"/>
+                      <a:r>
+                        <a:rPr lang="es-ES" i="1" dirty="0"/>
+                        <a:t>0,1 </a:t>
+                      </a:r>
+                      <a:endParaRPr lang="es-ES" dirty="0"/>
+                    </a:p>
+                  </a:txBody>
+                  <a:tcPr anchor="ctr"/>
+                </a:tc>
+                <a:tc>
+                  <a:txBody>
+                    <a:bodyPr/>
+                    <a:lstStyle/>
+                    <a:p>
+                      <a:pPr algn="ctr"/>
+                      <a:r>
+                        <a:rPr lang="es-ES" i="1" dirty="0"/>
+                        <a:t>0,1 </a:t>
+                      </a:r>
+                      <a:endParaRPr lang="es-ES" dirty="0"/>
+                    </a:p>
+                  </a:txBody>
+                  <a:tcPr anchor="ctr"/>
+                </a:tc>
+                <a:tc>
+                  <a:txBody>
+                    <a:bodyPr/>
+                    <a:lstStyle/>
+                    <a:p>
+                      <a:pPr algn="ctr"/>
+                      <a:r>
+                        <a:rPr lang="es-ES" i="1" dirty="0"/>
+                        <a:t>UDP, </a:t>
+                      </a:r>
+                      <a:r>
+                        <a:rPr lang="es-ES" i="1" dirty="0" err="1"/>
+                        <a:t>tcp</a:t>
+                      </a:r>
+                      <a:r>
+                        <a:rPr lang="es-ES" i="1" dirty="0"/>
+                        <a:t>, ICMP</a:t>
+                      </a:r>
+                      <a:endParaRPr lang="es-ES" dirty="0"/>
+                    </a:p>
+                  </a:txBody>
+                  <a:tcPr anchor="ctr"/>
+                </a:tc>
+                <a:tc>
+                  <a:txBody>
+                    <a:bodyPr/>
+                    <a:lstStyle/>
+                    <a:p>
+                      <a:pPr algn="ctr"/>
+                      <a:r>
+                        <a:rPr lang="es-ES" i="1" dirty="0" err="1"/>
+                        <a:t>xxxx.xxx.xxx.xxx</a:t>
+                      </a:r>
+                      <a:endParaRPr lang="es-ES" dirty="0"/>
+                    </a:p>
+                  </a:txBody>
+                  <a:tcPr anchor="ctr"/>
+                </a:tc>
+                <a:tc>
+                  <a:txBody>
+                    <a:bodyPr/>
+                    <a:lstStyle/>
+                    <a:p>
+                      <a:pPr marL="0" marR="0" lvl="0" indent="0" algn="ctr" defTabSz="914400" rtl="0" eaLnBrk="1" fontAlgn="auto" latinLnBrk="0" hangingPunct="1">
+                        <a:lnSpc>
+                          <a:spcPct val="100000"/>
+                        </a:lnSpc>
+                        <a:spcBef>
+                          <a:spcPts val="0"/>
+                        </a:spcBef>
+                        <a:spcAft>
+                          <a:spcPts val="0"/>
+                        </a:spcAft>
+                        <a:buClrTx/>
+                        <a:buSzTx/>
+                        <a:buFontTx/>
+                        <a:buNone/>
+                        <a:tabLst/>
+                        <a:defRPr/>
+                      </a:pPr>
+                      <a:r>
+                        <a:rPr lang="es-ES" i="1" dirty="0" err="1"/>
+                        <a:t>xxxx.xxx.xxx.xxx</a:t>
+                      </a:r>
+                      <a:endParaRPr lang="es-ES" dirty="0"/>
+                    </a:p>
+                  </a:txBody>
+                  <a:tcPr anchor="ctr"/>
+                </a:tc>
+                <a:tc>
+                  <a:txBody>
+                    <a:bodyPr/>
+                    <a:lstStyle/>
+                    <a:p>
+                      <a:pPr algn="ctr"/>
+                      <a:r>
+                        <a:rPr lang="es-ES" dirty="0"/>
+                        <a:t>0-Inf</a:t>
+                      </a:r>
+                    </a:p>
+                  </a:txBody>
+                  <a:tcPr anchor="ctr"/>
+                </a:tc>
+                <a:extLst>
+                  <a:ext uri="{0D108BD9-81ED-4DB2-BD59-A6C34878D82A}">
+                    <a16:rowId xmlns:a16="http://schemas.microsoft.com/office/drawing/2014/main" val="1426981763"/>
+                  </a:ext>
+                </a:extLst>
+              </a:tr>
+            </a:tbl>
+          </a:graphicData>
+        </a:graphic>
+      </p:graphicFrame>
+      <p:graphicFrame>
+        <p:nvGraphicFramePr>
+          <p:cNvPr id="35" name="Tabla 34">
+            <a:extLst>
+              <a:ext uri="{FF2B5EF4-FFF2-40B4-BE49-F238E27FC236}">
+                <a16:creationId xmlns:a16="http://schemas.microsoft.com/office/drawing/2014/main" id="{E050BF6B-8C1A-49F6-A554-D7418FD2760D}"/>
+              </a:ext>
+            </a:extLst>
+          </p:cNvPr>
+          <p:cNvGraphicFramePr>
+            <a:graphicFrameLocks noGrp="1"/>
+          </p:cNvGraphicFramePr>
+          <p:nvPr>
+            <p:extLst>
+              <p:ext uri="{D42A27DB-BD31-4B8C-83A1-F6EECF244321}">
+                <p14:modId xmlns:p14="http://schemas.microsoft.com/office/powerpoint/2010/main" val="3817465811"/>
+              </p:ext>
+            </p:extLst>
+          </p:nvPr>
+        </p:nvGraphicFramePr>
+        <p:xfrm>
+          <a:off x="838200" y="3804465"/>
+          <a:ext cx="10543674" cy="2103120"/>
+        </p:xfrm>
+        <a:graphic>
+          <a:graphicData uri="http://schemas.openxmlformats.org/drawingml/2006/table">
+            <a:tbl>
+              <a:tblPr firstRow="1" bandRow="1">
+                <a:tableStyleId>{5C22544A-7EE6-4342-B048-85BDC9FD1C3A}</a:tableStyleId>
+              </a:tblPr>
+              <a:tblGrid>
+                <a:gridCol w="978568">
+                  <a:extLst>
+                    <a:ext uri="{9D8B030D-6E8A-4147-A177-3AD203B41FA5}">
+                      <a16:colId xmlns:a16="http://schemas.microsoft.com/office/drawing/2014/main" val="1274973284"/>
+                    </a:ext>
+                  </a:extLst>
+                </a:gridCol>
+                <a:gridCol w="1347537">
+                  <a:extLst>
+                    <a:ext uri="{9D8B030D-6E8A-4147-A177-3AD203B41FA5}">
+                      <a16:colId xmlns:a16="http://schemas.microsoft.com/office/drawing/2014/main" val="94500407"/>
+                    </a:ext>
+                  </a:extLst>
+                </a:gridCol>
+                <a:gridCol w="1371600">
+                  <a:extLst>
+                    <a:ext uri="{9D8B030D-6E8A-4147-A177-3AD203B41FA5}">
+                      <a16:colId xmlns:a16="http://schemas.microsoft.com/office/drawing/2014/main" val="555663665"/>
+                    </a:ext>
+                  </a:extLst>
+                </a:gridCol>
+                <a:gridCol w="1251284">
+                  <a:extLst>
+                    <a:ext uri="{9D8B030D-6E8A-4147-A177-3AD203B41FA5}">
+                      <a16:colId xmlns:a16="http://schemas.microsoft.com/office/drawing/2014/main" val="1943331662"/>
+                    </a:ext>
+                  </a:extLst>
+                </a:gridCol>
+                <a:gridCol w="1130969">
+                  <a:extLst>
+                    <a:ext uri="{9D8B030D-6E8A-4147-A177-3AD203B41FA5}">
+                      <a16:colId xmlns:a16="http://schemas.microsoft.com/office/drawing/2014/main" val="458405666"/>
+                    </a:ext>
+                  </a:extLst>
+                </a:gridCol>
+                <a:gridCol w="1635291">
+                  <a:extLst>
+                    <a:ext uri="{9D8B030D-6E8A-4147-A177-3AD203B41FA5}">
+                      <a16:colId xmlns:a16="http://schemas.microsoft.com/office/drawing/2014/main" val="3931498653"/>
+                    </a:ext>
+                  </a:extLst>
+                </a:gridCol>
+                <a:gridCol w="1637298">
+                  <a:extLst>
+                    <a:ext uri="{9D8B030D-6E8A-4147-A177-3AD203B41FA5}">
+                      <a16:colId xmlns:a16="http://schemas.microsoft.com/office/drawing/2014/main" val="1471385609"/>
+                    </a:ext>
+                  </a:extLst>
+                </a:gridCol>
+                <a:gridCol w="1191127">
+                  <a:extLst>
+                    <a:ext uri="{9D8B030D-6E8A-4147-A177-3AD203B41FA5}">
+                      <a16:colId xmlns:a16="http://schemas.microsoft.com/office/drawing/2014/main" val="1210948722"/>
+                    </a:ext>
+                  </a:extLst>
+                </a:gridCol>
+              </a:tblGrid>
+              <a:tr h="468313">
+                <a:tc>
+                  <a:txBody>
+                    <a:bodyPr/>
+                    <a:lstStyle/>
+                    <a:p>
+                      <a:pPr algn="ctr"/>
+                      <a:r>
+                        <a:rPr lang="es-ES" dirty="0"/>
+                        <a:t> Variable</a:t>
+                      </a:r>
+                    </a:p>
+                  </a:txBody>
+                  <a:tcPr anchor="ctr"/>
+                </a:tc>
+                <a:tc>
+                  <a:txBody>
+                    <a:bodyPr/>
+                    <a:lstStyle/>
+                    <a:p>
+                      <a:pPr algn="ctr"/>
+                      <a:r>
+                        <a:rPr lang="es-ES" i="1" dirty="0" err="1"/>
+                        <a:t>IP_Uplink</a:t>
+                      </a:r>
+                      <a:endParaRPr lang="es-ES" dirty="0"/>
+                    </a:p>
+                  </a:txBody>
+                  <a:tcPr anchor="ctr"/>
+                </a:tc>
+                <a:tc>
+                  <a:txBody>
+                    <a:bodyPr/>
+                    <a:lstStyle/>
+                    <a:p>
+                      <a:pPr algn="ctr"/>
+                      <a:r>
+                        <a:rPr lang="es-ES" i="1" dirty="0" err="1"/>
+                        <a:t>TimeStamp</a:t>
+                      </a:r>
+                      <a:endParaRPr lang="es-ES" dirty="0"/>
+                    </a:p>
+                  </a:txBody>
+                  <a:tcPr anchor="ctr"/>
+                </a:tc>
+                <a:tc>
+                  <a:txBody>
+                    <a:bodyPr/>
+                    <a:lstStyle/>
+                    <a:p>
+                      <a:pPr algn="ctr"/>
+                      <a:r>
+                        <a:rPr lang="es-ES" i="1" dirty="0" err="1"/>
+                        <a:t>dpiPktNum</a:t>
+                      </a:r>
+                      <a:endParaRPr lang="es-ES" dirty="0"/>
+                    </a:p>
+                  </a:txBody>
+                  <a:tcPr anchor="ctr"/>
+                </a:tc>
+                <a:tc>
+                  <a:txBody>
+                    <a:bodyPr/>
+                    <a:lstStyle/>
+                    <a:p>
+                      <a:pPr algn="ctr"/>
+                      <a:r>
+                        <a:rPr lang="es-ES" i="1" dirty="0"/>
+                        <a:t>coord_1</a:t>
+                      </a:r>
+                      <a:endParaRPr lang="es-ES" dirty="0"/>
+                    </a:p>
+                  </a:txBody>
+                  <a:tcPr anchor="ctr"/>
+                </a:tc>
+                <a:tc>
+                  <a:txBody>
+                    <a:bodyPr/>
+                    <a:lstStyle/>
+                    <a:p>
+                      <a:pPr algn="ctr"/>
+                      <a:r>
+                        <a:rPr lang="es-ES" i="1" dirty="0"/>
+                        <a:t>coord_2 </a:t>
+                      </a:r>
+                      <a:endParaRPr lang="es-ES" dirty="0"/>
+                    </a:p>
+                  </a:txBody>
+                  <a:tcPr anchor="ctr"/>
+                </a:tc>
+                <a:tc>
+                  <a:txBody>
+                    <a:bodyPr/>
+                    <a:lstStyle/>
+                    <a:p>
+                      <a:pPr marL="0" marR="0" lvl="0" indent="0" algn="ctr" defTabSz="914400" rtl="0" eaLnBrk="1" fontAlgn="auto" latinLnBrk="0" hangingPunct="1">
+                        <a:lnSpc>
+                          <a:spcPct val="100000"/>
+                        </a:lnSpc>
+                        <a:spcBef>
+                          <a:spcPts val="0"/>
+                        </a:spcBef>
+                        <a:spcAft>
+                          <a:spcPts val="0"/>
+                        </a:spcAft>
+                        <a:buClrTx/>
+                        <a:buSzTx/>
+                        <a:buFontTx/>
+                        <a:buNone/>
+                        <a:tabLst/>
+                        <a:defRPr/>
+                      </a:pPr>
+                      <a:r>
+                        <a:rPr lang="es-ES" i="1" dirty="0" err="1"/>
+                        <a:t>IP_FiveTuple</a:t>
+                      </a:r>
+                      <a:endParaRPr lang="es-ES" dirty="0"/>
+                    </a:p>
+                  </a:txBody>
+                  <a:tcPr anchor="ctr"/>
+                </a:tc>
+                <a:tc>
+                  <a:txBody>
+                    <a:bodyPr/>
+                    <a:lstStyle/>
+                    <a:p>
+                      <a:pPr algn="ctr"/>
+                      <a:r>
+                        <a:rPr lang="es-ES" dirty="0" err="1"/>
+                        <a:t>IP_Version</a:t>
+                      </a:r>
+                      <a:endParaRPr lang="es-ES" dirty="0"/>
+                    </a:p>
+                  </a:txBody>
+                  <a:tcPr anchor="ctr"/>
+                </a:tc>
+                <a:extLst>
+                  <a:ext uri="{0D108BD9-81ED-4DB2-BD59-A6C34878D82A}">
+                    <a16:rowId xmlns:a16="http://schemas.microsoft.com/office/drawing/2014/main" val="1224149937"/>
+                  </a:ext>
+                </a:extLst>
+              </a:tr>
+              <a:tr h="1070430">
+                <a:tc>
+                  <a:txBody>
+                    <a:bodyPr/>
+                    <a:lstStyle/>
+                    <a:p>
+                      <a:pPr algn="ctr"/>
+                      <a:r>
+                        <a:rPr lang="es-ES" dirty="0"/>
+                        <a:t>Valores</a:t>
+                      </a:r>
+                    </a:p>
+                  </a:txBody>
+                  <a:tcPr anchor="ctr"/>
+                </a:tc>
+                <a:tc>
+                  <a:txBody>
+                    <a:bodyPr/>
+                    <a:lstStyle/>
+                    <a:p>
+                      <a:pPr algn="ctr"/>
+                      <a:r>
+                        <a:rPr lang="es-ES" i="1" dirty="0"/>
+                        <a:t>0,1 </a:t>
+                      </a:r>
+                      <a:endParaRPr lang="es-ES" dirty="0"/>
+                    </a:p>
+                  </a:txBody>
+                  <a:tcPr anchor="ctr"/>
+                </a:tc>
+                <a:tc>
+                  <a:txBody>
+                    <a:bodyPr/>
+                    <a:lstStyle/>
+                    <a:p>
+                      <a:pPr algn="ctr"/>
+                      <a:r>
+                        <a:rPr lang="es-ES" i="1" dirty="0"/>
+                        <a:t>0,1 </a:t>
+                      </a:r>
+                      <a:endParaRPr lang="es-ES" dirty="0"/>
+                    </a:p>
+                  </a:txBody>
+                  <a:tcPr anchor="ctr"/>
+                </a:tc>
+                <a:tc>
+                  <a:txBody>
+                    <a:bodyPr/>
+                    <a:lstStyle/>
+                    <a:p>
+                      <a:pPr algn="ctr"/>
+                      <a:r>
+                        <a:rPr lang="es-ES" i="1" dirty="0"/>
+                        <a:t>0,1 </a:t>
+                      </a:r>
+                      <a:endParaRPr lang="es-ES" dirty="0"/>
+                    </a:p>
+                  </a:txBody>
+                  <a:tcPr anchor="ctr"/>
+                </a:tc>
+                <a:tc>
+                  <a:txBody>
+                    <a:bodyPr/>
+                    <a:lstStyle/>
+                    <a:p>
+                      <a:pPr algn="ctr"/>
+                      <a:r>
+                        <a:rPr lang="es-ES" i="1" dirty="0"/>
+                        <a:t>longitud</a:t>
+                      </a:r>
+                      <a:endParaRPr lang="es-ES" dirty="0"/>
+                    </a:p>
+                  </a:txBody>
+                  <a:tcPr anchor="ctr"/>
+                </a:tc>
+                <a:tc>
+                  <a:txBody>
+                    <a:bodyPr/>
+                    <a:lstStyle/>
+                    <a:p>
+                      <a:pPr algn="ctr"/>
+                      <a:r>
+                        <a:rPr lang="es-ES" i="1" dirty="0"/>
+                        <a:t>latitud</a:t>
+                      </a:r>
+                      <a:endParaRPr lang="es-ES" dirty="0"/>
+                    </a:p>
+                  </a:txBody>
+                  <a:tcPr anchor="ctr"/>
+                </a:tc>
+                <a:tc>
+                  <a:txBody>
+                    <a:bodyPr/>
+                    <a:lstStyle/>
+                    <a:p>
+                      <a:pPr marL="0" marR="0" lvl="0" indent="0" algn="ctr" defTabSz="914400" rtl="0" eaLnBrk="1" fontAlgn="auto" latinLnBrk="0" hangingPunct="1">
+                        <a:lnSpc>
+                          <a:spcPct val="100000"/>
+                        </a:lnSpc>
+                        <a:spcBef>
+                          <a:spcPts val="0"/>
+                        </a:spcBef>
+                        <a:spcAft>
+                          <a:spcPts val="0"/>
+                        </a:spcAft>
+                        <a:buClrTx/>
+                        <a:buSzTx/>
+                        <a:buFontTx/>
+                        <a:buNone/>
+                        <a:tabLst/>
+                        <a:defRPr/>
+                      </a:pPr>
+                      <a:r>
+                        <a:rPr lang="es-ES" dirty="0"/>
+                        <a:t>proto + </a:t>
+                      </a:r>
+                      <a:r>
+                        <a:rPr lang="es-ES" dirty="0" err="1"/>
+                        <a:t>IP_SrcIP</a:t>
+                      </a:r>
+                      <a:r>
+                        <a:rPr lang="es-ES" dirty="0"/>
+                        <a:t> + </a:t>
+                      </a:r>
+                      <a:r>
+                        <a:rPr lang="es-ES" dirty="0" err="1"/>
+                        <a:t>IP_DstIP</a:t>
+                      </a:r>
+                      <a:r>
+                        <a:rPr lang="es-ES" dirty="0"/>
+                        <a:t> + </a:t>
+                      </a:r>
+                      <a:r>
+                        <a:rPr lang="es-ES" dirty="0" err="1"/>
+                        <a:t>SrcPort</a:t>
+                      </a:r>
+                      <a:r>
+                        <a:rPr lang="es-ES" dirty="0"/>
+                        <a:t> + </a:t>
+                      </a:r>
+                      <a:r>
+                        <a:rPr lang="es-ES" dirty="0" err="1"/>
+                        <a:t>DstPort</a:t>
+                      </a:r>
+                      <a:endParaRPr lang="es-ES" dirty="0"/>
+                    </a:p>
+                  </a:txBody>
+                  <a:tcPr anchor="ctr"/>
+                </a:tc>
+                <a:tc>
+                  <a:txBody>
+                    <a:bodyPr/>
+                    <a:lstStyle/>
+                    <a:p>
+                      <a:pPr marL="0" marR="0" lvl="0" indent="0" algn="ctr" defTabSz="914400" rtl="0" eaLnBrk="1" fontAlgn="auto" latinLnBrk="0" hangingPunct="1">
+                        <a:lnSpc>
+                          <a:spcPct val="100000"/>
+                        </a:lnSpc>
+                        <a:spcBef>
+                          <a:spcPts val="0"/>
+                        </a:spcBef>
+                        <a:spcAft>
+                          <a:spcPts val="0"/>
+                        </a:spcAft>
+                        <a:buClrTx/>
+                        <a:buSzTx/>
+                        <a:buFontTx/>
+                        <a:buNone/>
+                        <a:tabLst/>
+                        <a:defRPr/>
+                      </a:pPr>
+                      <a:r>
+                        <a:rPr lang="es-ES" dirty="0"/>
+                        <a:t>4</a:t>
+                      </a:r>
+                    </a:p>
+                  </a:txBody>
+                  <a:tcPr anchor="ctr"/>
+                </a:tc>
+                <a:extLst>
+                  <a:ext uri="{0D108BD9-81ED-4DB2-BD59-A6C34878D82A}">
+                    <a16:rowId xmlns:a16="http://schemas.microsoft.com/office/drawing/2014/main" val="1426981763"/>
+                  </a:ext>
+                </a:extLst>
+              </a:tr>
+            </a:tbl>
+          </a:graphicData>
+        </a:graphic>
+      </p:graphicFrame>
+    </p:spTree>
+    <p:extLst>
+      <p:ext uri="{BB962C8B-B14F-4D97-AF65-F5344CB8AC3E}">
+        <p14:creationId xmlns:p14="http://schemas.microsoft.com/office/powerpoint/2010/main" val="1096476550"/>
+      </p:ext>
+    </p:extLst>
+  </p:cSld>
+  <p:clrMapOvr>
+    <a:masterClrMapping/>
+  </p:clrMapOvr>
+</p:sld>
+</file>
+
+<file path=ppt/slides/slide5.xml><?xml version="1.0" encoding="utf-8"?>
+<p:sld xmlns:a="http://schemas.openxmlformats.org/drawingml/2006/main" xmlns:r="http://schemas.openxmlformats.org/officeDocument/2006/relationships" xmlns:p="http://schemas.openxmlformats.org/presentationml/2006/main">
+  <p:cSld>
+    <p:spTree>
+      <p:nvGrpSpPr>
+        <p:cNvPr id="1" name=""/>
+        <p:cNvGrpSpPr/>
+        <p:nvPr/>
+      </p:nvGrpSpPr>
+      <p:grpSpPr>
+        <a:xfrm>
+          <a:off x="0" y="0"/>
+          <a:ext cx="0" cy="0"/>
+          <a:chOff x="0" y="0"/>
+          <a:chExt cx="0" cy="0"/>
+        </a:xfrm>
+      </p:grpSpPr>
+      <p:sp>
+        <p:nvSpPr>
+          <p:cNvPr id="2" name="Título 1"/>
+          <p:cNvSpPr>
+            <a:spLocks noGrp="1"/>
+          </p:cNvSpPr>
+          <p:nvPr>
+            <p:ph type="title"/>
+          </p:nvPr>
+        </p:nvSpPr>
+        <p:spPr/>
+        <p:txBody>
+          <a:bodyPr>
+            <a:normAutofit fontScale="90000"/>
+          </a:bodyPr>
+          <a:lstStyle/>
+          <a:p>
+            <a:pPr algn="ctr"/>
+            <a:r>
+              <a:rPr lang="es-ES" b="1" dirty="0">
+                <a:latin typeface="UTM Ericsson Capital" panose="02040603050506020204" pitchFamily="18" charset="0"/>
+              </a:rPr>
+              <a:t>2. CONSTRUCCIÓN DEL MODELO</a:t>
+            </a:r>
+            <a:br>
+              <a:rPr lang="es-ES" b="1" dirty="0">
+                <a:latin typeface="UTM Ericsson Capital" panose="02040603050506020204" pitchFamily="18" charset="0"/>
+              </a:rPr>
+            </a:br>
+            <a:r>
+              <a:rPr lang="es-ES" sz="3300" dirty="0">
+                <a:latin typeface="UTM Ericsson Capital" panose="02040603050506020204" pitchFamily="18" charset="0"/>
+              </a:rPr>
+              <a:t>Base del modelo</a:t>
+            </a:r>
+            <a:br>
+              <a:rPr lang="es-ES" b="1" dirty="0">
+                <a:latin typeface="UTM Ericsson Capital" panose="02040603050506020204" pitchFamily="18" charset="0"/>
+              </a:rPr>
+            </a:br>
+            <a:endParaRPr lang="es-ES" sz="2000" b="1" dirty="0">
+              <a:latin typeface="UTM Ericsson Capital" panose="02040603050506020204" pitchFamily="18" charset="0"/>
+            </a:endParaRPr>
+          </a:p>
+        </p:txBody>
+      </p:sp>
+      <p:sp>
+        <p:nvSpPr>
+          <p:cNvPr id="3" name="Marcador de número de diapositiva 2"/>
+          <p:cNvSpPr>
+            <a:spLocks noGrp="1"/>
+          </p:cNvSpPr>
+          <p:nvPr>
+            <p:ph type="sldNum" sz="quarter" idx="12"/>
+          </p:nvPr>
+        </p:nvSpPr>
+        <p:spPr/>
+        <p:txBody>
+          <a:bodyPr/>
+          <a:lstStyle/>
+          <a:p>
+            <a:fld id="{25DA8D8B-2BFC-4181-B8DB-6BD765AAE0D7}" type="slidenum">
+              <a:rPr lang="es-ES" smtClean="0"/>
+              <a:t>5</a:t>
+            </a:fld>
+            <a:endParaRPr lang="es-ES"/>
+          </a:p>
+        </p:txBody>
+      </p:sp>
+      <p:sp>
+        <p:nvSpPr>
+          <p:cNvPr id="23" name="Marcador de fecha 3">
+            <a:extLst>
+              <a:ext uri="{FF2B5EF4-FFF2-40B4-BE49-F238E27FC236}">
+                <a16:creationId xmlns:a16="http://schemas.microsoft.com/office/drawing/2014/main" id="{E51FF9E2-0149-4619-9464-B6460754077F}"/>
+              </a:ext>
+            </a:extLst>
+          </p:cNvPr>
+          <p:cNvSpPr>
+            <a:spLocks noGrp="1"/>
+          </p:cNvSpPr>
+          <p:nvPr>
+            <p:ph type="dt" sz="half" idx="10"/>
+          </p:nvPr>
+        </p:nvSpPr>
+        <p:spPr>
+          <a:xfrm>
+            <a:off x="838200" y="6356350"/>
+            <a:ext cx="2743200" cy="365125"/>
+          </a:xfrm>
+        </p:spPr>
+        <p:txBody>
+          <a:bodyPr/>
+          <a:lstStyle/>
+          <a:p>
+            <a:r>
+              <a:rPr lang="es-ES" dirty="0"/>
+              <a:t>15/09/2017</a:t>
+            </a:r>
+          </a:p>
+        </p:txBody>
+      </p:sp>
+      <p:sp>
+        <p:nvSpPr>
+          <p:cNvPr id="32" name="Marcador de pie de página 4">
+            <a:extLst>
+              <a:ext uri="{FF2B5EF4-FFF2-40B4-BE49-F238E27FC236}">
+                <a16:creationId xmlns:a16="http://schemas.microsoft.com/office/drawing/2014/main" id="{9359AB87-8024-4447-A9A1-506360FB0FAA}"/>
+              </a:ext>
+            </a:extLst>
+          </p:cNvPr>
+          <p:cNvSpPr>
+            <a:spLocks noGrp="1"/>
+          </p:cNvSpPr>
+          <p:nvPr>
+            <p:ph type="ftr" sz="quarter" idx="11"/>
+          </p:nvPr>
+        </p:nvSpPr>
+        <p:spPr>
+          <a:xfrm>
+            <a:off x="4038600" y="6356350"/>
+            <a:ext cx="4114800" cy="365125"/>
+          </a:xfrm>
+        </p:spPr>
+        <p:txBody>
+          <a:bodyPr/>
+          <a:lstStyle/>
+          <a:p>
+            <a:r>
+              <a:rPr lang="en-US" dirty="0"/>
+              <a:t>TFM: </a:t>
+            </a:r>
+            <a:r>
+              <a:rPr lang="en-US" dirty="0" err="1"/>
+              <a:t>Visualización</a:t>
+            </a:r>
+            <a:r>
+              <a:rPr lang="en-US" dirty="0"/>
+              <a:t> streaming de </a:t>
+            </a:r>
+            <a:r>
+              <a:rPr lang="en-US" dirty="0" err="1"/>
+              <a:t>evaluación</a:t>
+            </a:r>
+            <a:r>
+              <a:rPr lang="en-US" dirty="0"/>
+              <a:t> de </a:t>
+            </a:r>
+            <a:r>
+              <a:rPr lang="en-US" dirty="0" err="1"/>
+              <a:t>modelo</a:t>
+            </a:r>
+            <a:endParaRPr lang="es-ES" dirty="0"/>
+          </a:p>
+        </p:txBody>
+      </p:sp>
+      <p:pic>
+        <p:nvPicPr>
+          <p:cNvPr id="5" name="Imagen 4">
+            <a:extLst>
+              <a:ext uri="{FF2B5EF4-FFF2-40B4-BE49-F238E27FC236}">
+                <a16:creationId xmlns:a16="http://schemas.microsoft.com/office/drawing/2014/main" id="{034E202E-8167-40CF-82FF-89A01E90D359}"/>
+              </a:ext>
+            </a:extLst>
+          </p:cNvPr>
+          <p:cNvPicPr>
+            <a:picLocks noChangeAspect="1"/>
+          </p:cNvPicPr>
+          <p:nvPr/>
+        </p:nvPicPr>
+        <p:blipFill>
+          <a:blip r:embed="rId2"/>
+          <a:stretch>
+            <a:fillRect/>
+          </a:stretch>
+        </p:blipFill>
+        <p:spPr>
+          <a:xfrm>
+            <a:off x="1551818" y="1735931"/>
+            <a:ext cx="8935962" cy="4120959"/>
+          </a:xfrm>
+          <a:prstGeom prst="rect">
+            <a:avLst/>
+          </a:prstGeom>
+        </p:spPr>
+      </p:pic>
+    </p:spTree>
+    <p:extLst>
+      <p:ext uri="{BB962C8B-B14F-4D97-AF65-F5344CB8AC3E}">
+        <p14:creationId xmlns:p14="http://schemas.microsoft.com/office/powerpoint/2010/main" val="4124964862"/>
+      </p:ext>
+    </p:extLst>
+  </p:cSld>
+  <p:clrMapOvr>
+    <a:masterClrMapping/>
+  </p:clrMapOvr>
+</p:sld>
+</file>
+
+<file path=ppt/slides/slide6.xml><?xml version="1.0" encoding="utf-8"?>
+<p:sld xmlns:a="http://schemas.openxmlformats.org/drawingml/2006/main" xmlns:r="http://schemas.openxmlformats.org/officeDocument/2006/relationships" xmlns:p="http://schemas.openxmlformats.org/presentationml/2006/main">
+  <p:cSld>
+    <p:spTree>
+      <p:nvGrpSpPr>
+        <p:cNvPr id="1" name=""/>
+        <p:cNvGrpSpPr/>
+        <p:nvPr/>
+      </p:nvGrpSpPr>
+      <p:grpSpPr>
+        <a:xfrm>
+          <a:off x="0" y="0"/>
+          <a:ext cx="0" cy="0"/>
+          <a:chOff x="0" y="0"/>
+          <a:chExt cx="0" cy="0"/>
+        </a:xfrm>
+      </p:grpSpPr>
+      <p:sp>
+        <p:nvSpPr>
+          <p:cNvPr id="2" name="Título 1"/>
+          <p:cNvSpPr>
+            <a:spLocks noGrp="1"/>
+          </p:cNvSpPr>
+          <p:nvPr>
+            <p:ph type="title"/>
+          </p:nvPr>
+        </p:nvSpPr>
+        <p:spPr/>
+        <p:txBody>
+          <a:bodyPr>
+            <a:normAutofit fontScale="90000"/>
+          </a:bodyPr>
+          <a:lstStyle/>
+          <a:p>
+            <a:pPr algn="ctr"/>
+            <a:r>
+              <a:rPr lang="es-ES" b="1" dirty="0">
+                <a:latin typeface="UTM Ericsson Capital" panose="02040603050506020204" pitchFamily="18" charset="0"/>
+              </a:rPr>
+              <a:t>2. CONSTRUCCIÓN DEL MODELO</a:t>
+            </a:r>
+            <a:br>
+              <a:rPr lang="es-ES" b="1" dirty="0">
+                <a:latin typeface="UTM Ericsson Capital" panose="02040603050506020204" pitchFamily="18" charset="0"/>
+              </a:rPr>
+            </a:br>
+            <a:r>
+              <a:rPr lang="es-ES" sz="3300" dirty="0">
+                <a:latin typeface="UTM Ericsson Capital" panose="02040603050506020204" pitchFamily="18" charset="0"/>
+              </a:rPr>
+              <a:t>Comparación de modelos</a:t>
+            </a:r>
+            <a:br>
+              <a:rPr lang="es-ES" b="1" dirty="0">
+                <a:latin typeface="UTM Ericsson Capital" panose="02040603050506020204" pitchFamily="18" charset="0"/>
+              </a:rPr>
+            </a:br>
+            <a:endParaRPr lang="es-ES" sz="2000" b="1" dirty="0">
+              <a:latin typeface="UTM Ericsson Capital" panose="02040603050506020204" pitchFamily="18" charset="0"/>
+            </a:endParaRPr>
+          </a:p>
+        </p:txBody>
+      </p:sp>
+      <p:sp>
+        <p:nvSpPr>
+          <p:cNvPr id="3" name="Marcador de número de diapositiva 2"/>
+          <p:cNvSpPr>
+            <a:spLocks noGrp="1"/>
+          </p:cNvSpPr>
+          <p:nvPr>
+            <p:ph type="sldNum" sz="quarter" idx="12"/>
+          </p:nvPr>
+        </p:nvSpPr>
+        <p:spPr/>
+        <p:txBody>
+          <a:bodyPr/>
+          <a:lstStyle/>
+          <a:p>
+            <a:fld id="{25DA8D8B-2BFC-4181-B8DB-6BD765AAE0D7}" type="slidenum">
+              <a:rPr lang="es-ES" smtClean="0"/>
+              <a:t>6</a:t>
+            </a:fld>
+            <a:endParaRPr lang="es-ES"/>
+          </a:p>
+        </p:txBody>
+      </p:sp>
+      <p:sp>
+        <p:nvSpPr>
+          <p:cNvPr id="23" name="Marcador de fecha 3">
+            <a:extLst>
+              <a:ext uri="{FF2B5EF4-FFF2-40B4-BE49-F238E27FC236}">
+                <a16:creationId xmlns:a16="http://schemas.microsoft.com/office/drawing/2014/main" id="{E51FF9E2-0149-4619-9464-B6460754077F}"/>
+              </a:ext>
+            </a:extLst>
+          </p:cNvPr>
+          <p:cNvSpPr>
+            <a:spLocks noGrp="1"/>
+          </p:cNvSpPr>
+          <p:nvPr>
+            <p:ph type="dt" sz="half" idx="10"/>
+          </p:nvPr>
+        </p:nvSpPr>
+        <p:spPr>
+          <a:xfrm>
+            <a:off x="838200" y="6356350"/>
+            <a:ext cx="2743200" cy="365125"/>
+          </a:xfrm>
+        </p:spPr>
+        <p:txBody>
+          <a:bodyPr/>
+          <a:lstStyle/>
+          <a:p>
+            <a:r>
+              <a:rPr lang="es-ES" dirty="0"/>
+              <a:t>15/09/2017</a:t>
+            </a:r>
+          </a:p>
+        </p:txBody>
+      </p:sp>
+      <p:sp>
+        <p:nvSpPr>
+          <p:cNvPr id="32" name="Marcador de pie de página 4">
+            <a:extLst>
+              <a:ext uri="{FF2B5EF4-FFF2-40B4-BE49-F238E27FC236}">
+                <a16:creationId xmlns:a16="http://schemas.microsoft.com/office/drawing/2014/main" id="{9359AB87-8024-4447-A9A1-506360FB0FAA}"/>
+              </a:ext>
+            </a:extLst>
+          </p:cNvPr>
+          <p:cNvSpPr>
+            <a:spLocks noGrp="1"/>
+          </p:cNvSpPr>
+          <p:nvPr>
+            <p:ph type="ftr" sz="quarter" idx="11"/>
+          </p:nvPr>
+        </p:nvSpPr>
+        <p:spPr>
+          <a:xfrm>
+            <a:off x="4038600" y="6356350"/>
+            <a:ext cx="4114800" cy="365125"/>
+          </a:xfrm>
+        </p:spPr>
+        <p:txBody>
+          <a:bodyPr/>
+          <a:lstStyle/>
+          <a:p>
+            <a:r>
+              <a:rPr lang="en-US" dirty="0"/>
+              <a:t>TFM: </a:t>
+            </a:r>
+            <a:r>
+              <a:rPr lang="en-US" dirty="0" err="1"/>
+              <a:t>Visualización</a:t>
+            </a:r>
+            <a:r>
+              <a:rPr lang="en-US" dirty="0"/>
+              <a:t> streaming de </a:t>
+            </a:r>
+            <a:r>
+              <a:rPr lang="en-US" dirty="0" err="1"/>
+              <a:t>evaluación</a:t>
+            </a:r>
+            <a:r>
+              <a:rPr lang="en-US" dirty="0"/>
+              <a:t> de </a:t>
+            </a:r>
+            <a:r>
+              <a:rPr lang="en-US" dirty="0" err="1"/>
+              <a:t>modelo</a:t>
+            </a:r>
+            <a:endParaRPr lang="es-ES" dirty="0"/>
+          </a:p>
+        </p:txBody>
+      </p:sp>
+      <p:pic>
+        <p:nvPicPr>
+          <p:cNvPr id="5" name="Imagen 4">
+            <a:extLst>
+              <a:ext uri="{FF2B5EF4-FFF2-40B4-BE49-F238E27FC236}">
+                <a16:creationId xmlns:a16="http://schemas.microsoft.com/office/drawing/2014/main" id="{3C2CF994-8A57-4B5C-A8BB-A9CECAAEF5F1}"/>
+              </a:ext>
+            </a:extLst>
+          </p:cNvPr>
+          <p:cNvPicPr>
+            <a:picLocks noChangeAspect="1"/>
+          </p:cNvPicPr>
+          <p:nvPr/>
+        </p:nvPicPr>
+        <p:blipFill>
+          <a:blip r:embed="rId2"/>
+          <a:stretch>
+            <a:fillRect/>
+          </a:stretch>
+        </p:blipFill>
+        <p:spPr>
+          <a:xfrm>
+            <a:off x="2009775" y="2091531"/>
+            <a:ext cx="7972425" cy="3819525"/>
+          </a:xfrm>
+          <a:prstGeom prst="rect">
+            <a:avLst/>
+          </a:prstGeom>
+        </p:spPr>
+      </p:pic>
+    </p:spTree>
+    <p:extLst>
+      <p:ext uri="{BB962C8B-B14F-4D97-AF65-F5344CB8AC3E}">
+        <p14:creationId xmlns:p14="http://schemas.microsoft.com/office/powerpoint/2010/main" val="1892077105"/>
+      </p:ext>
+    </p:extLst>
+  </p:cSld>
+  <p:clrMapOvr>
+    <a:masterClrMapping/>
+  </p:clrMapOvr>
+</p:sld>
+</file>
+
+<file path=ppt/slides/slide7.xml><?xml version="1.0" encoding="utf-8"?>
+<p:sld xmlns:a="http://schemas.openxmlformats.org/drawingml/2006/main" xmlns:r="http://schemas.openxmlformats.org/officeDocument/2006/relationships" xmlns:p="http://schemas.openxmlformats.org/presentationml/2006/main">
+  <p:cSld>
+    <p:spTree>
+      <p:nvGrpSpPr>
+        <p:cNvPr id="1" name=""/>
+        <p:cNvGrpSpPr/>
+        <p:nvPr/>
+      </p:nvGrpSpPr>
+      <p:grpSpPr>
+        <a:xfrm>
+          <a:off x="0" y="0"/>
+          <a:ext cx="0" cy="0"/>
+          <a:chOff x="0" y="0"/>
+          <a:chExt cx="0" cy="0"/>
+        </a:xfrm>
+      </p:grpSpPr>
+      <p:sp>
+        <p:nvSpPr>
+          <p:cNvPr id="2" name="Título 1"/>
+          <p:cNvSpPr>
+            <a:spLocks noGrp="1"/>
+          </p:cNvSpPr>
+          <p:nvPr>
+            <p:ph type="title"/>
+          </p:nvPr>
+        </p:nvSpPr>
+        <p:spPr/>
+        <p:txBody>
+          <a:bodyPr>
+            <a:normAutofit fontScale="90000"/>
+          </a:bodyPr>
+          <a:lstStyle/>
+          <a:p>
+            <a:pPr algn="ctr"/>
+            <a:r>
+              <a:rPr lang="es-ES" b="1" dirty="0">
+                <a:latin typeface="UTM Ericsson Capital" panose="02040603050506020204" pitchFamily="18" charset="0"/>
+              </a:rPr>
+              <a:t>3. ESTRUCTURA</a:t>
+            </a:r>
+            <a:br>
+              <a:rPr lang="es-ES" b="1" dirty="0">
+                <a:latin typeface="UTM Ericsson Capital" panose="02040603050506020204" pitchFamily="18" charset="0"/>
+              </a:rPr>
+            </a:br>
+            <a:r>
+              <a:rPr lang="es-ES" sz="3300" dirty="0">
+                <a:latin typeface="UTM Ericsson Capital" panose="02040603050506020204" pitchFamily="18" charset="0"/>
+              </a:rPr>
+              <a:t>Esquema</a:t>
+            </a:r>
+            <a:br>
+              <a:rPr lang="es-ES" b="1" dirty="0">
+                <a:latin typeface="UTM Ericsson Capital" panose="02040603050506020204" pitchFamily="18" charset="0"/>
+              </a:rPr>
+            </a:br>
+            <a:endParaRPr lang="es-ES" sz="2000" b="1" dirty="0">
+              <a:latin typeface="UTM Ericsson Capital" panose="02040603050506020204" pitchFamily="18" charset="0"/>
+            </a:endParaRPr>
           </a:p>
         </p:txBody>
       </p:sp>
@@ -20447,52 +18824,6 @@
           </a:graphicData>
         </a:graphic>
       </p:graphicFrame>
-      <p:sp>
-        <p:nvSpPr>
-          <p:cNvPr id="4" name="Marcador de fecha 3"/>
-          <p:cNvSpPr>
-            <a:spLocks noGrp="1"/>
-          </p:cNvSpPr>
-          <p:nvPr>
-            <p:ph type="dt" sz="half" idx="10"/>
-          </p:nvPr>
-        </p:nvSpPr>
-        <p:spPr/>
-        <p:txBody>
-          <a:bodyPr/>
-          <a:lstStyle/>
-          <a:p>
-            <a:r>
-              <a:rPr lang="es-ES"/>
-              <a:t>24/03/2017</a:t>
-            </a:r>
-            <a:endParaRPr lang="es-ES" dirty="0"/>
-          </a:p>
-        </p:txBody>
-      </p:sp>
-      <p:sp>
-        <p:nvSpPr>
-          <p:cNvPr id="5" name="Marcador de pie de página 4"/>
-          <p:cNvSpPr>
-            <a:spLocks noGrp="1"/>
-          </p:cNvSpPr>
-          <p:nvPr>
-            <p:ph type="ftr" sz="quarter" idx="11"/>
-          </p:nvPr>
-        </p:nvSpPr>
-        <p:spPr/>
-        <p:txBody>
-          <a:bodyPr/>
-          <a:lstStyle/>
-          <a:p>
-            <a:r>
-              <a:rPr lang="en-US"/>
-              <a:t>TFM: Real Time Analytics in 5G Network</a:t>
-            </a:r>
-            <a:endParaRPr lang="es-ES" dirty="0"/>
-          </a:p>
-        </p:txBody>
-      </p:sp>
       <p:sp>
         <p:nvSpPr>
           <p:cNvPr id="19" name="Rectángulo: esquinas redondeadas 18"/>
@@ -20533,7 +18864,7 @@
               <a:rPr lang="es-ES" dirty="0">
                 <a:latin typeface="UTM Ericsson Capital" panose="02040603050506020204" pitchFamily="18" charset="0"/>
               </a:rPr>
-              <a:t>USER</a:t>
+              <a:t>USUARIO</a:t>
             </a:r>
           </a:p>
         </p:txBody>
@@ -20687,7 +19018,7 @@
               <a:rPr lang="es-ES" dirty="0">
                 <a:latin typeface="UTM Ericsson Capital" panose="02040603050506020204" pitchFamily="18" charset="0"/>
               </a:rPr>
-              <a:t>INFO. PER PACKET</a:t>
+              <a:t>INFO. POR PAQUETE</a:t>
             </a:r>
           </a:p>
         </p:txBody>
@@ -20778,7 +19109,7 @@
               <a:rPr lang="es-ES" dirty="0">
                 <a:latin typeface="UTM Ericsson Capital" panose="02040603050506020204" pitchFamily="18" charset="0"/>
               </a:rPr>
-              <a:t>SPARK STREAMING</a:t>
+              <a:t>SPARK STREAMING MODELADO</a:t>
             </a:r>
           </a:p>
         </p:txBody>
@@ -20881,6 +19212,59 @@
       </p:sp>
       <p:sp>
         <p:nvSpPr>
+          <p:cNvPr id="38" name="Rectángulo: esquinas redondeadas 37"/>
+          <p:cNvSpPr/>
+          <p:nvPr/>
+        </p:nvSpPr>
+        <p:spPr>
+          <a:xfrm>
+            <a:off x="5235233" y="5144844"/>
+            <a:ext cx="1569131" cy="900502"/>
+          </a:xfrm>
+          <a:prstGeom prst="roundRect">
+            <a:avLst/>
+          </a:prstGeom>
+          <a:solidFill>
+            <a:schemeClr val="accent2">
+              <a:lumMod val="75000"/>
+            </a:schemeClr>
+          </a:solidFill>
+        </p:spPr>
+        <p:style>
+          <a:lnRef idx="2">
+            <a:schemeClr val="accent4">
+              <a:shade val="50000"/>
+            </a:schemeClr>
+          </a:lnRef>
+          <a:fillRef idx="1">
+            <a:schemeClr val="accent4"/>
+          </a:fillRef>
+          <a:effectRef idx="0">
+            <a:schemeClr val="accent4"/>
+          </a:effectRef>
+          <a:fontRef idx="minor">
+            <a:schemeClr val="lt1"/>
+          </a:fontRef>
+        </p:style>
+        <p:txBody>
+          <a:bodyPr anchor="ctr"/>
+          <a:lstStyle/>
+          <a:p>
+            <a:pPr algn="ctr"/>
+            <a:r>
+              <a:rPr lang="es-ES" dirty="0" err="1">
+                <a:latin typeface="UTM Ericsson Capital" panose="02040603050506020204" pitchFamily="18" charset="0"/>
+              </a:rPr>
+              <a:t>Kibana</a:t>
+            </a:r>
+            <a:endParaRPr lang="es-ES" dirty="0">
+              <a:latin typeface="UTM Ericsson Capital" panose="02040603050506020204" pitchFamily="18" charset="0"/>
+            </a:endParaRPr>
+          </a:p>
+        </p:txBody>
+      </p:sp>
+      <p:sp>
+        <p:nvSpPr>
           <p:cNvPr id="3" name="Marcador de número de diapositiva 2"/>
           <p:cNvSpPr>
             <a:spLocks noGrp="1"/>
@@ -20896,8 +19280,114 @@
           <a:p>
             <a:fld id="{25DA8D8B-2BFC-4181-B8DB-6BD765AAE0D7}" type="slidenum">
               <a:rPr lang="es-ES" smtClean="0"/>
-              <a:t>4</a:t>
+              <a:t>7</a:t>
             </a:fld>
+            <a:endParaRPr lang="es-ES"/>
+          </a:p>
+        </p:txBody>
+      </p:sp>
+      <p:sp>
+        <p:nvSpPr>
+          <p:cNvPr id="25" name="Rectángulo: esquinas redondeadas 24">
+            <a:extLst>
+              <a:ext uri="{FF2B5EF4-FFF2-40B4-BE49-F238E27FC236}">
+                <a16:creationId xmlns:a16="http://schemas.microsoft.com/office/drawing/2014/main" id="{82050753-D835-443E-90C8-053F5329A05D}"/>
+              </a:ext>
+            </a:extLst>
+          </p:cNvPr>
+          <p:cNvSpPr/>
+          <p:nvPr/>
+        </p:nvSpPr>
+        <p:spPr>
+          <a:xfrm>
+            <a:off x="9268295" y="1419515"/>
+            <a:ext cx="1967828" cy="413771"/>
+          </a:xfrm>
+          <a:prstGeom prst="roundRect">
+            <a:avLst/>
+          </a:prstGeom>
+          <a:solidFill>
+            <a:schemeClr val="accent4">
+              <a:lumMod val="60000"/>
+              <a:lumOff val="40000"/>
+            </a:schemeClr>
+          </a:solidFill>
+        </p:spPr>
+        <p:style>
+          <a:lnRef idx="2">
+            <a:schemeClr val="accent4">
+              <a:shade val="50000"/>
+            </a:schemeClr>
+          </a:lnRef>
+          <a:fillRef idx="1">
+            <a:schemeClr val="accent4"/>
+          </a:fillRef>
+          <a:effectRef idx="0">
+            <a:schemeClr val="accent4"/>
+          </a:effectRef>
+          <a:fontRef idx="minor">
+            <a:schemeClr val="lt1"/>
+          </a:fontRef>
+        </p:style>
+        <p:txBody>
+          <a:bodyPr anchor="ctr"/>
+          <a:lstStyle/>
+          <a:p>
+            <a:pPr algn="ctr"/>
+            <a:r>
+              <a:rPr lang="es-ES" dirty="0">
+                <a:latin typeface="UTM Ericsson Capital" panose="02040603050506020204" pitchFamily="18" charset="0"/>
+              </a:rPr>
+              <a:t>MODELO</a:t>
+            </a:r>
+          </a:p>
+        </p:txBody>
+      </p:sp>
+      <p:sp>
+        <p:nvSpPr>
+          <p:cNvPr id="26" name="Flecha: a la derecha con bandas 25">
+            <a:extLst>
+              <a:ext uri="{FF2B5EF4-FFF2-40B4-BE49-F238E27FC236}">
+                <a16:creationId xmlns:a16="http://schemas.microsoft.com/office/drawing/2014/main" id="{DFD34224-0DA7-44E6-8289-08C9D1D4256A}"/>
+              </a:ext>
+            </a:extLst>
+          </p:cNvPr>
+          <p:cNvSpPr/>
+          <p:nvPr/>
+        </p:nvSpPr>
+        <p:spPr>
+          <a:xfrm rot="5400000">
+            <a:off x="10019564" y="1877783"/>
+            <a:ext cx="285693" cy="311073"/>
+          </a:xfrm>
+          <a:prstGeom prst="stripedRightArrow">
+            <a:avLst/>
+          </a:prstGeom>
+          <a:solidFill>
+            <a:schemeClr val="tx1"/>
+          </a:solidFill>
+        </p:spPr>
+        <p:style>
+          <a:lnRef idx="2">
+            <a:schemeClr val="accent6">
+              <a:shade val="50000"/>
+            </a:schemeClr>
+          </a:lnRef>
+          <a:fillRef idx="1">
+            <a:schemeClr val="accent6"/>
+          </a:fillRef>
+          <a:effectRef idx="0">
+            <a:schemeClr val="accent6"/>
+          </a:effectRef>
+          <a:fontRef idx="minor">
+            <a:schemeClr val="lt1"/>
+          </a:fontRef>
+        </p:style>
+        <p:txBody>
+          <a:bodyPr rtlCol="0" anchor="ctr"/>
+          <a:lstStyle/>
+          <a:p>
+            <a:pPr algn="ctr"/>
             <a:endParaRPr lang="es-ES"/>
           </a:p>
         </p:txBody>
@@ -21049,10 +19539,1000 @@
           </a:p>
         </p:txBody>
       </p:sp>
+      <p:sp>
+        <p:nvSpPr>
+          <p:cNvPr id="31" name="Flecha: a la derecha con bandas 30">
+            <a:extLst>
+              <a:ext uri="{FF2B5EF4-FFF2-40B4-BE49-F238E27FC236}">
+                <a16:creationId xmlns:a16="http://schemas.microsoft.com/office/drawing/2014/main" id="{C6786220-9976-4C83-B5D8-F53A815A729A}"/>
+              </a:ext>
+            </a:extLst>
+          </p:cNvPr>
+          <p:cNvSpPr/>
+          <p:nvPr/>
+        </p:nvSpPr>
+        <p:spPr>
+          <a:xfrm rot="10800000">
+            <a:off x="7068309" y="5431430"/>
+            <a:ext cx="376677" cy="327329"/>
+          </a:xfrm>
+          <a:prstGeom prst="stripedRightArrow">
+            <a:avLst/>
+          </a:prstGeom>
+          <a:solidFill>
+            <a:schemeClr val="tx1"/>
+          </a:solidFill>
+        </p:spPr>
+        <p:style>
+          <a:lnRef idx="2">
+            <a:schemeClr val="accent6">
+              <a:shade val="50000"/>
+            </a:schemeClr>
+          </a:lnRef>
+          <a:fillRef idx="1">
+            <a:schemeClr val="accent6"/>
+          </a:fillRef>
+          <a:effectRef idx="0">
+            <a:schemeClr val="accent6"/>
+          </a:effectRef>
+          <a:fontRef idx="minor">
+            <a:schemeClr val="lt1"/>
+          </a:fontRef>
+        </p:style>
+        <p:txBody>
+          <a:bodyPr rtlCol="0" anchor="ctr"/>
+          <a:lstStyle/>
+          <a:p>
+            <a:pPr algn="ctr"/>
+            <a:endParaRPr lang="es-ES"/>
+          </a:p>
+        </p:txBody>
+      </p:sp>
+      <p:sp>
+        <p:nvSpPr>
+          <p:cNvPr id="23" name="Marcador de fecha 3">
+            <a:extLst>
+              <a:ext uri="{FF2B5EF4-FFF2-40B4-BE49-F238E27FC236}">
+                <a16:creationId xmlns:a16="http://schemas.microsoft.com/office/drawing/2014/main" id="{E51FF9E2-0149-4619-9464-B6460754077F}"/>
+              </a:ext>
+            </a:extLst>
+          </p:cNvPr>
+          <p:cNvSpPr>
+            <a:spLocks noGrp="1"/>
+          </p:cNvSpPr>
+          <p:nvPr>
+            <p:ph type="dt" sz="half" idx="10"/>
+          </p:nvPr>
+        </p:nvSpPr>
+        <p:spPr>
+          <a:xfrm>
+            <a:off x="838200" y="6356350"/>
+            <a:ext cx="2743200" cy="365125"/>
+          </a:xfrm>
+        </p:spPr>
+        <p:txBody>
+          <a:bodyPr/>
+          <a:lstStyle/>
+          <a:p>
+            <a:r>
+              <a:rPr lang="es-ES" dirty="0"/>
+              <a:t>15/09/2017</a:t>
+            </a:r>
+          </a:p>
+        </p:txBody>
+      </p:sp>
+      <p:sp>
+        <p:nvSpPr>
+          <p:cNvPr id="32" name="Marcador de pie de página 4">
+            <a:extLst>
+              <a:ext uri="{FF2B5EF4-FFF2-40B4-BE49-F238E27FC236}">
+                <a16:creationId xmlns:a16="http://schemas.microsoft.com/office/drawing/2014/main" id="{9359AB87-8024-4447-A9A1-506360FB0FAA}"/>
+              </a:ext>
+            </a:extLst>
+          </p:cNvPr>
+          <p:cNvSpPr>
+            <a:spLocks noGrp="1"/>
+          </p:cNvSpPr>
+          <p:nvPr>
+            <p:ph type="ftr" sz="quarter" idx="11"/>
+          </p:nvPr>
+        </p:nvSpPr>
+        <p:spPr>
+          <a:xfrm>
+            <a:off x="4038600" y="6356350"/>
+            <a:ext cx="4114800" cy="365125"/>
+          </a:xfrm>
+        </p:spPr>
+        <p:txBody>
+          <a:bodyPr/>
+          <a:lstStyle/>
+          <a:p>
+            <a:r>
+              <a:rPr lang="en-US" dirty="0"/>
+              <a:t>TFM: </a:t>
+            </a:r>
+            <a:r>
+              <a:rPr lang="en-US" dirty="0" err="1"/>
+              <a:t>Visualización</a:t>
+            </a:r>
+            <a:r>
+              <a:rPr lang="en-US" dirty="0"/>
+              <a:t> streaming de </a:t>
+            </a:r>
+            <a:r>
+              <a:rPr lang="en-US" dirty="0" err="1"/>
+              <a:t>evaluación</a:t>
+            </a:r>
+            <a:r>
+              <a:rPr lang="en-US" dirty="0"/>
+              <a:t> de </a:t>
+            </a:r>
+            <a:r>
+              <a:rPr lang="en-US" dirty="0" err="1"/>
+              <a:t>modelo</a:t>
+            </a:r>
+            <a:endParaRPr lang="es-ES" dirty="0"/>
+          </a:p>
+        </p:txBody>
+      </p:sp>
     </p:spTree>
     <p:extLst>
       <p:ext uri="{BB962C8B-B14F-4D97-AF65-F5344CB8AC3E}">
-        <p14:creationId xmlns:p14="http://schemas.microsoft.com/office/powerpoint/2010/main" val="2532702241"/>
+        <p14:creationId xmlns:p14="http://schemas.microsoft.com/office/powerpoint/2010/main" val="2428301752"/>
+      </p:ext>
+    </p:extLst>
+  </p:cSld>
+  <p:clrMapOvr>
+    <a:masterClrMapping/>
+  </p:clrMapOvr>
+</p:sld>
+</file>
+
+<file path=ppt/slides/slide8.xml><?xml version="1.0" encoding="utf-8"?>
+<p:sld xmlns:a="http://schemas.openxmlformats.org/drawingml/2006/main" xmlns:r="http://schemas.openxmlformats.org/officeDocument/2006/relationships" xmlns:p="http://schemas.openxmlformats.org/presentationml/2006/main">
+  <p:cSld>
+    <p:spTree>
+      <p:nvGrpSpPr>
+        <p:cNvPr id="1" name=""/>
+        <p:cNvGrpSpPr/>
+        <p:nvPr/>
+      </p:nvGrpSpPr>
+      <p:grpSpPr>
+        <a:xfrm>
+          <a:off x="0" y="0"/>
+          <a:ext cx="0" cy="0"/>
+          <a:chOff x="0" y="0"/>
+          <a:chExt cx="0" cy="0"/>
+        </a:xfrm>
+      </p:grpSpPr>
+      <p:pic>
+        <p:nvPicPr>
+          <p:cNvPr id="13" name="Imagen 12">
+            <a:extLst>
+              <a:ext uri="{FF2B5EF4-FFF2-40B4-BE49-F238E27FC236}">
+                <a16:creationId xmlns:a16="http://schemas.microsoft.com/office/drawing/2014/main" id="{A019B4E5-72AE-4043-A425-F9514ACF83F4}"/>
+              </a:ext>
+            </a:extLst>
+          </p:cNvPr>
+          <p:cNvPicPr>
+            <a:picLocks noChangeAspect="1"/>
+          </p:cNvPicPr>
+          <p:nvPr/>
+        </p:nvPicPr>
+        <p:blipFill>
+          <a:blip r:embed="rId2">
+            <a:extLst>
+              <a:ext uri="{28A0092B-C50C-407E-A947-70E740481C1C}">
+                <a14:useLocalDpi xmlns:a14="http://schemas.microsoft.com/office/drawing/2010/main" val="0"/>
+              </a:ext>
+            </a:extLst>
+          </a:blip>
+          <a:stretch>
+            <a:fillRect/>
+          </a:stretch>
+        </p:blipFill>
+        <p:spPr>
+          <a:xfrm>
+            <a:off x="5836442" y="2239826"/>
+            <a:ext cx="3324386" cy="3324386"/>
+          </a:xfrm>
+          <a:prstGeom prst="rect">
+            <a:avLst/>
+          </a:prstGeom>
+        </p:spPr>
+      </p:pic>
+      <p:sp>
+        <p:nvSpPr>
+          <p:cNvPr id="2" name="Título 1"/>
+          <p:cNvSpPr>
+            <a:spLocks noGrp="1"/>
+          </p:cNvSpPr>
+          <p:nvPr>
+            <p:ph type="title"/>
+          </p:nvPr>
+        </p:nvSpPr>
+        <p:spPr/>
+        <p:txBody>
+          <a:bodyPr>
+            <a:normAutofit fontScale="90000"/>
+          </a:bodyPr>
+          <a:lstStyle/>
+          <a:p>
+            <a:pPr algn="ctr"/>
+            <a:r>
+              <a:rPr lang="es-ES" b="1" dirty="0">
+                <a:latin typeface="UTM Ericsson Capital" panose="02040603050506020204" pitchFamily="18" charset="0"/>
+              </a:rPr>
+              <a:t>3. ESTRUCTURA</a:t>
+            </a:r>
+            <a:br>
+              <a:rPr lang="es-ES" b="1" dirty="0">
+                <a:latin typeface="UTM Ericsson Capital" panose="02040603050506020204" pitchFamily="18" charset="0"/>
+              </a:rPr>
+            </a:br>
+            <a:r>
+              <a:rPr lang="es-ES" sz="3300" dirty="0">
+                <a:latin typeface="UTM Ericsson Capital" panose="02040603050506020204" pitchFamily="18" charset="0"/>
+              </a:rPr>
+              <a:t>Tecnologías</a:t>
+            </a:r>
+            <a:br>
+              <a:rPr lang="es-ES" b="1" dirty="0">
+                <a:latin typeface="UTM Ericsson Capital" panose="02040603050506020204" pitchFamily="18" charset="0"/>
+              </a:rPr>
+            </a:br>
+            <a:endParaRPr lang="es-ES" sz="2000" b="1" dirty="0">
+              <a:latin typeface="UTM Ericsson Capital" panose="02040603050506020204" pitchFamily="18" charset="0"/>
+            </a:endParaRPr>
+          </a:p>
+        </p:txBody>
+      </p:sp>
+      <p:sp>
+        <p:nvSpPr>
+          <p:cNvPr id="3" name="Marcador de número de diapositiva 2"/>
+          <p:cNvSpPr>
+            <a:spLocks noGrp="1"/>
+          </p:cNvSpPr>
+          <p:nvPr>
+            <p:ph type="sldNum" sz="quarter" idx="12"/>
+          </p:nvPr>
+        </p:nvSpPr>
+        <p:spPr/>
+        <p:txBody>
+          <a:bodyPr/>
+          <a:lstStyle/>
+          <a:p>
+            <a:fld id="{25DA8D8B-2BFC-4181-B8DB-6BD765AAE0D7}" type="slidenum">
+              <a:rPr lang="es-ES" smtClean="0"/>
+              <a:t>8</a:t>
+            </a:fld>
+            <a:endParaRPr lang="es-ES"/>
+          </a:p>
+        </p:txBody>
+      </p:sp>
+      <p:sp>
+        <p:nvSpPr>
+          <p:cNvPr id="23" name="Marcador de fecha 3">
+            <a:extLst>
+              <a:ext uri="{FF2B5EF4-FFF2-40B4-BE49-F238E27FC236}">
+                <a16:creationId xmlns:a16="http://schemas.microsoft.com/office/drawing/2014/main" id="{E51FF9E2-0149-4619-9464-B6460754077F}"/>
+              </a:ext>
+            </a:extLst>
+          </p:cNvPr>
+          <p:cNvSpPr>
+            <a:spLocks noGrp="1"/>
+          </p:cNvSpPr>
+          <p:nvPr>
+            <p:ph type="dt" sz="half" idx="10"/>
+          </p:nvPr>
+        </p:nvSpPr>
+        <p:spPr>
+          <a:xfrm>
+            <a:off x="838200" y="6356350"/>
+            <a:ext cx="2743200" cy="365125"/>
+          </a:xfrm>
+        </p:spPr>
+        <p:txBody>
+          <a:bodyPr/>
+          <a:lstStyle/>
+          <a:p>
+            <a:r>
+              <a:rPr lang="es-ES" dirty="0"/>
+              <a:t>15/09/2017</a:t>
+            </a:r>
+          </a:p>
+        </p:txBody>
+      </p:sp>
+      <p:sp>
+        <p:nvSpPr>
+          <p:cNvPr id="32" name="Marcador de pie de página 4">
+            <a:extLst>
+              <a:ext uri="{FF2B5EF4-FFF2-40B4-BE49-F238E27FC236}">
+                <a16:creationId xmlns:a16="http://schemas.microsoft.com/office/drawing/2014/main" id="{9359AB87-8024-4447-A9A1-506360FB0FAA}"/>
+              </a:ext>
+            </a:extLst>
+          </p:cNvPr>
+          <p:cNvSpPr>
+            <a:spLocks noGrp="1"/>
+          </p:cNvSpPr>
+          <p:nvPr>
+            <p:ph type="ftr" sz="quarter" idx="11"/>
+          </p:nvPr>
+        </p:nvSpPr>
+        <p:spPr>
+          <a:xfrm>
+            <a:off x="4038600" y="6356350"/>
+            <a:ext cx="4114800" cy="365125"/>
+          </a:xfrm>
+        </p:spPr>
+        <p:txBody>
+          <a:bodyPr/>
+          <a:lstStyle/>
+          <a:p>
+            <a:r>
+              <a:rPr lang="en-US" dirty="0"/>
+              <a:t>TFM: </a:t>
+            </a:r>
+            <a:r>
+              <a:rPr lang="en-US" dirty="0" err="1"/>
+              <a:t>Visualización</a:t>
+            </a:r>
+            <a:r>
+              <a:rPr lang="en-US" dirty="0"/>
+              <a:t> streaming de </a:t>
+            </a:r>
+            <a:r>
+              <a:rPr lang="en-US" dirty="0" err="1"/>
+              <a:t>evaluación</a:t>
+            </a:r>
+            <a:r>
+              <a:rPr lang="en-US" dirty="0"/>
+              <a:t> de </a:t>
+            </a:r>
+            <a:r>
+              <a:rPr lang="en-US" dirty="0" err="1"/>
+              <a:t>modelo</a:t>
+            </a:r>
+            <a:endParaRPr lang="es-ES" dirty="0"/>
+          </a:p>
+        </p:txBody>
+      </p:sp>
+      <p:pic>
+        <p:nvPicPr>
+          <p:cNvPr id="6" name="Marcador de contenido 5">
+            <a:extLst>
+              <a:ext uri="{FF2B5EF4-FFF2-40B4-BE49-F238E27FC236}">
+                <a16:creationId xmlns:a16="http://schemas.microsoft.com/office/drawing/2014/main" id="{9269FEDE-9C22-4839-B981-D97EE108866A}"/>
+              </a:ext>
+            </a:extLst>
+          </p:cNvPr>
+          <p:cNvPicPr>
+            <a:picLocks noGrp="1" noChangeAspect="1"/>
+          </p:cNvPicPr>
+          <p:nvPr>
+            <p:ph idx="1"/>
+          </p:nvPr>
+        </p:nvPicPr>
+        <p:blipFill>
+          <a:blip r:embed="rId3">
+            <a:extLst>
+              <a:ext uri="{28A0092B-C50C-407E-A947-70E740481C1C}">
+                <a14:useLocalDpi xmlns:a14="http://schemas.microsoft.com/office/drawing/2010/main" val="0"/>
+              </a:ext>
+            </a:extLst>
+          </a:blip>
+          <a:stretch>
+            <a:fillRect/>
+          </a:stretch>
+        </p:blipFill>
+        <p:spPr>
+          <a:xfrm>
+            <a:off x="3460548" y="2008305"/>
+            <a:ext cx="2854188" cy="1518185"/>
+          </a:xfrm>
+        </p:spPr>
+      </p:pic>
+      <p:pic>
+        <p:nvPicPr>
+          <p:cNvPr id="9" name="Imagen 8">
+            <a:extLst>
+              <a:ext uri="{FF2B5EF4-FFF2-40B4-BE49-F238E27FC236}">
+                <a16:creationId xmlns:a16="http://schemas.microsoft.com/office/drawing/2014/main" id="{47129691-59F5-4EAB-BE12-656F99676C07}"/>
+              </a:ext>
+            </a:extLst>
+          </p:cNvPr>
+          <p:cNvPicPr>
+            <a:picLocks noChangeAspect="1"/>
+          </p:cNvPicPr>
+          <p:nvPr/>
+        </p:nvPicPr>
+        <p:blipFill>
+          <a:blip r:embed="rId4">
+            <a:extLst>
+              <a:ext uri="{28A0092B-C50C-407E-A947-70E740481C1C}">
+                <a14:useLocalDpi xmlns:a14="http://schemas.microsoft.com/office/drawing/2010/main" val="0"/>
+              </a:ext>
+            </a:extLst>
+          </a:blip>
+          <a:stretch>
+            <a:fillRect/>
+          </a:stretch>
+        </p:blipFill>
+        <p:spPr>
+          <a:xfrm>
+            <a:off x="8231347" y="4512597"/>
+            <a:ext cx="3067696" cy="1533848"/>
+          </a:xfrm>
+          <a:prstGeom prst="rect">
+            <a:avLst/>
+          </a:prstGeom>
+        </p:spPr>
+      </p:pic>
+      <p:pic>
+        <p:nvPicPr>
+          <p:cNvPr id="11" name="Imagen 10">
+            <a:extLst>
+              <a:ext uri="{FF2B5EF4-FFF2-40B4-BE49-F238E27FC236}">
+                <a16:creationId xmlns:a16="http://schemas.microsoft.com/office/drawing/2014/main" id="{B8E06EE2-6F29-48E1-A4F1-38603CFB6E0D}"/>
+              </a:ext>
+            </a:extLst>
+          </p:cNvPr>
+          <p:cNvPicPr>
+            <a:picLocks noChangeAspect="1"/>
+          </p:cNvPicPr>
+          <p:nvPr/>
+        </p:nvPicPr>
+        <p:blipFill>
+          <a:blip r:embed="rId5">
+            <a:extLst>
+              <a:ext uri="{28A0092B-C50C-407E-A947-70E740481C1C}">
+                <a14:useLocalDpi xmlns:a14="http://schemas.microsoft.com/office/drawing/2010/main" val="0"/>
+              </a:ext>
+            </a:extLst>
+          </a:blip>
+          <a:stretch>
+            <a:fillRect/>
+          </a:stretch>
+        </p:blipFill>
+        <p:spPr>
+          <a:xfrm>
+            <a:off x="939957" y="1560824"/>
+            <a:ext cx="2287085" cy="1925156"/>
+          </a:xfrm>
+          <a:prstGeom prst="rect">
+            <a:avLst/>
+          </a:prstGeom>
+        </p:spPr>
+      </p:pic>
+      <p:pic>
+        <p:nvPicPr>
+          <p:cNvPr id="17" name="Imagen 16">
+            <a:extLst>
+              <a:ext uri="{FF2B5EF4-FFF2-40B4-BE49-F238E27FC236}">
+                <a16:creationId xmlns:a16="http://schemas.microsoft.com/office/drawing/2014/main" id="{1D04731F-34FD-4FB1-A8EA-2FD07304F285}"/>
+              </a:ext>
+            </a:extLst>
+          </p:cNvPr>
+          <p:cNvPicPr>
+            <a:picLocks noChangeAspect="1"/>
+          </p:cNvPicPr>
+          <p:nvPr/>
+        </p:nvPicPr>
+        <p:blipFill>
+          <a:blip r:embed="rId6">
+            <a:extLst>
+              <a:ext uri="{28A0092B-C50C-407E-A947-70E740481C1C}">
+                <a14:useLocalDpi xmlns:a14="http://schemas.microsoft.com/office/drawing/2010/main" val="0"/>
+              </a:ext>
+            </a:extLst>
+          </a:blip>
+          <a:stretch>
+            <a:fillRect/>
+          </a:stretch>
+        </p:blipFill>
+        <p:spPr>
+          <a:xfrm>
+            <a:off x="184678" y="4008795"/>
+            <a:ext cx="3396722" cy="1769126"/>
+          </a:xfrm>
+          <a:prstGeom prst="rect">
+            <a:avLst/>
+          </a:prstGeom>
+        </p:spPr>
+      </p:pic>
+      <p:pic>
+        <p:nvPicPr>
+          <p:cNvPr id="20" name="Imagen 19">
+            <a:extLst>
+              <a:ext uri="{FF2B5EF4-FFF2-40B4-BE49-F238E27FC236}">
+                <a16:creationId xmlns:a16="http://schemas.microsoft.com/office/drawing/2014/main" id="{4AA83692-1CB3-4327-877E-E50CEA1E012C}"/>
+              </a:ext>
+            </a:extLst>
+          </p:cNvPr>
+          <p:cNvPicPr>
+            <a:picLocks noChangeAspect="1"/>
+          </p:cNvPicPr>
+          <p:nvPr/>
+        </p:nvPicPr>
+        <p:blipFill>
+          <a:blip r:embed="rId7">
+            <a:extLst>
+              <a:ext uri="{28A0092B-C50C-407E-A947-70E740481C1C}">
+                <a14:useLocalDpi xmlns:a14="http://schemas.microsoft.com/office/drawing/2010/main" val="0"/>
+              </a:ext>
+            </a:extLst>
+          </a:blip>
+          <a:stretch>
+            <a:fillRect/>
+          </a:stretch>
+        </p:blipFill>
+        <p:spPr>
+          <a:xfrm>
+            <a:off x="9791698" y="2623512"/>
+            <a:ext cx="1805956" cy="1805956"/>
+          </a:xfrm>
+          <a:prstGeom prst="rect">
+            <a:avLst/>
+          </a:prstGeom>
+        </p:spPr>
+      </p:pic>
+      <p:pic>
+        <p:nvPicPr>
+          <p:cNvPr id="35" name="Imagen 34">
+            <a:extLst>
+              <a:ext uri="{FF2B5EF4-FFF2-40B4-BE49-F238E27FC236}">
+                <a16:creationId xmlns:a16="http://schemas.microsoft.com/office/drawing/2014/main" id="{CFB4C9CA-3CA3-4B9A-8687-8AC71F673642}"/>
+              </a:ext>
+            </a:extLst>
+          </p:cNvPr>
+          <p:cNvPicPr>
+            <a:picLocks noChangeAspect="1"/>
+          </p:cNvPicPr>
+          <p:nvPr/>
+        </p:nvPicPr>
+        <p:blipFill>
+          <a:blip r:embed="rId8">
+            <a:extLst>
+              <a:ext uri="{28A0092B-C50C-407E-A947-70E740481C1C}">
+                <a14:useLocalDpi xmlns:a14="http://schemas.microsoft.com/office/drawing/2010/main" val="0"/>
+              </a:ext>
+            </a:extLst>
+          </a:blip>
+          <a:stretch>
+            <a:fillRect/>
+          </a:stretch>
+        </p:blipFill>
+        <p:spPr>
+          <a:xfrm>
+            <a:off x="6512594" y="1464478"/>
+            <a:ext cx="2848949" cy="1302919"/>
+          </a:xfrm>
+          <a:prstGeom prst="rect">
+            <a:avLst/>
+          </a:prstGeom>
+        </p:spPr>
+      </p:pic>
+      <p:pic>
+        <p:nvPicPr>
+          <p:cNvPr id="39" name="Imagen 38">
+            <a:extLst>
+              <a:ext uri="{FF2B5EF4-FFF2-40B4-BE49-F238E27FC236}">
+                <a16:creationId xmlns:a16="http://schemas.microsoft.com/office/drawing/2014/main" id="{A1B30191-6CC8-4FFD-8729-B89220D6B485}"/>
+              </a:ext>
+            </a:extLst>
+          </p:cNvPr>
+          <p:cNvPicPr>
+            <a:picLocks noChangeAspect="1"/>
+          </p:cNvPicPr>
+          <p:nvPr/>
+        </p:nvPicPr>
+        <p:blipFill>
+          <a:blip r:embed="rId9">
+            <a:extLst>
+              <a:ext uri="{28A0092B-C50C-407E-A947-70E740481C1C}">
+                <a14:useLocalDpi xmlns:a14="http://schemas.microsoft.com/office/drawing/2010/main" val="0"/>
+              </a:ext>
+            </a:extLst>
+          </a:blip>
+          <a:stretch>
+            <a:fillRect/>
+          </a:stretch>
+        </p:blipFill>
+        <p:spPr>
+          <a:xfrm>
+            <a:off x="3588885" y="4277548"/>
+            <a:ext cx="2507115" cy="1384137"/>
+          </a:xfrm>
+          <a:prstGeom prst="rect">
+            <a:avLst/>
+          </a:prstGeom>
+        </p:spPr>
+      </p:pic>
+      <p:pic>
+        <p:nvPicPr>
+          <p:cNvPr id="41" name="Imagen 40">
+            <a:extLst>
+              <a:ext uri="{FF2B5EF4-FFF2-40B4-BE49-F238E27FC236}">
+                <a16:creationId xmlns:a16="http://schemas.microsoft.com/office/drawing/2014/main" id="{30776D96-1E7B-44C5-97F6-409934EE6276}"/>
+              </a:ext>
+            </a:extLst>
+          </p:cNvPr>
+          <p:cNvPicPr>
+            <a:picLocks noChangeAspect="1"/>
+          </p:cNvPicPr>
+          <p:nvPr/>
+        </p:nvPicPr>
+        <p:blipFill>
+          <a:blip r:embed="rId10">
+            <a:extLst>
+              <a:ext uri="{28A0092B-C50C-407E-A947-70E740481C1C}">
+                <a14:useLocalDpi xmlns:a14="http://schemas.microsoft.com/office/drawing/2010/main" val="0"/>
+              </a:ext>
+            </a:extLst>
+          </a:blip>
+          <a:stretch>
+            <a:fillRect/>
+          </a:stretch>
+        </p:blipFill>
+        <p:spPr>
+          <a:xfrm>
+            <a:off x="9375750" y="1488120"/>
+            <a:ext cx="2637853" cy="890989"/>
+          </a:xfrm>
+          <a:prstGeom prst="rect">
+            <a:avLst/>
+          </a:prstGeom>
+        </p:spPr>
+      </p:pic>
+    </p:spTree>
+    <p:extLst>
+      <p:ext uri="{BB962C8B-B14F-4D97-AF65-F5344CB8AC3E}">
+        <p14:creationId xmlns:p14="http://schemas.microsoft.com/office/powerpoint/2010/main" val="1783213991"/>
+      </p:ext>
+    </p:extLst>
+  </p:cSld>
+  <p:clrMapOvr>
+    <a:masterClrMapping/>
+  </p:clrMapOvr>
+</p:sld>
+</file>
+
+<file path=ppt/slides/slide9.xml><?xml version="1.0" encoding="utf-8"?>
+<p:sld xmlns:a="http://schemas.openxmlformats.org/drawingml/2006/main" xmlns:r="http://schemas.openxmlformats.org/officeDocument/2006/relationships" xmlns:p="http://schemas.openxmlformats.org/presentationml/2006/main">
+  <p:cSld>
+    <p:spTree>
+      <p:nvGrpSpPr>
+        <p:cNvPr id="1" name=""/>
+        <p:cNvGrpSpPr/>
+        <p:nvPr/>
+      </p:nvGrpSpPr>
+      <p:grpSpPr>
+        <a:xfrm>
+          <a:off x="0" y="0"/>
+          <a:ext cx="0" cy="0"/>
+          <a:chOff x="0" y="0"/>
+          <a:chExt cx="0" cy="0"/>
+        </a:xfrm>
+      </p:grpSpPr>
+      <p:sp>
+        <p:nvSpPr>
+          <p:cNvPr id="2" name="Título 1"/>
+          <p:cNvSpPr>
+            <a:spLocks noGrp="1"/>
+          </p:cNvSpPr>
+          <p:nvPr>
+            <p:ph type="title"/>
+          </p:nvPr>
+        </p:nvSpPr>
+        <p:spPr/>
+        <p:txBody>
+          <a:bodyPr>
+            <a:normAutofit fontScale="90000"/>
+          </a:bodyPr>
+          <a:lstStyle/>
+          <a:p>
+            <a:pPr algn="ctr"/>
+            <a:r>
+              <a:rPr lang="es-ES" b="1" dirty="0">
+                <a:latin typeface="UTM Ericsson Capital" panose="02040603050506020204" pitchFamily="18" charset="0"/>
+              </a:rPr>
+              <a:t>4. VISUALIZACIÓN</a:t>
+            </a:r>
+            <a:br>
+              <a:rPr lang="es-ES" b="1" dirty="0">
+                <a:latin typeface="UTM Ericsson Capital" panose="02040603050506020204" pitchFamily="18" charset="0"/>
+              </a:rPr>
+            </a:br>
+            <a:r>
+              <a:rPr lang="es-ES" sz="3300" dirty="0">
+                <a:latin typeface="UTM Ericsson Capital" panose="02040603050506020204" pitchFamily="18" charset="0"/>
+              </a:rPr>
+              <a:t>Tráfico de red</a:t>
+            </a:r>
+            <a:br>
+              <a:rPr lang="es-ES" b="1" dirty="0">
+                <a:latin typeface="UTM Ericsson Capital" panose="02040603050506020204" pitchFamily="18" charset="0"/>
+              </a:rPr>
+            </a:br>
+            <a:endParaRPr lang="es-ES" sz="2000" b="1" dirty="0">
+              <a:latin typeface="UTM Ericsson Capital" panose="02040603050506020204" pitchFamily="18" charset="0"/>
+            </a:endParaRPr>
+          </a:p>
+        </p:txBody>
+      </p:sp>
+      <p:sp>
+        <p:nvSpPr>
+          <p:cNvPr id="3" name="Marcador de número de diapositiva 2"/>
+          <p:cNvSpPr>
+            <a:spLocks noGrp="1"/>
+          </p:cNvSpPr>
+          <p:nvPr>
+            <p:ph type="sldNum" sz="quarter" idx="12"/>
+          </p:nvPr>
+        </p:nvSpPr>
+        <p:spPr/>
+        <p:txBody>
+          <a:bodyPr/>
+          <a:lstStyle/>
+          <a:p>
+            <a:fld id="{25DA8D8B-2BFC-4181-B8DB-6BD765AAE0D7}" type="slidenum">
+              <a:rPr lang="es-ES" smtClean="0"/>
+              <a:t>9</a:t>
+            </a:fld>
+            <a:endParaRPr lang="es-ES"/>
+          </a:p>
+        </p:txBody>
+      </p:sp>
+      <p:sp>
+        <p:nvSpPr>
+          <p:cNvPr id="23" name="Marcador de fecha 3">
+            <a:extLst>
+              <a:ext uri="{FF2B5EF4-FFF2-40B4-BE49-F238E27FC236}">
+                <a16:creationId xmlns:a16="http://schemas.microsoft.com/office/drawing/2014/main" id="{E51FF9E2-0149-4619-9464-B6460754077F}"/>
+              </a:ext>
+            </a:extLst>
+          </p:cNvPr>
+          <p:cNvSpPr>
+            <a:spLocks noGrp="1"/>
+          </p:cNvSpPr>
+          <p:nvPr>
+            <p:ph type="dt" sz="half" idx="10"/>
+          </p:nvPr>
+        </p:nvSpPr>
+        <p:spPr>
+          <a:xfrm>
+            <a:off x="838200" y="6356350"/>
+            <a:ext cx="2743200" cy="365125"/>
+          </a:xfrm>
+        </p:spPr>
+        <p:txBody>
+          <a:bodyPr/>
+          <a:lstStyle/>
+          <a:p>
+            <a:r>
+              <a:rPr lang="es-ES" dirty="0"/>
+              <a:t>15/09/2017</a:t>
+            </a:r>
+          </a:p>
+        </p:txBody>
+      </p:sp>
+      <p:sp>
+        <p:nvSpPr>
+          <p:cNvPr id="32" name="Marcador de pie de página 4">
+            <a:extLst>
+              <a:ext uri="{FF2B5EF4-FFF2-40B4-BE49-F238E27FC236}">
+                <a16:creationId xmlns:a16="http://schemas.microsoft.com/office/drawing/2014/main" id="{9359AB87-8024-4447-A9A1-506360FB0FAA}"/>
+              </a:ext>
+            </a:extLst>
+          </p:cNvPr>
+          <p:cNvSpPr>
+            <a:spLocks noGrp="1"/>
+          </p:cNvSpPr>
+          <p:nvPr>
+            <p:ph type="ftr" sz="quarter" idx="11"/>
+          </p:nvPr>
+        </p:nvSpPr>
+        <p:spPr>
+          <a:xfrm>
+            <a:off x="4038600" y="6356350"/>
+            <a:ext cx="4114800" cy="365125"/>
+          </a:xfrm>
+        </p:spPr>
+        <p:txBody>
+          <a:bodyPr/>
+          <a:lstStyle/>
+          <a:p>
+            <a:r>
+              <a:rPr lang="en-US" dirty="0"/>
+              <a:t>TFM: </a:t>
+            </a:r>
+            <a:r>
+              <a:rPr lang="en-US" dirty="0" err="1"/>
+              <a:t>Visualización</a:t>
+            </a:r>
+            <a:r>
+              <a:rPr lang="en-US" dirty="0"/>
+              <a:t> streaming de </a:t>
+            </a:r>
+            <a:r>
+              <a:rPr lang="en-US" dirty="0" err="1"/>
+              <a:t>evaluación</a:t>
+            </a:r>
+            <a:r>
+              <a:rPr lang="en-US" dirty="0"/>
+              <a:t> de </a:t>
+            </a:r>
+            <a:r>
+              <a:rPr lang="en-US" dirty="0" err="1"/>
+              <a:t>modelo</a:t>
+            </a:r>
+            <a:endParaRPr lang="es-ES" dirty="0"/>
+          </a:p>
+        </p:txBody>
+      </p:sp>
+      <p:sp>
+        <p:nvSpPr>
+          <p:cNvPr id="4" name="Marcador de contenido 3">
+            <a:extLst>
+              <a:ext uri="{FF2B5EF4-FFF2-40B4-BE49-F238E27FC236}">
+                <a16:creationId xmlns:a16="http://schemas.microsoft.com/office/drawing/2014/main" id="{DBBFB86F-9E84-46E1-B3C7-7584B16577C0}"/>
+              </a:ext>
+            </a:extLst>
+          </p:cNvPr>
+          <p:cNvSpPr>
+            <a:spLocks noGrp="1"/>
+          </p:cNvSpPr>
+          <p:nvPr>
+            <p:ph idx="1"/>
+          </p:nvPr>
+        </p:nvSpPr>
+        <p:spPr/>
+        <p:txBody>
+          <a:bodyPr/>
+          <a:lstStyle/>
+          <a:p>
+            <a:endParaRPr lang="es-ES" dirty="0">
+              <a:latin typeface="UTM Ericsson Capital" panose="02040603050506020204"/>
+            </a:endParaRPr>
+          </a:p>
+          <a:p>
+            <a:r>
+              <a:rPr lang="es-ES" dirty="0">
+                <a:latin typeface="UTM Ericsson Capital" panose="02040603050506020204"/>
+              </a:rPr>
+              <a:t>Eje X común, transcurso del tiempo:</a:t>
+            </a:r>
+          </a:p>
+          <a:p>
+            <a:pPr lvl="1"/>
+            <a:r>
+              <a:rPr lang="es-ES" dirty="0">
+                <a:latin typeface="UTM Ericsson Capital" panose="02040603050506020204"/>
+              </a:rPr>
+              <a:t>Paquetes generados</a:t>
+            </a:r>
+          </a:p>
+          <a:p>
+            <a:pPr lvl="1"/>
+            <a:r>
+              <a:rPr lang="es-ES" dirty="0">
+                <a:latin typeface="UTM Ericsson Capital" panose="02040603050506020204"/>
+              </a:rPr>
+              <a:t>Media de </a:t>
+            </a:r>
+            <a:r>
+              <a:rPr lang="es-ES" dirty="0" err="1">
+                <a:latin typeface="UTM Ericsson Capital" panose="02040603050506020204"/>
+              </a:rPr>
+              <a:t>Kbytes</a:t>
+            </a:r>
+            <a:r>
+              <a:rPr lang="es-ES" dirty="0">
+                <a:latin typeface="UTM Ericsson Capital" panose="02040603050506020204"/>
+              </a:rPr>
+              <a:t> enviados</a:t>
+            </a:r>
+          </a:p>
+          <a:p>
+            <a:pPr marL="457200" lvl="1" indent="0">
+              <a:buNone/>
+            </a:pPr>
+            <a:endParaRPr lang="es-ES" dirty="0">
+              <a:latin typeface="UTM Ericsson Capital" panose="02040603050506020204"/>
+            </a:endParaRPr>
+          </a:p>
+          <a:p>
+            <a:r>
+              <a:rPr lang="es-ES" dirty="0">
+                <a:latin typeface="UTM Ericsson Capital" panose="02040603050506020204"/>
+              </a:rPr>
+              <a:t>Protocolos, gráfica tipo tarta.</a:t>
+            </a:r>
+          </a:p>
+        </p:txBody>
+      </p:sp>
+      <p:pic>
+        <p:nvPicPr>
+          <p:cNvPr id="6" name="Gráfico 5" descr="Gráfico circular">
+            <a:extLst>
+              <a:ext uri="{FF2B5EF4-FFF2-40B4-BE49-F238E27FC236}">
+                <a16:creationId xmlns:a16="http://schemas.microsoft.com/office/drawing/2014/main" id="{8D574F86-6FB5-421E-8460-B8C7E8CA6E6E}"/>
+              </a:ext>
+            </a:extLst>
+          </p:cNvPr>
+          <p:cNvPicPr>
+            <a:picLocks noChangeAspect="1"/>
+          </p:cNvPicPr>
+          <p:nvPr/>
+        </p:nvPicPr>
+        <p:blipFill>
+          <a:blip r:embed="rId2">
+            <a:extLst>
+              <a:ext uri="{28A0092B-C50C-407E-A947-70E740481C1C}">
+                <a14:useLocalDpi xmlns:a14="http://schemas.microsoft.com/office/drawing/2010/main" val="0"/>
+              </a:ext>
+              <a:ext uri="{96DAC541-7B7A-43D3-8B79-37D633B846F1}">
+                <asvg:svgBlip xmlns:asvg="http://schemas.microsoft.com/office/drawing/2016/SVG/main" r:embed="rId3"/>
+              </a:ext>
+            </a:extLst>
+          </a:blip>
+          <a:stretch>
+            <a:fillRect/>
+          </a:stretch>
+        </p:blipFill>
+        <p:spPr>
+          <a:xfrm>
+            <a:off x="6279193" y="3883182"/>
+            <a:ext cx="2331407" cy="2331407"/>
+          </a:xfrm>
+          <a:prstGeom prst="rect">
+            <a:avLst/>
+          </a:prstGeom>
+        </p:spPr>
+      </p:pic>
+      <p:pic>
+        <p:nvPicPr>
+          <p:cNvPr id="9" name="Gráfico 8" descr="Tendencia al alza">
+            <a:extLst>
+              <a:ext uri="{FF2B5EF4-FFF2-40B4-BE49-F238E27FC236}">
+                <a16:creationId xmlns:a16="http://schemas.microsoft.com/office/drawing/2014/main" id="{DE67C84A-8C4B-44D7-8EAE-B9E2305ACF93}"/>
+              </a:ext>
+            </a:extLst>
+          </p:cNvPr>
+          <p:cNvPicPr>
+            <a:picLocks noChangeAspect="1"/>
+          </p:cNvPicPr>
+          <p:nvPr/>
+        </p:nvPicPr>
+        <p:blipFill>
+          <a:blip r:embed="rId4">
+            <a:extLst>
+              <a:ext uri="{28A0092B-C50C-407E-A947-70E740481C1C}">
+                <a14:useLocalDpi xmlns:a14="http://schemas.microsoft.com/office/drawing/2010/main" val="0"/>
+              </a:ext>
+              <a:ext uri="{96DAC541-7B7A-43D3-8B79-37D633B846F1}">
+                <asvg:svgBlip xmlns:asvg="http://schemas.microsoft.com/office/drawing/2016/SVG/main" r:embed="rId5"/>
+              </a:ext>
+            </a:extLst>
+          </a:blip>
+          <a:stretch>
+            <a:fillRect/>
+          </a:stretch>
+        </p:blipFill>
+        <p:spPr>
+          <a:xfrm>
+            <a:off x="8328216" y="1452966"/>
+            <a:ext cx="2743200" cy="2743200"/>
+          </a:xfrm>
+          <a:prstGeom prst="rect">
+            <a:avLst/>
+          </a:prstGeom>
+        </p:spPr>
+      </p:pic>
+    </p:spTree>
+    <p:extLst>
+      <p:ext uri="{BB962C8B-B14F-4D97-AF65-F5344CB8AC3E}">
+        <p14:creationId xmlns:p14="http://schemas.microsoft.com/office/powerpoint/2010/main" val="4294207160"/>
       </p:ext>
     </p:extLst>
   </p:cSld>

--- a/slides/TFM.pptx
+++ b/slides/TFM.pptx
@@ -9,6 +9,9 @@
   <p:notesMasterIdLst>
     <p:notesMasterId r:id="rId15"/>
   </p:notesMasterIdLst>
+  <p:handoutMasterIdLst>
+    <p:handoutMasterId r:id="rId16"/>
+  </p:handoutMasterIdLst>
   <p:sldIdLst>
     <p:sldId id="256" r:id="rId4"/>
     <p:sldId id="266" r:id="rId5"/>
@@ -3845,7 +3848,7 @@
   <dgm:whole/>
   <dgm:extLst>
     <a:ext uri="http://schemas.microsoft.com/office/drawing/2008/diagram">
-      <dsp:dataModelExt xmlns:dsp="http://schemas.microsoft.com/office/drawing/2008/diagram" relId="rId6" minVer="http://schemas.openxmlformats.org/drawingml/2006/diagram"/>
+      <dsp:dataModelExt xmlns:dsp="http://schemas.microsoft.com/office/drawing/2008/diagram" relId="rId7" minVer="http://schemas.openxmlformats.org/drawingml/2006/diagram"/>
     </a:ext>
   </dgm:extLst>
 </dgm:dataModel>
@@ -4842,8 +4845,8 @@
       </dsp:nvSpPr>
       <dsp:spPr>
         <a:xfrm>
-          <a:off x="1026891" y="1481385"/>
-          <a:ext cx="6074216" cy="933104"/>
+          <a:off x="1026891" y="1174143"/>
+          <a:ext cx="6074216" cy="1547588"/>
         </a:xfrm>
         <a:prstGeom prst="roundRect">
           <a:avLst/>
@@ -4880,12 +4883,12 @@
         </a:fontRef>
       </dsp:style>
       <dsp:txBody>
-        <a:bodyPr spcFirstLastPara="0" vert="horz" wrap="square" lIns="148590" tIns="148590" rIns="148590" bIns="148590" numCol="1" spcCol="1270" anchor="ctr" anchorCtr="0">
+        <a:bodyPr spcFirstLastPara="0" vert="horz" wrap="square" lIns="163830" tIns="163830" rIns="163830" bIns="163830" numCol="1" spcCol="1270" anchor="ctr" anchorCtr="0">
           <a:noAutofit/>
         </a:bodyPr>
         <a:lstStyle/>
         <a:p>
-          <a:pPr marL="0" lvl="0" indent="0" algn="ctr" defTabSz="1733550">
+          <a:pPr marL="0" lvl="0" indent="0" algn="ctr" defTabSz="1911350">
             <a:lnSpc>
               <a:spcPct val="90000"/>
             </a:lnSpc>
@@ -4898,7 +4901,7 @@
             <a:buNone/>
           </a:pPr>
           <a:r>
-            <a:rPr lang="es-ES" sz="3900" b="1" kern="1200" dirty="0">
+            <a:rPr lang="es-ES" sz="4300" b="1" kern="1200" dirty="0">
               <a:latin typeface="UTM Ericsson Capital" panose="02040603050506020204" pitchFamily="18" charset="0"/>
             </a:rPr>
             <a:t>EJECUCIÓN DE LA DEMO</a:t>
@@ -4906,8 +4909,8 @@
         </a:p>
       </dsp:txBody>
       <dsp:txXfrm>
-        <a:off x="1072441" y="1526935"/>
-        <a:ext cx="5983116" cy="842004"/>
+        <a:off x="1102438" y="1249690"/>
+        <a:ext cx="5923122" cy="1396494"/>
       </dsp:txXfrm>
     </dsp:sp>
   </dsp:spTree>
@@ -9855,8 +9858,8 @@
 </dgm:styleDef>
 </file>
 
-<file path=ppt/notesMasters/notesMaster1.xml><?xml version="1.0" encoding="utf-8"?>
-<p:notesMaster xmlns:a="http://schemas.openxmlformats.org/drawingml/2006/main" xmlns:r="http://schemas.openxmlformats.org/officeDocument/2006/relationships" xmlns:p="http://schemas.openxmlformats.org/presentationml/2006/main">
+<file path=ppt/handoutMasters/handoutMaster1.xml><?xml version="1.0" encoding="utf-8"?>
+<p:handoutMaster xmlns:a="http://schemas.openxmlformats.org/drawingml/2006/main" xmlns:r="http://schemas.openxmlformats.org/officeDocument/2006/relationships" xmlns:p="http://schemas.openxmlformats.org/presentationml/2006/main">
   <p:cSld>
     <p:bg>
       <p:bgRef idx="1001">
@@ -9879,7 +9882,13 @@
       </p:grpSpPr>
       <p:sp>
         <p:nvSpPr>
-          <p:cNvPr id="2" name="Marcador de encabezado 1"/>
+          <p:cNvPr id="2" name="Marcador de encabezado 1">
+            <a:extLst>
+              <a:ext uri="{FF2B5EF4-FFF2-40B4-BE49-F238E27FC236}">
+                <a16:creationId xmlns:a16="http://schemas.microsoft.com/office/drawing/2014/main" id="{E1F088C0-3E05-451F-A935-0B247C7523DB}"/>
+              </a:ext>
+            </a:extLst>
+          </p:cNvPr>
           <p:cNvSpPr>
             <a:spLocks noGrp="1"/>
           </p:cNvSpPr>
@@ -9908,6 +9917,158 @@
           </a:p>
         </p:txBody>
       </p:sp>
+      <p:sp>
+        <p:nvSpPr>
+          <p:cNvPr id="3" name="Marcador de fecha 2">
+            <a:extLst>
+              <a:ext uri="{FF2B5EF4-FFF2-40B4-BE49-F238E27FC236}">
+                <a16:creationId xmlns:a16="http://schemas.microsoft.com/office/drawing/2014/main" id="{4CAD4E39-456E-4CF7-AC75-E72808107BAE}"/>
+              </a:ext>
+            </a:extLst>
+          </p:cNvPr>
+          <p:cNvSpPr>
+            <a:spLocks noGrp="1"/>
+          </p:cNvSpPr>
+          <p:nvPr>
+            <p:ph type="dt" sz="quarter" idx="1"/>
+          </p:nvPr>
+        </p:nvSpPr>
+        <p:spPr>
+          <a:xfrm>
+            <a:off x="3884613" y="0"/>
+            <a:ext cx="2971800" cy="458788"/>
+          </a:xfrm>
+          <a:prstGeom prst="rect">
+            <a:avLst/>
+          </a:prstGeom>
+        </p:spPr>
+        <p:txBody>
+          <a:bodyPr vert="horz" lIns="91440" tIns="45720" rIns="91440" bIns="45720" rtlCol="0"/>
+          <a:lstStyle>
+            <a:lvl1pPr algn="r">
+              <a:defRPr sz="1200"/>
+            </a:lvl1pPr>
+          </a:lstStyle>
+          <a:p>
+            <a:fld id="{DB483378-E415-4A05-8705-6F229D0DB1C9}" type="datetimeFigureOut">
+              <a:rPr lang="es-ES" smtClean="0"/>
+              <a:t>13/09/2017</a:t>
+            </a:fld>
+            <a:endParaRPr lang="es-ES"/>
+          </a:p>
+        </p:txBody>
+      </p:sp>
+      <p:sp>
+        <p:nvSpPr>
+          <p:cNvPr id="4" name="Marcador de pie de página 3">
+            <a:extLst>
+              <a:ext uri="{FF2B5EF4-FFF2-40B4-BE49-F238E27FC236}">
+                <a16:creationId xmlns:a16="http://schemas.microsoft.com/office/drawing/2014/main" id="{594EB906-6195-43DC-BA0F-C28A8A66E64E}"/>
+              </a:ext>
+            </a:extLst>
+          </p:cNvPr>
+          <p:cNvSpPr>
+            <a:spLocks noGrp="1"/>
+          </p:cNvSpPr>
+          <p:nvPr>
+            <p:ph type="ftr" sz="quarter" idx="2"/>
+          </p:nvPr>
+        </p:nvSpPr>
+        <p:spPr>
+          <a:xfrm>
+            <a:off x="0" y="8685213"/>
+            <a:ext cx="2971800" cy="458787"/>
+          </a:xfrm>
+          <a:prstGeom prst="rect">
+            <a:avLst/>
+          </a:prstGeom>
+        </p:spPr>
+        <p:txBody>
+          <a:bodyPr vert="horz" lIns="91440" tIns="45720" rIns="91440" bIns="45720" rtlCol="0" anchor="b"/>
+          <a:lstStyle>
+            <a:lvl1pPr algn="l">
+              <a:defRPr sz="1200"/>
+            </a:lvl1pPr>
+          </a:lstStyle>
+          <a:p>
+            <a:endParaRPr lang="es-ES"/>
+          </a:p>
+        </p:txBody>
+      </p:sp>
+      <p:sp>
+        <p:nvSpPr>
+          <p:cNvPr id="5" name="Marcador de número de diapositiva 4">
+            <a:extLst>
+              <a:ext uri="{FF2B5EF4-FFF2-40B4-BE49-F238E27FC236}">
+                <a16:creationId xmlns:a16="http://schemas.microsoft.com/office/drawing/2014/main" id="{19D7A466-663C-4562-AC44-2F1D6452AF48}"/>
+              </a:ext>
+            </a:extLst>
+          </p:cNvPr>
+          <p:cNvSpPr>
+            <a:spLocks noGrp="1"/>
+          </p:cNvSpPr>
+          <p:nvPr>
+            <p:ph type="sldNum" sz="quarter" idx="3"/>
+          </p:nvPr>
+        </p:nvSpPr>
+        <p:spPr>
+          <a:xfrm>
+            <a:off x="3884613" y="8685213"/>
+            <a:ext cx="2971800" cy="458787"/>
+          </a:xfrm>
+          <a:prstGeom prst="rect">
+            <a:avLst/>
+          </a:prstGeom>
+        </p:spPr>
+        <p:txBody>
+          <a:bodyPr vert="horz" lIns="91440" tIns="45720" rIns="91440" bIns="45720" rtlCol="0" anchor="b"/>
+          <a:lstStyle>
+            <a:lvl1pPr algn="r">
+              <a:defRPr sz="1200"/>
+            </a:lvl1pPr>
+          </a:lstStyle>
+          <a:p>
+            <a:fld id="{48AA3D92-A1D7-492C-A769-E7469F569337}" type="slidenum">
+              <a:rPr lang="es-ES" smtClean="0"/>
+              <a:t>‹Nº›</a:t>
+            </a:fld>
+            <a:endParaRPr lang="es-ES"/>
+          </a:p>
+        </p:txBody>
+      </p:sp>
+    </p:spTree>
+    <p:extLst>
+      <p:ext uri="{BB962C8B-B14F-4D97-AF65-F5344CB8AC3E}">
+        <p14:creationId xmlns:p14="http://schemas.microsoft.com/office/powerpoint/2010/main" val="2550237251"/>
+      </p:ext>
+    </p:extLst>
+  </p:cSld>
+  <p:clrMap bg1="lt1" tx1="dk1" bg2="lt2" tx2="dk2" accent1="accent1" accent2="accent2" accent3="accent3" accent4="accent4" accent5="accent5" accent6="accent6" hlink="hlink" folHlink="folHlink"/>
+</p:handoutMaster>
+</file>
+
+<file path=ppt/notesMasters/notesMaster1.xml><?xml version="1.0" encoding="utf-8"?>
+<p:notesMaster xmlns:a="http://schemas.openxmlformats.org/drawingml/2006/main" xmlns:r="http://schemas.openxmlformats.org/officeDocument/2006/relationships" xmlns:p="http://schemas.openxmlformats.org/presentationml/2006/main">
+  <p:cSld>
+    <p:bg>
+      <p:bgRef idx="1001">
+        <a:schemeClr val="bg1"/>
+      </p:bgRef>
+    </p:bg>
+    <p:spTree>
+      <p:nvGrpSpPr>
+        <p:cNvPr id="1" name=""/>
+        <p:cNvGrpSpPr/>
+        <p:nvPr/>
+      </p:nvGrpSpPr>
+      <p:grpSpPr>
+        <a:xfrm>
+          <a:off x="0" y="0"/>
+          <a:ext cx="0" cy="0"/>
+          <a:chOff x="0" y="0"/>
+          <a:chExt cx="0" cy="0"/>
+        </a:xfrm>
+      </p:grpSpPr>
       <p:sp>
         <p:nvSpPr>
           <p:cNvPr id="3" name="Marcador de fecha 2"/>
@@ -9937,7 +10098,7 @@
           <a:p>
             <a:fld id="{9B26D589-5E3F-47E8-97BD-BBFA6DDCE7C9}" type="datetimeFigureOut">
               <a:rPr lang="es-ES" smtClean="0"/>
-              <a:t>01/09/2017</a:t>
+              <a:t>13/09/2017</a:t>
             </a:fld>
             <a:endParaRPr lang="es-ES"/>
           </a:p>
@@ -10097,6 +10258,43 @@
               <a:rPr lang="es-ES" smtClean="0"/>
               <a:t>‹Nº›</a:t>
             </a:fld>
+            <a:endParaRPr lang="es-ES"/>
+          </a:p>
+        </p:txBody>
+      </p:sp>
+      <p:sp>
+        <p:nvSpPr>
+          <p:cNvPr id="8" name="Marcador de encabezado 7">
+            <a:extLst>
+              <a:ext uri="{FF2B5EF4-FFF2-40B4-BE49-F238E27FC236}">
+                <a16:creationId xmlns:a16="http://schemas.microsoft.com/office/drawing/2014/main" id="{E80BB50A-5553-4B19-90A8-585FC22BB13F}"/>
+              </a:ext>
+            </a:extLst>
+          </p:cNvPr>
+          <p:cNvSpPr>
+            <a:spLocks noGrp="1"/>
+          </p:cNvSpPr>
+          <p:nvPr>
+            <p:ph type="hdr" sz="quarter"/>
+          </p:nvPr>
+        </p:nvSpPr>
+        <p:spPr>
+          <a:xfrm>
+            <a:off x="0" y="0"/>
+            <a:ext cx="2971800" cy="458788"/>
+          </a:xfrm>
+          <a:prstGeom prst="rect">
+            <a:avLst/>
+          </a:prstGeom>
+        </p:spPr>
+        <p:txBody>
+          <a:bodyPr vert="horz" lIns="91440" tIns="45720" rIns="91440" bIns="45720" rtlCol="0"/>
+          <a:lstStyle>
+            <a:lvl1pPr algn="l">
+              <a:defRPr sz="1200"/>
+            </a:lvl1pPr>
+          </a:lstStyle>
+          <a:p>
             <a:endParaRPr lang="es-ES"/>
           </a:p>
         </p:txBody>
@@ -10202,6 +10400,90 @@
     </a:lvl9pPr>
   </p:notesStyle>
 </p:notesMaster>
+</file>
+
+<file path=ppt/notesSlides/notesSlide1.xml><?xml version="1.0" encoding="utf-8"?>
+<p:notes xmlns:a="http://schemas.openxmlformats.org/drawingml/2006/main" xmlns:r="http://schemas.openxmlformats.org/officeDocument/2006/relationships" xmlns:p="http://schemas.openxmlformats.org/presentationml/2006/main">
+  <p:cSld>
+    <p:spTree>
+      <p:nvGrpSpPr>
+        <p:cNvPr id="1" name=""/>
+        <p:cNvGrpSpPr/>
+        <p:nvPr/>
+      </p:nvGrpSpPr>
+      <p:grpSpPr>
+        <a:xfrm>
+          <a:off x="0" y="0"/>
+          <a:ext cx="0" cy="0"/>
+          <a:chOff x="0" y="0"/>
+          <a:chExt cx="0" cy="0"/>
+        </a:xfrm>
+      </p:grpSpPr>
+      <p:sp>
+        <p:nvSpPr>
+          <p:cNvPr id="2" name="Marcador de imagen de diapositiva 1"/>
+          <p:cNvSpPr>
+            <a:spLocks noGrp="1" noRot="1" noChangeAspect="1"/>
+          </p:cNvSpPr>
+          <p:nvPr>
+            <p:ph type="sldImg"/>
+          </p:nvPr>
+        </p:nvSpPr>
+        <p:spPr/>
+      </p:sp>
+      <p:sp>
+        <p:nvSpPr>
+          <p:cNvPr id="3" name="Marcador de notas 2"/>
+          <p:cNvSpPr>
+            <a:spLocks noGrp="1"/>
+          </p:cNvSpPr>
+          <p:nvPr>
+            <p:ph type="body" idx="1"/>
+          </p:nvPr>
+        </p:nvSpPr>
+        <p:spPr/>
+        <p:txBody>
+          <a:bodyPr/>
+          <a:lstStyle/>
+          <a:p>
+            <a:endParaRPr lang="es-ES"/>
+          </a:p>
+        </p:txBody>
+      </p:sp>
+      <p:sp>
+        <p:nvSpPr>
+          <p:cNvPr id="4" name="Marcador de número de diapositiva 3"/>
+          <p:cNvSpPr>
+            <a:spLocks noGrp="1"/>
+          </p:cNvSpPr>
+          <p:nvPr>
+            <p:ph type="sldNum" sz="quarter" idx="10"/>
+          </p:nvPr>
+        </p:nvSpPr>
+        <p:spPr/>
+        <p:txBody>
+          <a:bodyPr/>
+          <a:lstStyle/>
+          <a:p>
+            <a:fld id="{0A39E505-5E6B-4B15-B11C-28AB1E673129}" type="slidenum">
+              <a:rPr lang="es-ES" smtClean="0"/>
+              <a:t>11</a:t>
+            </a:fld>
+            <a:endParaRPr lang="es-ES"/>
+          </a:p>
+        </p:txBody>
+      </p:sp>
+    </p:spTree>
+    <p:extLst>
+      <p:ext uri="{BB962C8B-B14F-4D97-AF65-F5344CB8AC3E}">
+        <p14:creationId xmlns:p14="http://schemas.microsoft.com/office/powerpoint/2010/main" val="2902239135"/>
+      </p:ext>
+    </p:extLst>
+  </p:cSld>
+  <p:clrMapOvr>
+    <a:masterClrMapping/>
+  </p:clrMapOvr>
+</p:notes>
 </file>
 
 <file path=ppt/slideLayouts/slideLayout1.xml><?xml version="1.0" encoding="utf-8"?>
@@ -14876,32 +15158,6 @@
       </p:sp>
       <p:pic>
         <p:nvPicPr>
-          <p:cNvPr id="7" name="Logo2011" descr="ERI_UF_rgb"/>
-          <p:cNvPicPr>
-            <a:picLocks noChangeAspect="1" noChangeArrowheads="1"/>
-          </p:cNvPicPr>
-          <p:nvPr userDrawn="1"/>
-        </p:nvPicPr>
-        <p:blipFill>
-          <a:blip r:embed="rId14" cstate="print"/>
-          <a:srcRect/>
-          <a:stretch>
-            <a:fillRect/>
-          </a:stretch>
-        </p:blipFill>
-        <p:spPr bwMode="auto">
-          <a:xfrm>
-            <a:off x="10126800" y="577849"/>
-            <a:ext cx="1027112" cy="900113"/>
-          </a:xfrm>
-          <a:prstGeom prst="rect">
-            <a:avLst/>
-          </a:prstGeom>
-          <a:noFill/>
-        </p:spPr>
-      </p:pic>
-      <p:pic>
-        <p:nvPicPr>
           <p:cNvPr id="8" name="Imagen 7"/>
           <p:cNvPicPr>
             <a:picLocks noChangeAspect="1"/>
@@ -14909,7 +15165,7 @@
           <p:nvPr userDrawn="1"/>
         </p:nvPicPr>
         <p:blipFill>
-          <a:blip r:embed="rId15">
+          <a:blip r:embed="rId14">
             <a:extLst>
               <a:ext uri="{28A0092B-C50C-407E-A947-70E740481C1C}">
                 <a14:useLocalDpi xmlns:a14="http://schemas.microsoft.com/office/drawing/2010/main" val="0"/>
@@ -15504,32 +15760,6 @@
           <a:prstGeom prst="rect">
             <a:avLst/>
           </a:prstGeom>
-        </p:spPr>
-      </p:pic>
-      <p:pic>
-        <p:nvPicPr>
-          <p:cNvPr id="8" name="Econ2011" descr="ECON_RGB"/>
-          <p:cNvPicPr>
-            <a:picLocks noChangeAspect="1" noChangeArrowheads="1"/>
-          </p:cNvPicPr>
-          <p:nvPr userDrawn="1"/>
-        </p:nvPicPr>
-        <p:blipFill>
-          <a:blip r:embed="rId13" cstate="print"/>
-          <a:srcRect/>
-          <a:stretch>
-            <a:fillRect/>
-          </a:stretch>
-        </p:blipFill>
-        <p:spPr bwMode="auto">
-          <a:xfrm>
-            <a:off x="10842151" y="579600"/>
-            <a:ext cx="511649" cy="677935"/>
-          </a:xfrm>
-          <a:prstGeom prst="rect">
-            <a:avLst/>
-          </a:prstGeom>
-          <a:noFill/>
         </p:spPr>
       </p:pic>
     </p:spTree>
@@ -16353,7 +16583,7 @@
           <a:p>
             <a:r>
               <a:rPr lang="es-ES" dirty="0"/>
-              <a:t>15/09/2017</a:t>
+              <a:t>14/09/2017</a:t>
             </a:r>
           </a:p>
         </p:txBody>
@@ -16459,39 +16689,6 @@
       </p:sp>
       <p:sp>
         <p:nvSpPr>
-          <p:cNvPr id="23" name="Marcador de fecha 3">
-            <a:extLst>
-              <a:ext uri="{FF2B5EF4-FFF2-40B4-BE49-F238E27FC236}">
-                <a16:creationId xmlns:a16="http://schemas.microsoft.com/office/drawing/2014/main" id="{E51FF9E2-0149-4619-9464-B6460754077F}"/>
-              </a:ext>
-            </a:extLst>
-          </p:cNvPr>
-          <p:cNvSpPr>
-            <a:spLocks noGrp="1"/>
-          </p:cNvSpPr>
-          <p:nvPr>
-            <p:ph type="dt" sz="half" idx="10"/>
-          </p:nvPr>
-        </p:nvSpPr>
-        <p:spPr>
-          <a:xfrm>
-            <a:off x="838200" y="6356350"/>
-            <a:ext cx="2743200" cy="365125"/>
-          </a:xfrm>
-        </p:spPr>
-        <p:txBody>
-          <a:bodyPr/>
-          <a:lstStyle/>
-          <a:p>
-            <a:r>
-              <a:rPr lang="es-ES" dirty="0"/>
-              <a:t>15/09/2017</a:t>
-            </a:r>
-          </a:p>
-        </p:txBody>
-      </p:sp>
-      <p:sp>
-        <p:nvSpPr>
           <p:cNvPr id="32" name="Marcador de pie de página 4">
             <a:extLst>
               <a:ext uri="{FF2B5EF4-FFF2-40B4-BE49-F238E27FC236}">
@@ -16631,6 +16828,39 @@
           </a:prstGeom>
         </p:spPr>
       </p:pic>
+      <p:sp>
+        <p:nvSpPr>
+          <p:cNvPr id="8" name="Marcador de fecha 3">
+            <a:extLst>
+              <a:ext uri="{FF2B5EF4-FFF2-40B4-BE49-F238E27FC236}">
+                <a16:creationId xmlns:a16="http://schemas.microsoft.com/office/drawing/2014/main" id="{D137F5F6-790C-46C5-92A1-AB2ECA82734A}"/>
+              </a:ext>
+            </a:extLst>
+          </p:cNvPr>
+          <p:cNvSpPr>
+            <a:spLocks noGrp="1"/>
+          </p:cNvSpPr>
+          <p:nvPr>
+            <p:ph type="dt" sz="half" idx="10"/>
+          </p:nvPr>
+        </p:nvSpPr>
+        <p:spPr>
+          <a:xfrm>
+            <a:off x="838200" y="6356350"/>
+            <a:ext cx="2743200" cy="365125"/>
+          </a:xfrm>
+        </p:spPr>
+        <p:txBody>
+          <a:bodyPr/>
+          <a:lstStyle/>
+          <a:p>
+            <a:r>
+              <a:rPr lang="es-ES" dirty="0"/>
+              <a:t>14/09/2017</a:t>
+            </a:r>
+          </a:p>
+        </p:txBody>
+      </p:sp>
     </p:spTree>
     <p:extLst>
       <p:ext uri="{BB962C8B-B14F-4D97-AF65-F5344CB8AC3E}">
@@ -16663,28 +16893,6 @@
       </p:grpSpPr>
       <p:sp>
         <p:nvSpPr>
-          <p:cNvPr id="4" name="Marcador de fecha 3"/>
-          <p:cNvSpPr>
-            <a:spLocks noGrp="1"/>
-          </p:cNvSpPr>
-          <p:nvPr>
-            <p:ph type="dt" sz="half" idx="10"/>
-          </p:nvPr>
-        </p:nvSpPr>
-        <p:spPr/>
-        <p:txBody>
-          <a:bodyPr/>
-          <a:lstStyle/>
-          <a:p>
-            <a:r>
-              <a:rPr lang="es-ES" dirty="0"/>
-              <a:t>15/09/2017</a:t>
-            </a:r>
-          </a:p>
-        </p:txBody>
-      </p:sp>
-      <p:sp>
-        <p:nvSpPr>
           <p:cNvPr id="5" name="Marcador de pie de página 4"/>
           <p:cNvSpPr>
             <a:spLocks noGrp="1"/>
@@ -16799,10 +17007,43 @@
         </p:xfrm>
         <a:graphic>
           <a:graphicData uri="http://schemas.openxmlformats.org/drawingml/2006/diagram">
-            <dgm:relIds xmlns:dgm="http://schemas.openxmlformats.org/drawingml/2006/diagram" xmlns:r="http://schemas.openxmlformats.org/officeDocument/2006/relationships" r:dm="rId2" r:lo="rId3" r:qs="rId4" r:cs="rId5"/>
+            <dgm:relIds xmlns:dgm="http://schemas.openxmlformats.org/drawingml/2006/diagram" xmlns:r="http://schemas.openxmlformats.org/officeDocument/2006/relationships" r:dm="rId3" r:lo="rId4" r:qs="rId5" r:cs="rId6"/>
           </a:graphicData>
         </a:graphic>
       </p:graphicFrame>
+      <p:sp>
+        <p:nvSpPr>
+          <p:cNvPr id="8" name="Marcador de fecha 3">
+            <a:extLst>
+              <a:ext uri="{FF2B5EF4-FFF2-40B4-BE49-F238E27FC236}">
+                <a16:creationId xmlns:a16="http://schemas.microsoft.com/office/drawing/2014/main" id="{908F43DC-6CB3-48FF-91E8-634971DBBE77}"/>
+              </a:ext>
+            </a:extLst>
+          </p:cNvPr>
+          <p:cNvSpPr>
+            <a:spLocks noGrp="1"/>
+          </p:cNvSpPr>
+          <p:nvPr>
+            <p:ph type="dt" sz="half" idx="10"/>
+          </p:nvPr>
+        </p:nvSpPr>
+        <p:spPr>
+          <a:xfrm>
+            <a:off x="838200" y="6356350"/>
+            <a:ext cx="2743200" cy="365125"/>
+          </a:xfrm>
+        </p:spPr>
+        <p:txBody>
+          <a:bodyPr/>
+          <a:lstStyle/>
+          <a:p>
+            <a:r>
+              <a:rPr lang="es-ES" dirty="0"/>
+              <a:t>14/09/2017</a:t>
+            </a:r>
+          </a:p>
+        </p:txBody>
+      </p:sp>
     </p:spTree>
     <p:extLst>
       <p:ext uri="{BB962C8B-B14F-4D97-AF65-F5344CB8AC3E}">
@@ -16850,7 +17091,7 @@
           <a:p>
             <a:r>
               <a:rPr lang="es-ES" dirty="0"/>
-              <a:t>15/09/2017</a:t>
+              <a:t>14/09/2017</a:t>
             </a:r>
           </a:p>
         </p:txBody>
@@ -17077,39 +17318,6 @@
               <a:t>3</a:t>
             </a:fld>
             <a:endParaRPr lang="es-ES"/>
-          </a:p>
-        </p:txBody>
-      </p:sp>
-      <p:sp>
-        <p:nvSpPr>
-          <p:cNvPr id="23" name="Marcador de fecha 3">
-            <a:extLst>
-              <a:ext uri="{FF2B5EF4-FFF2-40B4-BE49-F238E27FC236}">
-                <a16:creationId xmlns:a16="http://schemas.microsoft.com/office/drawing/2014/main" id="{E51FF9E2-0149-4619-9464-B6460754077F}"/>
-              </a:ext>
-            </a:extLst>
-          </p:cNvPr>
-          <p:cNvSpPr>
-            <a:spLocks noGrp="1"/>
-          </p:cNvSpPr>
-          <p:nvPr>
-            <p:ph type="dt" sz="half" idx="10"/>
-          </p:nvPr>
-        </p:nvSpPr>
-        <p:spPr>
-          <a:xfrm>
-            <a:off x="838200" y="6356350"/>
-            <a:ext cx="2743200" cy="365125"/>
-          </a:xfrm>
-        </p:spPr>
-        <p:txBody>
-          <a:bodyPr/>
-          <a:lstStyle/>
-          <a:p>
-            <a:r>
-              <a:rPr lang="es-ES" dirty="0"/>
-              <a:t>15/09/2017</a:t>
-            </a:r>
           </a:p>
         </p:txBody>
       </p:sp>
@@ -17325,6 +17533,39 @@
           </a:prstGeom>
         </p:spPr>
       </p:pic>
+      <p:sp>
+        <p:nvSpPr>
+          <p:cNvPr id="10" name="Marcador de fecha 3">
+            <a:extLst>
+              <a:ext uri="{FF2B5EF4-FFF2-40B4-BE49-F238E27FC236}">
+                <a16:creationId xmlns:a16="http://schemas.microsoft.com/office/drawing/2014/main" id="{D3CE607B-8215-4D6C-B45D-BB0B89BAD2E9}"/>
+              </a:ext>
+            </a:extLst>
+          </p:cNvPr>
+          <p:cNvSpPr>
+            <a:spLocks noGrp="1"/>
+          </p:cNvSpPr>
+          <p:nvPr>
+            <p:ph type="dt" sz="half" idx="10"/>
+          </p:nvPr>
+        </p:nvSpPr>
+        <p:spPr>
+          <a:xfrm>
+            <a:off x="838200" y="6356350"/>
+            <a:ext cx="2743200" cy="365125"/>
+          </a:xfrm>
+        </p:spPr>
+        <p:txBody>
+          <a:bodyPr/>
+          <a:lstStyle/>
+          <a:p>
+            <a:r>
+              <a:rPr lang="es-ES" dirty="0"/>
+              <a:t>14/09/2017</a:t>
+            </a:r>
+          </a:p>
+        </p:txBody>
+      </p:sp>
     </p:spTree>
     <p:extLst>
       <p:ext uri="{BB962C8B-B14F-4D97-AF65-F5344CB8AC3E}">
@@ -17421,39 +17662,6 @@
               <a:t>4</a:t>
             </a:fld>
             <a:endParaRPr lang="es-ES"/>
-          </a:p>
-        </p:txBody>
-      </p:sp>
-      <p:sp>
-        <p:nvSpPr>
-          <p:cNvPr id="23" name="Marcador de fecha 3">
-            <a:extLst>
-              <a:ext uri="{FF2B5EF4-FFF2-40B4-BE49-F238E27FC236}">
-                <a16:creationId xmlns:a16="http://schemas.microsoft.com/office/drawing/2014/main" id="{E51FF9E2-0149-4619-9464-B6460754077F}"/>
-              </a:ext>
-            </a:extLst>
-          </p:cNvPr>
-          <p:cNvSpPr>
-            <a:spLocks noGrp="1"/>
-          </p:cNvSpPr>
-          <p:nvPr>
-            <p:ph type="dt" sz="half" idx="10"/>
-          </p:nvPr>
-        </p:nvSpPr>
-        <p:spPr>
-          <a:xfrm>
-            <a:off x="838200" y="6356350"/>
-            <a:ext cx="2743200" cy="365125"/>
-          </a:xfrm>
-        </p:spPr>
-        <p:txBody>
-          <a:bodyPr/>
-          <a:lstStyle/>
-          <a:p>
-            <a:r>
-              <a:rPr lang="es-ES" dirty="0"/>
-              <a:t>15/09/2017</a:t>
-            </a:r>
           </a:p>
         </p:txBody>
       </p:sp>
@@ -18295,6 +18503,39 @@
           </a:graphicData>
         </a:graphic>
       </p:graphicFrame>
+      <p:sp>
+        <p:nvSpPr>
+          <p:cNvPr id="8" name="Marcador de fecha 3">
+            <a:extLst>
+              <a:ext uri="{FF2B5EF4-FFF2-40B4-BE49-F238E27FC236}">
+                <a16:creationId xmlns:a16="http://schemas.microsoft.com/office/drawing/2014/main" id="{EE2EC2B2-179A-42E9-8EDB-2644CBF6A367}"/>
+              </a:ext>
+            </a:extLst>
+          </p:cNvPr>
+          <p:cNvSpPr>
+            <a:spLocks noGrp="1"/>
+          </p:cNvSpPr>
+          <p:nvPr>
+            <p:ph type="dt" sz="half" idx="10"/>
+          </p:nvPr>
+        </p:nvSpPr>
+        <p:spPr>
+          <a:xfrm>
+            <a:off x="838200" y="6356350"/>
+            <a:ext cx="2743200" cy="365125"/>
+          </a:xfrm>
+        </p:spPr>
+        <p:txBody>
+          <a:bodyPr/>
+          <a:lstStyle/>
+          <a:p>
+            <a:r>
+              <a:rPr lang="es-ES" dirty="0"/>
+              <a:t>14/09/2017</a:t>
+            </a:r>
+          </a:p>
+        </p:txBody>
+      </p:sp>
     </p:spTree>
     <p:extLst>
       <p:ext uri="{BB962C8B-B14F-4D97-AF65-F5344CB8AC3E}">
@@ -18396,39 +18637,6 @@
       </p:sp>
       <p:sp>
         <p:nvSpPr>
-          <p:cNvPr id="23" name="Marcador de fecha 3">
-            <a:extLst>
-              <a:ext uri="{FF2B5EF4-FFF2-40B4-BE49-F238E27FC236}">
-                <a16:creationId xmlns:a16="http://schemas.microsoft.com/office/drawing/2014/main" id="{E51FF9E2-0149-4619-9464-B6460754077F}"/>
-              </a:ext>
-            </a:extLst>
-          </p:cNvPr>
-          <p:cNvSpPr>
-            <a:spLocks noGrp="1"/>
-          </p:cNvSpPr>
-          <p:nvPr>
-            <p:ph type="dt" sz="half" idx="10"/>
-          </p:nvPr>
-        </p:nvSpPr>
-        <p:spPr>
-          <a:xfrm>
-            <a:off x="838200" y="6356350"/>
-            <a:ext cx="2743200" cy="365125"/>
-          </a:xfrm>
-        </p:spPr>
-        <p:txBody>
-          <a:bodyPr/>
-          <a:lstStyle/>
-          <a:p>
-            <a:r>
-              <a:rPr lang="es-ES" dirty="0"/>
-              <a:t>15/09/2017</a:t>
-            </a:r>
-          </a:p>
-        </p:txBody>
-      </p:sp>
-      <p:sp>
-        <p:nvSpPr>
           <p:cNvPr id="32" name="Marcador de pie de página 4">
             <a:extLst>
               <a:ext uri="{FF2B5EF4-FFF2-40B4-BE49-F238E27FC236}">
@@ -18511,6 +18719,39 @@
           </a:prstGeom>
         </p:spPr>
       </p:pic>
+      <p:sp>
+        <p:nvSpPr>
+          <p:cNvPr id="7" name="Marcador de fecha 3">
+            <a:extLst>
+              <a:ext uri="{FF2B5EF4-FFF2-40B4-BE49-F238E27FC236}">
+                <a16:creationId xmlns:a16="http://schemas.microsoft.com/office/drawing/2014/main" id="{C32FA66A-E5A8-4856-9124-77BB9488EAE1}"/>
+              </a:ext>
+            </a:extLst>
+          </p:cNvPr>
+          <p:cNvSpPr>
+            <a:spLocks noGrp="1"/>
+          </p:cNvSpPr>
+          <p:nvPr>
+            <p:ph type="dt" sz="half" idx="10"/>
+          </p:nvPr>
+        </p:nvSpPr>
+        <p:spPr>
+          <a:xfrm>
+            <a:off x="838200" y="6356350"/>
+            <a:ext cx="2743200" cy="365125"/>
+          </a:xfrm>
+        </p:spPr>
+        <p:txBody>
+          <a:bodyPr/>
+          <a:lstStyle/>
+          <a:p>
+            <a:r>
+              <a:rPr lang="es-ES" dirty="0"/>
+              <a:t>14/09/2017</a:t>
+            </a:r>
+          </a:p>
+        </p:txBody>
+      </p:sp>
     </p:spTree>
     <p:extLst>
       <p:ext uri="{BB962C8B-B14F-4D97-AF65-F5344CB8AC3E}">
@@ -18612,39 +18853,6 @@
       </p:sp>
       <p:sp>
         <p:nvSpPr>
-          <p:cNvPr id="23" name="Marcador de fecha 3">
-            <a:extLst>
-              <a:ext uri="{FF2B5EF4-FFF2-40B4-BE49-F238E27FC236}">
-                <a16:creationId xmlns:a16="http://schemas.microsoft.com/office/drawing/2014/main" id="{E51FF9E2-0149-4619-9464-B6460754077F}"/>
-              </a:ext>
-            </a:extLst>
-          </p:cNvPr>
-          <p:cNvSpPr>
-            <a:spLocks noGrp="1"/>
-          </p:cNvSpPr>
-          <p:nvPr>
-            <p:ph type="dt" sz="half" idx="10"/>
-          </p:nvPr>
-        </p:nvSpPr>
-        <p:spPr>
-          <a:xfrm>
-            <a:off x="838200" y="6356350"/>
-            <a:ext cx="2743200" cy="365125"/>
-          </a:xfrm>
-        </p:spPr>
-        <p:txBody>
-          <a:bodyPr/>
-          <a:lstStyle/>
-          <a:p>
-            <a:r>
-              <a:rPr lang="es-ES" dirty="0"/>
-              <a:t>15/09/2017</a:t>
-            </a:r>
-          </a:p>
-        </p:txBody>
-      </p:sp>
-      <p:sp>
-        <p:nvSpPr>
           <p:cNvPr id="32" name="Marcador de pie de página 4">
             <a:extLst>
               <a:ext uri="{FF2B5EF4-FFF2-40B4-BE49-F238E27FC236}">
@@ -18727,6 +18935,39 @@
           </a:prstGeom>
         </p:spPr>
       </p:pic>
+      <p:sp>
+        <p:nvSpPr>
+          <p:cNvPr id="8" name="Marcador de fecha 3">
+            <a:extLst>
+              <a:ext uri="{FF2B5EF4-FFF2-40B4-BE49-F238E27FC236}">
+                <a16:creationId xmlns:a16="http://schemas.microsoft.com/office/drawing/2014/main" id="{15CFDB73-533C-4945-B8A3-EF26F31FB7CF}"/>
+              </a:ext>
+            </a:extLst>
+          </p:cNvPr>
+          <p:cNvSpPr>
+            <a:spLocks noGrp="1"/>
+          </p:cNvSpPr>
+          <p:nvPr>
+            <p:ph type="dt" sz="half" idx="10"/>
+          </p:nvPr>
+        </p:nvSpPr>
+        <p:spPr>
+          <a:xfrm>
+            <a:off x="838200" y="6356350"/>
+            <a:ext cx="2743200" cy="365125"/>
+          </a:xfrm>
+        </p:spPr>
+        <p:txBody>
+          <a:bodyPr/>
+          <a:lstStyle/>
+          <a:p>
+            <a:r>
+              <a:rPr lang="es-ES" dirty="0"/>
+              <a:t>14/09/2017</a:t>
+            </a:r>
+          </a:p>
+        </p:txBody>
+      </p:sp>
     </p:spTree>
     <p:extLst>
       <p:ext uri="{BB962C8B-B14F-4D97-AF65-F5344CB8AC3E}">
@@ -19590,39 +19831,6 @@
       </p:sp>
       <p:sp>
         <p:nvSpPr>
-          <p:cNvPr id="23" name="Marcador de fecha 3">
-            <a:extLst>
-              <a:ext uri="{FF2B5EF4-FFF2-40B4-BE49-F238E27FC236}">
-                <a16:creationId xmlns:a16="http://schemas.microsoft.com/office/drawing/2014/main" id="{E51FF9E2-0149-4619-9464-B6460754077F}"/>
-              </a:ext>
-            </a:extLst>
-          </p:cNvPr>
-          <p:cNvSpPr>
-            <a:spLocks noGrp="1"/>
-          </p:cNvSpPr>
-          <p:nvPr>
-            <p:ph type="dt" sz="half" idx="10"/>
-          </p:nvPr>
-        </p:nvSpPr>
-        <p:spPr>
-          <a:xfrm>
-            <a:off x="838200" y="6356350"/>
-            <a:ext cx="2743200" cy="365125"/>
-          </a:xfrm>
-        </p:spPr>
-        <p:txBody>
-          <a:bodyPr/>
-          <a:lstStyle/>
-          <a:p>
-            <a:r>
-              <a:rPr lang="es-ES" dirty="0"/>
-              <a:t>15/09/2017</a:t>
-            </a:r>
-          </a:p>
-        </p:txBody>
-      </p:sp>
-      <p:sp>
-        <p:nvSpPr>
           <p:cNvPr id="32" name="Marcador de pie de página 4">
             <a:extLst>
               <a:ext uri="{FF2B5EF4-FFF2-40B4-BE49-F238E27FC236}">
@@ -19672,6 +19880,39 @@
               <a:t>modelo</a:t>
             </a:r>
             <a:endParaRPr lang="es-ES" dirty="0"/>
+          </a:p>
+        </p:txBody>
+      </p:sp>
+      <p:sp>
+        <p:nvSpPr>
+          <p:cNvPr id="33" name="Marcador de fecha 3">
+            <a:extLst>
+              <a:ext uri="{FF2B5EF4-FFF2-40B4-BE49-F238E27FC236}">
+                <a16:creationId xmlns:a16="http://schemas.microsoft.com/office/drawing/2014/main" id="{EF9C5D58-D8EB-462D-BA89-09A49BBBEBE4}"/>
+              </a:ext>
+            </a:extLst>
+          </p:cNvPr>
+          <p:cNvSpPr>
+            <a:spLocks noGrp="1"/>
+          </p:cNvSpPr>
+          <p:nvPr>
+            <p:ph type="dt" sz="half" idx="10"/>
+          </p:nvPr>
+        </p:nvSpPr>
+        <p:spPr>
+          <a:xfrm>
+            <a:off x="838200" y="6356350"/>
+            <a:ext cx="2743200" cy="365125"/>
+          </a:xfrm>
+        </p:spPr>
+        <p:txBody>
+          <a:bodyPr/>
+          <a:lstStyle/>
+          <a:p>
+            <a:r>
+              <a:rPr lang="es-ES" dirty="0"/>
+              <a:t>14/09/2017</a:t>
+            </a:r>
           </a:p>
         </p:txBody>
       </p:sp>
@@ -19807,39 +20048,6 @@
               <a:t>8</a:t>
             </a:fld>
             <a:endParaRPr lang="es-ES"/>
-          </a:p>
-        </p:txBody>
-      </p:sp>
-      <p:sp>
-        <p:nvSpPr>
-          <p:cNvPr id="23" name="Marcador de fecha 3">
-            <a:extLst>
-              <a:ext uri="{FF2B5EF4-FFF2-40B4-BE49-F238E27FC236}">
-                <a16:creationId xmlns:a16="http://schemas.microsoft.com/office/drawing/2014/main" id="{E51FF9E2-0149-4619-9464-B6460754077F}"/>
-              </a:ext>
-            </a:extLst>
-          </p:cNvPr>
-          <p:cNvSpPr>
-            <a:spLocks noGrp="1"/>
-          </p:cNvSpPr>
-          <p:nvPr>
-            <p:ph type="dt" sz="half" idx="10"/>
-          </p:nvPr>
-        </p:nvSpPr>
-        <p:spPr>
-          <a:xfrm>
-            <a:off x="838200" y="6356350"/>
-            <a:ext cx="2743200" cy="365125"/>
-          </a:xfrm>
-        </p:spPr>
-        <p:txBody>
-          <a:bodyPr/>
-          <a:lstStyle/>
-          <a:p>
-            <a:r>
-              <a:rPr lang="es-ES" dirty="0"/>
-              <a:t>15/09/2017</a:t>
-            </a:r>
           </a:p>
         </p:txBody>
       </p:sp>
@@ -20184,6 +20392,39 @@
           </a:prstGeom>
         </p:spPr>
       </p:pic>
+      <p:sp>
+        <p:nvSpPr>
+          <p:cNvPr id="15" name="Marcador de fecha 3">
+            <a:extLst>
+              <a:ext uri="{FF2B5EF4-FFF2-40B4-BE49-F238E27FC236}">
+                <a16:creationId xmlns:a16="http://schemas.microsoft.com/office/drawing/2014/main" id="{5E8E04ED-D6F7-430E-88A7-ADB63B967A26}"/>
+              </a:ext>
+            </a:extLst>
+          </p:cNvPr>
+          <p:cNvSpPr>
+            <a:spLocks noGrp="1"/>
+          </p:cNvSpPr>
+          <p:nvPr>
+            <p:ph type="dt" sz="half" idx="10"/>
+          </p:nvPr>
+        </p:nvSpPr>
+        <p:spPr>
+          <a:xfrm>
+            <a:off x="838200" y="6356350"/>
+            <a:ext cx="2743200" cy="365125"/>
+          </a:xfrm>
+        </p:spPr>
+        <p:txBody>
+          <a:bodyPr/>
+          <a:lstStyle/>
+          <a:p>
+            <a:r>
+              <a:rPr lang="es-ES" dirty="0"/>
+              <a:t>14/09/2017</a:t>
+            </a:r>
+          </a:p>
+        </p:txBody>
+      </p:sp>
     </p:spTree>
     <p:extLst>
       <p:ext uri="{BB962C8B-B14F-4D97-AF65-F5344CB8AC3E}">
@@ -20280,39 +20521,6 @@
               <a:t>9</a:t>
             </a:fld>
             <a:endParaRPr lang="es-ES"/>
-          </a:p>
-        </p:txBody>
-      </p:sp>
-      <p:sp>
-        <p:nvSpPr>
-          <p:cNvPr id="23" name="Marcador de fecha 3">
-            <a:extLst>
-              <a:ext uri="{FF2B5EF4-FFF2-40B4-BE49-F238E27FC236}">
-                <a16:creationId xmlns:a16="http://schemas.microsoft.com/office/drawing/2014/main" id="{E51FF9E2-0149-4619-9464-B6460754077F}"/>
-              </a:ext>
-            </a:extLst>
-          </p:cNvPr>
-          <p:cNvSpPr>
-            <a:spLocks noGrp="1"/>
-          </p:cNvSpPr>
-          <p:nvPr>
-            <p:ph type="dt" sz="half" idx="10"/>
-          </p:nvPr>
-        </p:nvSpPr>
-        <p:spPr>
-          <a:xfrm>
-            <a:off x="838200" y="6356350"/>
-            <a:ext cx="2743200" cy="365125"/>
-          </a:xfrm>
-        </p:spPr>
-        <p:txBody>
-          <a:bodyPr/>
-          <a:lstStyle/>
-          <a:p>
-            <a:r>
-              <a:rPr lang="es-ES" dirty="0"/>
-              <a:t>15/09/2017</a:t>
-            </a:r>
           </a:p>
         </p:txBody>
       </p:sp>
@@ -20529,6 +20737,39 @@
           </a:prstGeom>
         </p:spPr>
       </p:pic>
+      <p:sp>
+        <p:nvSpPr>
+          <p:cNvPr id="10" name="Marcador de fecha 3">
+            <a:extLst>
+              <a:ext uri="{FF2B5EF4-FFF2-40B4-BE49-F238E27FC236}">
+                <a16:creationId xmlns:a16="http://schemas.microsoft.com/office/drawing/2014/main" id="{067D4CB4-5FA3-4DE5-970B-854FA1D0E8CB}"/>
+              </a:ext>
+            </a:extLst>
+          </p:cNvPr>
+          <p:cNvSpPr>
+            <a:spLocks noGrp="1"/>
+          </p:cNvSpPr>
+          <p:nvPr>
+            <p:ph type="dt" sz="half" idx="10"/>
+          </p:nvPr>
+        </p:nvSpPr>
+        <p:spPr>
+          <a:xfrm>
+            <a:off x="838200" y="6356350"/>
+            <a:ext cx="2743200" cy="365125"/>
+          </a:xfrm>
+        </p:spPr>
+        <p:txBody>
+          <a:bodyPr/>
+          <a:lstStyle/>
+          <a:p>
+            <a:r>
+              <a:rPr lang="es-ES" dirty="0"/>
+              <a:t>14/09/2017</a:t>
+            </a:r>
+          </a:p>
+        </p:txBody>
+      </p:sp>
     </p:spTree>
     <p:extLst>
       <p:ext uri="{BB962C8B-B14F-4D97-AF65-F5344CB8AC3E}">
@@ -21720,4 +21961,299 @@
     </a:ext>
   </a:extLst>
 </a:theme>
+</file>
+
+<file path=ppt/theme/theme5.xml><?xml version="1.0" encoding="utf-8"?>
+<a:theme xmlns:a="http://schemas.openxmlformats.org/drawingml/2006/main" name="Tema de Office">
+  <a:themeElements>
+    <a:clrScheme name="Office">
+      <a:dk1>
+        <a:sysClr val="windowText" lastClr="000000"/>
+      </a:dk1>
+      <a:lt1>
+        <a:sysClr val="window" lastClr="FFFFFF"/>
+      </a:lt1>
+      <a:dk2>
+        <a:srgbClr val="44546A"/>
+      </a:dk2>
+      <a:lt2>
+        <a:srgbClr val="E7E6E6"/>
+      </a:lt2>
+      <a:accent1>
+        <a:srgbClr val="4472C4"/>
+      </a:accent1>
+      <a:accent2>
+        <a:srgbClr val="ED7D31"/>
+      </a:accent2>
+      <a:accent3>
+        <a:srgbClr val="A5A5A5"/>
+      </a:accent3>
+      <a:accent4>
+        <a:srgbClr val="FFC000"/>
+      </a:accent4>
+      <a:accent5>
+        <a:srgbClr val="5B9BD5"/>
+      </a:accent5>
+      <a:accent6>
+        <a:srgbClr val="70AD47"/>
+      </a:accent6>
+      <a:hlink>
+        <a:srgbClr val="0563C1"/>
+      </a:hlink>
+      <a:folHlink>
+        <a:srgbClr val="954F72"/>
+      </a:folHlink>
+    </a:clrScheme>
+    <a:fontScheme name="Office">
+      <a:majorFont>
+        <a:latin typeface="Calibri Light" panose="020F0302020204030204"/>
+        <a:ea typeface=""/>
+        <a:cs typeface=""/>
+        <a:font script="Jpan" typeface="游ゴシック Light"/>
+        <a:font script="Hang" typeface="맑은 고딕"/>
+        <a:font script="Hans" typeface="等线 Light"/>
+        <a:font script="Hant" typeface="新細明體"/>
+        <a:font script="Arab" typeface="Times New Roman"/>
+        <a:font script="Hebr" typeface="Times New Roman"/>
+        <a:font script="Thai" typeface="Angsana New"/>
+        <a:font script="Ethi" typeface="Nyala"/>
+        <a:font script="Beng" typeface="Vrinda"/>
+        <a:font script="Gujr" typeface="Shruti"/>
+        <a:font script="Khmr" typeface="MoolBoran"/>
+        <a:font script="Knda" typeface="Tunga"/>
+        <a:font script="Guru" typeface="Raavi"/>
+        <a:font script="Cans" typeface="Euphemia"/>
+        <a:font script="Cher" typeface="Plantagenet Cherokee"/>
+        <a:font script="Yiii" typeface="Microsoft Yi Baiti"/>
+        <a:font script="Tibt" typeface="Microsoft Himalaya"/>
+        <a:font script="Thaa" typeface="MV Boli"/>
+        <a:font script="Deva" typeface="Mangal"/>
+        <a:font script="Telu" typeface="Gautami"/>
+        <a:font script="Taml" typeface="Latha"/>
+        <a:font script="Syrc" typeface="Estrangelo Edessa"/>
+        <a:font script="Orya" typeface="Kalinga"/>
+        <a:font script="Mlym" typeface="Kartika"/>
+        <a:font script="Laoo" typeface="DokChampa"/>
+        <a:font script="Sinh" typeface="Iskoola Pota"/>
+        <a:font script="Mong" typeface="Mongolian Baiti"/>
+        <a:font script="Viet" typeface="Times New Roman"/>
+        <a:font script="Uigh" typeface="Microsoft Uighur"/>
+        <a:font script="Geor" typeface="Sylfaen"/>
+        <a:font script="Armn" typeface="Arial"/>
+        <a:font script="Bugi" typeface="Leelawadee UI"/>
+        <a:font script="Bopo" typeface="Microsoft JhengHei"/>
+        <a:font script="Java" typeface="Javanese Text"/>
+        <a:font script="Lisu" typeface="Segoe UI"/>
+        <a:font script="Mymr" typeface="Myanmar Text"/>
+        <a:font script="Nkoo" typeface="Ebrima"/>
+        <a:font script="Olck" typeface="Nirmala UI"/>
+        <a:font script="Osma" typeface="Ebrima"/>
+        <a:font script="Phag" typeface="Phagspa"/>
+        <a:font script="Syrn" typeface="Estrangelo Edessa"/>
+        <a:font script="Syrj" typeface="Estrangelo Edessa"/>
+        <a:font script="Syre" typeface="Estrangelo Edessa"/>
+        <a:font script="Sora" typeface="Nirmala UI"/>
+        <a:font script="Tale" typeface="Microsoft Tai Le"/>
+        <a:font script="Talu" typeface="Microsoft New Tai Lue"/>
+        <a:font script="Tfng" typeface="Ebrima"/>
+      </a:majorFont>
+      <a:minorFont>
+        <a:latin typeface="Calibri" panose="020F0502020204030204"/>
+        <a:ea typeface=""/>
+        <a:cs typeface=""/>
+        <a:font script="Jpan" typeface="游ゴシック"/>
+        <a:font script="Hang" typeface="맑은 고딕"/>
+        <a:font script="Hans" typeface="等线"/>
+        <a:font script="Hant" typeface="新細明體"/>
+        <a:font script="Arab" typeface="Arial"/>
+        <a:font script="Hebr" typeface="Arial"/>
+        <a:font script="Thai" typeface="Cordia New"/>
+        <a:font script="Ethi" typeface="Nyala"/>
+        <a:font script="Beng" typeface="Vrinda"/>
+        <a:font script="Gujr" typeface="Shruti"/>
+        <a:font script="Khmr" typeface="DaunPenh"/>
+        <a:font script="Knda" typeface="Tunga"/>
+        <a:font script="Guru" typeface="Raavi"/>
+        <a:font script="Cans" typeface="Euphemia"/>
+        <a:font script="Cher" typeface="Plantagenet Cherokee"/>
+        <a:font script="Yiii" typeface="Microsoft Yi Baiti"/>
+        <a:font script="Tibt" typeface="Microsoft Himalaya"/>
+        <a:font script="Thaa" typeface="MV Boli"/>
+        <a:font script="Deva" typeface="Mangal"/>
+        <a:font script="Telu" typeface="Gautami"/>
+        <a:font script="Taml" typeface="Latha"/>
+        <a:font script="Syrc" typeface="Estrangelo Edessa"/>
+        <a:font script="Orya" typeface="Kalinga"/>
+        <a:font script="Mlym" typeface="Kartika"/>
+        <a:font script="Laoo" typeface="DokChampa"/>
+        <a:font script="Sinh" typeface="Iskoola Pota"/>
+        <a:font script="Mong" typeface="Mongolian Baiti"/>
+        <a:font script="Viet" typeface="Arial"/>
+        <a:font script="Uigh" typeface="Microsoft Uighur"/>
+        <a:font script="Geor" typeface="Sylfaen"/>
+        <a:font script="Armn" typeface="Arial"/>
+        <a:font script="Bugi" typeface="Leelawadee UI"/>
+        <a:font script="Bopo" typeface="Microsoft JhengHei"/>
+        <a:font script="Java" typeface="Javanese Text"/>
+        <a:font script="Lisu" typeface="Segoe UI"/>
+        <a:font script="Mymr" typeface="Myanmar Text"/>
+        <a:font script="Nkoo" typeface="Ebrima"/>
+        <a:font script="Olck" typeface="Nirmala UI"/>
+        <a:font script="Osma" typeface="Ebrima"/>
+        <a:font script="Phag" typeface="Phagspa"/>
+        <a:font script="Syrn" typeface="Estrangelo Edessa"/>
+        <a:font script="Syrj" typeface="Estrangelo Edessa"/>
+        <a:font script="Syre" typeface="Estrangelo Edessa"/>
+        <a:font script="Sora" typeface="Nirmala UI"/>
+        <a:font script="Tale" typeface="Microsoft Tai Le"/>
+        <a:font script="Talu" typeface="Microsoft New Tai Lue"/>
+        <a:font script="Tfng" typeface="Ebrima"/>
+      </a:minorFont>
+    </a:fontScheme>
+    <a:fmtScheme name="Office">
+      <a:fillStyleLst>
+        <a:solidFill>
+          <a:schemeClr val="phClr"/>
+        </a:solidFill>
+        <a:gradFill rotWithShape="1">
+          <a:gsLst>
+            <a:gs pos="0">
+              <a:schemeClr val="phClr">
+                <a:lumMod val="110000"/>
+                <a:satMod val="105000"/>
+                <a:tint val="67000"/>
+              </a:schemeClr>
+            </a:gs>
+            <a:gs pos="50000">
+              <a:schemeClr val="phClr">
+                <a:lumMod val="105000"/>
+                <a:satMod val="103000"/>
+                <a:tint val="73000"/>
+              </a:schemeClr>
+            </a:gs>
+            <a:gs pos="100000">
+              <a:schemeClr val="phClr">
+                <a:lumMod val="105000"/>
+                <a:satMod val="109000"/>
+                <a:tint val="81000"/>
+              </a:schemeClr>
+            </a:gs>
+          </a:gsLst>
+          <a:lin ang="5400000" scaled="0"/>
+        </a:gradFill>
+        <a:gradFill rotWithShape="1">
+          <a:gsLst>
+            <a:gs pos="0">
+              <a:schemeClr val="phClr">
+                <a:satMod val="103000"/>
+                <a:lumMod val="102000"/>
+                <a:tint val="94000"/>
+              </a:schemeClr>
+            </a:gs>
+            <a:gs pos="50000">
+              <a:schemeClr val="phClr">
+                <a:satMod val="110000"/>
+                <a:lumMod val="100000"/>
+                <a:shade val="100000"/>
+              </a:schemeClr>
+            </a:gs>
+            <a:gs pos="100000">
+              <a:schemeClr val="phClr">
+                <a:lumMod val="99000"/>
+                <a:satMod val="120000"/>
+                <a:shade val="78000"/>
+              </a:schemeClr>
+            </a:gs>
+          </a:gsLst>
+          <a:lin ang="5400000" scaled="0"/>
+        </a:gradFill>
+      </a:fillStyleLst>
+      <a:lnStyleLst>
+        <a:ln w="6350" cap="flat" cmpd="sng" algn="ctr">
+          <a:solidFill>
+            <a:schemeClr val="phClr"/>
+          </a:solidFill>
+          <a:prstDash val="solid"/>
+          <a:miter lim="800000"/>
+        </a:ln>
+        <a:ln w="12700" cap="flat" cmpd="sng" algn="ctr">
+          <a:solidFill>
+            <a:schemeClr val="phClr"/>
+          </a:solidFill>
+          <a:prstDash val="solid"/>
+          <a:miter lim="800000"/>
+        </a:ln>
+        <a:ln w="19050" cap="flat" cmpd="sng" algn="ctr">
+          <a:solidFill>
+            <a:schemeClr val="phClr"/>
+          </a:solidFill>
+          <a:prstDash val="solid"/>
+          <a:miter lim="800000"/>
+        </a:ln>
+      </a:lnStyleLst>
+      <a:effectStyleLst>
+        <a:effectStyle>
+          <a:effectLst/>
+        </a:effectStyle>
+        <a:effectStyle>
+          <a:effectLst/>
+        </a:effectStyle>
+        <a:effectStyle>
+          <a:effectLst>
+            <a:outerShdw blurRad="57150" dist="19050" dir="5400000" algn="ctr" rotWithShape="0">
+              <a:srgbClr val="000000">
+                <a:alpha val="63000"/>
+              </a:srgbClr>
+            </a:outerShdw>
+          </a:effectLst>
+        </a:effectStyle>
+      </a:effectStyleLst>
+      <a:bgFillStyleLst>
+        <a:solidFill>
+          <a:schemeClr val="phClr"/>
+        </a:solidFill>
+        <a:solidFill>
+          <a:schemeClr val="phClr">
+            <a:tint val="95000"/>
+            <a:satMod val="170000"/>
+          </a:schemeClr>
+        </a:solidFill>
+        <a:gradFill rotWithShape="1">
+          <a:gsLst>
+            <a:gs pos="0">
+              <a:schemeClr val="phClr">
+                <a:tint val="93000"/>
+                <a:satMod val="150000"/>
+                <a:shade val="98000"/>
+                <a:lumMod val="102000"/>
+              </a:schemeClr>
+            </a:gs>
+            <a:gs pos="50000">
+              <a:schemeClr val="phClr">
+                <a:tint val="98000"/>
+                <a:satMod val="130000"/>
+                <a:shade val="90000"/>
+                <a:lumMod val="103000"/>
+              </a:schemeClr>
+            </a:gs>
+            <a:gs pos="100000">
+              <a:schemeClr val="phClr">
+                <a:shade val="63000"/>
+                <a:satMod val="120000"/>
+              </a:schemeClr>
+            </a:gs>
+          </a:gsLst>
+          <a:lin ang="5400000" scaled="0"/>
+        </a:gradFill>
+      </a:bgFillStyleLst>
+    </a:fmtScheme>
+  </a:themeElements>
+  <a:objectDefaults/>
+  <a:extraClrSchemeLst/>
+  <a:extLst>
+    <a:ext uri="{05A4C25C-085E-4340-85A3-A5531E510DB2}">
+      <thm15:themeFamily xmlns:thm15="http://schemas.microsoft.com/office/thememl/2012/main" name="Office Theme" id="{62F939B6-93AF-4DB8-9C6B-D6C7DFDC589F}" vid="{4A3C46E8-61CC-4603-A589-7422A47A8E4A}"/>
+    </a:ext>
+  </a:extLst>
+</a:theme>
 </file>
--- a/slides/TFM.pptx
+++ b/slides/TFM.pptx
@@ -125,6 +125,9 @@
   <p:extLst>
     <p:ext uri="{EFAFB233-063F-42B5-8137-9DF3F51BA10A}">
       <p15:sldGuideLst xmlns:p15="http://schemas.microsoft.com/office/powerpoint/2012/main"/>
+    </p:ext>
+    <p:ext uri="{2D200454-40CA-4A62-9FC3-DE9A4176ACB9}">
+      <p15:notesGuideLst xmlns:p15="http://schemas.microsoft.com/office/powerpoint/2012/main"/>
     </p:ext>
   </p:extLst>
 </p:presentation>
@@ -3425,7 +3428,7 @@
   <dgm:whole/>
   <dgm:extLst>
     <a:ext uri="http://schemas.microsoft.com/office/drawing/2008/diagram">
-      <dsp:dataModelExt xmlns:dsp="http://schemas.microsoft.com/office/drawing/2008/diagram" relId="rId6" minVer="http://schemas.openxmlformats.org/drawingml/2006/diagram"/>
+      <dsp:dataModelExt xmlns:dsp="http://schemas.microsoft.com/office/drawing/2008/diagram" relId="rId7" minVer="http://schemas.openxmlformats.org/drawingml/2006/diagram"/>
     </a:ext>
   </dgm:extLst>
 </dgm:dataModel>
@@ -10446,6 +10449,947 @@
           <a:bodyPr/>
           <a:lstStyle/>
           <a:p>
+            <a:r>
+              <a:rPr lang="es-ES" dirty="0"/>
+              <a:t>Buenos días, la presentación que voy a exponer constará de 2 partes:</a:t>
+            </a:r>
+          </a:p>
+          <a:p>
+            <a:endParaRPr lang="es-ES" dirty="0"/>
+          </a:p>
+          <a:p>
+            <a:r>
+              <a:rPr lang="es-ES" dirty="0"/>
+              <a:t>	- La primera en la que explicaré los objetivos que se han perseguido en el presente trabajo, así como qué tecnologías he empleado y el desarrollo del trabajo.</a:t>
+            </a:r>
+          </a:p>
+          <a:p>
+            <a:r>
+              <a:rPr lang="es-ES" dirty="0"/>
+              <a:t>	- La segunda en la que se llevará a cabo una simulación para ver los resultados.</a:t>
+            </a:r>
+          </a:p>
+          <a:p>
+            <a:endParaRPr lang="es-ES" dirty="0"/>
+          </a:p>
+          <a:p>
+            <a:r>
+              <a:rPr lang="es-ES" dirty="0"/>
+              <a:t>Como viene indicado, este trabajo trata de la visualización en </a:t>
+            </a:r>
+            <a:r>
+              <a:rPr lang="es-ES" dirty="0" err="1"/>
+              <a:t>streaming</a:t>
+            </a:r>
+            <a:r>
+              <a:rPr lang="es-ES" dirty="0"/>
+              <a:t> de la evaluación de un modelo. El modelo creado es un modelo de clasificación que clasificará paquetes de red según su fuente de origen.</a:t>
+            </a:r>
+          </a:p>
+        </p:txBody>
+      </p:sp>
+      <p:sp>
+        <p:nvSpPr>
+          <p:cNvPr id="4" name="Marcador de número de diapositiva 3"/>
+          <p:cNvSpPr>
+            <a:spLocks noGrp="1"/>
+          </p:cNvSpPr>
+          <p:nvPr>
+            <p:ph type="sldNum" sz="quarter" idx="10"/>
+          </p:nvPr>
+        </p:nvSpPr>
+        <p:spPr/>
+        <p:txBody>
+          <a:bodyPr/>
+          <a:lstStyle/>
+          <a:p>
+            <a:fld id="{0A39E505-5E6B-4B15-B11C-28AB1E673129}" type="slidenum">
+              <a:rPr lang="es-ES" smtClean="0"/>
+              <a:t>1</a:t>
+            </a:fld>
+            <a:endParaRPr lang="es-ES"/>
+          </a:p>
+        </p:txBody>
+      </p:sp>
+    </p:spTree>
+    <p:extLst>
+      <p:ext uri="{BB962C8B-B14F-4D97-AF65-F5344CB8AC3E}">
+        <p14:creationId xmlns:p14="http://schemas.microsoft.com/office/powerpoint/2010/main" val="3862555604"/>
+      </p:ext>
+    </p:extLst>
+  </p:cSld>
+  <p:clrMapOvr>
+    <a:masterClrMapping/>
+  </p:clrMapOvr>
+</p:notes>
+</file>
+
+<file path=ppt/notesSlides/notesSlide2.xml><?xml version="1.0" encoding="utf-8"?>
+<p:notes xmlns:a="http://schemas.openxmlformats.org/drawingml/2006/main" xmlns:r="http://schemas.openxmlformats.org/officeDocument/2006/relationships" xmlns:p="http://schemas.openxmlformats.org/presentationml/2006/main">
+  <p:cSld>
+    <p:spTree>
+      <p:nvGrpSpPr>
+        <p:cNvPr id="1" name=""/>
+        <p:cNvGrpSpPr/>
+        <p:nvPr/>
+      </p:nvGrpSpPr>
+      <p:grpSpPr>
+        <a:xfrm>
+          <a:off x="0" y="0"/>
+          <a:ext cx="0" cy="0"/>
+          <a:chOff x="0" y="0"/>
+          <a:chExt cx="0" cy="0"/>
+        </a:xfrm>
+      </p:grpSpPr>
+      <p:sp>
+        <p:nvSpPr>
+          <p:cNvPr id="2" name="Marcador de imagen de diapositiva 1"/>
+          <p:cNvSpPr>
+            <a:spLocks noGrp="1" noRot="1" noChangeAspect="1"/>
+          </p:cNvSpPr>
+          <p:nvPr>
+            <p:ph type="sldImg"/>
+          </p:nvPr>
+        </p:nvSpPr>
+        <p:spPr/>
+      </p:sp>
+      <p:sp>
+        <p:nvSpPr>
+          <p:cNvPr id="3" name="Marcador de notas 2"/>
+          <p:cNvSpPr>
+            <a:spLocks noGrp="1"/>
+          </p:cNvSpPr>
+          <p:nvPr>
+            <p:ph type="body" idx="1"/>
+          </p:nvPr>
+        </p:nvSpPr>
+        <p:spPr/>
+        <p:txBody>
+          <a:bodyPr/>
+          <a:lstStyle/>
+          <a:p>
+            <a:r>
+              <a:rPr lang="es-ES" dirty="0"/>
+              <a:t>Los objetivos que se han intentado conseguir con este trabajo son</a:t>
+            </a:r>
+          </a:p>
+          <a:p>
+            <a:r>
+              <a:rPr lang="es-ES" dirty="0"/>
+              <a:t>Obj1</a:t>
+            </a:r>
+          </a:p>
+          <a:p>
+            <a:r>
+              <a:rPr lang="es-ES" dirty="0"/>
+              <a:t>	realizar un análisis de un </a:t>
+            </a:r>
+            <a:r>
+              <a:rPr lang="es-ES" dirty="0" err="1"/>
+              <a:t>dataset</a:t>
+            </a:r>
+            <a:r>
+              <a:rPr lang="es-ES" dirty="0"/>
+              <a:t> con datos de red.</a:t>
+            </a:r>
+          </a:p>
+          <a:p>
+            <a:pPr marL="0" marR="0" lvl="0" indent="0" algn="l" defTabSz="914400" rtl="0" eaLnBrk="1" fontAlgn="auto" latinLnBrk="0" hangingPunct="1">
+              <a:lnSpc>
+                <a:spcPct val="100000"/>
+              </a:lnSpc>
+              <a:spcBef>
+                <a:spcPts val="0"/>
+              </a:spcBef>
+              <a:spcAft>
+                <a:spcPts val="0"/>
+              </a:spcAft>
+              <a:buClrTx/>
+              <a:buSzTx/>
+              <a:buFontTx/>
+              <a:buNone/>
+              <a:tabLst/>
+              <a:defRPr/>
+            </a:pPr>
+            <a:r>
+              <a:rPr lang="es-ES" dirty="0"/>
+              <a:t>Obj2</a:t>
+            </a:r>
+          </a:p>
+          <a:p>
+            <a:pPr marL="0" marR="0" lvl="0" indent="0" algn="l" defTabSz="914400" rtl="0" eaLnBrk="1" fontAlgn="auto" latinLnBrk="0" hangingPunct="1">
+              <a:lnSpc>
+                <a:spcPct val="100000"/>
+              </a:lnSpc>
+              <a:spcBef>
+                <a:spcPts val="0"/>
+              </a:spcBef>
+              <a:spcAft>
+                <a:spcPts val="0"/>
+              </a:spcAft>
+              <a:buClrTx/>
+              <a:buSzTx/>
+              <a:buFontTx/>
+              <a:buNone/>
+              <a:tabLst/>
+              <a:defRPr/>
+            </a:pPr>
+            <a:r>
+              <a:rPr lang="es-ES" dirty="0"/>
+              <a:t>	la construcción de un modelo que clasifique cada paquete en función de origen, a partir de ciertas características de los paquetes</a:t>
+            </a:r>
+          </a:p>
+          <a:p>
+            <a:pPr marL="0" marR="0" lvl="0" indent="0" algn="l" defTabSz="914400" rtl="0" eaLnBrk="1" fontAlgn="auto" latinLnBrk="0" hangingPunct="1">
+              <a:lnSpc>
+                <a:spcPct val="100000"/>
+              </a:lnSpc>
+              <a:spcBef>
+                <a:spcPts val="0"/>
+              </a:spcBef>
+              <a:spcAft>
+                <a:spcPts val="0"/>
+              </a:spcAft>
+              <a:buClrTx/>
+              <a:buSzTx/>
+              <a:buFontTx/>
+              <a:buNone/>
+              <a:tabLst/>
+              <a:defRPr/>
+            </a:pPr>
+            <a:r>
+              <a:rPr lang="es-ES" dirty="0"/>
+              <a:t>Obj3</a:t>
+            </a:r>
+          </a:p>
+          <a:p>
+            <a:pPr marL="0" marR="0" lvl="0" indent="0" algn="l" defTabSz="914400" rtl="0" eaLnBrk="1" fontAlgn="auto" latinLnBrk="0" hangingPunct="1">
+              <a:lnSpc>
+                <a:spcPct val="100000"/>
+              </a:lnSpc>
+              <a:spcBef>
+                <a:spcPts val="0"/>
+              </a:spcBef>
+              <a:spcAft>
+                <a:spcPts val="0"/>
+              </a:spcAft>
+              <a:buClrTx/>
+              <a:buSzTx/>
+              <a:buFontTx/>
+              <a:buNone/>
+              <a:tabLst/>
+              <a:defRPr/>
+            </a:pPr>
+            <a:r>
+              <a:rPr lang="es-ES" dirty="0"/>
+              <a:t>	juntar diversas tecnologías del ámbito </a:t>
+            </a:r>
+            <a:r>
+              <a:rPr lang="es-ES" dirty="0" err="1"/>
+              <a:t>big</a:t>
+            </a:r>
+            <a:r>
+              <a:rPr lang="es-ES" dirty="0"/>
+              <a:t> data</a:t>
+            </a:r>
+          </a:p>
+          <a:p>
+            <a:pPr marL="0" marR="0" lvl="0" indent="0" algn="l" defTabSz="914400" rtl="0" eaLnBrk="1" fontAlgn="auto" latinLnBrk="0" hangingPunct="1">
+              <a:lnSpc>
+                <a:spcPct val="100000"/>
+              </a:lnSpc>
+              <a:spcBef>
+                <a:spcPts val="0"/>
+              </a:spcBef>
+              <a:spcAft>
+                <a:spcPts val="0"/>
+              </a:spcAft>
+              <a:buClrTx/>
+              <a:buSzTx/>
+              <a:buFontTx/>
+              <a:buNone/>
+              <a:tabLst/>
+              <a:defRPr/>
+            </a:pPr>
+            <a:r>
+              <a:rPr lang="es-ES" dirty="0"/>
+              <a:t>Obj4</a:t>
+            </a:r>
+          </a:p>
+          <a:p>
+            <a:pPr marL="0" marR="0" lvl="0" indent="0" algn="l" defTabSz="914400" rtl="0" eaLnBrk="1" fontAlgn="auto" latinLnBrk="0" hangingPunct="1">
+              <a:lnSpc>
+                <a:spcPct val="100000"/>
+              </a:lnSpc>
+              <a:spcBef>
+                <a:spcPts val="0"/>
+              </a:spcBef>
+              <a:spcAft>
+                <a:spcPts val="0"/>
+              </a:spcAft>
+              <a:buClrTx/>
+              <a:buSzTx/>
+              <a:buFontTx/>
+              <a:buNone/>
+              <a:tabLst/>
+              <a:defRPr/>
+            </a:pPr>
+            <a:endParaRPr lang="es-ES" dirty="0"/>
+          </a:p>
+          <a:p>
+            <a:pPr marL="0" marR="0" lvl="0" indent="0" algn="l" defTabSz="914400" rtl="0" eaLnBrk="1" fontAlgn="auto" latinLnBrk="0" hangingPunct="1">
+              <a:lnSpc>
+                <a:spcPct val="100000"/>
+              </a:lnSpc>
+              <a:spcBef>
+                <a:spcPts val="0"/>
+              </a:spcBef>
+              <a:spcAft>
+                <a:spcPts val="0"/>
+              </a:spcAft>
+              <a:buClrTx/>
+              <a:buSzTx/>
+              <a:buFontTx/>
+              <a:buNone/>
+              <a:tabLst/>
+              <a:defRPr/>
+            </a:pPr>
+            <a:r>
+              <a:rPr lang="es-ES" dirty="0"/>
+              <a:t>	poder ver los resultados en </a:t>
+            </a:r>
+            <a:r>
+              <a:rPr lang="es-ES" dirty="0" err="1"/>
+              <a:t>streaming</a:t>
+            </a:r>
+            <a:r>
+              <a:rPr lang="es-ES" dirty="0"/>
+              <a:t>, que es algo bastante a la orden del día</a:t>
+            </a:r>
+          </a:p>
+          <a:p>
+            <a:pPr marL="0" marR="0" lvl="0" indent="0" algn="l" defTabSz="914400" rtl="0" eaLnBrk="1" fontAlgn="auto" latinLnBrk="0" hangingPunct="1">
+              <a:lnSpc>
+                <a:spcPct val="100000"/>
+              </a:lnSpc>
+              <a:spcBef>
+                <a:spcPts val="0"/>
+              </a:spcBef>
+              <a:spcAft>
+                <a:spcPts val="0"/>
+              </a:spcAft>
+              <a:buClrTx/>
+              <a:buSzTx/>
+              <a:buFontTx/>
+              <a:buNone/>
+              <a:tabLst/>
+              <a:defRPr/>
+            </a:pPr>
+            <a:endParaRPr lang="es-ES" dirty="0"/>
+          </a:p>
+          <a:p>
+            <a:endParaRPr lang="es-ES" dirty="0"/>
+          </a:p>
+        </p:txBody>
+      </p:sp>
+      <p:sp>
+        <p:nvSpPr>
+          <p:cNvPr id="4" name="Marcador de número de diapositiva 3"/>
+          <p:cNvSpPr>
+            <a:spLocks noGrp="1"/>
+          </p:cNvSpPr>
+          <p:nvPr>
+            <p:ph type="sldNum" sz="quarter" idx="10"/>
+          </p:nvPr>
+        </p:nvSpPr>
+        <p:spPr/>
+        <p:txBody>
+          <a:bodyPr/>
+          <a:lstStyle/>
+          <a:p>
+            <a:fld id="{0A39E505-5E6B-4B15-B11C-28AB1E673129}" type="slidenum">
+              <a:rPr lang="es-ES" smtClean="0"/>
+              <a:t>2</a:t>
+            </a:fld>
+            <a:endParaRPr lang="es-ES"/>
+          </a:p>
+        </p:txBody>
+      </p:sp>
+    </p:spTree>
+    <p:extLst>
+      <p:ext uri="{BB962C8B-B14F-4D97-AF65-F5344CB8AC3E}">
+        <p14:creationId xmlns:p14="http://schemas.microsoft.com/office/powerpoint/2010/main" val="1504810726"/>
+      </p:ext>
+    </p:extLst>
+  </p:cSld>
+  <p:clrMapOvr>
+    <a:masterClrMapping/>
+  </p:clrMapOvr>
+</p:notes>
+</file>
+
+<file path=ppt/notesSlides/notesSlide3.xml><?xml version="1.0" encoding="utf-8"?>
+<p:notes xmlns:a="http://schemas.openxmlformats.org/drawingml/2006/main" xmlns:r="http://schemas.openxmlformats.org/officeDocument/2006/relationships" xmlns:p="http://schemas.openxmlformats.org/presentationml/2006/main">
+  <p:cSld>
+    <p:spTree>
+      <p:nvGrpSpPr>
+        <p:cNvPr id="1" name=""/>
+        <p:cNvGrpSpPr/>
+        <p:nvPr/>
+      </p:nvGrpSpPr>
+      <p:grpSpPr>
+        <a:xfrm>
+          <a:off x="0" y="0"/>
+          <a:ext cx="0" cy="0"/>
+          <a:chOff x="0" y="0"/>
+          <a:chExt cx="0" cy="0"/>
+        </a:xfrm>
+      </p:grpSpPr>
+      <p:sp>
+        <p:nvSpPr>
+          <p:cNvPr id="2" name="Marcador de imagen de diapositiva 1"/>
+          <p:cNvSpPr>
+            <a:spLocks noGrp="1" noRot="1" noChangeAspect="1"/>
+          </p:cNvSpPr>
+          <p:nvPr>
+            <p:ph type="sldImg"/>
+          </p:nvPr>
+        </p:nvSpPr>
+        <p:spPr/>
+      </p:sp>
+      <p:sp>
+        <p:nvSpPr>
+          <p:cNvPr id="3" name="Marcador de notas 2"/>
+          <p:cNvSpPr>
+            <a:spLocks noGrp="1"/>
+          </p:cNvSpPr>
+          <p:nvPr>
+            <p:ph type="body" idx="1"/>
+          </p:nvPr>
+        </p:nvSpPr>
+        <p:spPr/>
+        <p:txBody>
+          <a:bodyPr/>
+          <a:lstStyle/>
+          <a:p>
+            <a:r>
+              <a:rPr lang="es-ES" dirty="0"/>
+              <a:t>El primer paso que se realizo fue la captura de los datos. Las fuentes que se han utilizado son muy concretas. </a:t>
+            </a:r>
+          </a:p>
+          <a:p>
+            <a:r>
+              <a:rPr lang="es-ES" dirty="0"/>
+              <a:t>	Descarga de la página del diario deportivo as.com</a:t>
+            </a:r>
+          </a:p>
+          <a:p>
+            <a:r>
+              <a:rPr lang="es-ES" dirty="0"/>
+              <a:t>	Descarga de video de </a:t>
+            </a:r>
+            <a:r>
+              <a:rPr lang="es-ES" dirty="0" err="1"/>
+              <a:t>youtube</a:t>
+            </a:r>
+            <a:endParaRPr lang="es-ES" dirty="0"/>
+          </a:p>
+          <a:p>
+            <a:r>
+              <a:rPr lang="es-ES" dirty="0"/>
+              <a:t>	Simulación de paquetes IP mediante ping (ajustando la tasa y el tamaño de paquete)</a:t>
+            </a:r>
+          </a:p>
+          <a:p>
+            <a:r>
+              <a:rPr lang="es-ES" dirty="0"/>
+              <a:t>La recogida tuvo lugar con 10 minutos de ejecución de cada una de las fuentes de información</a:t>
+            </a:r>
+          </a:p>
+        </p:txBody>
+      </p:sp>
+      <p:sp>
+        <p:nvSpPr>
+          <p:cNvPr id="4" name="Marcador de número de diapositiva 3"/>
+          <p:cNvSpPr>
+            <a:spLocks noGrp="1"/>
+          </p:cNvSpPr>
+          <p:nvPr>
+            <p:ph type="sldNum" sz="quarter" idx="10"/>
+          </p:nvPr>
+        </p:nvSpPr>
+        <p:spPr/>
+        <p:txBody>
+          <a:bodyPr/>
+          <a:lstStyle/>
+          <a:p>
+            <a:fld id="{0A39E505-5E6B-4B15-B11C-28AB1E673129}" type="slidenum">
+              <a:rPr lang="es-ES" smtClean="0"/>
+              <a:t>3</a:t>
+            </a:fld>
+            <a:endParaRPr lang="es-ES"/>
+          </a:p>
+        </p:txBody>
+      </p:sp>
+    </p:spTree>
+    <p:extLst>
+      <p:ext uri="{BB962C8B-B14F-4D97-AF65-F5344CB8AC3E}">
+        <p14:creationId xmlns:p14="http://schemas.microsoft.com/office/powerpoint/2010/main" val="3436506061"/>
+      </p:ext>
+    </p:extLst>
+  </p:cSld>
+  <p:clrMapOvr>
+    <a:masterClrMapping/>
+  </p:clrMapOvr>
+</p:notes>
+</file>
+
+<file path=ppt/notesSlides/notesSlide4.xml><?xml version="1.0" encoding="utf-8"?>
+<p:notes xmlns:a="http://schemas.openxmlformats.org/drawingml/2006/main" xmlns:r="http://schemas.openxmlformats.org/officeDocument/2006/relationships" xmlns:p="http://schemas.openxmlformats.org/presentationml/2006/main">
+  <p:cSld>
+    <p:spTree>
+      <p:nvGrpSpPr>
+        <p:cNvPr id="1" name=""/>
+        <p:cNvGrpSpPr/>
+        <p:nvPr/>
+      </p:nvGrpSpPr>
+      <p:grpSpPr>
+        <a:xfrm>
+          <a:off x="0" y="0"/>
+          <a:ext cx="0" cy="0"/>
+          <a:chOff x="0" y="0"/>
+          <a:chExt cx="0" cy="0"/>
+        </a:xfrm>
+      </p:grpSpPr>
+      <p:sp>
+        <p:nvSpPr>
+          <p:cNvPr id="2" name="Marcador de imagen de diapositiva 1"/>
+          <p:cNvSpPr>
+            <a:spLocks noGrp="1" noRot="1" noChangeAspect="1"/>
+          </p:cNvSpPr>
+          <p:nvPr>
+            <p:ph type="sldImg"/>
+          </p:nvPr>
+        </p:nvSpPr>
+        <p:spPr/>
+      </p:sp>
+      <p:sp>
+        <p:nvSpPr>
+          <p:cNvPr id="3" name="Marcador de notas 2"/>
+          <p:cNvSpPr>
+            <a:spLocks noGrp="1"/>
+          </p:cNvSpPr>
+          <p:nvPr>
+            <p:ph type="body" idx="1"/>
+          </p:nvPr>
+        </p:nvSpPr>
+        <p:spPr/>
+        <p:txBody>
+          <a:bodyPr/>
+          <a:lstStyle/>
+          <a:p>
+            <a:r>
+              <a:rPr lang="es-ES" dirty="0"/>
+              <a:t>Una vez recogidos los datos, tenemos un </a:t>
+            </a:r>
+            <a:r>
+              <a:rPr lang="es-ES" dirty="0" err="1"/>
+              <a:t>dataset</a:t>
+            </a:r>
+            <a:r>
+              <a:rPr lang="es-ES" dirty="0"/>
+              <a:t> con la siguiente apariencia. (Explicación de las variables)</a:t>
+            </a:r>
+          </a:p>
+        </p:txBody>
+      </p:sp>
+      <p:sp>
+        <p:nvSpPr>
+          <p:cNvPr id="4" name="Marcador de número de diapositiva 3"/>
+          <p:cNvSpPr>
+            <a:spLocks noGrp="1"/>
+          </p:cNvSpPr>
+          <p:nvPr>
+            <p:ph type="sldNum" sz="quarter" idx="10"/>
+          </p:nvPr>
+        </p:nvSpPr>
+        <p:spPr/>
+        <p:txBody>
+          <a:bodyPr/>
+          <a:lstStyle/>
+          <a:p>
+            <a:fld id="{0A39E505-5E6B-4B15-B11C-28AB1E673129}" type="slidenum">
+              <a:rPr lang="es-ES" smtClean="0"/>
+              <a:t>4</a:t>
+            </a:fld>
+            <a:endParaRPr lang="es-ES"/>
+          </a:p>
+        </p:txBody>
+      </p:sp>
+    </p:spTree>
+    <p:extLst>
+      <p:ext uri="{BB962C8B-B14F-4D97-AF65-F5344CB8AC3E}">
+        <p14:creationId xmlns:p14="http://schemas.microsoft.com/office/powerpoint/2010/main" val="2546439586"/>
+      </p:ext>
+    </p:extLst>
+  </p:cSld>
+  <p:clrMapOvr>
+    <a:masterClrMapping/>
+  </p:clrMapOvr>
+</p:notes>
+</file>
+
+<file path=ppt/notesSlides/notesSlide5.xml><?xml version="1.0" encoding="utf-8"?>
+<p:notes xmlns:a="http://schemas.openxmlformats.org/drawingml/2006/main" xmlns:r="http://schemas.openxmlformats.org/officeDocument/2006/relationships" xmlns:p="http://schemas.openxmlformats.org/presentationml/2006/main">
+  <p:cSld>
+    <p:spTree>
+      <p:nvGrpSpPr>
+        <p:cNvPr id="1" name=""/>
+        <p:cNvGrpSpPr/>
+        <p:nvPr/>
+      </p:nvGrpSpPr>
+      <p:grpSpPr>
+        <a:xfrm>
+          <a:off x="0" y="0"/>
+          <a:ext cx="0" cy="0"/>
+          <a:chOff x="0" y="0"/>
+          <a:chExt cx="0" cy="0"/>
+        </a:xfrm>
+      </p:grpSpPr>
+      <p:sp>
+        <p:nvSpPr>
+          <p:cNvPr id="2" name="Marcador de imagen de diapositiva 1"/>
+          <p:cNvSpPr>
+            <a:spLocks noGrp="1" noRot="1" noChangeAspect="1"/>
+          </p:cNvSpPr>
+          <p:nvPr>
+            <p:ph type="sldImg"/>
+          </p:nvPr>
+        </p:nvSpPr>
+        <p:spPr/>
+      </p:sp>
+      <p:sp>
+        <p:nvSpPr>
+          <p:cNvPr id="3" name="Marcador de notas 2"/>
+          <p:cNvSpPr>
+            <a:spLocks noGrp="1"/>
+          </p:cNvSpPr>
+          <p:nvPr>
+            <p:ph type="body" idx="1"/>
+          </p:nvPr>
+        </p:nvSpPr>
+        <p:spPr/>
+        <p:txBody>
+          <a:bodyPr/>
+          <a:lstStyle/>
+          <a:p>
+            <a:r>
+              <a:rPr lang="es-ES" dirty="0"/>
+              <a:t>Una vez recogidos los datos y analizados, se da paso a la construcción del modelo.  Para esta parte estuvo leyendo algunos artículos y también apoyándome en compañeros de trabajo que estaban investigando en el mismo campo para sacar algunas conclusiones sobre mis datos y sobre algún método de clasificación.</a:t>
+            </a:r>
+          </a:p>
+          <a:p>
+            <a:endParaRPr lang="es-ES" dirty="0"/>
+          </a:p>
+          <a:p>
+            <a:r>
+              <a:rPr lang="es-ES" dirty="0"/>
+              <a:t>Lo que había leído sobre clasificación de tráfico, se llevaba a cabo mediante clasificación de </a:t>
+            </a:r>
+            <a:r>
+              <a:rPr lang="es-ES" dirty="0" err="1"/>
+              <a:t>flows</a:t>
+            </a:r>
+            <a:r>
+              <a:rPr lang="es-ES" dirty="0"/>
+              <a:t> (conjuntos de paquetes que se encuentran en una misma </a:t>
+            </a:r>
+            <a:r>
+              <a:rPr lang="es-ES" dirty="0" err="1"/>
+              <a:t>omunicación</a:t>
+            </a:r>
+            <a:r>
+              <a:rPr lang="es-ES" dirty="0"/>
+              <a:t> entre el origen y el destino. Dentro de una conexión, puede haber diferentes </a:t>
+            </a:r>
+            <a:r>
+              <a:rPr lang="es-ES" dirty="0" err="1"/>
+              <a:t>flows</a:t>
+            </a:r>
+            <a:r>
+              <a:rPr lang="es-ES" dirty="0"/>
+              <a:t>)</a:t>
+            </a:r>
+          </a:p>
+          <a:p>
+            <a:endParaRPr lang="es-ES" dirty="0"/>
+          </a:p>
+          <a:p>
+            <a:r>
+              <a:rPr lang="es-ES" dirty="0"/>
+              <a:t>Sin embargo, observando los datos y si nos fijamos en la media de paquete, se puede observar que es bastante diferente, por lo que decidí emplear el tamaño de paquete, además del protocolo al que pertenece cada paquete, como variables para clasificar.</a:t>
+            </a:r>
+          </a:p>
+          <a:p>
+            <a:endParaRPr lang="es-ES" dirty="0"/>
+          </a:p>
+          <a:p>
+            <a:r>
+              <a:rPr lang="es-ES" dirty="0"/>
+              <a:t>El resto no las uso porque va a depender  mucho de dónde se ejecute, como </a:t>
+            </a:r>
+            <a:r>
+              <a:rPr lang="es-ES" dirty="0" err="1"/>
+              <a:t>Ips</a:t>
+            </a:r>
+            <a:r>
+              <a:rPr lang="es-ES" dirty="0"/>
+              <a:t> o puertos.</a:t>
+            </a:r>
+          </a:p>
+        </p:txBody>
+      </p:sp>
+      <p:sp>
+        <p:nvSpPr>
+          <p:cNvPr id="4" name="Marcador de número de diapositiva 3"/>
+          <p:cNvSpPr>
+            <a:spLocks noGrp="1"/>
+          </p:cNvSpPr>
+          <p:nvPr>
+            <p:ph type="sldNum" sz="quarter" idx="10"/>
+          </p:nvPr>
+        </p:nvSpPr>
+        <p:spPr/>
+        <p:txBody>
+          <a:bodyPr/>
+          <a:lstStyle/>
+          <a:p>
+            <a:fld id="{0A39E505-5E6B-4B15-B11C-28AB1E673129}" type="slidenum">
+              <a:rPr lang="es-ES" smtClean="0"/>
+              <a:t>5</a:t>
+            </a:fld>
+            <a:endParaRPr lang="es-ES"/>
+          </a:p>
+        </p:txBody>
+      </p:sp>
+    </p:spTree>
+    <p:extLst>
+      <p:ext uri="{BB962C8B-B14F-4D97-AF65-F5344CB8AC3E}">
+        <p14:creationId xmlns:p14="http://schemas.microsoft.com/office/powerpoint/2010/main" val="1353634702"/>
+      </p:ext>
+    </p:extLst>
+  </p:cSld>
+  <p:clrMapOvr>
+    <a:masterClrMapping/>
+  </p:clrMapOvr>
+</p:notes>
+</file>
+
+<file path=ppt/notesSlides/notesSlide6.xml><?xml version="1.0" encoding="utf-8"?>
+<p:notes xmlns:a="http://schemas.openxmlformats.org/drawingml/2006/main" xmlns:r="http://schemas.openxmlformats.org/officeDocument/2006/relationships" xmlns:p="http://schemas.openxmlformats.org/presentationml/2006/main">
+  <p:cSld>
+    <p:spTree>
+      <p:nvGrpSpPr>
+        <p:cNvPr id="1" name=""/>
+        <p:cNvGrpSpPr/>
+        <p:nvPr/>
+      </p:nvGrpSpPr>
+      <p:grpSpPr>
+        <a:xfrm>
+          <a:off x="0" y="0"/>
+          <a:ext cx="0" cy="0"/>
+          <a:chOff x="0" y="0"/>
+          <a:chExt cx="0" cy="0"/>
+        </a:xfrm>
+      </p:grpSpPr>
+      <p:sp>
+        <p:nvSpPr>
+          <p:cNvPr id="2" name="Marcador de imagen de diapositiva 1"/>
+          <p:cNvSpPr>
+            <a:spLocks noGrp="1" noRot="1" noChangeAspect="1"/>
+          </p:cNvSpPr>
+          <p:nvPr>
+            <p:ph type="sldImg"/>
+          </p:nvPr>
+        </p:nvSpPr>
+        <p:spPr/>
+      </p:sp>
+      <p:sp>
+        <p:nvSpPr>
+          <p:cNvPr id="3" name="Marcador de notas 2"/>
+          <p:cNvSpPr>
+            <a:spLocks noGrp="1"/>
+          </p:cNvSpPr>
+          <p:nvPr>
+            <p:ph type="body" idx="1"/>
+          </p:nvPr>
+        </p:nvSpPr>
+        <p:spPr/>
+        <p:txBody>
+          <a:bodyPr/>
+          <a:lstStyle/>
+          <a:p>
+            <a:r>
+              <a:rPr lang="es-ES" dirty="0"/>
+              <a:t>Estos son los modelos.</a:t>
+            </a:r>
+          </a:p>
+          <a:p>
+            <a:endParaRPr lang="es-ES" dirty="0"/>
+          </a:p>
+          <a:p>
+            <a:r>
+              <a:rPr lang="es-ES" dirty="0"/>
+              <a:t>El primero, solo estaba disponible para hacer clasificación binaria, por lo que para nuestro caso me di cuenta después que no nos valía.</a:t>
+            </a:r>
+          </a:p>
+          <a:p>
+            <a:endParaRPr lang="es-ES" dirty="0"/>
+          </a:p>
+          <a:p>
+            <a:r>
+              <a:rPr lang="es-ES" dirty="0"/>
+              <a:t>Dos redes neuronales</a:t>
+            </a:r>
+          </a:p>
+          <a:p>
+            <a:endParaRPr lang="es-ES" dirty="0"/>
+          </a:p>
+          <a:p>
+            <a:r>
+              <a:rPr lang="es-ES" dirty="0" err="1"/>
+              <a:t>Random</a:t>
+            </a:r>
+            <a:r>
+              <a:rPr lang="es-ES" dirty="0"/>
+              <a:t> Forest con la librería ML (</a:t>
+            </a:r>
+            <a:r>
+              <a:rPr lang="es-ES" dirty="0" err="1"/>
+              <a:t>batch</a:t>
+            </a:r>
+            <a:r>
+              <a:rPr lang="es-ES" dirty="0"/>
+              <a:t>)</a:t>
+            </a:r>
+          </a:p>
+          <a:p>
+            <a:endParaRPr lang="es-ES" dirty="0"/>
+          </a:p>
+          <a:p>
+            <a:r>
+              <a:rPr lang="es-ES" dirty="0" err="1"/>
+              <a:t>Randome</a:t>
+            </a:r>
+            <a:r>
+              <a:rPr lang="es-ES" dirty="0"/>
+              <a:t> Forest con la librería </a:t>
+            </a:r>
+            <a:r>
+              <a:rPr lang="es-ES" dirty="0" err="1"/>
+              <a:t>mllib</a:t>
+            </a:r>
+            <a:r>
+              <a:rPr lang="es-ES" dirty="0"/>
+              <a:t> (</a:t>
+            </a:r>
+            <a:r>
+              <a:rPr lang="es-ES" dirty="0" err="1"/>
+              <a:t>streaming</a:t>
+            </a:r>
+            <a:r>
+              <a:rPr lang="es-ES" dirty="0"/>
+              <a:t>)</a:t>
+            </a:r>
+          </a:p>
+          <a:p>
+            <a:endParaRPr lang="es-ES" dirty="0"/>
+          </a:p>
+          <a:p>
+            <a:endParaRPr lang="es-ES" dirty="0"/>
+          </a:p>
+        </p:txBody>
+      </p:sp>
+      <p:sp>
+        <p:nvSpPr>
+          <p:cNvPr id="4" name="Marcador de número de diapositiva 3"/>
+          <p:cNvSpPr>
+            <a:spLocks noGrp="1"/>
+          </p:cNvSpPr>
+          <p:nvPr>
+            <p:ph type="sldNum" sz="quarter" idx="10"/>
+          </p:nvPr>
+        </p:nvSpPr>
+        <p:spPr/>
+        <p:txBody>
+          <a:bodyPr/>
+          <a:lstStyle/>
+          <a:p>
+            <a:fld id="{0A39E505-5E6B-4B15-B11C-28AB1E673129}" type="slidenum">
+              <a:rPr lang="es-ES" smtClean="0"/>
+              <a:t>6</a:t>
+            </a:fld>
+            <a:endParaRPr lang="es-ES"/>
+          </a:p>
+        </p:txBody>
+      </p:sp>
+    </p:spTree>
+    <p:extLst>
+      <p:ext uri="{BB962C8B-B14F-4D97-AF65-F5344CB8AC3E}">
+        <p14:creationId xmlns:p14="http://schemas.microsoft.com/office/powerpoint/2010/main" val="3807412482"/>
+      </p:ext>
+    </p:extLst>
+  </p:cSld>
+  <p:clrMapOvr>
+    <a:masterClrMapping/>
+  </p:clrMapOvr>
+</p:notes>
+</file>
+
+<file path=ppt/notesSlides/notesSlide7.xml><?xml version="1.0" encoding="utf-8"?>
+<p:notes xmlns:a="http://schemas.openxmlformats.org/drawingml/2006/main" xmlns:r="http://schemas.openxmlformats.org/officeDocument/2006/relationships" xmlns:p="http://schemas.openxmlformats.org/presentationml/2006/main">
+  <p:cSld>
+    <p:spTree>
+      <p:nvGrpSpPr>
+        <p:cNvPr id="1" name=""/>
+        <p:cNvGrpSpPr/>
+        <p:nvPr/>
+      </p:nvGrpSpPr>
+      <p:grpSpPr>
+        <a:xfrm>
+          <a:off x="0" y="0"/>
+          <a:ext cx="0" cy="0"/>
+          <a:chOff x="0" y="0"/>
+          <a:chExt cx="0" cy="0"/>
+        </a:xfrm>
+      </p:grpSpPr>
+      <p:sp>
+        <p:nvSpPr>
+          <p:cNvPr id="2" name="Marcador de imagen de diapositiva 1"/>
+          <p:cNvSpPr>
+            <a:spLocks noGrp="1" noRot="1" noChangeAspect="1"/>
+          </p:cNvSpPr>
+          <p:nvPr>
+            <p:ph type="sldImg"/>
+          </p:nvPr>
+        </p:nvSpPr>
+        <p:spPr/>
+      </p:sp>
+      <p:sp>
+        <p:nvSpPr>
+          <p:cNvPr id="3" name="Marcador de notas 2"/>
+          <p:cNvSpPr>
+            <a:spLocks noGrp="1"/>
+          </p:cNvSpPr>
+          <p:nvPr>
+            <p:ph type="body" idx="1"/>
+          </p:nvPr>
+        </p:nvSpPr>
+        <p:spPr/>
+        <p:txBody>
+          <a:bodyPr/>
+          <a:lstStyle/>
+          <a:p>
             <a:endParaRPr lang="es-ES"/>
           </a:p>
         </p:txBody>
@@ -17218,7 +18162,7 @@
         </p:xfrm>
         <a:graphic>
           <a:graphicData uri="http://schemas.openxmlformats.org/drawingml/2006/diagram">
-            <dgm:relIds xmlns:dgm="http://schemas.openxmlformats.org/drawingml/2006/diagram" xmlns:r="http://schemas.openxmlformats.org/officeDocument/2006/relationships" r:dm="rId2" r:lo="rId3" r:qs="rId4" r:cs="rId5"/>
+            <dgm:relIds xmlns:dgm="http://schemas.openxmlformats.org/drawingml/2006/diagram" xmlns:r="http://schemas.openxmlformats.org/officeDocument/2006/relationships" r:dm="rId3" r:lo="rId4" r:qs="rId5" r:cs="rId6"/>
           </a:graphicData>
         </a:graphic>
       </p:graphicFrame>
@@ -17441,7 +18385,7 @@
           <p:nvPr/>
         </p:nvPicPr>
         <p:blipFill>
-          <a:blip r:embed="rId2">
+          <a:blip r:embed="rId3">
             <a:extLst>
               <a:ext uri="{28A0092B-C50C-407E-A947-70E740481C1C}">
                 <a14:useLocalDpi xmlns:a14="http://schemas.microsoft.com/office/drawing/2010/main" val="0"/>
@@ -17477,7 +18421,7 @@
           <p:nvPr/>
         </p:nvPicPr>
         <p:blipFill rotWithShape="1">
-          <a:blip r:embed="rId3">
+          <a:blip r:embed="rId4">
             <a:extLst>
               <a:ext uri="{28A0092B-C50C-407E-A947-70E740481C1C}">
                 <a14:useLocalDpi xmlns:a14="http://schemas.microsoft.com/office/drawing/2010/main" val="0"/>
@@ -17512,7 +18456,7 @@
           <p:nvPr/>
         </p:nvPicPr>
         <p:blipFill>
-          <a:blip r:embed="rId4">
+          <a:blip r:embed="rId5">
             <a:extLst>
               <a:ext uri="{28A0092B-C50C-407E-A947-70E740481C1C}">
                 <a14:useLocalDpi xmlns:a14="http://schemas.microsoft.com/office/drawing/2010/main" val="0"/>
@@ -18704,7 +19648,7 @@
           <p:nvPr/>
         </p:nvPicPr>
         <p:blipFill>
-          <a:blip r:embed="rId2"/>
+          <a:blip r:embed="rId3"/>
           <a:stretch>
             <a:fillRect/>
           </a:stretch>
@@ -18920,7 +19864,7 @@
           <p:nvPr/>
         </p:nvPicPr>
         <p:blipFill>
-          <a:blip r:embed="rId2"/>
+          <a:blip r:embed="rId3"/>
           <a:stretch>
             <a:fillRect/>
           </a:stretch>
